--- a/websitePPneu.pptx
+++ b/websitePPneu.pptx
@@ -6,7 +6,7 @@
     <p:sldMasterId id="2147483660" r:id="rId2"/>
   </p:sldMasterIdLst>
   <p:notesMasterIdLst>
-    <p:notesMasterId r:id="rId15"/>
+    <p:notesMasterId r:id="rId18"/>
   </p:notesMasterIdLst>
   <p:sldIdLst>
     <p:sldId id="269" r:id="rId3"/>
@@ -19,8 +19,11 @@
     <p:sldId id="285" r:id="rId10"/>
     <p:sldId id="284" r:id="rId11"/>
     <p:sldId id="278" r:id="rId12"/>
-    <p:sldId id="279" r:id="rId13"/>
-    <p:sldId id="280" r:id="rId14"/>
+    <p:sldId id="286" r:id="rId13"/>
+    <p:sldId id="287" r:id="rId14"/>
+    <p:sldId id="288" r:id="rId15"/>
+    <p:sldId id="279" r:id="rId16"/>
+    <p:sldId id="280" r:id="rId17"/>
   </p:sldIdLst>
   <p:sldSz cx="12192000" cy="6858000"/>
   <p:notesSz cx="6858000" cy="9144000"/>
@@ -119,6 +122,11 @@
       </a:defRPr>
     </a:lvl9pPr>
   </p:defaultTextStyle>
+  <p:extLst>
+    <p:ext uri="{EFAFB233-063F-42B5-8137-9DF3F51BA10A}">
+      <p15:sldGuideLst xmlns:p15="http://schemas.microsoft.com/office/powerpoint/2012/main"/>
+    </p:ext>
+  </p:extLst>
 </p:presentation>
 </file>
 
@@ -128,6 +136,95 @@
     <p1510:client id="{BFAC6D0D-1A45-4AD2-BC63-18E07D3E6BB0}" v="1169" dt="2018-06-05T11:13:26.002"/>
   </p1510:revLst>
 </p1510:revInfo>
+</file>
+
+<file path=ppt/changesInfos/changesInfo1.xml><?xml version="1.0" encoding="utf-8"?>
+<pc:chgInfo xmlns:a="http://schemas.openxmlformats.org/drawingml/2006/main" xmlns:r="http://schemas.openxmlformats.org/officeDocument/2006/relationships" xmlns:ac="http://schemas.microsoft.com/office/drawing/2013/main/command" xmlns:pc="http://schemas.microsoft.com/office/powerpoint/2013/main/command">
+  <pc:docChgLst>
+    <pc:chgData name="sulfikar hamka" userId="7b455397b8076885" providerId="LiveId" clId="{04E4CC0D-93EB-4E24-A7B0-DE133B260FAA}"/>
+    <pc:docChg chg="undo custSel addSld modSld">
+      <pc:chgData name="sulfikar hamka" userId="7b455397b8076885" providerId="LiveId" clId="{04E4CC0D-93EB-4E24-A7B0-DE133B260FAA}" dt="2018-06-05T11:42:35.860" v="1086" actId="5793"/>
+      <pc:docMkLst>
+        <pc:docMk/>
+      </pc:docMkLst>
+      <pc:sldChg chg="modSp">
+        <pc:chgData name="sulfikar hamka" userId="7b455397b8076885" providerId="LiveId" clId="{04E4CC0D-93EB-4E24-A7B0-DE133B260FAA}" dt="2018-06-05T11:22:18.904" v="85" actId="5793"/>
+        <pc:sldMkLst>
+          <pc:docMk/>
+          <pc:sldMk cId="1723767227" sldId="278"/>
+        </pc:sldMkLst>
+        <pc:spChg chg="mod">
+          <ac:chgData name="sulfikar hamka" userId="7b455397b8076885" providerId="LiveId" clId="{04E4CC0D-93EB-4E24-A7B0-DE133B260FAA}" dt="2018-06-05T11:22:18.904" v="85" actId="5793"/>
+          <ac:spMkLst>
+            <pc:docMk/>
+            <pc:sldMk cId="1723767227" sldId="278"/>
+            <ac:spMk id="6" creationId="{37D42437-95F7-4C64-81D1-F82571A32530}"/>
+          </ac:spMkLst>
+        </pc:spChg>
+      </pc:sldChg>
+      <pc:sldChg chg="modSp">
+        <pc:chgData name="sulfikar hamka" userId="7b455397b8076885" providerId="LiveId" clId="{04E4CC0D-93EB-4E24-A7B0-DE133B260FAA}" dt="2018-06-05T11:30:14.781" v="331" actId="20577"/>
+        <pc:sldMkLst>
+          <pc:docMk/>
+          <pc:sldMk cId="2397511853" sldId="284"/>
+        </pc:sldMkLst>
+        <pc:spChg chg="mod">
+          <ac:chgData name="sulfikar hamka" userId="7b455397b8076885" providerId="LiveId" clId="{04E4CC0D-93EB-4E24-A7B0-DE133B260FAA}" dt="2018-06-05T11:30:14.781" v="331" actId="20577"/>
+          <ac:spMkLst>
+            <pc:docMk/>
+            <pc:sldMk cId="2397511853" sldId="284"/>
+            <ac:spMk id="6" creationId="{37D42437-95F7-4C64-81D1-F82571A32530}"/>
+          </ac:spMkLst>
+        </pc:spChg>
+      </pc:sldChg>
+      <pc:sldChg chg="modSp add">
+        <pc:chgData name="sulfikar hamka" userId="7b455397b8076885" providerId="LiveId" clId="{04E4CC0D-93EB-4E24-A7B0-DE133B260FAA}" dt="2018-06-05T11:35:27.456" v="649" actId="20577"/>
+        <pc:sldMkLst>
+          <pc:docMk/>
+          <pc:sldMk cId="4199194477" sldId="286"/>
+        </pc:sldMkLst>
+        <pc:spChg chg="mod">
+          <ac:chgData name="sulfikar hamka" userId="7b455397b8076885" providerId="LiveId" clId="{04E4CC0D-93EB-4E24-A7B0-DE133B260FAA}" dt="2018-06-05T11:35:27.456" v="649" actId="20577"/>
+          <ac:spMkLst>
+            <pc:docMk/>
+            <pc:sldMk cId="4199194477" sldId="286"/>
+            <ac:spMk id="6" creationId="{37D42437-95F7-4C64-81D1-F82571A32530}"/>
+          </ac:spMkLst>
+        </pc:spChg>
+      </pc:sldChg>
+      <pc:sldChg chg="modSp add">
+        <pc:chgData name="sulfikar hamka" userId="7b455397b8076885" providerId="LiveId" clId="{04E4CC0D-93EB-4E24-A7B0-DE133B260FAA}" dt="2018-06-05T11:38:11.810" v="777" actId="20577"/>
+        <pc:sldMkLst>
+          <pc:docMk/>
+          <pc:sldMk cId="1888036735" sldId="287"/>
+        </pc:sldMkLst>
+        <pc:spChg chg="mod">
+          <ac:chgData name="sulfikar hamka" userId="7b455397b8076885" providerId="LiveId" clId="{04E4CC0D-93EB-4E24-A7B0-DE133B260FAA}" dt="2018-06-05T11:38:11.810" v="777" actId="20577"/>
+          <ac:spMkLst>
+            <pc:docMk/>
+            <pc:sldMk cId="1888036735" sldId="287"/>
+            <ac:spMk id="6" creationId="{37D42437-95F7-4C64-81D1-F82571A32530}"/>
+          </ac:spMkLst>
+        </pc:spChg>
+      </pc:sldChg>
+      <pc:sldChg chg="modSp add">
+        <pc:chgData name="sulfikar hamka" userId="7b455397b8076885" providerId="LiveId" clId="{04E4CC0D-93EB-4E24-A7B0-DE133B260FAA}" dt="2018-06-05T11:42:35.860" v="1086" actId="5793"/>
+        <pc:sldMkLst>
+          <pc:docMk/>
+          <pc:sldMk cId="4163308399" sldId="288"/>
+        </pc:sldMkLst>
+        <pc:spChg chg="mod">
+          <ac:chgData name="sulfikar hamka" userId="7b455397b8076885" providerId="LiveId" clId="{04E4CC0D-93EB-4E24-A7B0-DE133B260FAA}" dt="2018-06-05T11:42:35.860" v="1086" actId="5793"/>
+          <ac:spMkLst>
+            <pc:docMk/>
+            <pc:sldMk cId="4163308399" sldId="288"/>
+            <ac:spMk id="6" creationId="{37D42437-95F7-4C64-81D1-F82571A32530}"/>
+          </ac:spMkLst>
+        </pc:spChg>
+      </pc:sldChg>
+    </pc:docChg>
+  </pc:docChgLst>
+</pc:chgInfo>
 </file>
 
 <file path=ppt/notesMasters/notesMaster1.xml><?xml version="1.0" encoding="utf-8"?>
@@ -7807,6 +7904,53 @@
           <a:bodyPr/>
           <a:lstStyle/>
           <a:p>
+            <a:r>
+              <a:rPr lang="de-DE" dirty="0"/>
+              <a:t>Website beinhaltet 5 Themen</a:t>
+            </a:r>
+          </a:p>
+          <a:p>
+            <a:pPr lvl="1"/>
+            <a:r>
+              <a:rPr lang="de-DE" dirty="0"/>
+              <a:t>Profil</a:t>
+            </a:r>
+          </a:p>
+          <a:p>
+            <a:pPr lvl="1"/>
+            <a:r>
+              <a:rPr lang="de-DE" dirty="0"/>
+              <a:t>Kurse</a:t>
+            </a:r>
+          </a:p>
+          <a:p>
+            <a:pPr lvl="1"/>
+            <a:r>
+              <a:rPr lang="de-DE" dirty="0"/>
+              <a:t>Aufgaben </a:t>
+            </a:r>
+          </a:p>
+          <a:p>
+            <a:pPr lvl="1"/>
+            <a:r>
+              <a:rPr lang="de-DE" dirty="0"/>
+              <a:t>Freunde</a:t>
+            </a:r>
+          </a:p>
+          <a:p>
+            <a:pPr lvl="1"/>
+            <a:r>
+              <a:rPr lang="de-DE" dirty="0"/>
+              <a:t>Nachhilfe</a:t>
+            </a:r>
+          </a:p>
+          <a:p>
+            <a:pPr marL="0" indent="0">
+              <a:buNone/>
+            </a:pPr>
+            <a:endParaRPr lang="de-DE" dirty="0"/>
+          </a:p>
+          <a:p>
             <a:endParaRPr lang="de-DE" dirty="0"/>
           </a:p>
         </p:txBody>
@@ -7970,6 +8114,803 @@
           <a:bodyPr/>
           <a:lstStyle/>
           <a:p>
+            <a:r>
+              <a:rPr lang="de-DE" dirty="0"/>
+              <a:t>Architektur der Plattform</a:t>
+            </a:r>
+          </a:p>
+        </p:txBody>
+      </p:sp>
+      <p:sp>
+        <p:nvSpPr>
+          <p:cNvPr id="6" name="Inhaltsplatzhalter 5">
+            <a:extLst>
+              <a:ext uri="{FF2B5EF4-FFF2-40B4-BE49-F238E27FC236}">
+                <a16:creationId xmlns:a16="http://schemas.microsoft.com/office/drawing/2014/main" id="{37D42437-95F7-4C64-81D1-F82571A32530}"/>
+              </a:ext>
+            </a:extLst>
+          </p:cNvPr>
+          <p:cNvSpPr>
+            <a:spLocks noGrp="1"/>
+          </p:cNvSpPr>
+          <p:nvPr>
+            <p:ph idx="1"/>
+          </p:nvPr>
+        </p:nvSpPr>
+        <p:spPr/>
+        <p:txBody>
+          <a:bodyPr/>
+          <a:lstStyle/>
+          <a:p>
+            <a:r>
+              <a:rPr lang="de-DE" dirty="0"/>
+              <a:t>Profil</a:t>
+            </a:r>
+          </a:p>
+          <a:p>
+            <a:pPr lvl="1"/>
+            <a:r>
+              <a:rPr lang="de-DE" dirty="0"/>
+              <a:t>Aufgaben </a:t>
+            </a:r>
+          </a:p>
+          <a:p>
+            <a:pPr lvl="1"/>
+            <a:r>
+              <a:rPr lang="de-DE" dirty="0"/>
+              <a:t>Kurse</a:t>
+            </a:r>
+          </a:p>
+          <a:p>
+            <a:pPr lvl="1"/>
+            <a:endParaRPr lang="de-DE" dirty="0"/>
+          </a:p>
+          <a:p>
+            <a:r>
+              <a:rPr lang="de-DE" dirty="0"/>
+              <a:t>Kurse Übersicht</a:t>
+            </a:r>
+          </a:p>
+          <a:p>
+            <a:pPr lvl="1"/>
+            <a:r>
+              <a:rPr lang="de-DE" dirty="0"/>
+              <a:t>Beigetretene Kurse</a:t>
+            </a:r>
+          </a:p>
+          <a:p>
+            <a:pPr lvl="2"/>
+            <a:r>
+              <a:rPr lang="de-DE" dirty="0"/>
+              <a:t>Kurs </a:t>
+            </a:r>
+          </a:p>
+          <a:p>
+            <a:pPr lvl="1"/>
+            <a:r>
+              <a:rPr lang="de-DE" dirty="0"/>
+              <a:t>Nicht beigetretene</a:t>
+            </a:r>
+          </a:p>
+          <a:p>
+            <a:pPr lvl="2"/>
+            <a:r>
+              <a:rPr lang="de-DE" dirty="0"/>
+              <a:t>Kurs Einschreibung</a:t>
+            </a:r>
+          </a:p>
+          <a:p>
+            <a:pPr lvl="3"/>
+            <a:r>
+              <a:rPr lang="de-DE" dirty="0"/>
+              <a:t>Kurs</a:t>
+            </a:r>
+          </a:p>
+          <a:p>
+            <a:pPr marL="0" indent="0">
+              <a:buNone/>
+            </a:pPr>
+            <a:endParaRPr lang="de-DE" dirty="0"/>
+          </a:p>
+          <a:p>
+            <a:pPr lvl="2"/>
+            <a:endParaRPr lang="de-DE" dirty="0"/>
+          </a:p>
+          <a:p>
+            <a:pPr lvl="2"/>
+            <a:endParaRPr lang="de-DE" dirty="0"/>
+          </a:p>
+          <a:p>
+            <a:endParaRPr lang="de-DE" dirty="0"/>
+          </a:p>
+        </p:txBody>
+      </p:sp>
+      <p:pic>
+        <p:nvPicPr>
+          <p:cNvPr id="5" name="Grafik 4">
+            <a:extLst>
+              <a:ext uri="{FF2B5EF4-FFF2-40B4-BE49-F238E27FC236}">
+                <a16:creationId xmlns:a16="http://schemas.microsoft.com/office/drawing/2014/main" id="{B7E16C27-D378-4829-A890-B1E9782FCB2F}"/>
+              </a:ext>
+            </a:extLst>
+          </p:cNvPr>
+          <p:cNvPicPr>
+            <a:picLocks noChangeAspect="1"/>
+          </p:cNvPicPr>
+          <p:nvPr/>
+        </p:nvPicPr>
+        <p:blipFill>
+          <a:blip r:embed="rId2">
+            <a:extLst>
+              <a:ext uri="{28A0092B-C50C-407E-A947-70E740481C1C}">
+                <a14:useLocalDpi xmlns:a14="http://schemas.microsoft.com/office/drawing/2010/main" val="0"/>
+              </a:ext>
+            </a:extLst>
+          </a:blip>
+          <a:stretch>
+            <a:fillRect/>
+          </a:stretch>
+        </p:blipFill>
+        <p:spPr>
+          <a:xfrm>
+            <a:off x="0" y="0"/>
+            <a:ext cx="17967158" cy="533400"/>
+          </a:xfrm>
+          <a:prstGeom prst="rect">
+            <a:avLst/>
+          </a:prstGeom>
+        </p:spPr>
+      </p:pic>
+      <p:pic>
+        <p:nvPicPr>
+          <p:cNvPr id="7" name="Grafik 6">
+            <a:extLst>
+              <a:ext uri="{FF2B5EF4-FFF2-40B4-BE49-F238E27FC236}">
+                <a16:creationId xmlns:a16="http://schemas.microsoft.com/office/drawing/2014/main" id="{D69E3AB2-FDF1-4CE2-9130-48554F747CE8}"/>
+              </a:ext>
+            </a:extLst>
+          </p:cNvPr>
+          <p:cNvPicPr>
+            <a:picLocks noChangeAspect="1"/>
+          </p:cNvPicPr>
+          <p:nvPr/>
+        </p:nvPicPr>
+        <p:blipFill>
+          <a:blip r:embed="rId3">
+            <a:extLst>
+              <a:ext uri="{28A0092B-C50C-407E-A947-70E740481C1C}">
+                <a14:useLocalDpi xmlns:a14="http://schemas.microsoft.com/office/drawing/2010/main" val="0"/>
+              </a:ext>
+            </a:extLst>
+          </a:blip>
+          <a:stretch>
+            <a:fillRect/>
+          </a:stretch>
+        </p:blipFill>
+        <p:spPr>
+          <a:xfrm>
+            <a:off x="-5202027" y="5962249"/>
+            <a:ext cx="17394027" cy="895751"/>
+          </a:xfrm>
+          <a:prstGeom prst="rect">
+            <a:avLst/>
+          </a:prstGeom>
+        </p:spPr>
+      </p:pic>
+      <p:pic>
+        <p:nvPicPr>
+          <p:cNvPr id="13" name="Grafik 12">
+            <a:extLst>
+              <a:ext uri="{FF2B5EF4-FFF2-40B4-BE49-F238E27FC236}">
+                <a16:creationId xmlns:a16="http://schemas.microsoft.com/office/drawing/2014/main" id="{3F15EF38-607C-4029-BB9B-6A63B2AFF21A}"/>
+              </a:ext>
+            </a:extLst>
+          </p:cNvPr>
+          <p:cNvPicPr>
+            <a:picLocks noChangeAspect="1"/>
+          </p:cNvPicPr>
+          <p:nvPr/>
+        </p:nvPicPr>
+        <p:blipFill>
+          <a:blip r:embed="rId4">
+            <a:extLst>
+              <a:ext uri="{28A0092B-C50C-407E-A947-70E740481C1C}">
+                <a14:useLocalDpi xmlns:a14="http://schemas.microsoft.com/office/drawing/2010/main" val="0"/>
+              </a:ext>
+            </a:extLst>
+          </a:blip>
+          <a:stretch>
+            <a:fillRect/>
+          </a:stretch>
+        </p:blipFill>
+        <p:spPr>
+          <a:xfrm>
+            <a:off x="1247555" y="6410124"/>
+            <a:ext cx="4738488" cy="358976"/>
+          </a:xfrm>
+          <a:prstGeom prst="rect">
+            <a:avLst/>
+          </a:prstGeom>
+        </p:spPr>
+      </p:pic>
+    </p:spTree>
+    <p:extLst>
+      <p:ext uri="{BB962C8B-B14F-4D97-AF65-F5344CB8AC3E}">
+        <p14:creationId xmlns:p14="http://schemas.microsoft.com/office/powerpoint/2010/main" val="4199194477"/>
+      </p:ext>
+    </p:extLst>
+  </p:cSld>
+  <p:clrMapOvr>
+    <a:masterClrMapping/>
+  </p:clrMapOvr>
+</p:sld>
+</file>
+
+<file path=ppt/slides/slide12.xml><?xml version="1.0" encoding="utf-8"?>
+<p:sld xmlns:a="http://schemas.openxmlformats.org/drawingml/2006/main" xmlns:r="http://schemas.openxmlformats.org/officeDocument/2006/relationships" xmlns:p="http://schemas.openxmlformats.org/presentationml/2006/main">
+  <p:cSld>
+    <p:spTree>
+      <p:nvGrpSpPr>
+        <p:cNvPr id="1" name=""/>
+        <p:cNvGrpSpPr/>
+        <p:nvPr/>
+      </p:nvGrpSpPr>
+      <p:grpSpPr>
+        <a:xfrm>
+          <a:off x="0" y="0"/>
+          <a:ext cx="0" cy="0"/>
+          <a:chOff x="0" y="0"/>
+          <a:chExt cx="0" cy="0"/>
+        </a:xfrm>
+      </p:grpSpPr>
+      <p:sp>
+        <p:nvSpPr>
+          <p:cNvPr id="4" name="Titel 3">
+            <a:extLst>
+              <a:ext uri="{FF2B5EF4-FFF2-40B4-BE49-F238E27FC236}">
+                <a16:creationId xmlns:a16="http://schemas.microsoft.com/office/drawing/2014/main" id="{87AC8795-F72E-4F53-BACC-C551C2D8316A}"/>
+              </a:ext>
+            </a:extLst>
+          </p:cNvPr>
+          <p:cNvSpPr>
+            <a:spLocks noGrp="1"/>
+          </p:cNvSpPr>
+          <p:nvPr>
+            <p:ph type="title"/>
+          </p:nvPr>
+        </p:nvSpPr>
+        <p:spPr/>
+        <p:txBody>
+          <a:bodyPr/>
+          <a:lstStyle/>
+          <a:p>
+            <a:r>
+              <a:rPr lang="de-DE" dirty="0"/>
+              <a:t>Architektur der Plattform</a:t>
+            </a:r>
+          </a:p>
+        </p:txBody>
+      </p:sp>
+      <p:sp>
+        <p:nvSpPr>
+          <p:cNvPr id="6" name="Inhaltsplatzhalter 5">
+            <a:extLst>
+              <a:ext uri="{FF2B5EF4-FFF2-40B4-BE49-F238E27FC236}">
+                <a16:creationId xmlns:a16="http://schemas.microsoft.com/office/drawing/2014/main" id="{37D42437-95F7-4C64-81D1-F82571A32530}"/>
+              </a:ext>
+            </a:extLst>
+          </p:cNvPr>
+          <p:cNvSpPr>
+            <a:spLocks noGrp="1"/>
+          </p:cNvSpPr>
+          <p:nvPr>
+            <p:ph idx="1"/>
+          </p:nvPr>
+        </p:nvSpPr>
+        <p:spPr/>
+        <p:txBody>
+          <a:bodyPr/>
+          <a:lstStyle/>
+          <a:p>
+            <a:r>
+              <a:rPr lang="de-DE" dirty="0"/>
+              <a:t>Kurs</a:t>
+            </a:r>
+          </a:p>
+          <a:p>
+            <a:pPr lvl="1"/>
+            <a:r>
+              <a:rPr lang="de-DE" dirty="0"/>
+              <a:t>Aufgaben Sammlung</a:t>
+            </a:r>
+          </a:p>
+          <a:p>
+            <a:pPr lvl="1"/>
+            <a:endParaRPr lang="de-DE" dirty="0"/>
+          </a:p>
+          <a:p>
+            <a:r>
+              <a:rPr lang="de-DE" dirty="0"/>
+              <a:t>Freunde Übersicht</a:t>
+            </a:r>
+          </a:p>
+          <a:p>
+            <a:pPr lvl="1"/>
+            <a:r>
+              <a:rPr lang="de-DE" dirty="0"/>
+              <a:t>Freunde Profil</a:t>
+            </a:r>
+          </a:p>
+          <a:p>
+            <a:pPr lvl="1"/>
+            <a:endParaRPr lang="de-DE" dirty="0"/>
+          </a:p>
+          <a:p>
+            <a:r>
+              <a:rPr lang="de-DE" dirty="0"/>
+              <a:t>Freunde Profil</a:t>
+            </a:r>
+          </a:p>
+          <a:p>
+            <a:pPr lvl="1"/>
+            <a:r>
+              <a:rPr lang="de-DE" dirty="0"/>
+              <a:t>Kurse</a:t>
+            </a:r>
+          </a:p>
+          <a:p>
+            <a:pPr lvl="1"/>
+            <a:r>
+              <a:rPr lang="de-DE" dirty="0"/>
+              <a:t>Aufgaben</a:t>
+            </a:r>
+          </a:p>
+          <a:p>
+            <a:pPr marL="0" indent="0">
+              <a:buNone/>
+            </a:pPr>
+            <a:endParaRPr lang="de-DE" dirty="0"/>
+          </a:p>
+          <a:p>
+            <a:pPr lvl="2"/>
+            <a:endParaRPr lang="de-DE" dirty="0"/>
+          </a:p>
+          <a:p>
+            <a:pPr lvl="2"/>
+            <a:endParaRPr lang="de-DE" dirty="0"/>
+          </a:p>
+          <a:p>
+            <a:endParaRPr lang="de-DE" dirty="0"/>
+          </a:p>
+        </p:txBody>
+      </p:sp>
+      <p:pic>
+        <p:nvPicPr>
+          <p:cNvPr id="5" name="Grafik 4">
+            <a:extLst>
+              <a:ext uri="{FF2B5EF4-FFF2-40B4-BE49-F238E27FC236}">
+                <a16:creationId xmlns:a16="http://schemas.microsoft.com/office/drawing/2014/main" id="{B7E16C27-D378-4829-A890-B1E9782FCB2F}"/>
+              </a:ext>
+            </a:extLst>
+          </p:cNvPr>
+          <p:cNvPicPr>
+            <a:picLocks noChangeAspect="1"/>
+          </p:cNvPicPr>
+          <p:nvPr/>
+        </p:nvPicPr>
+        <p:blipFill>
+          <a:blip r:embed="rId2">
+            <a:extLst>
+              <a:ext uri="{28A0092B-C50C-407E-A947-70E740481C1C}">
+                <a14:useLocalDpi xmlns:a14="http://schemas.microsoft.com/office/drawing/2010/main" val="0"/>
+              </a:ext>
+            </a:extLst>
+          </a:blip>
+          <a:stretch>
+            <a:fillRect/>
+          </a:stretch>
+        </p:blipFill>
+        <p:spPr>
+          <a:xfrm>
+            <a:off x="0" y="0"/>
+            <a:ext cx="17967158" cy="533400"/>
+          </a:xfrm>
+          <a:prstGeom prst="rect">
+            <a:avLst/>
+          </a:prstGeom>
+        </p:spPr>
+      </p:pic>
+      <p:pic>
+        <p:nvPicPr>
+          <p:cNvPr id="7" name="Grafik 6">
+            <a:extLst>
+              <a:ext uri="{FF2B5EF4-FFF2-40B4-BE49-F238E27FC236}">
+                <a16:creationId xmlns:a16="http://schemas.microsoft.com/office/drawing/2014/main" id="{D69E3AB2-FDF1-4CE2-9130-48554F747CE8}"/>
+              </a:ext>
+            </a:extLst>
+          </p:cNvPr>
+          <p:cNvPicPr>
+            <a:picLocks noChangeAspect="1"/>
+          </p:cNvPicPr>
+          <p:nvPr/>
+        </p:nvPicPr>
+        <p:blipFill>
+          <a:blip r:embed="rId3">
+            <a:extLst>
+              <a:ext uri="{28A0092B-C50C-407E-A947-70E740481C1C}">
+                <a14:useLocalDpi xmlns:a14="http://schemas.microsoft.com/office/drawing/2010/main" val="0"/>
+              </a:ext>
+            </a:extLst>
+          </a:blip>
+          <a:stretch>
+            <a:fillRect/>
+          </a:stretch>
+        </p:blipFill>
+        <p:spPr>
+          <a:xfrm>
+            <a:off x="-5202027" y="5962249"/>
+            <a:ext cx="17394027" cy="895751"/>
+          </a:xfrm>
+          <a:prstGeom prst="rect">
+            <a:avLst/>
+          </a:prstGeom>
+        </p:spPr>
+      </p:pic>
+      <p:pic>
+        <p:nvPicPr>
+          <p:cNvPr id="13" name="Grafik 12">
+            <a:extLst>
+              <a:ext uri="{FF2B5EF4-FFF2-40B4-BE49-F238E27FC236}">
+                <a16:creationId xmlns:a16="http://schemas.microsoft.com/office/drawing/2014/main" id="{3F15EF38-607C-4029-BB9B-6A63B2AFF21A}"/>
+              </a:ext>
+            </a:extLst>
+          </p:cNvPr>
+          <p:cNvPicPr>
+            <a:picLocks noChangeAspect="1"/>
+          </p:cNvPicPr>
+          <p:nvPr/>
+        </p:nvPicPr>
+        <p:blipFill>
+          <a:blip r:embed="rId4">
+            <a:extLst>
+              <a:ext uri="{28A0092B-C50C-407E-A947-70E740481C1C}">
+                <a14:useLocalDpi xmlns:a14="http://schemas.microsoft.com/office/drawing/2010/main" val="0"/>
+              </a:ext>
+            </a:extLst>
+          </a:blip>
+          <a:stretch>
+            <a:fillRect/>
+          </a:stretch>
+        </p:blipFill>
+        <p:spPr>
+          <a:xfrm>
+            <a:off x="1247555" y="6410124"/>
+            <a:ext cx="4738488" cy="358976"/>
+          </a:xfrm>
+          <a:prstGeom prst="rect">
+            <a:avLst/>
+          </a:prstGeom>
+        </p:spPr>
+      </p:pic>
+    </p:spTree>
+    <p:extLst>
+      <p:ext uri="{BB962C8B-B14F-4D97-AF65-F5344CB8AC3E}">
+        <p14:creationId xmlns:p14="http://schemas.microsoft.com/office/powerpoint/2010/main" val="1888036735"/>
+      </p:ext>
+    </p:extLst>
+  </p:cSld>
+  <p:clrMapOvr>
+    <a:masterClrMapping/>
+  </p:clrMapOvr>
+</p:sld>
+</file>
+
+<file path=ppt/slides/slide13.xml><?xml version="1.0" encoding="utf-8"?>
+<p:sld xmlns:a="http://schemas.openxmlformats.org/drawingml/2006/main" xmlns:r="http://schemas.openxmlformats.org/officeDocument/2006/relationships" xmlns:p="http://schemas.openxmlformats.org/presentationml/2006/main">
+  <p:cSld>
+    <p:spTree>
+      <p:nvGrpSpPr>
+        <p:cNvPr id="1" name=""/>
+        <p:cNvGrpSpPr/>
+        <p:nvPr/>
+      </p:nvGrpSpPr>
+      <p:grpSpPr>
+        <a:xfrm>
+          <a:off x="0" y="0"/>
+          <a:ext cx="0" cy="0"/>
+          <a:chOff x="0" y="0"/>
+          <a:chExt cx="0" cy="0"/>
+        </a:xfrm>
+      </p:grpSpPr>
+      <p:sp>
+        <p:nvSpPr>
+          <p:cNvPr id="4" name="Titel 3">
+            <a:extLst>
+              <a:ext uri="{FF2B5EF4-FFF2-40B4-BE49-F238E27FC236}">
+                <a16:creationId xmlns:a16="http://schemas.microsoft.com/office/drawing/2014/main" id="{87AC8795-F72E-4F53-BACC-C551C2D8316A}"/>
+              </a:ext>
+            </a:extLst>
+          </p:cNvPr>
+          <p:cNvSpPr>
+            <a:spLocks noGrp="1"/>
+          </p:cNvSpPr>
+          <p:nvPr>
+            <p:ph type="title"/>
+          </p:nvPr>
+        </p:nvSpPr>
+        <p:spPr/>
+        <p:txBody>
+          <a:bodyPr/>
+          <a:lstStyle/>
+          <a:p>
+            <a:r>
+              <a:rPr lang="de-DE" dirty="0"/>
+              <a:t>Architektur der Plattform</a:t>
+            </a:r>
+          </a:p>
+        </p:txBody>
+      </p:sp>
+      <p:sp>
+        <p:nvSpPr>
+          <p:cNvPr id="6" name="Inhaltsplatzhalter 5">
+            <a:extLst>
+              <a:ext uri="{FF2B5EF4-FFF2-40B4-BE49-F238E27FC236}">
+                <a16:creationId xmlns:a16="http://schemas.microsoft.com/office/drawing/2014/main" id="{37D42437-95F7-4C64-81D1-F82571A32530}"/>
+              </a:ext>
+            </a:extLst>
+          </p:cNvPr>
+          <p:cNvSpPr>
+            <a:spLocks noGrp="1"/>
+          </p:cNvSpPr>
+          <p:nvPr>
+            <p:ph idx="1"/>
+          </p:nvPr>
+        </p:nvSpPr>
+        <p:spPr/>
+        <p:txBody>
+          <a:bodyPr/>
+          <a:lstStyle/>
+          <a:p>
+            <a:r>
+              <a:rPr lang="de-DE" dirty="0"/>
+              <a:t>Nachhilfe</a:t>
+            </a:r>
+          </a:p>
+          <a:p>
+            <a:pPr lvl="1"/>
+            <a:r>
+              <a:rPr lang="de-DE" dirty="0"/>
+              <a:t>Aufgaben Sammlung</a:t>
+            </a:r>
+          </a:p>
+          <a:p>
+            <a:pPr lvl="1"/>
+            <a:endParaRPr lang="de-DE" dirty="0"/>
+          </a:p>
+          <a:p>
+            <a:r>
+              <a:rPr lang="de-DE" dirty="0"/>
+              <a:t>Header</a:t>
+            </a:r>
+          </a:p>
+          <a:p>
+            <a:pPr lvl="1"/>
+            <a:r>
+              <a:rPr lang="de-DE" dirty="0"/>
+              <a:t>Allgegenwärtig, mit ausnahmen der Login Seite</a:t>
+            </a:r>
+          </a:p>
+          <a:p>
+            <a:pPr lvl="1"/>
+            <a:r>
+              <a:rPr lang="de-DE" dirty="0"/>
+              <a:t>Ermöglicht zugriff auf:</a:t>
+            </a:r>
+          </a:p>
+          <a:p>
+            <a:pPr lvl="2"/>
+            <a:r>
+              <a:rPr lang="de-DE" dirty="0"/>
+              <a:t>Profil</a:t>
+            </a:r>
+          </a:p>
+          <a:p>
+            <a:pPr lvl="2"/>
+            <a:r>
+              <a:rPr lang="de-DE" dirty="0"/>
+              <a:t>Kurse</a:t>
+            </a:r>
+          </a:p>
+          <a:p>
+            <a:pPr lvl="2"/>
+            <a:r>
+              <a:rPr lang="de-DE" dirty="0"/>
+              <a:t>Freunde</a:t>
+            </a:r>
+          </a:p>
+          <a:p>
+            <a:pPr lvl="2"/>
+            <a:r>
+              <a:rPr lang="de-DE" dirty="0"/>
+              <a:t>Nachhilfe</a:t>
+            </a:r>
+          </a:p>
+          <a:p>
+            <a:pPr lvl="2"/>
+            <a:endParaRPr lang="de-DE" dirty="0"/>
+          </a:p>
+          <a:p>
+            <a:pPr lvl="2"/>
+            <a:endParaRPr lang="de-DE" dirty="0"/>
+          </a:p>
+          <a:p>
+            <a:pPr lvl="2"/>
+            <a:endParaRPr lang="de-DE" dirty="0"/>
+          </a:p>
+          <a:p>
+            <a:endParaRPr lang="de-DE" dirty="0"/>
+          </a:p>
+        </p:txBody>
+      </p:sp>
+      <p:pic>
+        <p:nvPicPr>
+          <p:cNvPr id="5" name="Grafik 4">
+            <a:extLst>
+              <a:ext uri="{FF2B5EF4-FFF2-40B4-BE49-F238E27FC236}">
+                <a16:creationId xmlns:a16="http://schemas.microsoft.com/office/drawing/2014/main" id="{B7E16C27-D378-4829-A890-B1E9782FCB2F}"/>
+              </a:ext>
+            </a:extLst>
+          </p:cNvPr>
+          <p:cNvPicPr>
+            <a:picLocks noChangeAspect="1"/>
+          </p:cNvPicPr>
+          <p:nvPr/>
+        </p:nvPicPr>
+        <p:blipFill>
+          <a:blip r:embed="rId2">
+            <a:extLst>
+              <a:ext uri="{28A0092B-C50C-407E-A947-70E740481C1C}">
+                <a14:useLocalDpi xmlns:a14="http://schemas.microsoft.com/office/drawing/2010/main" val="0"/>
+              </a:ext>
+            </a:extLst>
+          </a:blip>
+          <a:stretch>
+            <a:fillRect/>
+          </a:stretch>
+        </p:blipFill>
+        <p:spPr>
+          <a:xfrm>
+            <a:off x="0" y="0"/>
+            <a:ext cx="17967158" cy="533400"/>
+          </a:xfrm>
+          <a:prstGeom prst="rect">
+            <a:avLst/>
+          </a:prstGeom>
+        </p:spPr>
+      </p:pic>
+      <p:pic>
+        <p:nvPicPr>
+          <p:cNvPr id="7" name="Grafik 6">
+            <a:extLst>
+              <a:ext uri="{FF2B5EF4-FFF2-40B4-BE49-F238E27FC236}">
+                <a16:creationId xmlns:a16="http://schemas.microsoft.com/office/drawing/2014/main" id="{D69E3AB2-FDF1-4CE2-9130-48554F747CE8}"/>
+              </a:ext>
+            </a:extLst>
+          </p:cNvPr>
+          <p:cNvPicPr>
+            <a:picLocks noChangeAspect="1"/>
+          </p:cNvPicPr>
+          <p:nvPr/>
+        </p:nvPicPr>
+        <p:blipFill>
+          <a:blip r:embed="rId3">
+            <a:extLst>
+              <a:ext uri="{28A0092B-C50C-407E-A947-70E740481C1C}">
+                <a14:useLocalDpi xmlns:a14="http://schemas.microsoft.com/office/drawing/2010/main" val="0"/>
+              </a:ext>
+            </a:extLst>
+          </a:blip>
+          <a:stretch>
+            <a:fillRect/>
+          </a:stretch>
+        </p:blipFill>
+        <p:spPr>
+          <a:xfrm>
+            <a:off x="-5202027" y="5962249"/>
+            <a:ext cx="17394027" cy="895751"/>
+          </a:xfrm>
+          <a:prstGeom prst="rect">
+            <a:avLst/>
+          </a:prstGeom>
+        </p:spPr>
+      </p:pic>
+      <p:pic>
+        <p:nvPicPr>
+          <p:cNvPr id="13" name="Grafik 12">
+            <a:extLst>
+              <a:ext uri="{FF2B5EF4-FFF2-40B4-BE49-F238E27FC236}">
+                <a16:creationId xmlns:a16="http://schemas.microsoft.com/office/drawing/2014/main" id="{3F15EF38-607C-4029-BB9B-6A63B2AFF21A}"/>
+              </a:ext>
+            </a:extLst>
+          </p:cNvPr>
+          <p:cNvPicPr>
+            <a:picLocks noChangeAspect="1"/>
+          </p:cNvPicPr>
+          <p:nvPr/>
+        </p:nvPicPr>
+        <p:blipFill>
+          <a:blip r:embed="rId4">
+            <a:extLst>
+              <a:ext uri="{28A0092B-C50C-407E-A947-70E740481C1C}">
+                <a14:useLocalDpi xmlns:a14="http://schemas.microsoft.com/office/drawing/2010/main" val="0"/>
+              </a:ext>
+            </a:extLst>
+          </a:blip>
+          <a:stretch>
+            <a:fillRect/>
+          </a:stretch>
+        </p:blipFill>
+        <p:spPr>
+          <a:xfrm>
+            <a:off x="1247555" y="6410124"/>
+            <a:ext cx="4738488" cy="358976"/>
+          </a:xfrm>
+          <a:prstGeom prst="rect">
+            <a:avLst/>
+          </a:prstGeom>
+        </p:spPr>
+      </p:pic>
+    </p:spTree>
+    <p:extLst>
+      <p:ext uri="{BB962C8B-B14F-4D97-AF65-F5344CB8AC3E}">
+        <p14:creationId xmlns:p14="http://schemas.microsoft.com/office/powerpoint/2010/main" val="4163308399"/>
+      </p:ext>
+    </p:extLst>
+  </p:cSld>
+  <p:clrMapOvr>
+    <a:masterClrMapping/>
+  </p:clrMapOvr>
+</p:sld>
+</file>
+
+<file path=ppt/slides/slide14.xml><?xml version="1.0" encoding="utf-8"?>
+<p:sld xmlns:a="http://schemas.openxmlformats.org/drawingml/2006/main" xmlns:r="http://schemas.openxmlformats.org/officeDocument/2006/relationships" xmlns:p="http://schemas.openxmlformats.org/presentationml/2006/main">
+  <p:cSld>
+    <p:spTree>
+      <p:nvGrpSpPr>
+        <p:cNvPr id="1" name=""/>
+        <p:cNvGrpSpPr/>
+        <p:nvPr/>
+      </p:nvGrpSpPr>
+      <p:grpSpPr>
+        <a:xfrm>
+          <a:off x="0" y="0"/>
+          <a:ext cx="0" cy="0"/>
+          <a:chOff x="0" y="0"/>
+          <a:chExt cx="0" cy="0"/>
+        </a:xfrm>
+      </p:grpSpPr>
+      <p:sp>
+        <p:nvSpPr>
+          <p:cNvPr id="4" name="Titel 3">
+            <a:extLst>
+              <a:ext uri="{FF2B5EF4-FFF2-40B4-BE49-F238E27FC236}">
+                <a16:creationId xmlns:a16="http://schemas.microsoft.com/office/drawing/2014/main" id="{87AC8795-F72E-4F53-BACC-C551C2D8316A}"/>
+              </a:ext>
+            </a:extLst>
+          </p:cNvPr>
+          <p:cNvSpPr>
+            <a:spLocks noGrp="1"/>
+          </p:cNvSpPr>
+          <p:nvPr>
+            <p:ph type="title"/>
+          </p:nvPr>
+        </p:nvSpPr>
+        <p:spPr/>
+        <p:txBody>
+          <a:bodyPr/>
+          <a:lstStyle/>
+          <a:p>
             <a:endParaRPr lang="de-DE" dirty="0"/>
           </a:p>
         </p:txBody>
@@ -8120,7 +9061,7 @@
 </p:sld>
 </file>
 
-<file path=ppt/slides/slide12.xml><?xml version="1.0" encoding="utf-8"?>
+<file path=ppt/slides/slide15.xml><?xml version="1.0" encoding="utf-8"?>
 <p:sld xmlns:a="http://schemas.openxmlformats.org/drawingml/2006/main" xmlns:r="http://schemas.openxmlformats.org/officeDocument/2006/relationships" xmlns:p="http://schemas.openxmlformats.org/presentationml/2006/main">
   <p:cSld>
     <p:spTree>
@@ -8630,11 +9571,11 @@
   <p:clrMapOvr>
     <a:masterClrMapping/>
   </p:clrMapOvr>
-  <mc:AlternateContent xmlns:mc="http://schemas.openxmlformats.org/markup-compatibility/2006">
-    <mc:Choice xmlns:p14="http://schemas.microsoft.com/office/powerpoint/2010/main" Requires="p14">
+  <mc:AlternateContent xmlns:mc="http://schemas.openxmlformats.org/markup-compatibility/2006" xmlns:p14="http://schemas.microsoft.com/office/powerpoint/2010/main">
+    <mc:Choice Requires="p14">
       <p:transition p14:dur="0"/>
     </mc:Choice>
-    <mc:Fallback>
+    <mc:Fallback xmlns="">
       <p:transition/>
     </mc:Fallback>
   </mc:AlternateContent>
@@ -8765,11 +9706,11 @@
   <p:clrMapOvr>
     <a:masterClrMapping/>
   </p:clrMapOvr>
-  <mc:AlternateContent xmlns:mc="http://schemas.openxmlformats.org/markup-compatibility/2006">
-    <mc:Choice xmlns:p14="http://schemas.microsoft.com/office/powerpoint/2010/main" Requires="p14">
+  <mc:AlternateContent xmlns:mc="http://schemas.openxmlformats.org/markup-compatibility/2006" xmlns:p14="http://schemas.microsoft.com/office/powerpoint/2010/main">
+    <mc:Choice Requires="p14">
       <p:transition p14:dur="0"/>
     </mc:Choice>
-    <mc:Fallback>
+    <mc:Fallback xmlns="">
       <p:transition/>
     </mc:Fallback>
   </mc:AlternateContent>
@@ -9425,6 +10366,10 @@
             </a:r>
           </a:p>
           <a:p>
+            <a:pPr lvl="1"/>
+            <a:endParaRPr lang="de-DE" dirty="0"/>
+          </a:p>
+          <a:p>
             <a:r>
               <a:rPr lang="de-DE" dirty="0"/>
               <a:t>Programmierumgebung </a:t>
@@ -9436,6 +10381,10 @@
               <a:rPr lang="de-DE" dirty="0"/>
               <a:t>Brackets</a:t>
             </a:r>
+          </a:p>
+          <a:p>
+            <a:pPr lvl="1"/>
+            <a:endParaRPr lang="de-DE" dirty="0"/>
           </a:p>
           <a:p>
             <a:r>

--- a/websitePPneu.pptx
+++ b/websitePPneu.pptx
@@ -6,7 +6,7 @@
     <p:sldMasterId id="2147483660" r:id="rId2"/>
   </p:sldMasterIdLst>
   <p:notesMasterIdLst>
-    <p:notesMasterId r:id="rId18"/>
+    <p:notesMasterId r:id="rId19"/>
   </p:notesMasterIdLst>
   <p:sldIdLst>
     <p:sldId id="269" r:id="rId3"/>
@@ -20,10 +20,11 @@
     <p:sldId id="284" r:id="rId11"/>
     <p:sldId id="278" r:id="rId12"/>
     <p:sldId id="286" r:id="rId13"/>
-    <p:sldId id="287" r:id="rId14"/>
-    <p:sldId id="288" r:id="rId15"/>
-    <p:sldId id="279" r:id="rId16"/>
-    <p:sldId id="280" r:id="rId17"/>
+    <p:sldId id="289" r:id="rId14"/>
+    <p:sldId id="287" r:id="rId15"/>
+    <p:sldId id="288" r:id="rId16"/>
+    <p:sldId id="279" r:id="rId17"/>
+    <p:sldId id="280" r:id="rId18"/>
   </p:sldIdLst>
   <p:sldSz cx="12192000" cy="6858000"/>
   <p:notesSz cx="6858000" cy="9144000"/>
@@ -143,7 +144,7 @@
   <pc:docChgLst>
     <pc:chgData name="sulfikar hamka" userId="7b455397b8076885" providerId="LiveId" clId="{04E4CC0D-93EB-4E24-A7B0-DE133B260FAA}"/>
     <pc:docChg chg="undo custSel addSld modSld">
-      <pc:chgData name="sulfikar hamka" userId="7b455397b8076885" providerId="LiveId" clId="{04E4CC0D-93EB-4E24-A7B0-DE133B260FAA}" dt="2018-06-05T11:42:35.860" v="1086" actId="5793"/>
+      <pc:chgData name="sulfikar hamka" userId="7b455397b8076885" providerId="LiveId" clId="{04E4CC0D-93EB-4E24-A7B0-DE133B260FAA}" dt="2018-06-05T12:03:31.756" v="1223" actId="20577"/>
       <pc:docMkLst>
         <pc:docMk/>
       </pc:docMkLst>
@@ -163,13 +164,13 @@
         </pc:spChg>
       </pc:sldChg>
       <pc:sldChg chg="modSp">
-        <pc:chgData name="sulfikar hamka" userId="7b455397b8076885" providerId="LiveId" clId="{04E4CC0D-93EB-4E24-A7B0-DE133B260FAA}" dt="2018-06-05T11:30:14.781" v="331" actId="20577"/>
+        <pc:chgData name="sulfikar hamka" userId="7b455397b8076885" providerId="LiveId" clId="{04E4CC0D-93EB-4E24-A7B0-DE133B260FAA}" dt="2018-06-05T11:52:06.650" v="1110" actId="20577"/>
         <pc:sldMkLst>
           <pc:docMk/>
           <pc:sldMk cId="2397511853" sldId="284"/>
         </pc:sldMkLst>
         <pc:spChg chg="mod">
-          <ac:chgData name="sulfikar hamka" userId="7b455397b8076885" providerId="LiveId" clId="{04E4CC0D-93EB-4E24-A7B0-DE133B260FAA}" dt="2018-06-05T11:30:14.781" v="331" actId="20577"/>
+          <ac:chgData name="sulfikar hamka" userId="7b455397b8076885" providerId="LiveId" clId="{04E4CC0D-93EB-4E24-A7B0-DE133B260FAA}" dt="2018-06-05T11:52:06.650" v="1110" actId="20577"/>
           <ac:spMkLst>
             <pc:docMk/>
             <pc:sldMk cId="2397511853" sldId="284"/>
@@ -178,13 +179,13 @@
         </pc:spChg>
       </pc:sldChg>
       <pc:sldChg chg="modSp add">
-        <pc:chgData name="sulfikar hamka" userId="7b455397b8076885" providerId="LiveId" clId="{04E4CC0D-93EB-4E24-A7B0-DE133B260FAA}" dt="2018-06-05T11:35:27.456" v="649" actId="20577"/>
+        <pc:chgData name="sulfikar hamka" userId="7b455397b8076885" providerId="LiveId" clId="{04E4CC0D-93EB-4E24-A7B0-DE133B260FAA}" dt="2018-06-05T12:03:31.756" v="1223" actId="20577"/>
         <pc:sldMkLst>
           <pc:docMk/>
           <pc:sldMk cId="4199194477" sldId="286"/>
         </pc:sldMkLst>
         <pc:spChg chg="mod">
-          <ac:chgData name="sulfikar hamka" userId="7b455397b8076885" providerId="LiveId" clId="{04E4CC0D-93EB-4E24-A7B0-DE133B260FAA}" dt="2018-06-05T11:35:27.456" v="649" actId="20577"/>
+          <ac:chgData name="sulfikar hamka" userId="7b455397b8076885" providerId="LiveId" clId="{04E4CC0D-93EB-4E24-A7B0-DE133B260FAA}" dt="2018-06-05T12:03:31.756" v="1223" actId="20577"/>
           <ac:spMkLst>
             <pc:docMk/>
             <pc:sldMk cId="4199194477" sldId="286"/>
@@ -221,6 +222,13 @@
             <ac:spMk id="6" creationId="{37D42437-95F7-4C64-81D1-F82571A32530}"/>
           </ac:spMkLst>
         </pc:spChg>
+      </pc:sldChg>
+      <pc:sldChg chg="add">
+        <pc:chgData name="sulfikar hamka" userId="7b455397b8076885" providerId="LiveId" clId="{04E4CC0D-93EB-4E24-A7B0-DE133B260FAA}" dt="2018-06-05T12:00:33.667" v="1111"/>
+        <pc:sldMkLst>
+          <pc:docMk/>
+          <pc:sldMk cId="642221516" sldId="289"/>
+        </pc:sldMkLst>
       </pc:sldChg>
     </pc:docChg>
   </pc:docChgLst>
@@ -8144,21 +8152,14 @@
           <a:p>
             <a:r>
               <a:rPr lang="de-DE" dirty="0"/>
-              <a:t>Profil</a:t>
+              <a:t>Login</a:t>
             </a:r>
           </a:p>
           <a:p>
             <a:pPr lvl="1"/>
             <a:r>
               <a:rPr lang="de-DE" dirty="0"/>
-              <a:t>Aufgaben </a:t>
-            </a:r>
-          </a:p>
-          <a:p>
-            <a:pPr lvl="1"/>
-            <a:r>
-              <a:rPr lang="de-DE" dirty="0"/>
-              <a:t>Kurse</a:t>
+              <a:t>Startseite</a:t>
             </a:r>
           </a:p>
           <a:p>
@@ -8168,42 +8169,21 @@
           <a:p>
             <a:r>
               <a:rPr lang="de-DE" dirty="0"/>
-              <a:t>Kurse Übersicht</a:t>
+              <a:t>Startseite</a:t>
             </a:r>
           </a:p>
           <a:p>
             <a:pPr lvl="1"/>
-            <a:r>
-              <a:rPr lang="de-DE" dirty="0"/>
-              <a:t>Beigetretene Kurse</a:t>
-            </a:r>
-          </a:p>
-          <a:p>
-            <a:pPr lvl="2"/>
-            <a:r>
-              <a:rPr lang="de-DE" dirty="0"/>
-              <a:t>Kurs </a:t>
-            </a:r>
-          </a:p>
-          <a:p>
-            <a:pPr lvl="1"/>
-            <a:r>
-              <a:rPr lang="de-DE" dirty="0"/>
-              <a:t>Nicht beigetretene</a:t>
-            </a:r>
-          </a:p>
-          <a:p>
-            <a:pPr lvl="2"/>
-            <a:r>
-              <a:rPr lang="de-DE" dirty="0"/>
-              <a:t>Kurs Einschreibung</a:t>
-            </a:r>
-          </a:p>
-          <a:p>
-            <a:pPr lvl="3"/>
             <a:r>
               <a:rPr lang="de-DE" dirty="0"/>
               <a:t>Kurs</a:t>
+            </a:r>
+          </a:p>
+          <a:p>
+            <a:pPr lvl="1"/>
+            <a:r>
+              <a:rPr lang="de-DE" dirty="0"/>
+              <a:t>Kursübersicht</a:t>
             </a:r>
           </a:p>
           <a:p>
@@ -8414,6 +8394,276 @@
           <a:p>
             <a:r>
               <a:rPr lang="de-DE" dirty="0"/>
+              <a:t>Profil</a:t>
+            </a:r>
+          </a:p>
+          <a:p>
+            <a:pPr lvl="1"/>
+            <a:r>
+              <a:rPr lang="de-DE" dirty="0"/>
+              <a:t>Aufgaben </a:t>
+            </a:r>
+          </a:p>
+          <a:p>
+            <a:pPr lvl="1"/>
+            <a:r>
+              <a:rPr lang="de-DE" dirty="0"/>
+              <a:t>Kurse</a:t>
+            </a:r>
+          </a:p>
+          <a:p>
+            <a:pPr lvl="1"/>
+            <a:endParaRPr lang="de-DE" dirty="0"/>
+          </a:p>
+          <a:p>
+            <a:r>
+              <a:rPr lang="de-DE" dirty="0"/>
+              <a:t>Kurse Übersicht</a:t>
+            </a:r>
+          </a:p>
+          <a:p>
+            <a:pPr lvl="1"/>
+            <a:r>
+              <a:rPr lang="de-DE" dirty="0"/>
+              <a:t>Beigetretene Kurse</a:t>
+            </a:r>
+          </a:p>
+          <a:p>
+            <a:pPr lvl="2"/>
+            <a:r>
+              <a:rPr lang="de-DE" dirty="0"/>
+              <a:t>Kurs </a:t>
+            </a:r>
+          </a:p>
+          <a:p>
+            <a:pPr lvl="1"/>
+            <a:r>
+              <a:rPr lang="de-DE" dirty="0"/>
+              <a:t>Nicht beigetretene</a:t>
+            </a:r>
+          </a:p>
+          <a:p>
+            <a:pPr lvl="2"/>
+            <a:r>
+              <a:rPr lang="de-DE" dirty="0"/>
+              <a:t>Kurs Einschreibung</a:t>
+            </a:r>
+          </a:p>
+          <a:p>
+            <a:pPr lvl="3"/>
+            <a:r>
+              <a:rPr lang="de-DE" dirty="0"/>
+              <a:t>Kurs</a:t>
+            </a:r>
+          </a:p>
+          <a:p>
+            <a:pPr marL="0" indent="0">
+              <a:buNone/>
+            </a:pPr>
+            <a:endParaRPr lang="de-DE" dirty="0"/>
+          </a:p>
+          <a:p>
+            <a:pPr lvl="2"/>
+            <a:endParaRPr lang="de-DE" dirty="0"/>
+          </a:p>
+          <a:p>
+            <a:pPr lvl="2"/>
+            <a:endParaRPr lang="de-DE" dirty="0"/>
+          </a:p>
+          <a:p>
+            <a:endParaRPr lang="de-DE" dirty="0"/>
+          </a:p>
+        </p:txBody>
+      </p:sp>
+      <p:pic>
+        <p:nvPicPr>
+          <p:cNvPr id="5" name="Grafik 4">
+            <a:extLst>
+              <a:ext uri="{FF2B5EF4-FFF2-40B4-BE49-F238E27FC236}">
+                <a16:creationId xmlns:a16="http://schemas.microsoft.com/office/drawing/2014/main" id="{B7E16C27-D378-4829-A890-B1E9782FCB2F}"/>
+              </a:ext>
+            </a:extLst>
+          </p:cNvPr>
+          <p:cNvPicPr>
+            <a:picLocks noChangeAspect="1"/>
+          </p:cNvPicPr>
+          <p:nvPr/>
+        </p:nvPicPr>
+        <p:blipFill>
+          <a:blip r:embed="rId2">
+            <a:extLst>
+              <a:ext uri="{28A0092B-C50C-407E-A947-70E740481C1C}">
+                <a14:useLocalDpi xmlns:a14="http://schemas.microsoft.com/office/drawing/2010/main" val="0"/>
+              </a:ext>
+            </a:extLst>
+          </a:blip>
+          <a:stretch>
+            <a:fillRect/>
+          </a:stretch>
+        </p:blipFill>
+        <p:spPr>
+          <a:xfrm>
+            <a:off x="0" y="0"/>
+            <a:ext cx="17967158" cy="533400"/>
+          </a:xfrm>
+          <a:prstGeom prst="rect">
+            <a:avLst/>
+          </a:prstGeom>
+        </p:spPr>
+      </p:pic>
+      <p:pic>
+        <p:nvPicPr>
+          <p:cNvPr id="7" name="Grafik 6">
+            <a:extLst>
+              <a:ext uri="{FF2B5EF4-FFF2-40B4-BE49-F238E27FC236}">
+                <a16:creationId xmlns:a16="http://schemas.microsoft.com/office/drawing/2014/main" id="{D69E3AB2-FDF1-4CE2-9130-48554F747CE8}"/>
+              </a:ext>
+            </a:extLst>
+          </p:cNvPr>
+          <p:cNvPicPr>
+            <a:picLocks noChangeAspect="1"/>
+          </p:cNvPicPr>
+          <p:nvPr/>
+        </p:nvPicPr>
+        <p:blipFill>
+          <a:blip r:embed="rId3">
+            <a:extLst>
+              <a:ext uri="{28A0092B-C50C-407E-A947-70E740481C1C}">
+                <a14:useLocalDpi xmlns:a14="http://schemas.microsoft.com/office/drawing/2010/main" val="0"/>
+              </a:ext>
+            </a:extLst>
+          </a:blip>
+          <a:stretch>
+            <a:fillRect/>
+          </a:stretch>
+        </p:blipFill>
+        <p:spPr>
+          <a:xfrm>
+            <a:off x="-5202027" y="5962249"/>
+            <a:ext cx="17394027" cy="895751"/>
+          </a:xfrm>
+          <a:prstGeom prst="rect">
+            <a:avLst/>
+          </a:prstGeom>
+        </p:spPr>
+      </p:pic>
+      <p:pic>
+        <p:nvPicPr>
+          <p:cNvPr id="13" name="Grafik 12">
+            <a:extLst>
+              <a:ext uri="{FF2B5EF4-FFF2-40B4-BE49-F238E27FC236}">
+                <a16:creationId xmlns:a16="http://schemas.microsoft.com/office/drawing/2014/main" id="{3F15EF38-607C-4029-BB9B-6A63B2AFF21A}"/>
+              </a:ext>
+            </a:extLst>
+          </p:cNvPr>
+          <p:cNvPicPr>
+            <a:picLocks noChangeAspect="1"/>
+          </p:cNvPicPr>
+          <p:nvPr/>
+        </p:nvPicPr>
+        <p:blipFill>
+          <a:blip r:embed="rId4">
+            <a:extLst>
+              <a:ext uri="{28A0092B-C50C-407E-A947-70E740481C1C}">
+                <a14:useLocalDpi xmlns:a14="http://schemas.microsoft.com/office/drawing/2010/main" val="0"/>
+              </a:ext>
+            </a:extLst>
+          </a:blip>
+          <a:stretch>
+            <a:fillRect/>
+          </a:stretch>
+        </p:blipFill>
+        <p:spPr>
+          <a:xfrm>
+            <a:off x="1247555" y="6410124"/>
+            <a:ext cx="4738488" cy="358976"/>
+          </a:xfrm>
+          <a:prstGeom prst="rect">
+            <a:avLst/>
+          </a:prstGeom>
+        </p:spPr>
+      </p:pic>
+    </p:spTree>
+    <p:extLst>
+      <p:ext uri="{BB962C8B-B14F-4D97-AF65-F5344CB8AC3E}">
+        <p14:creationId xmlns:p14="http://schemas.microsoft.com/office/powerpoint/2010/main" val="642221516"/>
+      </p:ext>
+    </p:extLst>
+  </p:cSld>
+  <p:clrMapOvr>
+    <a:masterClrMapping/>
+  </p:clrMapOvr>
+</p:sld>
+</file>
+
+<file path=ppt/slides/slide13.xml><?xml version="1.0" encoding="utf-8"?>
+<p:sld xmlns:a="http://schemas.openxmlformats.org/drawingml/2006/main" xmlns:r="http://schemas.openxmlformats.org/officeDocument/2006/relationships" xmlns:p="http://schemas.openxmlformats.org/presentationml/2006/main">
+  <p:cSld>
+    <p:spTree>
+      <p:nvGrpSpPr>
+        <p:cNvPr id="1" name=""/>
+        <p:cNvGrpSpPr/>
+        <p:nvPr/>
+      </p:nvGrpSpPr>
+      <p:grpSpPr>
+        <a:xfrm>
+          <a:off x="0" y="0"/>
+          <a:ext cx="0" cy="0"/>
+          <a:chOff x="0" y="0"/>
+          <a:chExt cx="0" cy="0"/>
+        </a:xfrm>
+      </p:grpSpPr>
+      <p:sp>
+        <p:nvSpPr>
+          <p:cNvPr id="4" name="Titel 3">
+            <a:extLst>
+              <a:ext uri="{FF2B5EF4-FFF2-40B4-BE49-F238E27FC236}">
+                <a16:creationId xmlns:a16="http://schemas.microsoft.com/office/drawing/2014/main" id="{87AC8795-F72E-4F53-BACC-C551C2D8316A}"/>
+              </a:ext>
+            </a:extLst>
+          </p:cNvPr>
+          <p:cNvSpPr>
+            <a:spLocks noGrp="1"/>
+          </p:cNvSpPr>
+          <p:nvPr>
+            <p:ph type="title"/>
+          </p:nvPr>
+        </p:nvSpPr>
+        <p:spPr/>
+        <p:txBody>
+          <a:bodyPr/>
+          <a:lstStyle/>
+          <a:p>
+            <a:r>
+              <a:rPr lang="de-DE" dirty="0"/>
+              <a:t>Architektur der Plattform</a:t>
+            </a:r>
+          </a:p>
+        </p:txBody>
+      </p:sp>
+      <p:sp>
+        <p:nvSpPr>
+          <p:cNvPr id="6" name="Inhaltsplatzhalter 5">
+            <a:extLst>
+              <a:ext uri="{FF2B5EF4-FFF2-40B4-BE49-F238E27FC236}">
+                <a16:creationId xmlns:a16="http://schemas.microsoft.com/office/drawing/2014/main" id="{37D42437-95F7-4C64-81D1-F82571A32530}"/>
+              </a:ext>
+            </a:extLst>
+          </p:cNvPr>
+          <p:cNvSpPr>
+            <a:spLocks noGrp="1"/>
+          </p:cNvSpPr>
+          <p:nvPr>
+            <p:ph idx="1"/>
+          </p:nvPr>
+        </p:nvSpPr>
+        <p:spPr/>
+        <p:txBody>
+          <a:bodyPr/>
+          <a:lstStyle/>
+          <a:p>
+            <a:r>
+              <a:rPr lang="de-DE" dirty="0"/>
               <a:t>Kurs</a:t>
             </a:r>
           </a:p>
@@ -8605,7 +8855,7 @@
 </p:sld>
 </file>
 
-<file path=ppt/slides/slide13.xml><?xml version="1.0" encoding="utf-8"?>
+<file path=ppt/slides/slide14.xml><?xml version="1.0" encoding="utf-8"?>
 <p:sld xmlns:a="http://schemas.openxmlformats.org/drawingml/2006/main" xmlns:r="http://schemas.openxmlformats.org/officeDocument/2006/relationships" xmlns:p="http://schemas.openxmlformats.org/presentationml/2006/main">
   <p:cSld>
     <p:spTree>
@@ -8873,7 +9123,7 @@
 </p:sld>
 </file>
 
-<file path=ppt/slides/slide14.xml><?xml version="1.0" encoding="utf-8"?>
+<file path=ppt/slides/slide15.xml><?xml version="1.0" encoding="utf-8"?>
 <p:sld xmlns:a="http://schemas.openxmlformats.org/drawingml/2006/main" xmlns:r="http://schemas.openxmlformats.org/officeDocument/2006/relationships" xmlns:p="http://schemas.openxmlformats.org/presentationml/2006/main">
   <p:cSld>
     <p:spTree>
@@ -9061,7 +9311,7 @@
 </p:sld>
 </file>
 
-<file path=ppt/slides/slide15.xml><?xml version="1.0" encoding="utf-8"?>
+<file path=ppt/slides/slide16.xml><?xml version="1.0" encoding="utf-8"?>
 <p:sld xmlns:a="http://schemas.openxmlformats.org/drawingml/2006/main" xmlns:r="http://schemas.openxmlformats.org/officeDocument/2006/relationships" xmlns:p="http://schemas.openxmlformats.org/presentationml/2006/main">
   <p:cSld>
     <p:spTree>
@@ -10389,7 +10639,7 @@
           <a:p>
             <a:r>
               <a:rPr lang="de-DE" dirty="0"/>
-              <a:t>Hilfstool</a:t>
+              <a:t>Verwaltungstool</a:t>
             </a:r>
           </a:p>
           <a:p>

--- a/websitePPneu.pptx
+++ b/websitePPneu.pptx
@@ -6,7 +6,7 @@
     <p:sldMasterId id="2147483660" r:id="rId2"/>
   </p:sldMasterIdLst>
   <p:notesMasterIdLst>
-    <p:notesMasterId r:id="rId19"/>
+    <p:notesMasterId r:id="rId23"/>
   </p:notesMasterIdLst>
   <p:sldIdLst>
     <p:sldId id="269" r:id="rId3"/>
@@ -23,8 +23,12 @@
     <p:sldId id="289" r:id="rId14"/>
     <p:sldId id="287" r:id="rId15"/>
     <p:sldId id="288" r:id="rId16"/>
-    <p:sldId id="279" r:id="rId17"/>
-    <p:sldId id="280" r:id="rId18"/>
+    <p:sldId id="290" r:id="rId17"/>
+    <p:sldId id="279" r:id="rId18"/>
+    <p:sldId id="291" r:id="rId19"/>
+    <p:sldId id="280" r:id="rId20"/>
+    <p:sldId id="292" r:id="rId21"/>
+    <p:sldId id="293" r:id="rId22"/>
   </p:sldIdLst>
   <p:sldSz cx="12192000" cy="6858000"/>
   <p:notesSz cx="6858000" cy="9144000"/>
@@ -143,8 +147,8 @@
 <pc:chgInfo xmlns:a="http://schemas.openxmlformats.org/drawingml/2006/main" xmlns:r="http://schemas.openxmlformats.org/officeDocument/2006/relationships" xmlns:ac="http://schemas.microsoft.com/office/drawing/2013/main/command" xmlns:pc="http://schemas.microsoft.com/office/powerpoint/2013/main/command">
   <pc:docChgLst>
     <pc:chgData name="sulfikar hamka" userId="7b455397b8076885" providerId="LiveId" clId="{04E4CC0D-93EB-4E24-A7B0-DE133B260FAA}"/>
-    <pc:docChg chg="undo custSel addSld modSld">
-      <pc:chgData name="sulfikar hamka" userId="7b455397b8076885" providerId="LiveId" clId="{04E4CC0D-93EB-4E24-A7B0-DE133B260FAA}" dt="2018-06-05T12:03:31.756" v="1223" actId="20577"/>
+    <pc:docChg chg="undo custSel addSld modSld sldOrd">
+      <pc:chgData name="sulfikar hamka" userId="7b455397b8076885" providerId="LiveId" clId="{04E4CC0D-93EB-4E24-A7B0-DE133B260FAA}" dt="2018-06-05T12:50:29.726" v="2917" actId="20577"/>
       <pc:docMkLst>
         <pc:docMk/>
       </pc:docMkLst>
@@ -159,6 +163,52 @@
           <ac:spMkLst>
             <pc:docMk/>
             <pc:sldMk cId="1723767227" sldId="278"/>
+            <ac:spMk id="6" creationId="{37D42437-95F7-4C64-81D1-F82571A32530}"/>
+          </ac:spMkLst>
+        </pc:spChg>
+      </pc:sldChg>
+      <pc:sldChg chg="modSp">
+        <pc:chgData name="sulfikar hamka" userId="7b455397b8076885" providerId="LiveId" clId="{04E4CC0D-93EB-4E24-A7B0-DE133B260FAA}" dt="2018-06-05T12:28:23.171" v="1571" actId="313"/>
+        <pc:sldMkLst>
+          <pc:docMk/>
+          <pc:sldMk cId="3895686406" sldId="279"/>
+        </pc:sldMkLst>
+        <pc:spChg chg="mod">
+          <ac:chgData name="sulfikar hamka" userId="7b455397b8076885" providerId="LiveId" clId="{04E4CC0D-93EB-4E24-A7B0-DE133B260FAA}" dt="2018-06-05T12:22:05.080" v="1267" actId="20577"/>
+          <ac:spMkLst>
+            <pc:docMk/>
+            <pc:sldMk cId="3895686406" sldId="279"/>
+            <ac:spMk id="4" creationId="{87AC8795-F72E-4F53-BACC-C551C2D8316A}"/>
+          </ac:spMkLst>
+        </pc:spChg>
+        <pc:spChg chg="mod">
+          <ac:chgData name="sulfikar hamka" userId="7b455397b8076885" providerId="LiveId" clId="{04E4CC0D-93EB-4E24-A7B0-DE133B260FAA}" dt="2018-06-05T12:28:23.171" v="1571" actId="313"/>
+          <ac:spMkLst>
+            <pc:docMk/>
+            <pc:sldMk cId="3895686406" sldId="279"/>
+            <ac:spMk id="6" creationId="{37D42437-95F7-4C64-81D1-F82571A32530}"/>
+          </ac:spMkLst>
+        </pc:spChg>
+      </pc:sldChg>
+      <pc:sldChg chg="modSp">
+        <pc:chgData name="sulfikar hamka" userId="7b455397b8076885" providerId="LiveId" clId="{04E4CC0D-93EB-4E24-A7B0-DE133B260FAA}" dt="2018-06-05T12:38:27.917" v="2032" actId="20577"/>
+        <pc:sldMkLst>
+          <pc:docMk/>
+          <pc:sldMk cId="2174234159" sldId="280"/>
+        </pc:sldMkLst>
+        <pc:spChg chg="mod">
+          <ac:chgData name="sulfikar hamka" userId="7b455397b8076885" providerId="LiveId" clId="{04E4CC0D-93EB-4E24-A7B0-DE133B260FAA}" dt="2018-06-05T12:33:18.746" v="1785" actId="20577"/>
+          <ac:spMkLst>
+            <pc:docMk/>
+            <pc:sldMk cId="2174234159" sldId="280"/>
+            <ac:spMk id="4" creationId="{87AC8795-F72E-4F53-BACC-C551C2D8316A}"/>
+          </ac:spMkLst>
+        </pc:spChg>
+        <pc:spChg chg="mod">
+          <ac:chgData name="sulfikar hamka" userId="7b455397b8076885" providerId="LiveId" clId="{04E4CC0D-93EB-4E24-A7B0-DE133B260FAA}" dt="2018-06-05T12:38:27.917" v="2032" actId="20577"/>
+          <ac:spMkLst>
+            <pc:docMk/>
+            <pc:sldMk cId="2174234159" sldId="280"/>
             <ac:spMk id="6" creationId="{37D42437-95F7-4C64-81D1-F82571A32530}"/>
           </ac:spMkLst>
         </pc:spChg>
@@ -224,11 +274,71 @@
         </pc:spChg>
       </pc:sldChg>
       <pc:sldChg chg="add">
-        <pc:chgData name="sulfikar hamka" userId="7b455397b8076885" providerId="LiveId" clId="{04E4CC0D-93EB-4E24-A7B0-DE133B260FAA}" dt="2018-06-05T12:00:33.667" v="1111"/>
+        <pc:chgData name="sulfikar hamka" userId="7b455397b8076885" providerId="LiveId" clId="{04E4CC0D-93EB-4E24-A7B0-DE133B260FAA}" dt="2018-06-05T12:00:33.667" v="1111" actId="20577"/>
         <pc:sldMkLst>
           <pc:docMk/>
           <pc:sldMk cId="642221516" sldId="289"/>
         </pc:sldMkLst>
+      </pc:sldChg>
+      <pc:sldChg chg="modSp add ord">
+        <pc:chgData name="sulfikar hamka" userId="7b455397b8076885" providerId="LiveId" clId="{04E4CC0D-93EB-4E24-A7B0-DE133B260FAA}" dt="2018-06-05T12:21:50.859" v="1249" actId="20577"/>
+        <pc:sldMkLst>
+          <pc:docMk/>
+          <pc:sldMk cId="401846387" sldId="290"/>
+        </pc:sldMkLst>
+        <pc:spChg chg="mod">
+          <ac:chgData name="sulfikar hamka" userId="7b455397b8076885" providerId="LiveId" clId="{04E4CC0D-93EB-4E24-A7B0-DE133B260FAA}" dt="2018-06-05T12:21:50.859" v="1249" actId="20577"/>
+          <ac:spMkLst>
+            <pc:docMk/>
+            <pc:sldMk cId="401846387" sldId="290"/>
+            <ac:spMk id="2" creationId="{510A3E52-E997-4BF8-B89F-E27C0209F5A2}"/>
+          </ac:spMkLst>
+        </pc:spChg>
+      </pc:sldChg>
+      <pc:sldChg chg="modSp add">
+        <pc:chgData name="sulfikar hamka" userId="7b455397b8076885" providerId="LiveId" clId="{04E4CC0D-93EB-4E24-A7B0-DE133B260FAA}" dt="2018-06-05T12:31:34.473" v="1766" actId="313"/>
+        <pc:sldMkLst>
+          <pc:docMk/>
+          <pc:sldMk cId="882985951" sldId="291"/>
+        </pc:sldMkLst>
+        <pc:spChg chg="mod">
+          <ac:chgData name="sulfikar hamka" userId="7b455397b8076885" providerId="LiveId" clId="{04E4CC0D-93EB-4E24-A7B0-DE133B260FAA}" dt="2018-06-05T12:31:34.473" v="1766" actId="313"/>
+          <ac:spMkLst>
+            <pc:docMk/>
+            <pc:sldMk cId="882985951" sldId="291"/>
+            <ac:spMk id="6" creationId="{37D42437-95F7-4C64-81D1-F82571A32530}"/>
+          </ac:spMkLst>
+        </pc:spChg>
+      </pc:sldChg>
+      <pc:sldChg chg="modSp add">
+        <pc:chgData name="sulfikar hamka" userId="7b455397b8076885" providerId="LiveId" clId="{04E4CC0D-93EB-4E24-A7B0-DE133B260FAA}" dt="2018-06-05T12:44:19.101" v="2473" actId="20577"/>
+        <pc:sldMkLst>
+          <pc:docMk/>
+          <pc:sldMk cId="1414169092" sldId="292"/>
+        </pc:sldMkLst>
+        <pc:spChg chg="mod">
+          <ac:chgData name="sulfikar hamka" userId="7b455397b8076885" providerId="LiveId" clId="{04E4CC0D-93EB-4E24-A7B0-DE133B260FAA}" dt="2018-06-05T12:44:19.101" v="2473" actId="20577"/>
+          <ac:spMkLst>
+            <pc:docMk/>
+            <pc:sldMk cId="1414169092" sldId="292"/>
+            <ac:spMk id="6" creationId="{37D42437-95F7-4C64-81D1-F82571A32530}"/>
+          </ac:spMkLst>
+        </pc:spChg>
+      </pc:sldChg>
+      <pc:sldChg chg="modSp add">
+        <pc:chgData name="sulfikar hamka" userId="7b455397b8076885" providerId="LiveId" clId="{04E4CC0D-93EB-4E24-A7B0-DE133B260FAA}" dt="2018-06-05T12:50:29.726" v="2917" actId="20577"/>
+        <pc:sldMkLst>
+          <pc:docMk/>
+          <pc:sldMk cId="3772222938" sldId="293"/>
+        </pc:sldMkLst>
+        <pc:spChg chg="mod">
+          <ac:chgData name="sulfikar hamka" userId="7b455397b8076885" providerId="LiveId" clId="{04E4CC0D-93EB-4E24-A7B0-DE133B260FAA}" dt="2018-06-05T12:50:29.726" v="2917" actId="20577"/>
+          <ac:spMkLst>
+            <pc:docMk/>
+            <pc:sldMk cId="3772222938" sldId="293"/>
+            <ac:spMk id="6" creationId="{37D42437-95F7-4C64-81D1-F82571A32530}"/>
+          </ac:spMkLst>
+        </pc:spChg>
       </pc:sldChg>
     </pc:docChg>
   </pc:docChgLst>
@@ -9142,6 +9252,207 @@
       </p:grpSpPr>
       <p:sp>
         <p:nvSpPr>
+          <p:cNvPr id="2" name="Titel 1">
+            <a:extLst>
+              <a:ext uri="{FF2B5EF4-FFF2-40B4-BE49-F238E27FC236}">
+                <a16:creationId xmlns:a16="http://schemas.microsoft.com/office/drawing/2014/main" id="{510A3E52-E997-4BF8-B89F-E27C0209F5A2}"/>
+              </a:ext>
+            </a:extLst>
+          </p:cNvPr>
+          <p:cNvSpPr>
+            <a:spLocks noGrp="1"/>
+          </p:cNvSpPr>
+          <p:nvPr>
+            <p:ph type="ctrTitle"/>
+          </p:nvPr>
+        </p:nvSpPr>
+        <p:spPr>
+          <a:xfrm>
+            <a:off x="1524000" y="1122363"/>
+            <a:ext cx="9144000" cy="2387600"/>
+          </a:xfrm>
+        </p:spPr>
+        <p:txBody>
+          <a:bodyPr/>
+          <a:lstStyle/>
+          <a:p>
+            <a:r>
+              <a:rPr lang="de-DE" dirty="0"/>
+              <a:t>Anwendungsspezifikation</a:t>
+            </a:r>
+          </a:p>
+        </p:txBody>
+      </p:sp>
+      <p:sp>
+        <p:nvSpPr>
+          <p:cNvPr id="3" name="Untertitel 2">
+            <a:extLst>
+              <a:ext uri="{FF2B5EF4-FFF2-40B4-BE49-F238E27FC236}">
+                <a16:creationId xmlns:a16="http://schemas.microsoft.com/office/drawing/2014/main" id="{4FEA5DDD-AE9D-4E79-9FEB-9C1DA35AC3FE}"/>
+              </a:ext>
+            </a:extLst>
+          </p:cNvPr>
+          <p:cNvSpPr>
+            <a:spLocks noGrp="1"/>
+          </p:cNvSpPr>
+          <p:nvPr>
+            <p:ph type="subTitle" idx="1"/>
+          </p:nvPr>
+        </p:nvSpPr>
+        <p:spPr>
+          <a:xfrm>
+            <a:off x="1524000" y="3602038"/>
+            <a:ext cx="9144000" cy="1655762"/>
+          </a:xfrm>
+        </p:spPr>
+        <p:txBody>
+          <a:bodyPr/>
+          <a:lstStyle/>
+          <a:p>
+            <a:endParaRPr lang="de-DE" dirty="0"/>
+          </a:p>
+        </p:txBody>
+      </p:sp>
+      <p:pic>
+        <p:nvPicPr>
+          <p:cNvPr id="5" name="Grafik 4">
+            <a:extLst>
+              <a:ext uri="{FF2B5EF4-FFF2-40B4-BE49-F238E27FC236}">
+                <a16:creationId xmlns:a16="http://schemas.microsoft.com/office/drawing/2014/main" id="{B7E16C27-D378-4829-A890-B1E9782FCB2F}"/>
+              </a:ext>
+            </a:extLst>
+          </p:cNvPr>
+          <p:cNvPicPr>
+            <a:picLocks noChangeAspect="1"/>
+          </p:cNvPicPr>
+          <p:nvPr/>
+        </p:nvPicPr>
+        <p:blipFill>
+          <a:blip r:embed="rId2">
+            <a:extLst>
+              <a:ext uri="{28A0092B-C50C-407E-A947-70E740481C1C}">
+                <a14:useLocalDpi xmlns:a14="http://schemas.microsoft.com/office/drawing/2010/main" val="0"/>
+              </a:ext>
+            </a:extLst>
+          </a:blip>
+          <a:stretch>
+            <a:fillRect/>
+          </a:stretch>
+        </p:blipFill>
+        <p:spPr>
+          <a:xfrm>
+            <a:off x="0" y="0"/>
+            <a:ext cx="17967158" cy="533400"/>
+          </a:xfrm>
+          <a:prstGeom prst="rect">
+            <a:avLst/>
+          </a:prstGeom>
+        </p:spPr>
+      </p:pic>
+      <p:pic>
+        <p:nvPicPr>
+          <p:cNvPr id="7" name="Grafik 6">
+            <a:extLst>
+              <a:ext uri="{FF2B5EF4-FFF2-40B4-BE49-F238E27FC236}">
+                <a16:creationId xmlns:a16="http://schemas.microsoft.com/office/drawing/2014/main" id="{D69E3AB2-FDF1-4CE2-9130-48554F747CE8}"/>
+              </a:ext>
+            </a:extLst>
+          </p:cNvPr>
+          <p:cNvPicPr>
+            <a:picLocks noChangeAspect="1"/>
+          </p:cNvPicPr>
+          <p:nvPr/>
+        </p:nvPicPr>
+        <p:blipFill>
+          <a:blip r:embed="rId3">
+            <a:extLst>
+              <a:ext uri="{28A0092B-C50C-407E-A947-70E740481C1C}">
+                <a14:useLocalDpi xmlns:a14="http://schemas.microsoft.com/office/drawing/2010/main" val="0"/>
+              </a:ext>
+            </a:extLst>
+          </a:blip>
+          <a:stretch>
+            <a:fillRect/>
+          </a:stretch>
+        </p:blipFill>
+        <p:spPr>
+          <a:xfrm>
+            <a:off x="-5202027" y="5962249"/>
+            <a:ext cx="17394027" cy="895751"/>
+          </a:xfrm>
+          <a:prstGeom prst="rect">
+            <a:avLst/>
+          </a:prstGeom>
+        </p:spPr>
+      </p:pic>
+      <p:pic>
+        <p:nvPicPr>
+          <p:cNvPr id="13" name="Grafik 12">
+            <a:extLst>
+              <a:ext uri="{FF2B5EF4-FFF2-40B4-BE49-F238E27FC236}">
+                <a16:creationId xmlns:a16="http://schemas.microsoft.com/office/drawing/2014/main" id="{3F15EF38-607C-4029-BB9B-6A63B2AFF21A}"/>
+              </a:ext>
+            </a:extLst>
+          </p:cNvPr>
+          <p:cNvPicPr>
+            <a:picLocks noChangeAspect="1"/>
+          </p:cNvPicPr>
+          <p:nvPr/>
+        </p:nvPicPr>
+        <p:blipFill>
+          <a:blip r:embed="rId4">
+            <a:extLst>
+              <a:ext uri="{28A0092B-C50C-407E-A947-70E740481C1C}">
+                <a14:useLocalDpi xmlns:a14="http://schemas.microsoft.com/office/drawing/2010/main" val="0"/>
+              </a:ext>
+            </a:extLst>
+          </a:blip>
+          <a:stretch>
+            <a:fillRect/>
+          </a:stretch>
+        </p:blipFill>
+        <p:spPr>
+          <a:xfrm>
+            <a:off x="1247555" y="6410124"/>
+            <a:ext cx="4738488" cy="358976"/>
+          </a:xfrm>
+          <a:prstGeom prst="rect">
+            <a:avLst/>
+          </a:prstGeom>
+        </p:spPr>
+      </p:pic>
+    </p:spTree>
+    <p:extLst>
+      <p:ext uri="{BB962C8B-B14F-4D97-AF65-F5344CB8AC3E}">
+        <p14:creationId xmlns:p14="http://schemas.microsoft.com/office/powerpoint/2010/main" val="401846387"/>
+      </p:ext>
+    </p:extLst>
+  </p:cSld>
+  <p:clrMapOvr>
+    <a:masterClrMapping/>
+  </p:clrMapOvr>
+</p:sld>
+</file>
+
+<file path=ppt/slides/slide16.xml><?xml version="1.0" encoding="utf-8"?>
+<p:sld xmlns:a="http://schemas.openxmlformats.org/drawingml/2006/main" xmlns:r="http://schemas.openxmlformats.org/officeDocument/2006/relationships" xmlns:p="http://schemas.openxmlformats.org/presentationml/2006/main">
+  <p:cSld>
+    <p:spTree>
+      <p:nvGrpSpPr>
+        <p:cNvPr id="1" name=""/>
+        <p:cNvGrpSpPr/>
+        <p:nvPr/>
+      </p:nvGrpSpPr>
+      <p:grpSpPr>
+        <a:xfrm>
+          <a:off x="0" y="0"/>
+          <a:ext cx="0" cy="0"/>
+          <a:chOff x="0" y="0"/>
+          <a:chExt cx="0" cy="0"/>
+        </a:xfrm>
+      </p:grpSpPr>
+      <p:sp>
+        <p:nvSpPr>
           <p:cNvPr id="4" name="Titel 3">
             <a:extLst>
               <a:ext uri="{FF2B5EF4-FFF2-40B4-BE49-F238E27FC236}">
@@ -9161,32 +9472,88 @@
           <a:bodyPr/>
           <a:lstStyle/>
           <a:p>
+            <a:r>
+              <a:rPr lang="de-DE" dirty="0"/>
+              <a:t>Navigationsprinzip</a:t>
+            </a:r>
+          </a:p>
+        </p:txBody>
+      </p:sp>
+      <p:sp>
+        <p:nvSpPr>
+          <p:cNvPr id="6" name="Inhaltsplatzhalter 5">
+            <a:extLst>
+              <a:ext uri="{FF2B5EF4-FFF2-40B4-BE49-F238E27FC236}">
+                <a16:creationId xmlns:a16="http://schemas.microsoft.com/office/drawing/2014/main" id="{37D42437-95F7-4C64-81D1-F82571A32530}"/>
+              </a:ext>
+            </a:extLst>
+          </p:cNvPr>
+          <p:cNvSpPr>
+            <a:spLocks noGrp="1"/>
+          </p:cNvSpPr>
+          <p:nvPr>
+            <p:ph idx="1"/>
+          </p:nvPr>
+        </p:nvSpPr>
+        <p:spPr/>
+        <p:txBody>
+          <a:bodyPr/>
+          <a:lstStyle/>
+          <a:p>
+            <a:r>
+              <a:rPr lang="de-DE" dirty="0" err="1"/>
+              <a:t>Burgerbutton</a:t>
+            </a:r>
             <a:endParaRPr lang="de-DE" dirty="0"/>
           </a:p>
-        </p:txBody>
-      </p:sp>
-      <p:sp>
-        <p:nvSpPr>
-          <p:cNvPr id="6" name="Inhaltsplatzhalter 5">
-            <a:extLst>
-              <a:ext uri="{FF2B5EF4-FFF2-40B4-BE49-F238E27FC236}">
-                <a16:creationId xmlns:a16="http://schemas.microsoft.com/office/drawing/2014/main" id="{37D42437-95F7-4C64-81D1-F82571A32530}"/>
-              </a:ext>
-            </a:extLst>
-          </p:cNvPr>
-          <p:cNvSpPr>
-            <a:spLocks noGrp="1"/>
-          </p:cNvSpPr>
-          <p:nvPr>
-            <p:ph idx="1"/>
-          </p:nvPr>
-        </p:nvSpPr>
-        <p:spPr/>
-        <p:txBody>
-          <a:bodyPr/>
-          <a:lstStyle/>
-          <a:p>
-            <a:endParaRPr lang="de-DE"/>
+          <a:p>
+            <a:pPr lvl="1"/>
+            <a:r>
+              <a:rPr lang="de-DE" dirty="0"/>
+              <a:t>Headerreiter zusammenfassen </a:t>
+            </a:r>
+          </a:p>
+          <a:p>
+            <a:endParaRPr lang="de-DE" dirty="0"/>
+          </a:p>
+          <a:p>
+            <a:r>
+              <a:rPr lang="de-DE" dirty="0"/>
+              <a:t>Topbutton am </a:t>
+            </a:r>
+            <a:r>
+              <a:rPr lang="de-DE" dirty="0" err="1"/>
+              <a:t>Footer</a:t>
+            </a:r>
+            <a:endParaRPr lang="de-DE" dirty="0"/>
+          </a:p>
+          <a:p>
+            <a:pPr lvl="1"/>
+            <a:r>
+              <a:rPr lang="de-DE" dirty="0"/>
+              <a:t>Springt zum Seitenanfang</a:t>
+            </a:r>
+          </a:p>
+          <a:p>
+            <a:pPr lvl="1"/>
+            <a:endParaRPr lang="de-DE" dirty="0"/>
+          </a:p>
+          <a:p>
+            <a:r>
+              <a:rPr lang="de-DE" dirty="0"/>
+              <a:t>Suchleiste</a:t>
+            </a:r>
+          </a:p>
+          <a:p>
+            <a:pPr lvl="1"/>
+            <a:r>
+              <a:rPr lang="de-DE" dirty="0"/>
+              <a:t>Suche nach Aufgaben, Personen oder Kurse</a:t>
+            </a:r>
+          </a:p>
+          <a:p>
+            <a:pPr lvl="1"/>
+            <a:endParaRPr lang="de-DE" dirty="0"/>
           </a:p>
         </p:txBody>
       </p:sp>
@@ -9311,7 +9678,7 @@
 </p:sld>
 </file>
 
-<file path=ppt/slides/slide16.xml><?xml version="1.0" encoding="utf-8"?>
+<file path=ppt/slides/slide17.xml><?xml version="1.0" encoding="utf-8"?>
 <p:sld xmlns:a="http://schemas.openxmlformats.org/drawingml/2006/main" xmlns:r="http://schemas.openxmlformats.org/officeDocument/2006/relationships" xmlns:p="http://schemas.openxmlformats.org/presentationml/2006/main">
   <p:cSld>
     <p:spTree>
@@ -9349,8 +9716,236 @@
           <a:bodyPr/>
           <a:lstStyle/>
           <a:p>
+            <a:r>
+              <a:rPr lang="de-DE" dirty="0"/>
+              <a:t>Navigationsprinzip</a:t>
+            </a:r>
+          </a:p>
+        </p:txBody>
+      </p:sp>
+      <p:sp>
+        <p:nvSpPr>
+          <p:cNvPr id="6" name="Inhaltsplatzhalter 5">
+            <a:extLst>
+              <a:ext uri="{FF2B5EF4-FFF2-40B4-BE49-F238E27FC236}">
+                <a16:creationId xmlns:a16="http://schemas.microsoft.com/office/drawing/2014/main" id="{37D42437-95F7-4C64-81D1-F82571A32530}"/>
+              </a:ext>
+            </a:extLst>
+          </p:cNvPr>
+          <p:cNvSpPr>
+            <a:spLocks noGrp="1"/>
+          </p:cNvSpPr>
+          <p:nvPr>
+            <p:ph idx="1"/>
+          </p:nvPr>
+        </p:nvSpPr>
+        <p:spPr/>
+        <p:txBody>
+          <a:bodyPr/>
+          <a:lstStyle/>
+          <a:p>
+            <a:r>
+              <a:rPr lang="de-DE" dirty="0"/>
+              <a:t>Position im Header</a:t>
+            </a:r>
+          </a:p>
+          <a:p>
+            <a:pPr lvl="1"/>
+            <a:r>
+              <a:rPr lang="de-DE" dirty="0"/>
+              <a:t>Markiert aktuelle Themenübersicht im Header </a:t>
+            </a:r>
+          </a:p>
+          <a:p>
             <a:endParaRPr lang="de-DE" dirty="0"/>
           </a:p>
+          <a:p>
+            <a:r>
+              <a:rPr lang="de-DE" dirty="0"/>
+              <a:t>Interne Links</a:t>
+            </a:r>
+          </a:p>
+          <a:p>
+            <a:pPr lvl="1"/>
+            <a:r>
+              <a:rPr lang="de-DE" dirty="0"/>
+              <a:t>Verweist auf Interne Seiten</a:t>
+            </a:r>
+          </a:p>
+          <a:p>
+            <a:pPr lvl="1"/>
+            <a:endParaRPr lang="de-DE" dirty="0"/>
+          </a:p>
+          <a:p>
+            <a:pPr lvl="1"/>
+            <a:endParaRPr lang="de-DE" dirty="0"/>
+          </a:p>
+        </p:txBody>
+      </p:sp>
+      <p:pic>
+        <p:nvPicPr>
+          <p:cNvPr id="5" name="Grafik 4">
+            <a:extLst>
+              <a:ext uri="{FF2B5EF4-FFF2-40B4-BE49-F238E27FC236}">
+                <a16:creationId xmlns:a16="http://schemas.microsoft.com/office/drawing/2014/main" id="{B7E16C27-D378-4829-A890-B1E9782FCB2F}"/>
+              </a:ext>
+            </a:extLst>
+          </p:cNvPr>
+          <p:cNvPicPr>
+            <a:picLocks noChangeAspect="1"/>
+          </p:cNvPicPr>
+          <p:nvPr/>
+        </p:nvPicPr>
+        <p:blipFill>
+          <a:blip r:embed="rId2">
+            <a:extLst>
+              <a:ext uri="{28A0092B-C50C-407E-A947-70E740481C1C}">
+                <a14:useLocalDpi xmlns:a14="http://schemas.microsoft.com/office/drawing/2010/main" val="0"/>
+              </a:ext>
+            </a:extLst>
+          </a:blip>
+          <a:stretch>
+            <a:fillRect/>
+          </a:stretch>
+        </p:blipFill>
+        <p:spPr>
+          <a:xfrm>
+            <a:off x="0" y="0"/>
+            <a:ext cx="17967158" cy="533400"/>
+          </a:xfrm>
+          <a:prstGeom prst="rect">
+            <a:avLst/>
+          </a:prstGeom>
+        </p:spPr>
+      </p:pic>
+      <p:pic>
+        <p:nvPicPr>
+          <p:cNvPr id="7" name="Grafik 6">
+            <a:extLst>
+              <a:ext uri="{FF2B5EF4-FFF2-40B4-BE49-F238E27FC236}">
+                <a16:creationId xmlns:a16="http://schemas.microsoft.com/office/drawing/2014/main" id="{D69E3AB2-FDF1-4CE2-9130-48554F747CE8}"/>
+              </a:ext>
+            </a:extLst>
+          </p:cNvPr>
+          <p:cNvPicPr>
+            <a:picLocks noChangeAspect="1"/>
+          </p:cNvPicPr>
+          <p:nvPr/>
+        </p:nvPicPr>
+        <p:blipFill>
+          <a:blip r:embed="rId3">
+            <a:extLst>
+              <a:ext uri="{28A0092B-C50C-407E-A947-70E740481C1C}">
+                <a14:useLocalDpi xmlns:a14="http://schemas.microsoft.com/office/drawing/2010/main" val="0"/>
+              </a:ext>
+            </a:extLst>
+          </a:blip>
+          <a:stretch>
+            <a:fillRect/>
+          </a:stretch>
+        </p:blipFill>
+        <p:spPr>
+          <a:xfrm>
+            <a:off x="-5202027" y="5962249"/>
+            <a:ext cx="17394027" cy="895751"/>
+          </a:xfrm>
+          <a:prstGeom prst="rect">
+            <a:avLst/>
+          </a:prstGeom>
+        </p:spPr>
+      </p:pic>
+      <p:pic>
+        <p:nvPicPr>
+          <p:cNvPr id="13" name="Grafik 12">
+            <a:extLst>
+              <a:ext uri="{FF2B5EF4-FFF2-40B4-BE49-F238E27FC236}">
+                <a16:creationId xmlns:a16="http://schemas.microsoft.com/office/drawing/2014/main" id="{3F15EF38-607C-4029-BB9B-6A63B2AFF21A}"/>
+              </a:ext>
+            </a:extLst>
+          </p:cNvPr>
+          <p:cNvPicPr>
+            <a:picLocks noChangeAspect="1"/>
+          </p:cNvPicPr>
+          <p:nvPr/>
+        </p:nvPicPr>
+        <p:blipFill>
+          <a:blip r:embed="rId4">
+            <a:extLst>
+              <a:ext uri="{28A0092B-C50C-407E-A947-70E740481C1C}">
+                <a14:useLocalDpi xmlns:a14="http://schemas.microsoft.com/office/drawing/2010/main" val="0"/>
+              </a:ext>
+            </a:extLst>
+          </a:blip>
+          <a:stretch>
+            <a:fillRect/>
+          </a:stretch>
+        </p:blipFill>
+        <p:spPr>
+          <a:xfrm>
+            <a:off x="1247555" y="6410124"/>
+            <a:ext cx="4738488" cy="358976"/>
+          </a:xfrm>
+          <a:prstGeom prst="rect">
+            <a:avLst/>
+          </a:prstGeom>
+        </p:spPr>
+      </p:pic>
+    </p:spTree>
+    <p:extLst>
+      <p:ext uri="{BB962C8B-B14F-4D97-AF65-F5344CB8AC3E}">
+        <p14:creationId xmlns:p14="http://schemas.microsoft.com/office/powerpoint/2010/main" val="882985951"/>
+      </p:ext>
+    </p:extLst>
+  </p:cSld>
+  <p:clrMapOvr>
+    <a:masterClrMapping/>
+  </p:clrMapOvr>
+</p:sld>
+</file>
+
+<file path=ppt/slides/slide18.xml><?xml version="1.0" encoding="utf-8"?>
+<p:sld xmlns:a="http://schemas.openxmlformats.org/drawingml/2006/main" xmlns:r="http://schemas.openxmlformats.org/officeDocument/2006/relationships" xmlns:p="http://schemas.openxmlformats.org/presentationml/2006/main">
+  <p:cSld>
+    <p:spTree>
+      <p:nvGrpSpPr>
+        <p:cNvPr id="1" name=""/>
+        <p:cNvGrpSpPr/>
+        <p:nvPr/>
+      </p:nvGrpSpPr>
+      <p:grpSpPr>
+        <a:xfrm>
+          <a:off x="0" y="0"/>
+          <a:ext cx="0" cy="0"/>
+          <a:chOff x="0" y="0"/>
+          <a:chExt cx="0" cy="0"/>
+        </a:xfrm>
+      </p:grpSpPr>
+      <p:sp>
+        <p:nvSpPr>
+          <p:cNvPr id="4" name="Titel 3">
+            <a:extLst>
+              <a:ext uri="{FF2B5EF4-FFF2-40B4-BE49-F238E27FC236}">
+                <a16:creationId xmlns:a16="http://schemas.microsoft.com/office/drawing/2014/main" id="{87AC8795-F72E-4F53-BACC-C551C2D8316A}"/>
+              </a:ext>
+            </a:extLst>
+          </p:cNvPr>
+          <p:cNvSpPr>
+            <a:spLocks noGrp="1"/>
+          </p:cNvSpPr>
+          <p:nvPr>
+            <p:ph type="title"/>
+          </p:nvPr>
+        </p:nvSpPr>
+        <p:spPr/>
+        <p:txBody>
+          <a:bodyPr/>
+          <a:lstStyle/>
+          <a:p>
+            <a:r>
+              <a:rPr lang="de-DE" dirty="0"/>
+              <a:t>Funktionselemente</a:t>
+            </a:r>
+          </a:p>
         </p:txBody>
       </p:sp>
       <p:sp>
@@ -9374,7 +9969,61 @@
           <a:bodyPr/>
           <a:lstStyle/>
           <a:p>
-            <a:endParaRPr lang="de-DE"/>
+            <a:r>
+              <a:rPr lang="de-DE" dirty="0"/>
+              <a:t>Login</a:t>
+            </a:r>
+          </a:p>
+          <a:p>
+            <a:pPr lvl="1"/>
+            <a:r>
+              <a:rPr lang="de-DE" dirty="0"/>
+              <a:t>Ermöglicht Zugang zur Startseite, falls Konto daten vorhanden</a:t>
+            </a:r>
+          </a:p>
+          <a:p>
+            <a:pPr marL="0" indent="0">
+              <a:buNone/>
+            </a:pPr>
+            <a:endParaRPr lang="de-DE" dirty="0"/>
+          </a:p>
+          <a:p>
+            <a:r>
+              <a:rPr lang="de-DE" dirty="0"/>
+              <a:t>Registrieren</a:t>
+            </a:r>
+          </a:p>
+          <a:p>
+            <a:pPr lvl="1"/>
+            <a:r>
+              <a:rPr lang="de-DE" dirty="0"/>
+              <a:t>Besucher kann sich ein neues Konto erstellen</a:t>
+            </a:r>
+          </a:p>
+          <a:p>
+            <a:pPr marL="0" indent="0">
+              <a:buNone/>
+            </a:pPr>
+            <a:endParaRPr lang="de-DE" dirty="0"/>
+          </a:p>
+          <a:p>
+            <a:r>
+              <a:rPr lang="de-DE" dirty="0"/>
+              <a:t>Profilverwaltung</a:t>
+            </a:r>
+          </a:p>
+          <a:p>
+            <a:pPr lvl="1"/>
+            <a:r>
+              <a:rPr lang="de-DE" dirty="0"/>
+              <a:t>Nutzer kann sein Profilbild und seine Beschreibung individuell anpassen</a:t>
+            </a:r>
+          </a:p>
+          <a:p>
+            <a:pPr marL="457200" lvl="1" indent="0">
+              <a:buNone/>
+            </a:pPr>
+            <a:endParaRPr lang="de-DE" dirty="0"/>
           </a:p>
         </p:txBody>
       </p:sp>
@@ -9499,6 +10148,250 @@
 </p:sld>
 </file>
 
+<file path=ppt/slides/slide19.xml><?xml version="1.0" encoding="utf-8"?>
+<p:sld xmlns:a="http://schemas.openxmlformats.org/drawingml/2006/main" xmlns:r="http://schemas.openxmlformats.org/officeDocument/2006/relationships" xmlns:p="http://schemas.openxmlformats.org/presentationml/2006/main">
+  <p:cSld>
+    <p:spTree>
+      <p:nvGrpSpPr>
+        <p:cNvPr id="1" name=""/>
+        <p:cNvGrpSpPr/>
+        <p:nvPr/>
+      </p:nvGrpSpPr>
+      <p:grpSpPr>
+        <a:xfrm>
+          <a:off x="0" y="0"/>
+          <a:ext cx="0" cy="0"/>
+          <a:chOff x="0" y="0"/>
+          <a:chExt cx="0" cy="0"/>
+        </a:xfrm>
+      </p:grpSpPr>
+      <p:sp>
+        <p:nvSpPr>
+          <p:cNvPr id="4" name="Titel 3">
+            <a:extLst>
+              <a:ext uri="{FF2B5EF4-FFF2-40B4-BE49-F238E27FC236}">
+                <a16:creationId xmlns:a16="http://schemas.microsoft.com/office/drawing/2014/main" id="{87AC8795-F72E-4F53-BACC-C551C2D8316A}"/>
+              </a:ext>
+            </a:extLst>
+          </p:cNvPr>
+          <p:cNvSpPr>
+            <a:spLocks noGrp="1"/>
+          </p:cNvSpPr>
+          <p:nvPr>
+            <p:ph type="title"/>
+          </p:nvPr>
+        </p:nvSpPr>
+        <p:spPr/>
+        <p:txBody>
+          <a:bodyPr/>
+          <a:lstStyle/>
+          <a:p>
+            <a:r>
+              <a:rPr lang="de-DE" dirty="0"/>
+              <a:t>Funktionselemente</a:t>
+            </a:r>
+          </a:p>
+        </p:txBody>
+      </p:sp>
+      <p:sp>
+        <p:nvSpPr>
+          <p:cNvPr id="6" name="Inhaltsplatzhalter 5">
+            <a:extLst>
+              <a:ext uri="{FF2B5EF4-FFF2-40B4-BE49-F238E27FC236}">
+                <a16:creationId xmlns:a16="http://schemas.microsoft.com/office/drawing/2014/main" id="{37D42437-95F7-4C64-81D1-F82571A32530}"/>
+              </a:ext>
+            </a:extLst>
+          </p:cNvPr>
+          <p:cNvSpPr>
+            <a:spLocks noGrp="1"/>
+          </p:cNvSpPr>
+          <p:nvPr>
+            <p:ph idx="1"/>
+          </p:nvPr>
+        </p:nvSpPr>
+        <p:spPr/>
+        <p:txBody>
+          <a:bodyPr>
+            <a:normAutofit/>
+          </a:bodyPr>
+          <a:lstStyle/>
+          <a:p>
+            <a:r>
+              <a:rPr lang="de-DE" dirty="0"/>
+              <a:t>Kursverwaltung</a:t>
+            </a:r>
+          </a:p>
+          <a:p>
+            <a:pPr lvl="1"/>
+            <a:r>
+              <a:rPr lang="de-DE" dirty="0"/>
+              <a:t>Checkt ob Kurs beigetreten oder nicht</a:t>
+            </a:r>
+          </a:p>
+          <a:p>
+            <a:pPr lvl="2"/>
+            <a:r>
+              <a:rPr lang="de-DE" dirty="0"/>
+              <a:t>Wenn nicht: Möglichkeit Kurs beizutreten</a:t>
+            </a:r>
+          </a:p>
+          <a:p>
+            <a:pPr lvl="2"/>
+            <a:endParaRPr lang="de-DE" dirty="0"/>
+          </a:p>
+          <a:p>
+            <a:r>
+              <a:rPr lang="de-DE" dirty="0"/>
+              <a:t>Nachhilfeverwaltung</a:t>
+            </a:r>
+          </a:p>
+          <a:p>
+            <a:pPr lvl="1"/>
+            <a:r>
+              <a:rPr lang="de-DE" dirty="0"/>
+              <a:t>Nachhilfe kann geboten und/oder angefordert werden </a:t>
+            </a:r>
+          </a:p>
+          <a:p>
+            <a:pPr lvl="1"/>
+            <a:r>
+              <a:rPr lang="de-DE" dirty="0"/>
+              <a:t>Gebot oder Nachfrage wird im Profil wieder gegeben</a:t>
+            </a:r>
+          </a:p>
+          <a:p>
+            <a:pPr lvl="1"/>
+            <a:endParaRPr lang="de-DE" dirty="0"/>
+          </a:p>
+          <a:p>
+            <a:pPr marL="457200" lvl="1" indent="0">
+              <a:buNone/>
+            </a:pPr>
+            <a:endParaRPr lang="de-DE" dirty="0"/>
+          </a:p>
+        </p:txBody>
+      </p:sp>
+      <p:pic>
+        <p:nvPicPr>
+          <p:cNvPr id="5" name="Grafik 4">
+            <a:extLst>
+              <a:ext uri="{FF2B5EF4-FFF2-40B4-BE49-F238E27FC236}">
+                <a16:creationId xmlns:a16="http://schemas.microsoft.com/office/drawing/2014/main" id="{B7E16C27-D378-4829-A890-B1E9782FCB2F}"/>
+              </a:ext>
+            </a:extLst>
+          </p:cNvPr>
+          <p:cNvPicPr>
+            <a:picLocks noChangeAspect="1"/>
+          </p:cNvPicPr>
+          <p:nvPr/>
+        </p:nvPicPr>
+        <p:blipFill>
+          <a:blip r:embed="rId2">
+            <a:extLst>
+              <a:ext uri="{28A0092B-C50C-407E-A947-70E740481C1C}">
+                <a14:useLocalDpi xmlns:a14="http://schemas.microsoft.com/office/drawing/2010/main" val="0"/>
+              </a:ext>
+            </a:extLst>
+          </a:blip>
+          <a:stretch>
+            <a:fillRect/>
+          </a:stretch>
+        </p:blipFill>
+        <p:spPr>
+          <a:xfrm>
+            <a:off x="0" y="0"/>
+            <a:ext cx="17967158" cy="533400"/>
+          </a:xfrm>
+          <a:prstGeom prst="rect">
+            <a:avLst/>
+          </a:prstGeom>
+        </p:spPr>
+      </p:pic>
+      <p:pic>
+        <p:nvPicPr>
+          <p:cNvPr id="7" name="Grafik 6">
+            <a:extLst>
+              <a:ext uri="{FF2B5EF4-FFF2-40B4-BE49-F238E27FC236}">
+                <a16:creationId xmlns:a16="http://schemas.microsoft.com/office/drawing/2014/main" id="{D69E3AB2-FDF1-4CE2-9130-48554F747CE8}"/>
+              </a:ext>
+            </a:extLst>
+          </p:cNvPr>
+          <p:cNvPicPr>
+            <a:picLocks noChangeAspect="1"/>
+          </p:cNvPicPr>
+          <p:nvPr/>
+        </p:nvPicPr>
+        <p:blipFill>
+          <a:blip r:embed="rId3">
+            <a:extLst>
+              <a:ext uri="{28A0092B-C50C-407E-A947-70E740481C1C}">
+                <a14:useLocalDpi xmlns:a14="http://schemas.microsoft.com/office/drawing/2010/main" val="0"/>
+              </a:ext>
+            </a:extLst>
+          </a:blip>
+          <a:stretch>
+            <a:fillRect/>
+          </a:stretch>
+        </p:blipFill>
+        <p:spPr>
+          <a:xfrm>
+            <a:off x="-5202027" y="5962249"/>
+            <a:ext cx="17394027" cy="895751"/>
+          </a:xfrm>
+          <a:prstGeom prst="rect">
+            <a:avLst/>
+          </a:prstGeom>
+        </p:spPr>
+      </p:pic>
+      <p:pic>
+        <p:nvPicPr>
+          <p:cNvPr id="13" name="Grafik 12">
+            <a:extLst>
+              <a:ext uri="{FF2B5EF4-FFF2-40B4-BE49-F238E27FC236}">
+                <a16:creationId xmlns:a16="http://schemas.microsoft.com/office/drawing/2014/main" id="{3F15EF38-607C-4029-BB9B-6A63B2AFF21A}"/>
+              </a:ext>
+            </a:extLst>
+          </p:cNvPr>
+          <p:cNvPicPr>
+            <a:picLocks noChangeAspect="1"/>
+          </p:cNvPicPr>
+          <p:nvPr/>
+        </p:nvPicPr>
+        <p:blipFill>
+          <a:blip r:embed="rId4">
+            <a:extLst>
+              <a:ext uri="{28A0092B-C50C-407E-A947-70E740481C1C}">
+                <a14:useLocalDpi xmlns:a14="http://schemas.microsoft.com/office/drawing/2010/main" val="0"/>
+              </a:ext>
+            </a:extLst>
+          </a:blip>
+          <a:stretch>
+            <a:fillRect/>
+          </a:stretch>
+        </p:blipFill>
+        <p:spPr>
+          <a:xfrm>
+            <a:off x="1247555" y="6410124"/>
+            <a:ext cx="4738488" cy="358976"/>
+          </a:xfrm>
+          <a:prstGeom prst="rect">
+            <a:avLst/>
+          </a:prstGeom>
+        </p:spPr>
+      </p:pic>
+    </p:spTree>
+    <p:extLst>
+      <p:ext uri="{BB962C8B-B14F-4D97-AF65-F5344CB8AC3E}">
+        <p14:creationId xmlns:p14="http://schemas.microsoft.com/office/powerpoint/2010/main" val="1414169092"/>
+      </p:ext>
+    </p:extLst>
+  </p:cSld>
+  <p:clrMapOvr>
+    <a:masterClrMapping/>
+  </p:clrMapOvr>
+</p:sld>
+</file>
+
 <file path=ppt/slides/slide2.xml><?xml version="1.0" encoding="utf-8"?>
 <p:sld xmlns:a="http://schemas.openxmlformats.org/drawingml/2006/main" xmlns:r="http://schemas.openxmlformats.org/officeDocument/2006/relationships" xmlns:p="http://schemas.openxmlformats.org/presentationml/2006/main">
   <p:cSld>
@@ -9600,6 +10493,275 @@
       </p:transition>
     </mc:Fallback>
   </mc:AlternateContent>
+</p:sld>
+</file>
+
+<file path=ppt/slides/slide20.xml><?xml version="1.0" encoding="utf-8"?>
+<p:sld xmlns:a="http://schemas.openxmlformats.org/drawingml/2006/main" xmlns:r="http://schemas.openxmlformats.org/officeDocument/2006/relationships" xmlns:p="http://schemas.openxmlformats.org/presentationml/2006/main">
+  <p:cSld>
+    <p:spTree>
+      <p:nvGrpSpPr>
+        <p:cNvPr id="1" name=""/>
+        <p:cNvGrpSpPr/>
+        <p:nvPr/>
+      </p:nvGrpSpPr>
+      <p:grpSpPr>
+        <a:xfrm>
+          <a:off x="0" y="0"/>
+          <a:ext cx="0" cy="0"/>
+          <a:chOff x="0" y="0"/>
+          <a:chExt cx="0" cy="0"/>
+        </a:xfrm>
+      </p:grpSpPr>
+      <p:sp>
+        <p:nvSpPr>
+          <p:cNvPr id="4" name="Titel 3">
+            <a:extLst>
+              <a:ext uri="{FF2B5EF4-FFF2-40B4-BE49-F238E27FC236}">
+                <a16:creationId xmlns:a16="http://schemas.microsoft.com/office/drawing/2014/main" id="{87AC8795-F72E-4F53-BACC-C551C2D8316A}"/>
+              </a:ext>
+            </a:extLst>
+          </p:cNvPr>
+          <p:cNvSpPr>
+            <a:spLocks noGrp="1"/>
+          </p:cNvSpPr>
+          <p:nvPr>
+            <p:ph type="title"/>
+          </p:nvPr>
+        </p:nvSpPr>
+        <p:spPr/>
+        <p:txBody>
+          <a:bodyPr/>
+          <a:lstStyle/>
+          <a:p>
+            <a:r>
+              <a:rPr lang="de-DE" dirty="0"/>
+              <a:t>Funktionselemente</a:t>
+            </a:r>
+          </a:p>
+        </p:txBody>
+      </p:sp>
+      <p:sp>
+        <p:nvSpPr>
+          <p:cNvPr id="6" name="Inhaltsplatzhalter 5">
+            <a:extLst>
+              <a:ext uri="{FF2B5EF4-FFF2-40B4-BE49-F238E27FC236}">
+                <a16:creationId xmlns:a16="http://schemas.microsoft.com/office/drawing/2014/main" id="{37D42437-95F7-4C64-81D1-F82571A32530}"/>
+              </a:ext>
+            </a:extLst>
+          </p:cNvPr>
+          <p:cNvSpPr>
+            <a:spLocks noGrp="1"/>
+          </p:cNvSpPr>
+          <p:nvPr>
+            <p:ph idx="1"/>
+          </p:nvPr>
+        </p:nvSpPr>
+        <p:spPr/>
+        <p:txBody>
+          <a:bodyPr>
+            <a:normAutofit/>
+          </a:bodyPr>
+          <a:lstStyle/>
+          <a:p>
+            <a:r>
+              <a:rPr lang="de-DE" dirty="0" err="1"/>
+              <a:t>To</a:t>
+            </a:r>
+            <a:r>
+              <a:rPr lang="de-DE" dirty="0"/>
+              <a:t>-Do-Liste</a:t>
+            </a:r>
+          </a:p>
+          <a:p>
+            <a:pPr lvl="1"/>
+            <a:r>
+              <a:rPr lang="de-DE" dirty="0"/>
+              <a:t>Vom Nutzer Spezifisch eingetragene Notizen</a:t>
+            </a:r>
+          </a:p>
+          <a:p>
+            <a:pPr lvl="1"/>
+            <a:r>
+              <a:rPr lang="de-DE" dirty="0"/>
+              <a:t>Können beliebig eingetragen, gelöscht oder abgehakt werden</a:t>
+            </a:r>
+          </a:p>
+          <a:p>
+            <a:pPr lvl="1"/>
+            <a:r>
+              <a:rPr lang="de-DE" dirty="0"/>
+              <a:t> </a:t>
+            </a:r>
+          </a:p>
+          <a:p>
+            <a:pPr lvl="1"/>
+            <a:endParaRPr lang="de-DE" dirty="0"/>
+          </a:p>
+          <a:p>
+            <a:r>
+              <a:rPr lang="de-DE" dirty="0"/>
+              <a:t>Download</a:t>
+            </a:r>
+          </a:p>
+          <a:p>
+            <a:pPr lvl="1"/>
+            <a:r>
+              <a:rPr lang="de-DE" dirty="0"/>
+              <a:t>Nutzer kann über die Downloadbutton verschiedene Dokumente runterladen</a:t>
+            </a:r>
+          </a:p>
+          <a:p>
+            <a:pPr lvl="1"/>
+            <a:endParaRPr lang="de-DE" dirty="0"/>
+          </a:p>
+          <a:p>
+            <a:r>
+              <a:rPr lang="de-DE" dirty="0"/>
+              <a:t>Upload</a:t>
+            </a:r>
+          </a:p>
+          <a:p>
+            <a:pPr lvl="1"/>
+            <a:r>
+              <a:rPr lang="de-DE" dirty="0"/>
+              <a:t>Nutzer kann über die </a:t>
+            </a:r>
+            <a:r>
+              <a:rPr lang="de-DE" dirty="0" err="1"/>
+              <a:t>Uploadbutton</a:t>
+            </a:r>
+            <a:r>
+              <a:rPr lang="de-DE" dirty="0"/>
+              <a:t> Aufgaben so wie Bilder hochladen </a:t>
+            </a:r>
+          </a:p>
+          <a:p>
+            <a:pPr marL="457200" lvl="1" indent="0">
+              <a:buNone/>
+            </a:pPr>
+            <a:endParaRPr lang="de-DE" dirty="0"/>
+          </a:p>
+        </p:txBody>
+      </p:sp>
+      <p:pic>
+        <p:nvPicPr>
+          <p:cNvPr id="5" name="Grafik 4">
+            <a:extLst>
+              <a:ext uri="{FF2B5EF4-FFF2-40B4-BE49-F238E27FC236}">
+                <a16:creationId xmlns:a16="http://schemas.microsoft.com/office/drawing/2014/main" id="{B7E16C27-D378-4829-A890-B1E9782FCB2F}"/>
+              </a:ext>
+            </a:extLst>
+          </p:cNvPr>
+          <p:cNvPicPr>
+            <a:picLocks noChangeAspect="1"/>
+          </p:cNvPicPr>
+          <p:nvPr/>
+        </p:nvPicPr>
+        <p:blipFill>
+          <a:blip r:embed="rId2">
+            <a:extLst>
+              <a:ext uri="{28A0092B-C50C-407E-A947-70E740481C1C}">
+                <a14:useLocalDpi xmlns:a14="http://schemas.microsoft.com/office/drawing/2010/main" val="0"/>
+              </a:ext>
+            </a:extLst>
+          </a:blip>
+          <a:stretch>
+            <a:fillRect/>
+          </a:stretch>
+        </p:blipFill>
+        <p:spPr>
+          <a:xfrm>
+            <a:off x="0" y="0"/>
+            <a:ext cx="17967158" cy="533400"/>
+          </a:xfrm>
+          <a:prstGeom prst="rect">
+            <a:avLst/>
+          </a:prstGeom>
+        </p:spPr>
+      </p:pic>
+      <p:pic>
+        <p:nvPicPr>
+          <p:cNvPr id="7" name="Grafik 6">
+            <a:extLst>
+              <a:ext uri="{FF2B5EF4-FFF2-40B4-BE49-F238E27FC236}">
+                <a16:creationId xmlns:a16="http://schemas.microsoft.com/office/drawing/2014/main" id="{D69E3AB2-FDF1-4CE2-9130-48554F747CE8}"/>
+              </a:ext>
+            </a:extLst>
+          </p:cNvPr>
+          <p:cNvPicPr>
+            <a:picLocks noChangeAspect="1"/>
+          </p:cNvPicPr>
+          <p:nvPr/>
+        </p:nvPicPr>
+        <p:blipFill>
+          <a:blip r:embed="rId3">
+            <a:extLst>
+              <a:ext uri="{28A0092B-C50C-407E-A947-70E740481C1C}">
+                <a14:useLocalDpi xmlns:a14="http://schemas.microsoft.com/office/drawing/2010/main" val="0"/>
+              </a:ext>
+            </a:extLst>
+          </a:blip>
+          <a:stretch>
+            <a:fillRect/>
+          </a:stretch>
+        </p:blipFill>
+        <p:spPr>
+          <a:xfrm>
+            <a:off x="-5202027" y="5962249"/>
+            <a:ext cx="17394027" cy="895751"/>
+          </a:xfrm>
+          <a:prstGeom prst="rect">
+            <a:avLst/>
+          </a:prstGeom>
+        </p:spPr>
+      </p:pic>
+      <p:pic>
+        <p:nvPicPr>
+          <p:cNvPr id="13" name="Grafik 12">
+            <a:extLst>
+              <a:ext uri="{FF2B5EF4-FFF2-40B4-BE49-F238E27FC236}">
+                <a16:creationId xmlns:a16="http://schemas.microsoft.com/office/drawing/2014/main" id="{3F15EF38-607C-4029-BB9B-6A63B2AFF21A}"/>
+              </a:ext>
+            </a:extLst>
+          </p:cNvPr>
+          <p:cNvPicPr>
+            <a:picLocks noChangeAspect="1"/>
+          </p:cNvPicPr>
+          <p:nvPr/>
+        </p:nvPicPr>
+        <p:blipFill>
+          <a:blip r:embed="rId4">
+            <a:extLst>
+              <a:ext uri="{28A0092B-C50C-407E-A947-70E740481C1C}">
+                <a14:useLocalDpi xmlns:a14="http://schemas.microsoft.com/office/drawing/2010/main" val="0"/>
+              </a:ext>
+            </a:extLst>
+          </a:blip>
+          <a:stretch>
+            <a:fillRect/>
+          </a:stretch>
+        </p:blipFill>
+        <p:spPr>
+          <a:xfrm>
+            <a:off x="1247555" y="6410124"/>
+            <a:ext cx="4738488" cy="358976"/>
+          </a:xfrm>
+          <a:prstGeom prst="rect">
+            <a:avLst/>
+          </a:prstGeom>
+        </p:spPr>
+      </p:pic>
+    </p:spTree>
+    <p:extLst>
+      <p:ext uri="{BB962C8B-B14F-4D97-AF65-F5344CB8AC3E}">
+        <p14:creationId xmlns:p14="http://schemas.microsoft.com/office/powerpoint/2010/main" val="3772222938"/>
+      </p:ext>
+    </p:extLst>
+  </p:cSld>
+  <p:clrMapOvr>
+    <a:masterClrMapping/>
+  </p:clrMapOvr>
 </p:sld>
 </file>
 

--- a/websitePPneu.pptx
+++ b/websitePPneu.pptx
@@ -148,7 +148,7 @@
   <pc:docChgLst>
     <pc:chgData name="sulfikar hamka" userId="7b455397b8076885" providerId="LiveId" clId="{04E4CC0D-93EB-4E24-A7B0-DE133B260FAA}"/>
     <pc:docChg chg="undo custSel addSld modSld sldOrd">
-      <pc:chgData name="sulfikar hamka" userId="7b455397b8076885" providerId="LiveId" clId="{04E4CC0D-93EB-4E24-A7B0-DE133B260FAA}" dt="2018-06-05T12:50:29.726" v="2917" actId="20577"/>
+      <pc:chgData name="sulfikar hamka" userId="7b455397b8076885" providerId="LiveId" clId="{04E4CC0D-93EB-4E24-A7B0-DE133B260FAA}" dt="2018-06-05T13:02:56.050" v="3074" actId="20577"/>
       <pc:docMkLst>
         <pc:docMk/>
       </pc:docMkLst>
@@ -210,6 +210,21 @@
             <pc:docMk/>
             <pc:sldMk cId="2174234159" sldId="280"/>
             <ac:spMk id="6" creationId="{37D42437-95F7-4C64-81D1-F82571A32530}"/>
+          </ac:spMkLst>
+        </pc:spChg>
+      </pc:sldChg>
+      <pc:sldChg chg="modSp">
+        <pc:chgData name="sulfikar hamka" userId="7b455397b8076885" providerId="LiveId" clId="{04E4CC0D-93EB-4E24-A7B0-DE133B260FAA}" dt="2018-06-05T13:02:56.050" v="3074" actId="20577"/>
+        <pc:sldMkLst>
+          <pc:docMk/>
+          <pc:sldMk cId="1133986613" sldId="283"/>
+        </pc:sldMkLst>
+        <pc:spChg chg="mod">
+          <ac:chgData name="sulfikar hamka" userId="7b455397b8076885" providerId="LiveId" clId="{04E4CC0D-93EB-4E24-A7B0-DE133B260FAA}" dt="2018-06-05T13:02:56.050" v="3074" actId="20577"/>
+          <ac:spMkLst>
+            <pc:docMk/>
+            <pc:sldMk cId="1133986613" sldId="283"/>
+            <ac:spMk id="3" creationId="{9EA08152-4E35-4AC3-BDF5-ADEEC27BAA94}"/>
           </ac:spMkLst>
         </pc:spChg>
       </pc:sldChg>
@@ -10460,6 +10475,12 @@
           <a:p>
             <a:r>
               <a:rPr lang="de-DE" dirty="0"/>
+              <a:t>Wer wir sind</a:t>
+            </a:r>
+          </a:p>
+          <a:p>
+            <a:r>
+              <a:rPr lang="de-DE" dirty="0"/>
               <a:t>Was ist neu?</a:t>
             </a:r>
           </a:p>
@@ -10468,6 +10489,52 @@
               <a:rPr lang="de-DE" dirty="0"/>
               <a:t>Technisches Konzept</a:t>
             </a:r>
+          </a:p>
+          <a:p>
+            <a:pPr lvl="1"/>
+            <a:r>
+              <a:rPr lang="de-DE" dirty="0"/>
+              <a:t>Eingesetzte Technologien</a:t>
+            </a:r>
+          </a:p>
+          <a:p>
+            <a:pPr lvl="1"/>
+            <a:r>
+              <a:rPr lang="de-DE" dirty="0"/>
+              <a:t>Architektur der Website</a:t>
+            </a:r>
+          </a:p>
+          <a:p>
+            <a:r>
+              <a:rPr lang="de-DE" dirty="0"/>
+              <a:t>Anwendungsspezifikation</a:t>
+            </a:r>
+          </a:p>
+          <a:p>
+            <a:pPr lvl="1"/>
+            <a:r>
+              <a:rPr lang="de-DE" dirty="0"/>
+              <a:t>Navigationsprinzip</a:t>
+            </a:r>
+          </a:p>
+          <a:p>
+            <a:pPr lvl="1"/>
+            <a:r>
+              <a:rPr lang="de-DE" dirty="0"/>
+              <a:t>Funktionselemente</a:t>
+            </a:r>
+          </a:p>
+          <a:p>
+            <a:pPr lvl="1"/>
+            <a:endParaRPr lang="de-DE" dirty="0"/>
+          </a:p>
+          <a:p>
+            <a:pPr lvl="1"/>
+            <a:endParaRPr lang="de-DE" dirty="0"/>
+          </a:p>
+          <a:p>
+            <a:pPr lvl="1"/>
+            <a:endParaRPr lang="de-DE" dirty="0"/>
           </a:p>
         </p:txBody>
       </p:sp>

--- a/websitePPneu.pptx
+++ b/websitePPneu.pptx
@@ -182,7 +182,7 @@
         <pc:docMk/>
       </pc:docMkLst>
       <pc:sldChg chg="modTransition">
-        <pc:chgData name="sulfikar hamka" userId="7b455397b8076885" providerId="LiveId" clId="{04E4CC0D-93EB-4E24-A7B0-DE133B260FAA}" dt="2018-06-05T14:16:47.605" v="3430"/>
+        <pc:chgData name="sulfikar hamka" userId="7b455397b8076885" providerId="LiveId" clId="{04E4CC0D-93EB-4E24-A7B0-DE133B260FAA}" dt="2018-06-05T14:16:47.605" v="3430" actId="20577"/>
         <pc:sldMkLst>
           <pc:docMk/>
           <pc:sldMk cId="2673992224" sldId="256"/>
@@ -212,7 +212,7 @@
         </pc:spChg>
       </pc:sldChg>
       <pc:sldChg chg="modSp modTransition">
-        <pc:chgData name="sulfikar hamka" userId="7b455397b8076885" providerId="LiveId" clId="{04E4CC0D-93EB-4E24-A7B0-DE133B260FAA}" dt="2018-06-05T14:38:05.102" v="3532"/>
+        <pc:chgData name="sulfikar hamka" userId="7b455397b8076885" providerId="LiveId" clId="{04E4CC0D-93EB-4E24-A7B0-DE133B260FAA}" dt="2018-06-05T14:38:05.102" v="3532" actId="20577"/>
         <pc:sldMkLst>
           <pc:docMk/>
           <pc:sldMk cId="1723767227" sldId="278"/>
@@ -227,7 +227,7 @@
         </pc:spChg>
       </pc:sldChg>
       <pc:sldChg chg="modSp modTransition">
-        <pc:chgData name="sulfikar hamka" userId="7b455397b8076885" providerId="LiveId" clId="{04E4CC0D-93EB-4E24-A7B0-DE133B260FAA}" dt="2018-06-05T14:39:52.700" v="3538"/>
+        <pc:chgData name="sulfikar hamka" userId="7b455397b8076885" providerId="LiveId" clId="{04E4CC0D-93EB-4E24-A7B0-DE133B260FAA}" dt="2018-06-05T14:39:52.700" v="3538" actId="20577"/>
         <pc:sldMkLst>
           <pc:docMk/>
           <pc:sldMk cId="3895686406" sldId="279"/>
@@ -288,7 +288,7 @@
         </pc:spChg>
       </pc:sldChg>
       <pc:sldChg chg="modSp modTransition">
-        <pc:chgData name="sulfikar hamka" userId="7b455397b8076885" providerId="LiveId" clId="{04E4CC0D-93EB-4E24-A7B0-DE133B260FAA}" dt="2018-06-05T14:16:18.278" v="3428"/>
+        <pc:chgData name="sulfikar hamka" userId="7b455397b8076885" providerId="LiveId" clId="{04E4CC0D-93EB-4E24-A7B0-DE133B260FAA}" dt="2018-06-05T14:16:18.278" v="3428" actId="20577"/>
         <pc:sldMkLst>
           <pc:docMk/>
           <pc:sldMk cId="1133986613" sldId="283"/>
@@ -318,14 +318,14 @@
         </pc:spChg>
       </pc:sldChg>
       <pc:sldChg chg="modTransition">
-        <pc:chgData name="sulfikar hamka" userId="7b455397b8076885" providerId="LiveId" clId="{04E4CC0D-93EB-4E24-A7B0-DE133B260FAA}" dt="2018-06-05T14:16:56.670" v="3431"/>
+        <pc:chgData name="sulfikar hamka" userId="7b455397b8076885" providerId="LiveId" clId="{04E4CC0D-93EB-4E24-A7B0-DE133B260FAA}" dt="2018-06-05T14:16:56.670" v="3431" actId="20577"/>
         <pc:sldMkLst>
           <pc:docMk/>
           <pc:sldMk cId="2813950741" sldId="285"/>
         </pc:sldMkLst>
       </pc:sldChg>
       <pc:sldChg chg="modSp add modTransition">
-        <pc:chgData name="sulfikar hamka" userId="7b455397b8076885" providerId="LiveId" clId="{04E4CC0D-93EB-4E24-A7B0-DE133B260FAA}" dt="2018-06-05T14:24:36.964" v="3465"/>
+        <pc:chgData name="sulfikar hamka" userId="7b455397b8076885" providerId="LiveId" clId="{04E4CC0D-93EB-4E24-A7B0-DE133B260FAA}" dt="2018-06-05T14:24:36.964" v="3465" actId="20577"/>
         <pc:sldMkLst>
           <pc:docMk/>
           <pc:sldMk cId="4199194477" sldId="286"/>
@@ -340,7 +340,7 @@
         </pc:spChg>
       </pc:sldChg>
       <pc:sldChg chg="modSp add modTransition">
-        <pc:chgData name="sulfikar hamka" userId="7b455397b8076885" providerId="LiveId" clId="{04E4CC0D-93EB-4E24-A7B0-DE133B260FAA}" dt="2018-06-05T14:23:41.604" v="3463"/>
+        <pc:chgData name="sulfikar hamka" userId="7b455397b8076885" providerId="LiveId" clId="{04E4CC0D-93EB-4E24-A7B0-DE133B260FAA}" dt="2018-06-05T14:23:41.604" v="3463" actId="20577"/>
         <pc:sldMkLst>
           <pc:docMk/>
           <pc:sldMk cId="1888036735" sldId="287"/>
@@ -355,7 +355,7 @@
         </pc:spChg>
       </pc:sldChg>
       <pc:sldChg chg="modSp add modTransition">
-        <pc:chgData name="sulfikar hamka" userId="7b455397b8076885" providerId="LiveId" clId="{04E4CC0D-93EB-4E24-A7B0-DE133B260FAA}" dt="2018-06-05T14:23:48.286" v="3464"/>
+        <pc:chgData name="sulfikar hamka" userId="7b455397b8076885" providerId="LiveId" clId="{04E4CC0D-93EB-4E24-A7B0-DE133B260FAA}" dt="2018-06-05T14:23:48.286" v="3464" actId="20577"/>
         <pc:sldMkLst>
           <pc:docMk/>
           <pc:sldMk cId="4163308399" sldId="288"/>
@@ -370,7 +370,7 @@
         </pc:spChg>
       </pc:sldChg>
       <pc:sldChg chg="modSp add modTransition">
-        <pc:chgData name="sulfikar hamka" userId="7b455397b8076885" providerId="LiveId" clId="{04E4CC0D-93EB-4E24-A7B0-DE133B260FAA}" dt="2018-06-05T14:23:37.568" v="3462"/>
+        <pc:chgData name="sulfikar hamka" userId="7b455397b8076885" providerId="LiveId" clId="{04E4CC0D-93EB-4E24-A7B0-DE133B260FAA}" dt="2018-06-05T14:23:37.568" v="3462" actId="20577"/>
         <pc:sldMkLst>
           <pc:docMk/>
           <pc:sldMk cId="642221516" sldId="289"/>
@@ -385,7 +385,7 @@
         </pc:spChg>
       </pc:sldChg>
       <pc:sldChg chg="modSp add ord modTransition">
-        <pc:chgData name="sulfikar hamka" userId="7b455397b8076885" providerId="LiveId" clId="{04E4CC0D-93EB-4E24-A7B0-DE133B260FAA}" dt="2018-06-05T14:17:38.235" v="3438"/>
+        <pc:chgData name="sulfikar hamka" userId="7b455397b8076885" providerId="LiveId" clId="{04E4CC0D-93EB-4E24-A7B0-DE133B260FAA}" dt="2018-06-05T14:17:38.235" v="3438" actId="20577"/>
         <pc:sldMkLst>
           <pc:docMk/>
           <pc:sldMk cId="401846387" sldId="290"/>
@@ -430,13 +430,13 @@
         </pc:spChg>
       </pc:sldChg>
       <pc:sldChg chg="addSp delSp modSp add ord modTransition">
-        <pc:chgData name="sulfikar hamka" userId="7b455397b8076885" providerId="LiveId" clId="{04E4CC0D-93EB-4E24-A7B0-DE133B260FAA}" dt="2018-06-05T14:17:53.842" v="3444"/>
+        <pc:chgData name="sulfikar hamka" userId="7b455397b8076885" providerId="LiveId" clId="{04E4CC0D-93EB-4E24-A7B0-DE133B260FAA}" dt="2018-06-05T14:17:53.842" v="3444" actId="20577"/>
         <pc:sldMkLst>
           <pc:docMk/>
           <pc:sldMk cId="3772222938" sldId="293"/>
         </pc:sldMkLst>
         <pc:spChg chg="add del mod">
-          <ac:chgData name="sulfikar hamka" userId="7b455397b8076885" providerId="LiveId" clId="{04E4CC0D-93EB-4E24-A7B0-DE133B260FAA}" dt="2018-06-05T14:07:36.385" v="3390"/>
+          <ac:chgData name="sulfikar hamka" userId="7b455397b8076885" providerId="LiveId" clId="{04E4CC0D-93EB-4E24-A7B0-DE133B260FAA}" dt="2018-06-05T14:07:36.385" v="3390" actId="20577"/>
           <ac:spMkLst>
             <pc:docMk/>
             <pc:sldMk cId="3772222938" sldId="293"/>
@@ -452,7 +452,7 @@
           </ac:spMkLst>
         </pc:spChg>
         <pc:spChg chg="del mod">
-          <ac:chgData name="sulfikar hamka" userId="7b455397b8076885" providerId="LiveId" clId="{04E4CC0D-93EB-4E24-A7B0-DE133B260FAA}" dt="2018-06-05T13:48:14.118" v="3385"/>
+          <ac:chgData name="sulfikar hamka" userId="7b455397b8076885" providerId="LiveId" clId="{04E4CC0D-93EB-4E24-A7B0-DE133B260FAA}" dt="2018-06-05T13:48:14.118" v="3385" actId="20577"/>
           <ac:spMkLst>
             <pc:docMk/>
             <pc:sldMk cId="3772222938" sldId="293"/>
@@ -508,7 +508,7 @@
         </pc:spChg>
       </pc:sldChg>
       <pc:sldChg chg="modSp add modTransition">
-        <pc:chgData name="sulfikar hamka" userId="7b455397b8076885" providerId="LiveId" clId="{04E4CC0D-93EB-4E24-A7B0-DE133B260FAA}" dt="2018-06-05T14:16:25.610" v="3429"/>
+        <pc:chgData name="sulfikar hamka" userId="7b455397b8076885" providerId="LiveId" clId="{04E4CC0D-93EB-4E24-A7B0-DE133B260FAA}" dt="2018-06-05T14:16:25.610" v="3429" actId="20577"/>
         <pc:sldMkLst>
           <pc:docMk/>
           <pc:sldMk cId="290734338" sldId="295"/>
@@ -546,21 +546,21 @@
         </pc:spChg>
       </pc:sldChg>
       <pc:sldChg chg="add modTransition">
-        <pc:chgData name="sulfikar hamka" userId="7b455397b8076885" providerId="LiveId" clId="{04E4CC0D-93EB-4E24-A7B0-DE133B260FAA}" dt="2018-06-05T14:19:50.434" v="3447"/>
+        <pc:chgData name="sulfikar hamka" userId="7b455397b8076885" providerId="LiveId" clId="{04E4CC0D-93EB-4E24-A7B0-DE133B260FAA}" dt="2018-06-05T14:19:50.434" v="3447" actId="20577"/>
         <pc:sldMkLst>
           <pc:docMk/>
           <pc:sldMk cId="115543847" sldId="297"/>
         </pc:sldMkLst>
       </pc:sldChg>
       <pc:sldChg chg="add modTransition">
-        <pc:chgData name="sulfikar hamka" userId="7b455397b8076885" providerId="LiveId" clId="{04E4CC0D-93EB-4E24-A7B0-DE133B260FAA}" dt="2018-06-05T14:20:21.200" v="3450"/>
+        <pc:chgData name="sulfikar hamka" userId="7b455397b8076885" providerId="LiveId" clId="{04E4CC0D-93EB-4E24-A7B0-DE133B260FAA}" dt="2018-06-05T14:20:21.200" v="3450" actId="20577"/>
         <pc:sldMkLst>
           <pc:docMk/>
           <pc:sldMk cId="4045083021" sldId="298"/>
         </pc:sldMkLst>
       </pc:sldChg>
       <pc:sldChg chg="modSp add modTransition">
-        <pc:chgData name="sulfikar hamka" userId="7b455397b8076885" providerId="LiveId" clId="{04E4CC0D-93EB-4E24-A7B0-DE133B260FAA}" dt="2018-06-05T14:21:00.572" v="3455"/>
+        <pc:chgData name="sulfikar hamka" userId="7b455397b8076885" providerId="LiveId" clId="{04E4CC0D-93EB-4E24-A7B0-DE133B260FAA}" dt="2018-06-05T14:21:00.572" v="3455" actId="20577"/>
         <pc:sldMkLst>
           <pc:docMk/>
           <pc:sldMk cId="3312588023" sldId="299"/>
@@ -575,14 +575,14 @@
         </pc:spChg>
       </pc:sldChg>
       <pc:sldChg chg="add modTransition">
-        <pc:chgData name="sulfikar hamka" userId="7b455397b8076885" providerId="LiveId" clId="{04E4CC0D-93EB-4E24-A7B0-DE133B260FAA}" dt="2018-06-05T14:21:03.346" v="3456"/>
+        <pc:chgData name="sulfikar hamka" userId="7b455397b8076885" providerId="LiveId" clId="{04E4CC0D-93EB-4E24-A7B0-DE133B260FAA}" dt="2018-06-05T14:21:03.346" v="3456" actId="20577"/>
         <pc:sldMkLst>
           <pc:docMk/>
           <pc:sldMk cId="3726409612" sldId="300"/>
         </pc:sldMkLst>
       </pc:sldChg>
       <pc:sldChg chg="modSp add modTransition">
-        <pc:chgData name="sulfikar hamka" userId="7b455397b8076885" providerId="LiveId" clId="{04E4CC0D-93EB-4E24-A7B0-DE133B260FAA}" dt="2018-06-05T14:21:41.921" v="3461"/>
+        <pc:chgData name="sulfikar hamka" userId="7b455397b8076885" providerId="LiveId" clId="{04E4CC0D-93EB-4E24-A7B0-DE133B260FAA}" dt="2018-06-05T14:21:41.921" v="3461" actId="20577"/>
         <pc:sldMkLst>
           <pc:docMk/>
           <pc:sldMk cId="1957220419" sldId="301"/>
@@ -597,7 +597,7 @@
         </pc:spChg>
       </pc:sldChg>
       <pc:sldChg chg="modSp add modTransition">
-        <pc:chgData name="sulfikar hamka" userId="7b455397b8076885" providerId="LiveId" clId="{04E4CC0D-93EB-4E24-A7B0-DE133B260FAA}" dt="2018-06-05T14:39:25.520" v="3534"/>
+        <pc:chgData name="sulfikar hamka" userId="7b455397b8076885" providerId="LiveId" clId="{04E4CC0D-93EB-4E24-A7B0-DE133B260FAA}" dt="2018-06-05T14:39:25.520" v="3534" actId="20577"/>
         <pc:sldMkLst>
           <pc:docMk/>
           <pc:sldMk cId="3771245236" sldId="302"/>
@@ -612,7 +612,7 @@
         </pc:spChg>
       </pc:sldChg>
       <pc:sldChg chg="add modTransition">
-        <pc:chgData name="sulfikar hamka" userId="7b455397b8076885" providerId="LiveId" clId="{04E4CC0D-93EB-4E24-A7B0-DE133B260FAA}" dt="2018-06-05T14:39:26.962" v="3535"/>
+        <pc:chgData name="sulfikar hamka" userId="7b455397b8076885" providerId="LiveId" clId="{04E4CC0D-93EB-4E24-A7B0-DE133B260FAA}" dt="2018-06-05T14:39:26.962" v="3535" actId="20577"/>
         <pc:sldMkLst>
           <pc:docMk/>
           <pc:sldMk cId="1122238125" sldId="303"/>
@@ -634,14 +634,14 @@
         </pc:spChg>
       </pc:sldChg>
       <pc:sldChg chg="add modTransition">
-        <pc:chgData name="sulfikar hamka" userId="7b455397b8076885" providerId="LiveId" clId="{04E4CC0D-93EB-4E24-A7B0-DE133B260FAA}" dt="2018-06-05T14:27:29.552" v="3482"/>
+        <pc:chgData name="sulfikar hamka" userId="7b455397b8076885" providerId="LiveId" clId="{04E4CC0D-93EB-4E24-A7B0-DE133B260FAA}" dt="2018-06-05T14:27:29.552" v="3482" actId="20577"/>
         <pc:sldMkLst>
           <pc:docMk/>
           <pc:sldMk cId="853792013" sldId="305"/>
         </pc:sldMkLst>
       </pc:sldChg>
       <pc:sldChg chg="modSp add modTransition">
-        <pc:chgData name="sulfikar hamka" userId="7b455397b8076885" providerId="LiveId" clId="{04E4CC0D-93EB-4E24-A7B0-DE133B260FAA}" dt="2018-06-05T14:27:26.431" v="3481"/>
+        <pc:chgData name="sulfikar hamka" userId="7b455397b8076885" providerId="LiveId" clId="{04E4CC0D-93EB-4E24-A7B0-DE133B260FAA}" dt="2018-06-05T14:27:26.431" v="3481" actId="20577"/>
         <pc:sldMkLst>
           <pc:docMk/>
           <pc:sldMk cId="1515855809" sldId="306"/>
@@ -656,7 +656,7 @@
         </pc:spChg>
       </pc:sldChg>
       <pc:sldChg chg="add">
-        <pc:chgData name="sulfikar hamka" userId="7b455397b8076885" providerId="LiveId" clId="{04E4CC0D-93EB-4E24-A7B0-DE133B260FAA}" dt="2018-06-05T14:27:46.677" v="3483"/>
+        <pc:chgData name="sulfikar hamka" userId="7b455397b8076885" providerId="LiveId" clId="{04E4CC0D-93EB-4E24-A7B0-DE133B260FAA}" dt="2018-06-05T14:27:46.677" v="3483" actId="20577"/>
         <pc:sldMkLst>
           <pc:docMk/>
           <pc:sldMk cId="2671148377" sldId="307"/>
@@ -701,7 +701,7 @@
         </pc:picChg>
       </pc:sldChg>
       <pc:sldChg chg="modSp add modTransition">
-        <pc:chgData name="sulfikar hamka" userId="7b455397b8076885" providerId="LiveId" clId="{04E4CC0D-93EB-4E24-A7B0-DE133B260FAA}" dt="2018-06-05T14:34:21.024" v="3499"/>
+        <pc:chgData name="sulfikar hamka" userId="7b455397b8076885" providerId="LiveId" clId="{04E4CC0D-93EB-4E24-A7B0-DE133B260FAA}" dt="2018-06-05T14:34:21.024" v="3499" actId="20577"/>
         <pc:sldMkLst>
           <pc:docMk/>
           <pc:sldMk cId="1398024606" sldId="310"/>
@@ -716,7 +716,7 @@
         </pc:spChg>
       </pc:sldChg>
       <pc:sldChg chg="add modTransition">
-        <pc:chgData name="sulfikar hamka" userId="7b455397b8076885" providerId="LiveId" clId="{04E4CC0D-93EB-4E24-A7B0-DE133B260FAA}" dt="2018-06-05T14:34:22.786" v="3500"/>
+        <pc:chgData name="sulfikar hamka" userId="7b455397b8076885" providerId="LiveId" clId="{04E4CC0D-93EB-4E24-A7B0-DE133B260FAA}" dt="2018-06-05T14:34:22.786" v="3500" actId="20577"/>
         <pc:sldMkLst>
           <pc:docMk/>
           <pc:sldMk cId="443035206" sldId="311"/>
@@ -738,14 +738,14 @@
         </pc:spChg>
       </pc:sldChg>
       <pc:sldChg chg="add">
-        <pc:chgData name="sulfikar hamka" userId="7b455397b8076885" providerId="LiveId" clId="{04E4CC0D-93EB-4E24-A7B0-DE133B260FAA}" dt="2018-06-05T14:31:57.350" v="3497"/>
+        <pc:chgData name="sulfikar hamka" userId="7b455397b8076885" providerId="LiveId" clId="{04E4CC0D-93EB-4E24-A7B0-DE133B260FAA}" dt="2018-06-05T14:31:57.350" v="3497" actId="20577"/>
         <pc:sldMkLst>
           <pc:docMk/>
           <pc:sldMk cId="3727885074" sldId="313"/>
         </pc:sldMkLst>
       </pc:sldChg>
       <pc:sldChg chg="modSp add modTransition">
-        <pc:chgData name="sulfikar hamka" userId="7b455397b8076885" providerId="LiveId" clId="{04E4CC0D-93EB-4E24-A7B0-DE133B260FAA}" dt="2018-06-05T14:36:50.969" v="3520"/>
+        <pc:chgData name="sulfikar hamka" userId="7b455397b8076885" providerId="LiveId" clId="{04E4CC0D-93EB-4E24-A7B0-DE133B260FAA}" dt="2018-06-05T14:36:50.969" v="3520" actId="20577"/>
         <pc:sldMkLst>
           <pc:docMk/>
           <pc:sldMk cId="4098654349" sldId="314"/>
@@ -760,7 +760,7 @@
         </pc:spChg>
       </pc:sldChg>
       <pc:sldChg chg="modSp add modTransition">
-        <pc:chgData name="sulfikar hamka" userId="7b455397b8076885" providerId="LiveId" clId="{04E4CC0D-93EB-4E24-A7B0-DE133B260FAA}" dt="2018-06-05T14:36:48.792" v="3519"/>
+        <pc:chgData name="sulfikar hamka" userId="7b455397b8076885" providerId="LiveId" clId="{04E4CC0D-93EB-4E24-A7B0-DE133B260FAA}" dt="2018-06-05T14:36:48.792" v="3519" actId="20577"/>
         <pc:sldMkLst>
           <pc:docMk/>
           <pc:sldMk cId="1318730117" sldId="315"/>
@@ -775,7 +775,7 @@
         </pc:spChg>
       </pc:sldChg>
       <pc:sldChg chg="modSp add modTransition">
-        <pc:chgData name="sulfikar hamka" userId="7b455397b8076885" providerId="LiveId" clId="{04E4CC0D-93EB-4E24-A7B0-DE133B260FAA}" dt="2018-06-05T14:37:01.272" v="3522"/>
+        <pc:chgData name="sulfikar hamka" userId="7b455397b8076885" providerId="LiveId" clId="{04E4CC0D-93EB-4E24-A7B0-DE133B260FAA}" dt="2018-06-05T14:37:01.272" v="3522" actId="20577"/>
         <pc:sldMkLst>
           <pc:docMk/>
           <pc:sldMk cId="1935202150" sldId="316"/>
@@ -790,7 +790,7 @@
         </pc:spChg>
       </pc:sldChg>
       <pc:sldChg chg="modSp add modTransition">
-        <pc:chgData name="sulfikar hamka" userId="7b455397b8076885" providerId="LiveId" clId="{04E4CC0D-93EB-4E24-A7B0-DE133B260FAA}" dt="2018-06-05T14:36:59.218" v="3521"/>
+        <pc:chgData name="sulfikar hamka" userId="7b455397b8076885" providerId="LiveId" clId="{04E4CC0D-93EB-4E24-A7B0-DE133B260FAA}" dt="2018-06-05T14:36:59.218" v="3521" actId="20577"/>
         <pc:sldMkLst>
           <pc:docMk/>
           <pc:sldMk cId="4149624403" sldId="317"/>
@@ -805,7 +805,7 @@
         </pc:spChg>
       </pc:sldChg>
       <pc:sldChg chg="modSp add modTransition">
-        <pc:chgData name="sulfikar hamka" userId="7b455397b8076885" providerId="LiveId" clId="{04E4CC0D-93EB-4E24-A7B0-DE133B260FAA}" dt="2018-06-05T14:37:03.046" v="3523"/>
+        <pc:chgData name="sulfikar hamka" userId="7b455397b8076885" providerId="LiveId" clId="{04E4CC0D-93EB-4E24-A7B0-DE133B260FAA}" dt="2018-06-05T14:37:03.046" v="3523" actId="20577"/>
         <pc:sldMkLst>
           <pc:docMk/>
           <pc:sldMk cId="2355984762" sldId="318"/>
@@ -820,7 +820,7 @@
         </pc:spChg>
       </pc:sldChg>
       <pc:sldChg chg="modSp add modTransition">
-        <pc:chgData name="sulfikar hamka" userId="7b455397b8076885" providerId="LiveId" clId="{04E4CC0D-93EB-4E24-A7B0-DE133B260FAA}" dt="2018-06-05T14:37:04.684" v="3524"/>
+        <pc:chgData name="sulfikar hamka" userId="7b455397b8076885" providerId="LiveId" clId="{04E4CC0D-93EB-4E24-A7B0-DE133B260FAA}" dt="2018-06-05T14:37:04.684" v="3524" actId="20577"/>
         <pc:sldMkLst>
           <pc:docMk/>
           <pc:sldMk cId="694859381" sldId="319"/>
@@ -835,7 +835,7 @@
         </pc:spChg>
       </pc:sldChg>
       <pc:sldChg chg="modSp add modTransition">
-        <pc:chgData name="sulfikar hamka" userId="7b455397b8076885" providerId="LiveId" clId="{04E4CC0D-93EB-4E24-A7B0-DE133B260FAA}" dt="2018-06-05T14:37:54.246" v="3530"/>
+        <pc:chgData name="sulfikar hamka" userId="7b455397b8076885" providerId="LiveId" clId="{04E4CC0D-93EB-4E24-A7B0-DE133B260FAA}" dt="2018-06-05T14:37:54.246" v="3530" actId="20577"/>
         <pc:sldMkLst>
           <pc:docMk/>
           <pc:sldMk cId="3336243207" sldId="320"/>
@@ -850,21 +850,21 @@
         </pc:spChg>
       </pc:sldChg>
       <pc:sldChg chg="add modTransition">
-        <pc:chgData name="sulfikar hamka" userId="7b455397b8076885" providerId="LiveId" clId="{04E4CC0D-93EB-4E24-A7B0-DE133B260FAA}" dt="2018-06-05T14:37:52.648" v="3529"/>
+        <pc:chgData name="sulfikar hamka" userId="7b455397b8076885" providerId="LiveId" clId="{04E4CC0D-93EB-4E24-A7B0-DE133B260FAA}" dt="2018-06-05T14:37:52.648" v="3529" actId="20577"/>
         <pc:sldMkLst>
           <pc:docMk/>
           <pc:sldMk cId="3707012368" sldId="321"/>
         </pc:sldMkLst>
       </pc:sldChg>
       <pc:sldChg chg="add">
-        <pc:chgData name="sulfikar hamka" userId="7b455397b8076885" providerId="LiveId" clId="{04E4CC0D-93EB-4E24-A7B0-DE133B260FAA}" dt="2018-06-05T14:39:33.406" v="3536"/>
+        <pc:chgData name="sulfikar hamka" userId="7b455397b8076885" providerId="LiveId" clId="{04E4CC0D-93EB-4E24-A7B0-DE133B260FAA}" dt="2018-06-05T14:39:33.406" v="3536" actId="20577"/>
         <pc:sldMkLst>
           <pc:docMk/>
           <pc:sldMk cId="3832533625" sldId="322"/>
         </pc:sldMkLst>
       </pc:sldChg>
       <pc:sldChg chg="add modTransition">
-        <pc:chgData name="sulfikar hamka" userId="7b455397b8076885" providerId="LiveId" clId="{04E4CC0D-93EB-4E24-A7B0-DE133B260FAA}" dt="2018-06-05T14:40:14.290" v="3540"/>
+        <pc:chgData name="sulfikar hamka" userId="7b455397b8076885" providerId="LiveId" clId="{04E4CC0D-93EB-4E24-A7B0-DE133B260FAA}" dt="2018-06-05T14:40:14.290" v="3540" actId="20577"/>
         <pc:sldMkLst>
           <pc:docMk/>
           <pc:sldMk cId="4269383675" sldId="323"/>
@@ -9167,7 +9167,7 @@
             <a:pPr lvl="1"/>
             <a:r>
               <a:rPr lang="de-DE" dirty="0"/>
-              <a:t>folgende alternativen…</a:t>
+              <a:t>folgende Alternativen…</a:t>
             </a:r>
           </a:p>
           <a:p>
@@ -9328,66 +9328,6 @@
           <a:chExt cx="0" cy="0"/>
         </a:xfrm>
       </p:grpSpPr>
-      <p:sp>
-        <p:nvSpPr>
-          <p:cNvPr id="2" name="Titel 1">
-            <a:extLst>
-              <a:ext uri="{FF2B5EF4-FFF2-40B4-BE49-F238E27FC236}">
-                <a16:creationId xmlns:a16="http://schemas.microsoft.com/office/drawing/2014/main" id="{510A3E52-E997-4BF8-B89F-E27C0209F5A2}"/>
-              </a:ext>
-            </a:extLst>
-          </p:cNvPr>
-          <p:cNvSpPr>
-            <a:spLocks noGrp="1"/>
-          </p:cNvSpPr>
-          <p:nvPr>
-            <p:ph type="ctrTitle"/>
-          </p:nvPr>
-        </p:nvSpPr>
-        <p:spPr>
-          <a:xfrm>
-            <a:off x="1524000" y="1122363"/>
-            <a:ext cx="9144000" cy="2387600"/>
-          </a:xfrm>
-        </p:spPr>
-        <p:txBody>
-          <a:bodyPr/>
-          <a:lstStyle/>
-          <a:p>
-            <a:endParaRPr lang="de-DE" dirty="0"/>
-          </a:p>
-        </p:txBody>
-      </p:sp>
-      <p:sp>
-        <p:nvSpPr>
-          <p:cNvPr id="3" name="Untertitel 2">
-            <a:extLst>
-              <a:ext uri="{FF2B5EF4-FFF2-40B4-BE49-F238E27FC236}">
-                <a16:creationId xmlns:a16="http://schemas.microsoft.com/office/drawing/2014/main" id="{4FEA5DDD-AE9D-4E79-9FEB-9C1DA35AC3FE}"/>
-              </a:ext>
-            </a:extLst>
-          </p:cNvPr>
-          <p:cNvSpPr>
-            <a:spLocks noGrp="1"/>
-          </p:cNvSpPr>
-          <p:nvPr>
-            <p:ph type="subTitle" idx="1"/>
-          </p:nvPr>
-        </p:nvSpPr>
-        <p:spPr>
-          <a:xfrm>
-            <a:off x="1524000" y="3602038"/>
-            <a:ext cx="9144000" cy="1655762"/>
-          </a:xfrm>
-        </p:spPr>
-        <p:txBody>
-          <a:bodyPr/>
-          <a:lstStyle/>
-          <a:p>
-            <a:endParaRPr lang="de-DE"/>
-          </a:p>
-        </p:txBody>
-      </p:sp>
       <p:pic>
         <p:nvPicPr>
           <p:cNvPr id="5" name="Grafik 4">
@@ -9542,13 +9482,13 @@
   <p:clrMapOvr>
     <a:masterClrMapping/>
   </p:clrMapOvr>
-  <mc:AlternateContent xmlns:mc="http://schemas.openxmlformats.org/markup-compatibility/2006">
-    <mc:Choice xmlns:p14="http://schemas.microsoft.com/office/powerpoint/2010/main" Requires="p14">
+  <mc:AlternateContent xmlns:mc="http://schemas.openxmlformats.org/markup-compatibility/2006" xmlns:p14="http://schemas.microsoft.com/office/powerpoint/2010/main">
+    <mc:Choice Requires="p14">
       <p:transition spd="med" p14:dur="700">
         <p:fade/>
       </p:transition>
     </mc:Choice>
-    <mc:Fallback>
+    <mc:Fallback xmlns="">
       <p:transition spd="med">
         <p:fade/>
       </p:transition>
@@ -9604,36 +9544,6 @@
               <a:rPr lang="de-DE" dirty="0"/>
               <a:t>Technisches Konzept</a:t>
             </a:r>
-          </a:p>
-        </p:txBody>
-      </p:sp>
-      <p:sp>
-        <p:nvSpPr>
-          <p:cNvPr id="3" name="Untertitel 2">
-            <a:extLst>
-              <a:ext uri="{FF2B5EF4-FFF2-40B4-BE49-F238E27FC236}">
-                <a16:creationId xmlns:a16="http://schemas.microsoft.com/office/drawing/2014/main" id="{4FEA5DDD-AE9D-4E79-9FEB-9C1DA35AC3FE}"/>
-              </a:ext>
-            </a:extLst>
-          </p:cNvPr>
-          <p:cNvSpPr>
-            <a:spLocks noGrp="1"/>
-          </p:cNvSpPr>
-          <p:nvPr>
-            <p:ph type="subTitle" idx="1"/>
-          </p:nvPr>
-        </p:nvSpPr>
-        <p:spPr>
-          <a:xfrm>
-            <a:off x="1524000" y="3602038"/>
-            <a:ext cx="9144000" cy="1655762"/>
-          </a:xfrm>
-        </p:spPr>
-        <p:txBody>
-          <a:bodyPr/>
-          <a:lstStyle/>
-          <a:p>
-            <a:endParaRPr lang="de-DE" dirty="0"/>
           </a:p>
         </p:txBody>
       </p:sp>
@@ -10156,11 +10066,11 @@
   <p:clrMapOvr>
     <a:masterClrMapping/>
   </p:clrMapOvr>
-  <mc:AlternateContent xmlns:mc="http://schemas.openxmlformats.org/markup-compatibility/2006">
-    <mc:Choice xmlns:p14="http://schemas.microsoft.com/office/powerpoint/2010/main" Requires="p14">
+  <mc:AlternateContent xmlns:mc="http://schemas.openxmlformats.org/markup-compatibility/2006" xmlns:p14="http://schemas.microsoft.com/office/powerpoint/2010/main">
+    <mc:Choice Requires="p14">
       <p:transition p14:dur="10"/>
     </mc:Choice>
-    <mc:Fallback>
+    <mc:Fallback xmlns="">
       <p:transition/>
     </mc:Fallback>
   </mc:AlternateContent>
@@ -10246,18 +10156,16 @@
           <a:p>
             <a:pPr lvl="1"/>
             <a:r>
-              <a:rPr lang="de-DE" dirty="0" err="1"/>
-              <a:t>Html</a:t>
-            </a:r>
-            <a:endParaRPr lang="de-DE" dirty="0"/>
+              <a:rPr lang="de-DE" dirty="0"/>
+              <a:t>HTML</a:t>
+            </a:r>
           </a:p>
           <a:p>
             <a:pPr lvl="1"/>
             <a:r>
-              <a:rPr lang="de-DE" dirty="0" err="1"/>
-              <a:t>Css</a:t>
-            </a:r>
-            <a:endParaRPr lang="de-DE" dirty="0"/>
+              <a:rPr lang="de-DE" dirty="0"/>
+              <a:t>CSS</a:t>
+            </a:r>
           </a:p>
           <a:p>
             <a:pPr lvl="1"/>
@@ -10472,18 +10380,16 @@
           <a:p>
             <a:pPr lvl="1"/>
             <a:r>
-              <a:rPr lang="de-DE" dirty="0" err="1"/>
-              <a:t>Html</a:t>
-            </a:r>
-            <a:endParaRPr lang="de-DE" dirty="0"/>
+              <a:rPr lang="de-DE" dirty="0"/>
+              <a:t>HTML</a:t>
+            </a:r>
           </a:p>
           <a:p>
             <a:pPr lvl="1"/>
             <a:r>
-              <a:rPr lang="de-DE" dirty="0" err="1"/>
-              <a:t>Css</a:t>
-            </a:r>
-            <a:endParaRPr lang="de-DE" dirty="0"/>
+              <a:rPr lang="de-DE" dirty="0"/>
+              <a:t>CSS</a:t>
+            </a:r>
           </a:p>
           <a:p>
             <a:pPr lvl="1"/>
@@ -11189,7 +11095,7 @@
           <a:p>
             <a:r>
               <a:rPr lang="de-DE" dirty="0"/>
-              <a:t>Wer wir sind</a:t>
+              <a:t>Wer wir sind?</a:t>
             </a:r>
           </a:p>
           <a:p>
@@ -11995,7 +11901,7 @@
           <a:p>
             <a:r>
               <a:rPr lang="de-DE" dirty="0"/>
-              <a:t>Website beinhaltet 5 Themen</a:t>
+              <a:t>Website beinhaltet fünf Themen</a:t>
             </a:r>
           </a:p>
           <a:p>
@@ -12950,7 +12856,7 @@
           <a:p>
             <a:r>
               <a:rPr lang="de-DE" dirty="0"/>
-              <a:t>Kurse Übersicht</a:t>
+              <a:t>Kursübersicht</a:t>
             </a:r>
           </a:p>
           <a:p>
@@ -12971,7 +12877,7 @@
             <a:pPr lvl="1"/>
             <a:r>
               <a:rPr lang="de-DE" dirty="0"/>
-              <a:t>Nicht beigetretene</a:t>
+              <a:t>Nicht beigetretene Kurse</a:t>
             </a:r>
           </a:p>
           <a:p>
@@ -13203,7 +13109,7 @@
             <a:pPr lvl="1"/>
             <a:r>
               <a:rPr lang="de-DE" dirty="0"/>
-              <a:t>Aufgaben Sammlung</a:t>
+              <a:t>Aufgabensammlung</a:t>
             </a:r>
           </a:p>
           <a:p>
@@ -13425,7 +13331,7 @@
             <a:pPr lvl="1"/>
             <a:r>
               <a:rPr lang="de-DE" dirty="0"/>
-              <a:t>Aufgaben Sammlung</a:t>
+              <a:t>Aufgabensammlung</a:t>
             </a:r>
           </a:p>
           <a:p>
@@ -13435,14 +13341,14 @@
           <a:p>
             <a:r>
               <a:rPr lang="de-DE" dirty="0"/>
-              <a:t>Freunde Übersicht</a:t>
+              <a:t>Freunde-Übersicht</a:t>
             </a:r>
           </a:p>
           <a:p>
             <a:pPr lvl="1"/>
             <a:r>
               <a:rPr lang="de-DE" dirty="0"/>
-              <a:t>Freunde Profil</a:t>
+              <a:t>Freunde-Profil</a:t>
             </a:r>
           </a:p>
           <a:p>
@@ -13665,7 +13571,7 @@
             <a:pPr lvl="1"/>
             <a:r>
               <a:rPr lang="de-DE" dirty="0"/>
-              <a:t>Plattform für Aufgaben und Nachhilfe an</a:t>
+              <a:t>Plattform für Aufgaben und Nachhilfe</a:t>
             </a:r>
           </a:p>
           <a:p>
@@ -13786,14 +13692,14 @@
           <a:p>
             <a:r>
               <a:rPr lang="de-DE" dirty="0"/>
-              <a:t>Freunde Übersicht</a:t>
+              <a:t>Freunde-Übersicht</a:t>
             </a:r>
           </a:p>
           <a:p>
             <a:pPr lvl="1"/>
             <a:r>
               <a:rPr lang="de-DE" dirty="0"/>
-              <a:t>Freunde Profil</a:t>
+              <a:t>Freunde-Profil</a:t>
             </a:r>
           </a:p>
           <a:p>
@@ -13803,7 +13709,7 @@
           <a:p>
             <a:r>
               <a:rPr lang="de-DE" dirty="0"/>
-              <a:t>Freunde Profil</a:t>
+              <a:t>Freunde-Profil</a:t>
             </a:r>
           </a:p>
           <a:p>
@@ -14035,7 +13941,7 @@
             <a:pPr lvl="1"/>
             <a:r>
               <a:rPr lang="de-DE" dirty="0"/>
-              <a:t>Aufgaben Sammlung</a:t>
+              <a:t>Aufgabensammlung</a:t>
             </a:r>
           </a:p>
           <a:p>
@@ -14255,7 +14161,7 @@
             <a:pPr lvl="1"/>
             <a:r>
               <a:rPr lang="de-DE" dirty="0"/>
-              <a:t>Aufgaben Sammlung</a:t>
+              <a:t>Aufgabensammlung</a:t>
             </a:r>
           </a:p>
           <a:p>
@@ -14272,14 +14178,14 @@
             <a:pPr lvl="1"/>
             <a:r>
               <a:rPr lang="de-DE" dirty="0"/>
-              <a:t>Allgegenwärtig, mit ausnahmen der Login Seite</a:t>
+              <a:t>Allgegenwärtig, mit Ausnahmen der Login Seite</a:t>
             </a:r>
           </a:p>
           <a:p>
             <a:pPr lvl="1"/>
             <a:r>
               <a:rPr lang="de-DE" dirty="0"/>
-              <a:t>Ermöglicht zugriff auf:</a:t>
+              <a:t>Ermöglicht Zugriff auf:</a:t>
             </a:r>
           </a:p>
           <a:p>
@@ -14495,36 +14401,6 @@
               <a:rPr lang="de-DE" dirty="0"/>
               <a:t>Anwendungsspezifikation</a:t>
             </a:r>
-          </a:p>
-        </p:txBody>
-      </p:sp>
-      <p:sp>
-        <p:nvSpPr>
-          <p:cNvPr id="3" name="Untertitel 2">
-            <a:extLst>
-              <a:ext uri="{FF2B5EF4-FFF2-40B4-BE49-F238E27FC236}">
-                <a16:creationId xmlns:a16="http://schemas.microsoft.com/office/drawing/2014/main" id="{4FEA5DDD-AE9D-4E79-9FEB-9C1DA35AC3FE}"/>
-              </a:ext>
-            </a:extLst>
-          </p:cNvPr>
-          <p:cNvSpPr>
-            <a:spLocks noGrp="1"/>
-          </p:cNvSpPr>
-          <p:nvPr>
-            <p:ph type="subTitle" idx="1"/>
-          </p:nvPr>
-        </p:nvSpPr>
-        <p:spPr>
-          <a:xfrm>
-            <a:off x="1524000" y="3602038"/>
-            <a:ext cx="9144000" cy="1655762"/>
-          </a:xfrm>
-        </p:spPr>
-        <p:txBody>
-          <a:bodyPr/>
-          <a:lstStyle/>
-          <a:p>
-            <a:endParaRPr lang="de-DE" dirty="0"/>
           </a:p>
         </p:txBody>
       </p:sp>
@@ -15837,7 +15713,7 @@
             <a:pPr lvl="1"/>
             <a:r>
               <a:rPr lang="de-DE" dirty="0"/>
-              <a:t>Verweist auf Interne Seiten</a:t>
+              <a:t>Verweist auf interne Seiten</a:t>
             </a:r>
           </a:p>
           <a:p>
@@ -16327,7 +16203,7 @@
             <a:pPr lvl="1"/>
             <a:r>
               <a:rPr lang="de-DE" dirty="0"/>
-              <a:t>Ermöglicht Zugang zur Startseite, falls Konto daten vorhanden</a:t>
+              <a:t>Ermöglicht Zugang zur Startseite, falls Kontodaten vorhanden</a:t>
             </a:r>
           </a:p>
           <a:p>
@@ -16540,7 +16416,7 @@
             <a:pPr lvl="1"/>
             <a:r>
               <a:rPr lang="de-DE" dirty="0"/>
-              <a:t>Ermöglicht Zugang zur Startseite, falls Konto daten vorhanden</a:t>
+              <a:t>Ermöglicht Zugang zur Startseite, falls Kontodaten vorhanden</a:t>
             </a:r>
           </a:p>
           <a:p>
@@ -16766,7 +16642,7 @@
             <a:pPr lvl="1"/>
             <a:r>
               <a:rPr lang="de-DE" dirty="0"/>
-              <a:t>Ermöglicht Zugang zur Startseite, falls Konto daten vorhanden</a:t>
+              <a:t>Ermöglicht Zugang zur Startseite, falls Kontodaten vorhanden</a:t>
             </a:r>
           </a:p>
           <a:p>
@@ -17013,7 +16889,7 @@
             <a:pPr lvl="1"/>
             <a:r>
               <a:rPr lang="de-DE" dirty="0"/>
-              <a:t>Checkt ob Kurs beigetreten oder nicht</a:t>
+              <a:t>Checkt, ob Kurs beigetreten oder nicht</a:t>
             </a:r>
           </a:p>
           <a:p>
@@ -17237,7 +17113,7 @@
             <a:pPr lvl="1"/>
             <a:r>
               <a:rPr lang="de-DE" dirty="0"/>
-              <a:t>Checkt ob Kurs beigetreten oder nicht</a:t>
+              <a:t>Checkt, ob Kurs beigetreten oder nicht</a:t>
             </a:r>
           </a:p>
           <a:p>
@@ -17268,7 +17144,7 @@
             <a:pPr lvl="1"/>
             <a:r>
               <a:rPr lang="de-DE" dirty="0"/>
-              <a:t>Gebot oder Nachfrage wird im Profil wieder gegeben</a:t>
+              <a:t>Gebot oder Nachfrage wird im Profil wiedergegeben</a:t>
             </a:r>
           </a:p>
           <a:p>
@@ -17485,7 +17361,7 @@
             <a:pPr lvl="1"/>
             <a:r>
               <a:rPr lang="de-DE" dirty="0"/>
-              <a:t>Vom Nutzer Spezifisch eingetragene Notizen</a:t>
+              <a:t>Vom Nutzer spezifisch eingetragene Notizen</a:t>
             </a:r>
           </a:p>
           <a:p>
@@ -17718,7 +17594,7 @@
             <a:pPr lvl="1"/>
             <a:r>
               <a:rPr lang="de-DE" dirty="0"/>
-              <a:t>Vom Nutzer Spezifisch eingetragene Notizen</a:t>
+              <a:t>Vom Nutzer spezifisch eingetragene Notizen</a:t>
             </a:r>
           </a:p>
           <a:p>
@@ -17997,7 +17873,7 @@
             <a:pPr lvl="1"/>
             <a:r>
               <a:rPr lang="de-DE" dirty="0"/>
-              <a:t>Vom Nutzer Spezifisch eingetragene Notizen</a:t>
+              <a:t>Vom Nutzer spezifisch eingetragene Notizen</a:t>
             </a:r>
           </a:p>
           <a:p>
@@ -18021,7 +17897,7 @@
             <a:pPr lvl="1"/>
             <a:r>
               <a:rPr lang="de-DE" dirty="0"/>
-              <a:t>Nutzer kann über die Downloadbutton verschiedene Dokumente runterladen</a:t>
+              <a:t>Nutzer kann über die Download-Button verschiedene Dokumente runterladen</a:t>
             </a:r>
           </a:p>
           <a:p>
@@ -18038,15 +17914,15 @@
             <a:pPr lvl="1"/>
             <a:r>
               <a:rPr lang="de-DE" dirty="0"/>
-              <a:t>Nutzer kann über die </a:t>
-            </a:r>
-            <a:r>
-              <a:rPr lang="de-DE" dirty="0" err="1"/>
-              <a:t>Uploadbutton</a:t>
-            </a:r>
-            <a:r>
-              <a:rPr lang="de-DE" dirty="0"/>
-              <a:t> Aufgaben so wie Bilder hochladen </a:t>
+              <a:t>Nutzer kann über die Upload-Button Aufgaben, sowie Bilder hochladen </a:t>
+            </a:r>
+            <a:r>
+              <a:rPr lang="de-DE" dirty="0">
+                <a:solidFill>
+                  <a:srgbClr val="FF0000"/>
+                </a:solidFill>
+              </a:rPr>
+              <a:t>(Satz richtig????)</a:t>
             </a:r>
           </a:p>
           <a:p>
@@ -18419,11 +18295,11 @@
   <p:clrMapOvr>
     <a:masterClrMapping/>
   </p:clrMapOvr>
-  <mc:AlternateContent xmlns:mc="http://schemas.openxmlformats.org/markup-compatibility/2006">
-    <mc:Choice xmlns:p14="http://schemas.microsoft.com/office/powerpoint/2010/main" Requires="p14">
+  <mc:AlternateContent xmlns:mc="http://schemas.openxmlformats.org/markup-compatibility/2006" xmlns:p14="http://schemas.microsoft.com/office/powerpoint/2010/main">
+    <mc:Choice Requires="p14">
       <p:transition p14:dur="0"/>
     </mc:Choice>
-    <mc:Fallback>
+    <mc:Fallback xmlns="">
       <p:transition/>
     </mc:Fallback>
   </mc:AlternateContent>
@@ -18529,11 +18405,11 @@
   <p:clrMapOvr>
     <a:masterClrMapping/>
   </p:clrMapOvr>
-  <mc:AlternateContent xmlns:mc="http://schemas.openxmlformats.org/markup-compatibility/2006">
-    <mc:Choice xmlns:p14="http://schemas.microsoft.com/office/powerpoint/2010/main" Requires="p14">
+  <mc:AlternateContent xmlns:mc="http://schemas.openxmlformats.org/markup-compatibility/2006" xmlns:p14="http://schemas.microsoft.com/office/powerpoint/2010/main">
+    <mc:Choice Requires="p14">
       <p:transition p14:dur="0"/>
     </mc:Choice>
-    <mc:Fallback>
+    <mc:Fallback xmlns="">
       <p:transition/>
     </mc:Fallback>
   </mc:AlternateContent>

--- a/websitePPneu.pptx
+++ b/websitePPneu.pptx
@@ -10614,18 +10614,16 @@
           <a:p>
             <a:pPr lvl="1"/>
             <a:r>
-              <a:rPr lang="de-DE" dirty="0" err="1"/>
-              <a:t>Html</a:t>
-            </a:r>
-            <a:endParaRPr lang="de-DE" dirty="0"/>
+              <a:rPr lang="de-DE" dirty="0"/>
+              <a:t>HTML</a:t>
+            </a:r>
           </a:p>
           <a:p>
             <a:pPr lvl="1"/>
             <a:r>
-              <a:rPr lang="de-DE" dirty="0" err="1"/>
-              <a:t>Css</a:t>
-            </a:r>
-            <a:endParaRPr lang="de-DE" dirty="0"/>
+              <a:rPr lang="de-DE" dirty="0"/>
+              <a:t>CSS</a:t>
+            </a:r>
           </a:p>
           <a:p>
             <a:pPr lvl="1"/>
@@ -11095,7 +11093,7 @@
           <a:p>
             <a:r>
               <a:rPr lang="de-DE" dirty="0"/>
-              <a:t>Wer wir sind?</a:t>
+              <a:t>Wer wir sind!</a:t>
             </a:r>
           </a:p>
           <a:p>
@@ -13535,8 +13533,13 @@
           <a:p>
             <a:r>
               <a:rPr lang="de-DE" dirty="0"/>
-              <a:t>Wer wir sind</a:t>
-            </a:r>
+              <a:t>Wer </a:t>
+            </a:r>
+            <a:r>
+              <a:rPr lang="de-DE"/>
+              <a:t>wir sind!</a:t>
+            </a:r>
+            <a:endParaRPr lang="de-DE" dirty="0"/>
           </a:p>
         </p:txBody>
       </p:sp>

--- a/websitePPneu.pptx
+++ b/websitePPneu.pptx
@@ -10855,18 +10855,16 @@
           <a:p>
             <a:pPr lvl="1"/>
             <a:r>
-              <a:rPr lang="de-DE" dirty="0" err="1"/>
-              <a:t>Html</a:t>
-            </a:r>
-            <a:endParaRPr lang="de-DE" dirty="0"/>
+              <a:rPr lang="de-DE" dirty="0"/>
+              <a:t>HTML</a:t>
+            </a:r>
           </a:p>
           <a:p>
             <a:pPr lvl="1"/>
             <a:r>
-              <a:rPr lang="de-DE" dirty="0" err="1"/>
-              <a:t>Css</a:t>
-            </a:r>
-            <a:endParaRPr lang="de-DE" dirty="0"/>
+              <a:rPr lang="de-DE" dirty="0"/>
+              <a:t>CSS</a:t>
+            </a:r>
           </a:p>
           <a:p>
             <a:pPr lvl="1"/>
@@ -11251,16 +11249,15 @@
           <a:p>
             <a:pPr lvl="1"/>
             <a:r>
-              <a:rPr lang="de-DE" dirty="0" err="1"/>
-              <a:t>Html</a:t>
-            </a:r>
-            <a:endParaRPr lang="de-DE" dirty="0"/>
+              <a:rPr lang="de-DE" dirty="0"/>
+              <a:t>HTML</a:t>
+            </a:r>
           </a:p>
           <a:p>
             <a:pPr lvl="1"/>
             <a:r>
-              <a:rPr lang="de-DE" dirty="0" err="1"/>
-              <a:t>Css</a:t>
+              <a:rPr lang="de-DE"/>
+              <a:t>CSS</a:t>
             </a:r>
             <a:endParaRPr lang="de-DE" dirty="0"/>
           </a:p>

--- a/websitePPneu.pptx
+++ b/websitePPneu.pptx
@@ -6,7 +6,7 @@
     <p:sldMasterId id="2147483660" r:id="rId2"/>
   </p:sldMasterIdLst>
   <p:notesMasterIdLst>
-    <p:notesMasterId r:id="rId52"/>
+    <p:notesMasterId r:id="rId53"/>
   </p:notesMasterIdLst>
   <p:sldIdLst>
     <p:sldId id="269" r:id="rId3"/>
@@ -57,7 +57,8 @@
     <p:sldId id="296" r:id="rId48"/>
     <p:sldId id="308" r:id="rId49"/>
     <p:sldId id="309" r:id="rId50"/>
-    <p:sldId id="293" r:id="rId51"/>
+    <p:sldId id="324" r:id="rId51"/>
+    <p:sldId id="325" r:id="rId52"/>
   </p:sldIdLst>
   <p:sldSz cx="12192000" cy="6858000"/>
   <p:notesSz cx="6858000" cy="9144000"/>
@@ -177,7 +178,7 @@
   <pc:docChgLst>
     <pc:chgData name="sulfikar hamka" userId="7b455397b8076885" providerId="LiveId" clId="{04E4CC0D-93EB-4E24-A7B0-DE133B260FAA}"/>
     <pc:docChg chg="undo custSel addSld delSld modSld sldOrd">
-      <pc:chgData name="sulfikar hamka" userId="7b455397b8076885" providerId="LiveId" clId="{04E4CC0D-93EB-4E24-A7B0-DE133B260FAA}" dt="2018-06-05T14:40:51.140" v="3547" actId="20577"/>
+      <pc:chgData name="sulfikar hamka" userId="7b455397b8076885" providerId="LiveId" clId="{04E4CC0D-93EB-4E24-A7B0-DE133B260FAA}" dt="2018-06-05T16:09:23.897" v="3935" actId="2696"/>
       <pc:docMkLst>
         <pc:docMk/>
       </pc:docMkLst>
@@ -288,13 +289,13 @@
         </pc:spChg>
       </pc:sldChg>
       <pc:sldChg chg="modSp modTransition">
-        <pc:chgData name="sulfikar hamka" userId="7b455397b8076885" providerId="LiveId" clId="{04E4CC0D-93EB-4E24-A7B0-DE133B260FAA}" dt="2018-06-05T14:16:18.278" v="3428" actId="20577"/>
+        <pc:chgData name="sulfikar hamka" userId="7b455397b8076885" providerId="LiveId" clId="{04E4CC0D-93EB-4E24-A7B0-DE133B260FAA}" dt="2018-06-05T15:54:06.265" v="3779" actId="20577"/>
         <pc:sldMkLst>
           <pc:docMk/>
           <pc:sldMk cId="1133986613" sldId="283"/>
         </pc:sldMkLst>
         <pc:spChg chg="mod">
-          <ac:chgData name="sulfikar hamka" userId="7b455397b8076885" providerId="LiveId" clId="{04E4CC0D-93EB-4E24-A7B0-DE133B260FAA}" dt="2018-06-05T13:25:03.316" v="3109" actId="20577"/>
+          <ac:chgData name="sulfikar hamka" userId="7b455397b8076885" providerId="LiveId" clId="{04E4CC0D-93EB-4E24-A7B0-DE133B260FAA}" dt="2018-06-05T15:54:06.265" v="3779" actId="20577"/>
           <ac:spMkLst>
             <pc:docMk/>
             <pc:sldMk cId="1133986613" sldId="283"/>
@@ -429,8 +430,8 @@
           </ac:spMkLst>
         </pc:spChg>
       </pc:sldChg>
-      <pc:sldChg chg="addSp delSp modSp add ord modTransition">
-        <pc:chgData name="sulfikar hamka" userId="7b455397b8076885" providerId="LiveId" clId="{04E4CC0D-93EB-4E24-A7B0-DE133B260FAA}" dt="2018-06-05T14:17:53.842" v="3444" actId="20577"/>
+      <pc:sldChg chg="addSp delSp modSp add del ord modTransition">
+        <pc:chgData name="sulfikar hamka" userId="7b455397b8076885" providerId="LiveId" clId="{04E4CC0D-93EB-4E24-A7B0-DE133B260FAA}" dt="2018-06-05T15:29:13.684" v="3637" actId="2696"/>
         <pc:sldMkLst>
           <pc:docMk/>
           <pc:sldMk cId="3772222938" sldId="293"/>
@@ -444,7 +445,7 @@
           </ac:spMkLst>
         </pc:spChg>
         <pc:spChg chg="mod">
-          <ac:chgData name="sulfikar hamka" userId="7b455397b8076885" providerId="LiveId" clId="{04E4CC0D-93EB-4E24-A7B0-DE133B260FAA}" dt="2018-06-05T13:47:23.146" v="3382" actId="20577"/>
+          <ac:chgData name="sulfikar hamka" userId="7b455397b8076885" providerId="LiveId" clId="{04E4CC0D-93EB-4E24-A7B0-DE133B260FAA}" dt="2018-06-05T15:28:56.465" v="3635" actId="20577"/>
           <ac:spMkLst>
             <pc:docMk/>
             <pc:sldMk cId="3772222938" sldId="293"/>
@@ -483,8 +484,8 @@
             <ac:picMk id="9" creationId="{3872BEDE-EBCE-4469-83F5-EACF36CF1C1E}"/>
           </ac:picMkLst>
         </pc:picChg>
-        <pc:picChg chg="add mod">
-          <ac:chgData name="sulfikar hamka" userId="7b455397b8076885" providerId="LiveId" clId="{04E4CC0D-93EB-4E24-A7B0-DE133B260FAA}" dt="2018-06-05T14:14:32.845" v="3427" actId="1076"/>
+        <pc:picChg chg="add del mod">
+          <ac:chgData name="sulfikar hamka" userId="7b455397b8076885" providerId="LiveId" clId="{04E4CC0D-93EB-4E24-A7B0-DE133B260FAA}" dt="2018-06-05T15:28:26.479" v="3603" actId="478"/>
           <ac:picMkLst>
             <pc:docMk/>
             <pc:sldMk cId="3772222938" sldId="293"/>
@@ -574,12 +575,20 @@
           </ac:spMkLst>
         </pc:spChg>
       </pc:sldChg>
-      <pc:sldChg chg="add modTransition">
-        <pc:chgData name="sulfikar hamka" userId="7b455397b8076885" providerId="LiveId" clId="{04E4CC0D-93EB-4E24-A7B0-DE133B260FAA}" dt="2018-06-05T14:21:03.346" v="3456" actId="20577"/>
+      <pc:sldChg chg="modSp add modTransition">
+        <pc:chgData name="sulfikar hamka" userId="7b455397b8076885" providerId="LiveId" clId="{04E4CC0D-93EB-4E24-A7B0-DE133B260FAA}" dt="2018-06-05T15:23:55.502" v="3550" actId="20577"/>
         <pc:sldMkLst>
           <pc:docMk/>
           <pc:sldMk cId="3726409612" sldId="300"/>
         </pc:sldMkLst>
+        <pc:spChg chg="mod">
+          <ac:chgData name="sulfikar hamka" userId="7b455397b8076885" providerId="LiveId" clId="{04E4CC0D-93EB-4E24-A7B0-DE133B260FAA}" dt="2018-06-05T15:23:55.502" v="3550" actId="20577"/>
+          <ac:spMkLst>
+            <pc:docMk/>
+            <pc:sldMk cId="3726409612" sldId="300"/>
+            <ac:spMk id="6" creationId="{37D42437-95F7-4C64-81D1-F82571A32530}"/>
+          </ac:spMkLst>
+        </pc:spChg>
       </pc:sldChg>
       <pc:sldChg chg="modSp add modTransition">
         <pc:chgData name="sulfikar hamka" userId="7b455397b8076885" providerId="LiveId" clId="{04E4CC0D-93EB-4E24-A7B0-DE133B260FAA}" dt="2018-06-05T14:21:41.921" v="3461" actId="20577"/>
@@ -678,13 +687,13 @@
         </pc:spChg>
       </pc:sldChg>
       <pc:sldChg chg="modSp add">
-        <pc:chgData name="sulfikar hamka" userId="7b455397b8076885" providerId="LiveId" clId="{04E4CC0D-93EB-4E24-A7B0-DE133B260FAA}" dt="2018-06-05T14:40:44.189" v="3545" actId="20577"/>
+        <pc:chgData name="sulfikar hamka" userId="7b455397b8076885" providerId="LiveId" clId="{04E4CC0D-93EB-4E24-A7B0-DE133B260FAA}" dt="2018-06-05T15:25:32.526" v="3598" actId="20577"/>
         <pc:sldMkLst>
           <pc:docMk/>
           <pc:sldMk cId="988841366" sldId="309"/>
         </pc:sldMkLst>
         <pc:spChg chg="mod">
-          <ac:chgData name="sulfikar hamka" userId="7b455397b8076885" providerId="LiveId" clId="{04E4CC0D-93EB-4E24-A7B0-DE133B260FAA}" dt="2018-06-05T14:40:44.189" v="3545" actId="20577"/>
+          <ac:chgData name="sulfikar hamka" userId="7b455397b8076885" providerId="LiveId" clId="{04E4CC0D-93EB-4E24-A7B0-DE133B260FAA}" dt="2018-06-05T15:25:32.526" v="3598" actId="20577"/>
           <ac:spMkLst>
             <pc:docMk/>
             <pc:sldMk cId="988841366" sldId="309"/>
@@ -715,12 +724,20 @@
           </ac:spMkLst>
         </pc:spChg>
       </pc:sldChg>
-      <pc:sldChg chg="add modTransition">
-        <pc:chgData name="sulfikar hamka" userId="7b455397b8076885" providerId="LiveId" clId="{04E4CC0D-93EB-4E24-A7B0-DE133B260FAA}" dt="2018-06-05T14:34:22.786" v="3500" actId="20577"/>
+      <pc:sldChg chg="modSp add modTransition">
+        <pc:chgData name="sulfikar hamka" userId="7b455397b8076885" providerId="LiveId" clId="{04E4CC0D-93EB-4E24-A7B0-DE133B260FAA}" dt="2018-06-05T15:27:41.775" v="3602" actId="20577"/>
         <pc:sldMkLst>
           <pc:docMk/>
           <pc:sldMk cId="443035206" sldId="311"/>
         </pc:sldMkLst>
+        <pc:spChg chg="mod">
+          <ac:chgData name="sulfikar hamka" userId="7b455397b8076885" providerId="LiveId" clId="{04E4CC0D-93EB-4E24-A7B0-DE133B260FAA}" dt="2018-06-05T15:27:41.775" v="3602" actId="20577"/>
+          <ac:spMkLst>
+            <pc:docMk/>
+            <pc:sldMk cId="443035206" sldId="311"/>
+            <ac:spMk id="3" creationId="{00000000-0000-0000-0000-000000000000}"/>
+          </ac:spMkLst>
+        </pc:spChg>
       </pc:sldChg>
       <pc:sldChg chg="modSp add">
         <pc:chgData name="sulfikar hamka" userId="7b455397b8076885" providerId="LiveId" clId="{04E4CC0D-93EB-4E24-A7B0-DE133B260FAA}" dt="2018-06-05T14:32:02.388" v="3498" actId="20577"/>
@@ -835,13 +852,13 @@
         </pc:spChg>
       </pc:sldChg>
       <pc:sldChg chg="modSp add modTransition">
-        <pc:chgData name="sulfikar hamka" userId="7b455397b8076885" providerId="LiveId" clId="{04E4CC0D-93EB-4E24-A7B0-DE133B260FAA}" dt="2018-06-05T14:37:54.246" v="3530" actId="20577"/>
+        <pc:chgData name="sulfikar hamka" userId="7b455397b8076885" providerId="LiveId" clId="{04E4CC0D-93EB-4E24-A7B0-DE133B260FAA}" dt="2018-06-05T15:36:56.785" v="3748" actId="20577"/>
         <pc:sldMkLst>
           <pc:docMk/>
           <pc:sldMk cId="3336243207" sldId="320"/>
         </pc:sldMkLst>
         <pc:spChg chg="mod">
-          <ac:chgData name="sulfikar hamka" userId="7b455397b8076885" providerId="LiveId" clId="{04E4CC0D-93EB-4E24-A7B0-DE133B260FAA}" dt="2018-06-05T14:37:33.755" v="3528" actId="20577"/>
+          <ac:chgData name="sulfikar hamka" userId="7b455397b8076885" providerId="LiveId" clId="{04E4CC0D-93EB-4E24-A7B0-DE133B260FAA}" dt="2018-06-05T15:36:56.785" v="3748" actId="20577"/>
           <ac:spMkLst>
             <pc:docMk/>
             <pc:sldMk cId="3336243207" sldId="320"/>
@@ -868,6 +885,66 @@
         <pc:sldMkLst>
           <pc:docMk/>
           <pc:sldMk cId="4269383675" sldId="323"/>
+        </pc:sldMkLst>
+      </pc:sldChg>
+      <pc:sldChg chg="modSp add">
+        <pc:chgData name="sulfikar hamka" userId="7b455397b8076885" providerId="LiveId" clId="{04E4CC0D-93EB-4E24-A7B0-DE133B260FAA}" dt="2018-06-05T15:34:00.001" v="3743" actId="20577"/>
+        <pc:sldMkLst>
+          <pc:docMk/>
+          <pc:sldMk cId="2114571369" sldId="324"/>
+        </pc:sldMkLst>
+        <pc:spChg chg="mod">
+          <ac:chgData name="sulfikar hamka" userId="7b455397b8076885" providerId="LiveId" clId="{04E4CC0D-93EB-4E24-A7B0-DE133B260FAA}" dt="2018-06-05T15:29:25.685" v="3658" actId="20577"/>
+          <ac:spMkLst>
+            <pc:docMk/>
+            <pc:sldMk cId="2114571369" sldId="324"/>
+            <ac:spMk id="4" creationId="{87AC8795-F72E-4F53-BACC-C551C2D8316A}"/>
+          </ac:spMkLst>
+        </pc:spChg>
+        <pc:spChg chg="mod">
+          <ac:chgData name="sulfikar hamka" userId="7b455397b8076885" providerId="LiveId" clId="{04E4CC0D-93EB-4E24-A7B0-DE133B260FAA}" dt="2018-06-05T15:34:00.001" v="3743" actId="20577"/>
+          <ac:spMkLst>
+            <pc:docMk/>
+            <pc:sldMk cId="2114571369" sldId="324"/>
+            <ac:spMk id="6" creationId="{37D42437-95F7-4C64-81D1-F82571A32530}"/>
+          </ac:spMkLst>
+        </pc:spChg>
+      </pc:sldChg>
+      <pc:sldChg chg="modSp add">
+        <pc:chgData name="sulfikar hamka" userId="7b455397b8076885" providerId="LiveId" clId="{04E4CC0D-93EB-4E24-A7B0-DE133B260FAA}" dt="2018-06-05T16:08:17.808" v="3933" actId="20577"/>
+        <pc:sldMkLst>
+          <pc:docMk/>
+          <pc:sldMk cId="94707965" sldId="325"/>
+        </pc:sldMkLst>
+        <pc:spChg chg="mod">
+          <ac:chgData name="sulfikar hamka" userId="7b455397b8076885" providerId="LiveId" clId="{04E4CC0D-93EB-4E24-A7B0-DE133B260FAA}" dt="2018-06-05T16:00:33.448" v="3815" actId="20577"/>
+          <ac:spMkLst>
+            <pc:docMk/>
+            <pc:sldMk cId="94707965" sldId="325"/>
+            <ac:spMk id="4" creationId="{87AC8795-F72E-4F53-BACC-C551C2D8316A}"/>
+          </ac:spMkLst>
+        </pc:spChg>
+        <pc:spChg chg="mod">
+          <ac:chgData name="sulfikar hamka" userId="7b455397b8076885" providerId="LiveId" clId="{04E4CC0D-93EB-4E24-A7B0-DE133B260FAA}" dt="2018-06-05T16:08:17.808" v="3933" actId="20577"/>
+          <ac:spMkLst>
+            <pc:docMk/>
+            <pc:sldMk cId="94707965" sldId="325"/>
+            <ac:spMk id="6" creationId="{37D42437-95F7-4C64-81D1-F82571A32530}"/>
+          </ac:spMkLst>
+        </pc:spChg>
+      </pc:sldChg>
+      <pc:sldChg chg="add del">
+        <pc:chgData name="sulfikar hamka" userId="7b455397b8076885" providerId="LiveId" clId="{04E4CC0D-93EB-4E24-A7B0-DE133B260FAA}" dt="2018-06-05T16:09:23.897" v="3935" actId="2696"/>
+        <pc:sldMkLst>
+          <pc:docMk/>
+          <pc:sldMk cId="3575419012" sldId="326"/>
+        </pc:sldMkLst>
+      </pc:sldChg>
+      <pc:sldChg chg="add del">
+        <pc:chgData name="sulfikar hamka" userId="7b455397b8076885" providerId="LiveId" clId="{04E4CC0D-93EB-4E24-A7B0-DE133B260FAA}" dt="2018-06-05T16:09:19.478" v="3934" actId="2696"/>
+        <pc:sldMkLst>
+          <pc:docMk/>
+          <pc:sldMk cId="2654463903" sldId="327"/>
         </pc:sldMkLst>
       </pc:sldChg>
     </pc:docChg>
@@ -11086,7 +11163,9 @@
         </p:nvSpPr>
         <p:spPr/>
         <p:txBody>
-          <a:bodyPr/>
+          <a:bodyPr>
+            <a:normAutofit/>
+          </a:bodyPr>
           <a:lstStyle/>
           <a:p>
             <a:r>
@@ -11107,38 +11186,22 @@
             </a:r>
           </a:p>
           <a:p>
-            <a:pPr lvl="1"/>
-            <a:r>
-              <a:rPr lang="de-DE" dirty="0"/>
-              <a:t>Eingesetzte Technologien</a:t>
-            </a:r>
-          </a:p>
-          <a:p>
-            <a:pPr lvl="1"/>
-            <a:r>
-              <a:rPr lang="de-DE" dirty="0"/>
-              <a:t>Architektur der Website</a:t>
-            </a:r>
-          </a:p>
-          <a:p>
             <a:r>
               <a:rPr lang="de-DE" dirty="0"/>
               <a:t>Anwendungsspezifikation</a:t>
             </a:r>
           </a:p>
           <a:p>
-            <a:pPr lvl="1"/>
-            <a:r>
-              <a:rPr lang="de-DE" dirty="0"/>
-              <a:t>Navigationsprinzip</a:t>
-            </a:r>
-          </a:p>
-          <a:p>
-            <a:pPr lvl="1"/>
-            <a:r>
-              <a:rPr lang="de-DE" dirty="0"/>
-              <a:t>Funktionselemente</a:t>
-            </a:r>
+            <a:r>
+              <a:rPr lang="de-DE" dirty="0"/>
+              <a:t>Weiteres Vorgehen</a:t>
+            </a:r>
+          </a:p>
+          <a:p>
+            <a:pPr marL="411480" lvl="1" indent="0">
+              <a:buNone/>
+            </a:pPr>
+            <a:endParaRPr lang="de-DE" dirty="0"/>
           </a:p>
           <a:p>
             <a:pPr lvl="1"/>
@@ -11693,7 +11756,7 @@
           <a:p>
             <a:r>
               <a:rPr lang="de-DE" dirty="0"/>
-              <a:t>Website beinhaltet 5 Themen</a:t>
+              <a:t>Website beinhaltet fünf Themen</a:t>
             </a:r>
           </a:p>
           <a:p>
@@ -13682,7 +13745,7 @@
             <a:pPr lvl="1"/>
             <a:r>
               <a:rPr lang="de-DE" dirty="0"/>
-              <a:t>Aufgaben Sammlung</a:t>
+              <a:t>Aufgabensammlung</a:t>
             </a:r>
           </a:p>
           <a:p>
@@ -17897,7 +17960,7 @@
             <a:pPr lvl="1"/>
             <a:r>
               <a:rPr lang="de-DE" dirty="0"/>
-              <a:t>Nutzer kann über die Download-Button verschiedene Dokumente runterladen</a:t>
+              <a:t>Nutzer kann über den Download-Button verschiedene Dokumente runterladen</a:t>
             </a:r>
           </a:p>
           <a:p>
@@ -17914,16 +17977,13 @@
             <a:pPr lvl="1"/>
             <a:r>
               <a:rPr lang="de-DE" dirty="0"/>
-              <a:t>Nutzer kann über die Upload-Button Aufgaben, sowie Bilder hochladen </a:t>
-            </a:r>
-            <a:r>
-              <a:rPr lang="de-DE" dirty="0">
-                <a:solidFill>
-                  <a:srgbClr val="FF0000"/>
-                </a:solidFill>
-              </a:rPr>
-              <a:t>(Satz richtig????)</a:t>
-            </a:r>
+              <a:t>Nutzer kann über den Upload-Button Aufgaben, sowie Bilder hochladen</a:t>
+            </a:r>
+            <a:endParaRPr lang="de-DE" dirty="0">
+              <a:solidFill>
+                <a:srgbClr val="FF0000"/>
+              </a:solidFill>
+            </a:endParaRPr>
           </a:p>
           <a:p>
             <a:pPr marL="457200" lvl="1" indent="0">
@@ -18035,40 +18095,12 @@
           <a:chExt cx="0" cy="0"/>
         </a:xfrm>
       </p:grpSpPr>
-      <p:sp>
-        <p:nvSpPr>
-          <p:cNvPr id="4" name="Titel 3">
-            <a:extLst>
-              <a:ext uri="{FF2B5EF4-FFF2-40B4-BE49-F238E27FC236}">
-                <a16:creationId xmlns:a16="http://schemas.microsoft.com/office/drawing/2014/main" id="{87AC8795-F72E-4F53-BACC-C551C2D8316A}"/>
-              </a:ext>
-            </a:extLst>
-          </p:cNvPr>
-          <p:cNvSpPr>
-            <a:spLocks noGrp="1"/>
-          </p:cNvSpPr>
-          <p:nvPr>
-            <p:ph type="title"/>
-          </p:nvPr>
-        </p:nvSpPr>
-        <p:spPr/>
-        <p:txBody>
-          <a:bodyPr/>
-          <a:lstStyle/>
-          <a:p>
-            <a:r>
-              <a:rPr lang="de-DE" dirty="0"/>
-              <a:t>Roadmap</a:t>
-            </a:r>
-          </a:p>
-        </p:txBody>
-      </p:sp>
       <p:pic>
         <p:nvPicPr>
-          <p:cNvPr id="5" name="Grafik 4">
-            <a:extLst>
-              <a:ext uri="{FF2B5EF4-FFF2-40B4-BE49-F238E27FC236}">
-                <a16:creationId xmlns:a16="http://schemas.microsoft.com/office/drawing/2014/main" id="{B7E16C27-D378-4829-A890-B1E9782FCB2F}"/>
+          <p:cNvPr id="7" name="Grafik 6">
+            <a:extLst>
+              <a:ext uri="{FF2B5EF4-FFF2-40B4-BE49-F238E27FC236}">
+                <a16:creationId xmlns:a16="http://schemas.microsoft.com/office/drawing/2014/main" id="{D69E3AB2-FDF1-4CE2-9130-48554F747CE8}"/>
               </a:ext>
             </a:extLst>
           </p:cNvPr>
@@ -18079,6 +18111,127 @@
         </p:nvPicPr>
         <p:blipFill>
           <a:blip r:embed="rId2">
+            <a:extLst>
+              <a:ext uri="{28A0092B-C50C-407E-A947-70E740481C1C}">
+                <a14:useLocalDpi xmlns:a14="http://schemas.microsoft.com/office/drawing/2010/main" val="0"/>
+              </a:ext>
+            </a:extLst>
+          </a:blip>
+          <a:stretch>
+            <a:fillRect/>
+          </a:stretch>
+        </p:blipFill>
+        <p:spPr>
+          <a:xfrm>
+            <a:off x="-5202027" y="5962249"/>
+            <a:ext cx="17394027" cy="895751"/>
+          </a:xfrm>
+          <a:prstGeom prst="rect">
+            <a:avLst/>
+          </a:prstGeom>
+        </p:spPr>
+      </p:pic>
+      <p:sp>
+        <p:nvSpPr>
+          <p:cNvPr id="4" name="Titel 3">
+            <a:extLst>
+              <a:ext uri="{FF2B5EF4-FFF2-40B4-BE49-F238E27FC236}">
+                <a16:creationId xmlns:a16="http://schemas.microsoft.com/office/drawing/2014/main" id="{87AC8795-F72E-4F53-BACC-C551C2D8316A}"/>
+              </a:ext>
+            </a:extLst>
+          </p:cNvPr>
+          <p:cNvSpPr>
+            <a:spLocks noGrp="1"/>
+          </p:cNvSpPr>
+          <p:nvPr>
+            <p:ph type="title"/>
+          </p:nvPr>
+        </p:nvSpPr>
+        <p:spPr/>
+        <p:txBody>
+          <a:bodyPr/>
+          <a:lstStyle/>
+          <a:p>
+            <a:r>
+              <a:rPr lang="de-DE" dirty="0"/>
+              <a:t>Weiteres Vorgehen</a:t>
+            </a:r>
+          </a:p>
+        </p:txBody>
+      </p:sp>
+      <p:sp>
+        <p:nvSpPr>
+          <p:cNvPr id="6" name="Inhaltsplatzhalter 5">
+            <a:extLst>
+              <a:ext uri="{FF2B5EF4-FFF2-40B4-BE49-F238E27FC236}">
+                <a16:creationId xmlns:a16="http://schemas.microsoft.com/office/drawing/2014/main" id="{37D42437-95F7-4C64-81D1-F82571A32530}"/>
+              </a:ext>
+            </a:extLst>
+          </p:cNvPr>
+          <p:cNvSpPr>
+            <a:spLocks noGrp="1"/>
+          </p:cNvSpPr>
+          <p:nvPr>
+            <p:ph idx="1"/>
+          </p:nvPr>
+        </p:nvSpPr>
+        <p:spPr/>
+        <p:txBody>
+          <a:bodyPr>
+            <a:normAutofit/>
+          </a:bodyPr>
+          <a:lstStyle/>
+          <a:p>
+            <a:pPr lvl="1"/>
+            <a:r>
+              <a:rPr lang="de-DE" dirty="0"/>
+              <a:t>Funktionen einfügen</a:t>
+            </a:r>
+          </a:p>
+          <a:p>
+            <a:pPr lvl="1"/>
+            <a:endParaRPr lang="de-DE" dirty="0"/>
+          </a:p>
+          <a:p>
+            <a:pPr lvl="1"/>
+            <a:r>
+              <a:rPr lang="de-DE" dirty="0"/>
+              <a:t>Server aufsetzten</a:t>
+            </a:r>
+          </a:p>
+          <a:p>
+            <a:pPr lvl="1"/>
+            <a:endParaRPr lang="de-DE" dirty="0"/>
+          </a:p>
+          <a:p>
+            <a:pPr lvl="1"/>
+            <a:r>
+              <a:rPr lang="de-DE" dirty="0"/>
+              <a:t>Datenbank aufbauen</a:t>
+            </a:r>
+          </a:p>
+          <a:p>
+            <a:pPr lvl="1"/>
+            <a:endParaRPr lang="de-DE" dirty="0"/>
+          </a:p>
+        </p:txBody>
+      </p:sp>
+      <p:pic>
+        <p:nvPicPr>
+          <p:cNvPr id="5" name="Grafik 4">
+            <a:extLst>
+              <a:ext uri="{FF2B5EF4-FFF2-40B4-BE49-F238E27FC236}">
+                <a16:creationId xmlns:a16="http://schemas.microsoft.com/office/drawing/2014/main" id="{B7E16C27-D378-4829-A890-B1E9782FCB2F}"/>
+              </a:ext>
+            </a:extLst>
+          </p:cNvPr>
+          <p:cNvPicPr>
+            <a:picLocks noChangeAspect="1"/>
+          </p:cNvPicPr>
+          <p:nvPr/>
+        </p:nvPicPr>
+        <p:blipFill>
+          <a:blip r:embed="rId3">
             <a:extLst>
               <a:ext uri="{28A0092B-C50C-407E-A947-70E740481C1C}">
                 <a14:useLocalDpi xmlns:a14="http://schemas.microsoft.com/office/drawing/2010/main" val="0"/>
@@ -18101,42 +18254,6 @@
       </p:pic>
       <p:pic>
         <p:nvPicPr>
-          <p:cNvPr id="7" name="Grafik 6">
-            <a:extLst>
-              <a:ext uri="{FF2B5EF4-FFF2-40B4-BE49-F238E27FC236}">
-                <a16:creationId xmlns:a16="http://schemas.microsoft.com/office/drawing/2014/main" id="{D69E3AB2-FDF1-4CE2-9130-48554F747CE8}"/>
-              </a:ext>
-            </a:extLst>
-          </p:cNvPr>
-          <p:cNvPicPr>
-            <a:picLocks noChangeAspect="1"/>
-          </p:cNvPicPr>
-          <p:nvPr/>
-        </p:nvPicPr>
-        <p:blipFill>
-          <a:blip r:embed="rId3">
-            <a:extLst>
-              <a:ext uri="{28A0092B-C50C-407E-A947-70E740481C1C}">
-                <a14:useLocalDpi xmlns:a14="http://schemas.microsoft.com/office/drawing/2010/main" val="0"/>
-              </a:ext>
-            </a:extLst>
-          </a:blip>
-          <a:stretch>
-            <a:fillRect/>
-          </a:stretch>
-        </p:blipFill>
-        <p:spPr>
-          <a:xfrm>
-            <a:off x="-5202027" y="5962249"/>
-            <a:ext cx="17394027" cy="895751"/>
-          </a:xfrm>
-          <a:prstGeom prst="rect">
-            <a:avLst/>
-          </a:prstGeom>
-        </p:spPr>
-      </p:pic>
-      <p:pic>
-        <p:nvPicPr>
           <p:cNvPr id="13" name="Grafik 12">
             <a:extLst>
               <a:ext uri="{FF2B5EF4-FFF2-40B4-BE49-F238E27FC236}">
@@ -18171,49 +18288,16 @@
           </a:prstGeom>
         </p:spPr>
       </p:pic>
-      <p:pic>
-        <p:nvPicPr>
-          <p:cNvPr id="12" name="Grafik 11">
-            <a:extLst>
-              <a:ext uri="{FF2B5EF4-FFF2-40B4-BE49-F238E27FC236}">
-                <a16:creationId xmlns:a16="http://schemas.microsoft.com/office/drawing/2014/main" id="{2F16B6CA-B9CA-45AE-8860-4A2A94BC9F8A}"/>
-              </a:ext>
-            </a:extLst>
-          </p:cNvPr>
-          <p:cNvPicPr>
-            <a:picLocks noChangeAspect="1"/>
-          </p:cNvPicPr>
-          <p:nvPr/>
-        </p:nvPicPr>
-        <p:blipFill>
-          <a:blip r:embed="rId5"/>
-          <a:stretch>
-            <a:fillRect/>
-          </a:stretch>
-        </p:blipFill>
-        <p:spPr>
-          <a:xfrm>
-            <a:off x="1975984" y="1401161"/>
-            <a:ext cx="8240032" cy="4561088"/>
-          </a:xfrm>
-          <a:prstGeom prst="rect">
-            <a:avLst/>
-          </a:prstGeom>
-        </p:spPr>
-      </p:pic>
     </p:spTree>
     <p:extLst>
       <p:ext uri="{BB962C8B-B14F-4D97-AF65-F5344CB8AC3E}">
-        <p14:creationId xmlns:p14="http://schemas.microsoft.com/office/powerpoint/2010/main" val="3772222938"/>
+        <p14:creationId xmlns:p14="http://schemas.microsoft.com/office/powerpoint/2010/main" val="2114571369"/>
       </p:ext>
     </p:extLst>
   </p:cSld>
   <p:clrMapOvr>
     <a:masterClrMapping/>
   </p:clrMapOvr>
-  <p:transition spd="slow">
-    <p:push dir="u"/>
-  </p:transition>
 </p:sld>
 </file>
 
@@ -18303,6 +18387,253 @@
       <p:transition/>
     </mc:Fallback>
   </mc:AlternateContent>
+</p:sld>
+</file>
+
+<file path=ppt/slides/slide50.xml><?xml version="1.0" encoding="utf-8"?>
+<p:sld xmlns:a="http://schemas.openxmlformats.org/drawingml/2006/main" xmlns:r="http://schemas.openxmlformats.org/officeDocument/2006/relationships" xmlns:p="http://schemas.openxmlformats.org/presentationml/2006/main">
+  <p:cSld>
+    <p:spTree>
+      <p:nvGrpSpPr>
+        <p:cNvPr id="1" name=""/>
+        <p:cNvGrpSpPr/>
+        <p:nvPr/>
+      </p:nvGrpSpPr>
+      <p:grpSpPr>
+        <a:xfrm>
+          <a:off x="0" y="0"/>
+          <a:ext cx="0" cy="0"/>
+          <a:chOff x="0" y="0"/>
+          <a:chExt cx="0" cy="0"/>
+        </a:xfrm>
+      </p:grpSpPr>
+      <p:pic>
+        <p:nvPicPr>
+          <p:cNvPr id="7" name="Grafik 6">
+            <a:extLst>
+              <a:ext uri="{FF2B5EF4-FFF2-40B4-BE49-F238E27FC236}">
+                <a16:creationId xmlns:a16="http://schemas.microsoft.com/office/drawing/2014/main" id="{D69E3AB2-FDF1-4CE2-9130-48554F747CE8}"/>
+              </a:ext>
+            </a:extLst>
+          </p:cNvPr>
+          <p:cNvPicPr>
+            <a:picLocks noChangeAspect="1"/>
+          </p:cNvPicPr>
+          <p:nvPr/>
+        </p:nvPicPr>
+        <p:blipFill>
+          <a:blip r:embed="rId2">
+            <a:extLst>
+              <a:ext uri="{28A0092B-C50C-407E-A947-70E740481C1C}">
+                <a14:useLocalDpi xmlns:a14="http://schemas.microsoft.com/office/drawing/2010/main" val="0"/>
+              </a:ext>
+            </a:extLst>
+          </a:blip>
+          <a:stretch>
+            <a:fillRect/>
+          </a:stretch>
+        </p:blipFill>
+        <p:spPr>
+          <a:xfrm>
+            <a:off x="-5202027" y="5962249"/>
+            <a:ext cx="17394027" cy="895751"/>
+          </a:xfrm>
+          <a:prstGeom prst="rect">
+            <a:avLst/>
+          </a:prstGeom>
+        </p:spPr>
+      </p:pic>
+      <p:sp>
+        <p:nvSpPr>
+          <p:cNvPr id="4" name="Titel 3">
+            <a:extLst>
+              <a:ext uri="{FF2B5EF4-FFF2-40B4-BE49-F238E27FC236}">
+                <a16:creationId xmlns:a16="http://schemas.microsoft.com/office/drawing/2014/main" id="{87AC8795-F72E-4F53-BACC-C551C2D8316A}"/>
+              </a:ext>
+            </a:extLst>
+          </p:cNvPr>
+          <p:cNvSpPr>
+            <a:spLocks noGrp="1"/>
+          </p:cNvSpPr>
+          <p:nvPr>
+            <p:ph type="title"/>
+          </p:nvPr>
+        </p:nvSpPr>
+        <p:spPr/>
+        <p:txBody>
+          <a:bodyPr/>
+          <a:lstStyle/>
+          <a:p>
+            <a:r>
+              <a:rPr lang="de-DE" dirty="0"/>
+              <a:t>Webservice-Schnittstelle</a:t>
+            </a:r>
+          </a:p>
+        </p:txBody>
+      </p:sp>
+      <p:sp>
+        <p:nvSpPr>
+          <p:cNvPr id="6" name="Inhaltsplatzhalter 5">
+            <a:extLst>
+              <a:ext uri="{FF2B5EF4-FFF2-40B4-BE49-F238E27FC236}">
+                <a16:creationId xmlns:a16="http://schemas.microsoft.com/office/drawing/2014/main" id="{37D42437-95F7-4C64-81D1-F82571A32530}"/>
+              </a:ext>
+            </a:extLst>
+          </p:cNvPr>
+          <p:cNvSpPr>
+            <a:spLocks noGrp="1"/>
+          </p:cNvSpPr>
+          <p:nvPr>
+            <p:ph idx="1"/>
+          </p:nvPr>
+        </p:nvSpPr>
+        <p:spPr/>
+        <p:txBody>
+          <a:bodyPr>
+            <a:normAutofit/>
+          </a:bodyPr>
+          <a:lstStyle/>
+          <a:p>
+            <a:pPr lvl="1"/>
+            <a:endParaRPr lang="de-DE" dirty="0"/>
+          </a:p>
+          <a:p>
+            <a:pPr lvl="1"/>
+            <a:r>
+              <a:rPr lang="de-DE" dirty="0" err="1"/>
+              <a:t>RESTful</a:t>
+            </a:r>
+            <a:r>
+              <a:rPr lang="de-DE" dirty="0"/>
+              <a:t> API mit MEAN</a:t>
+            </a:r>
+          </a:p>
+          <a:p>
+            <a:pPr lvl="2"/>
+            <a:r>
+              <a:rPr lang="de-DE" dirty="0"/>
+              <a:t>Node.js</a:t>
+            </a:r>
+          </a:p>
+          <a:p>
+            <a:pPr lvl="2"/>
+            <a:r>
+              <a:rPr lang="de-DE" dirty="0"/>
+              <a:t>AngularJS</a:t>
+            </a:r>
+          </a:p>
+          <a:p>
+            <a:pPr lvl="2"/>
+            <a:r>
+              <a:rPr lang="de-DE" dirty="0"/>
+              <a:t>Express</a:t>
+            </a:r>
+          </a:p>
+          <a:p>
+            <a:pPr lvl="2"/>
+            <a:r>
+              <a:rPr lang="de-DE" dirty="0"/>
+              <a:t>MongoDB</a:t>
+            </a:r>
+          </a:p>
+          <a:p>
+            <a:pPr lvl="1"/>
+            <a:endParaRPr lang="de-DE" dirty="0"/>
+          </a:p>
+          <a:p>
+            <a:pPr marL="457200" lvl="1" indent="0">
+              <a:buNone/>
+            </a:pPr>
+            <a:endParaRPr lang="de-DE" dirty="0"/>
+          </a:p>
+          <a:p>
+            <a:pPr lvl="1"/>
+            <a:endParaRPr lang="de-DE" dirty="0"/>
+          </a:p>
+        </p:txBody>
+      </p:sp>
+      <p:pic>
+        <p:nvPicPr>
+          <p:cNvPr id="5" name="Grafik 4">
+            <a:extLst>
+              <a:ext uri="{FF2B5EF4-FFF2-40B4-BE49-F238E27FC236}">
+                <a16:creationId xmlns:a16="http://schemas.microsoft.com/office/drawing/2014/main" id="{B7E16C27-D378-4829-A890-B1E9782FCB2F}"/>
+              </a:ext>
+            </a:extLst>
+          </p:cNvPr>
+          <p:cNvPicPr>
+            <a:picLocks noChangeAspect="1"/>
+          </p:cNvPicPr>
+          <p:nvPr/>
+        </p:nvPicPr>
+        <p:blipFill>
+          <a:blip r:embed="rId3">
+            <a:extLst>
+              <a:ext uri="{28A0092B-C50C-407E-A947-70E740481C1C}">
+                <a14:useLocalDpi xmlns:a14="http://schemas.microsoft.com/office/drawing/2010/main" val="0"/>
+              </a:ext>
+            </a:extLst>
+          </a:blip>
+          <a:stretch>
+            <a:fillRect/>
+          </a:stretch>
+        </p:blipFill>
+        <p:spPr>
+          <a:xfrm>
+            <a:off x="0" y="0"/>
+            <a:ext cx="17967158" cy="533400"/>
+          </a:xfrm>
+          <a:prstGeom prst="rect">
+            <a:avLst/>
+          </a:prstGeom>
+        </p:spPr>
+      </p:pic>
+      <p:pic>
+        <p:nvPicPr>
+          <p:cNvPr id="13" name="Grafik 12">
+            <a:extLst>
+              <a:ext uri="{FF2B5EF4-FFF2-40B4-BE49-F238E27FC236}">
+                <a16:creationId xmlns:a16="http://schemas.microsoft.com/office/drawing/2014/main" id="{3F15EF38-607C-4029-BB9B-6A63B2AFF21A}"/>
+              </a:ext>
+            </a:extLst>
+          </p:cNvPr>
+          <p:cNvPicPr>
+            <a:picLocks noChangeAspect="1"/>
+          </p:cNvPicPr>
+          <p:nvPr/>
+        </p:nvPicPr>
+        <p:blipFill>
+          <a:blip r:embed="rId4">
+            <a:extLst>
+              <a:ext uri="{28A0092B-C50C-407E-A947-70E740481C1C}">
+                <a14:useLocalDpi xmlns:a14="http://schemas.microsoft.com/office/drawing/2010/main" val="0"/>
+              </a:ext>
+            </a:extLst>
+          </a:blip>
+          <a:stretch>
+            <a:fillRect/>
+          </a:stretch>
+        </p:blipFill>
+        <p:spPr>
+          <a:xfrm>
+            <a:off x="1247555" y="6410124"/>
+            <a:ext cx="4738488" cy="358976"/>
+          </a:xfrm>
+          <a:prstGeom prst="rect">
+            <a:avLst/>
+          </a:prstGeom>
+        </p:spPr>
+      </p:pic>
+    </p:spTree>
+    <p:extLst>
+      <p:ext uri="{BB962C8B-B14F-4D97-AF65-F5344CB8AC3E}">
+        <p14:creationId xmlns:p14="http://schemas.microsoft.com/office/powerpoint/2010/main" val="94707965"/>
+      </p:ext>
+    </p:extLst>
+  </p:cSld>
+  <p:clrMapOvr>
+    <a:masterClrMapping/>
+  </p:clrMapOvr>
 </p:sld>
 </file>
 

--- a/websitePPneu.pptx
+++ b/websitePPneu.pptx
@@ -18196,7 +18196,7 @@
             <a:pPr lvl="1"/>
             <a:r>
               <a:rPr lang="de-DE" dirty="0"/>
-              <a:t>Server aufsetzten</a:t>
+              <a:t>Server aufsetzen</a:t>
             </a:r>
           </a:p>
           <a:p>

--- a/websitePPneu.pptx
+++ b/websitePPneu.pptx
@@ -11992,26 +11992,10 @@
           <a:lstStyle/>
           <a:p>
             <a:r>
-              <a:rPr lang="de-DE" dirty="0"/>
-              <a:t>Nachhilfe</a:t>
-            </a:r>
-          </a:p>
-          <a:p>
-            <a:pPr lvl="1"/>
-            <a:r>
-              <a:rPr lang="de-DE" dirty="0"/>
-              <a:t>Aufgabensammlung</a:t>
-            </a:r>
-          </a:p>
-          <a:p>
-            <a:pPr lvl="1"/>
+              <a:rPr lang="de-DE"/>
+              <a:t>Header</a:t>
+            </a:r>
             <a:endParaRPr lang="de-DE" dirty="0"/>
-          </a:p>
-          <a:p>
-            <a:r>
-              <a:rPr lang="de-DE" dirty="0"/>
-              <a:t>Header</a:t>
-            </a:r>
           </a:p>
           <a:p>
             <a:pPr lvl="1"/>

--- a/websitePPneu.pptx
+++ b/websitePPneu.pptx
@@ -6,7 +6,7 @@
     <p:sldMasterId id="2147483660" r:id="rId2"/>
   </p:sldMasterIdLst>
   <p:notesMasterIdLst>
-    <p:notesMasterId r:id="rId46"/>
+    <p:notesMasterId r:id="rId45"/>
   </p:notesMasterIdLst>
   <p:sldIdLst>
     <p:sldId id="269" r:id="rId3"/>
@@ -31,27 +31,26 @@
     <p:sldId id="287" r:id="rId22"/>
     <p:sldId id="299" r:id="rId23"/>
     <p:sldId id="300" r:id="rId24"/>
-    <p:sldId id="288" r:id="rId25"/>
-    <p:sldId id="301" r:id="rId26"/>
-    <p:sldId id="290" r:id="rId27"/>
-    <p:sldId id="279" r:id="rId28"/>
-    <p:sldId id="322" r:id="rId29"/>
-    <p:sldId id="302" r:id="rId30"/>
-    <p:sldId id="303" r:id="rId31"/>
-    <p:sldId id="291" r:id="rId32"/>
-    <p:sldId id="304" r:id="rId33"/>
-    <p:sldId id="280" r:id="rId34"/>
-    <p:sldId id="323" r:id="rId35"/>
-    <p:sldId id="306" r:id="rId36"/>
-    <p:sldId id="305" r:id="rId37"/>
-    <p:sldId id="292" r:id="rId38"/>
-    <p:sldId id="307" r:id="rId39"/>
-    <p:sldId id="296" r:id="rId40"/>
-    <p:sldId id="308" r:id="rId41"/>
-    <p:sldId id="309" r:id="rId42"/>
-    <p:sldId id="324" r:id="rId43"/>
-    <p:sldId id="325" r:id="rId44"/>
-    <p:sldId id="326" r:id="rId45"/>
+    <p:sldId id="301" r:id="rId25"/>
+    <p:sldId id="290" r:id="rId26"/>
+    <p:sldId id="279" r:id="rId27"/>
+    <p:sldId id="322" r:id="rId28"/>
+    <p:sldId id="302" r:id="rId29"/>
+    <p:sldId id="303" r:id="rId30"/>
+    <p:sldId id="291" r:id="rId31"/>
+    <p:sldId id="304" r:id="rId32"/>
+    <p:sldId id="280" r:id="rId33"/>
+    <p:sldId id="323" r:id="rId34"/>
+    <p:sldId id="306" r:id="rId35"/>
+    <p:sldId id="305" r:id="rId36"/>
+    <p:sldId id="292" r:id="rId37"/>
+    <p:sldId id="307" r:id="rId38"/>
+    <p:sldId id="296" r:id="rId39"/>
+    <p:sldId id="308" r:id="rId40"/>
+    <p:sldId id="309" r:id="rId41"/>
+    <p:sldId id="324" r:id="rId42"/>
+    <p:sldId id="325" r:id="rId43"/>
+    <p:sldId id="326" r:id="rId44"/>
   </p:sldIdLst>
   <p:sldSz cx="12192000" cy="6858000"/>
   <p:notesSz cx="6858000" cy="9144000"/>
@@ -11772,226 +11771,6 @@
           <a:lstStyle/>
           <a:p>
             <a:r>
-              <a:rPr lang="de-DE" dirty="0"/>
-              <a:t>Nachhilfe</a:t>
-            </a:r>
-          </a:p>
-          <a:p>
-            <a:pPr lvl="1"/>
-            <a:r>
-              <a:rPr lang="de-DE" dirty="0"/>
-              <a:t>Aufgabensammlung</a:t>
-            </a:r>
-          </a:p>
-          <a:p>
-            <a:pPr lvl="1"/>
-            <a:endParaRPr lang="de-DE" dirty="0"/>
-          </a:p>
-          <a:p>
-            <a:pPr lvl="2"/>
-            <a:endParaRPr lang="de-DE" dirty="0"/>
-          </a:p>
-          <a:p>
-            <a:pPr lvl="2"/>
-            <a:endParaRPr lang="de-DE" dirty="0"/>
-          </a:p>
-          <a:p>
-            <a:pPr lvl="2"/>
-            <a:endParaRPr lang="de-DE" dirty="0"/>
-          </a:p>
-          <a:p>
-            <a:endParaRPr lang="de-DE" dirty="0"/>
-          </a:p>
-        </p:txBody>
-      </p:sp>
-      <p:pic>
-        <p:nvPicPr>
-          <p:cNvPr id="5" name="Grafik 4">
-            <a:extLst>
-              <a:ext uri="{FF2B5EF4-FFF2-40B4-BE49-F238E27FC236}">
-                <a16:creationId xmlns:a16="http://schemas.microsoft.com/office/drawing/2014/main" id="{B7E16C27-D378-4829-A890-B1E9782FCB2F}"/>
-              </a:ext>
-            </a:extLst>
-          </p:cNvPr>
-          <p:cNvPicPr>
-            <a:picLocks noChangeAspect="1"/>
-          </p:cNvPicPr>
-          <p:nvPr/>
-        </p:nvPicPr>
-        <p:blipFill>
-          <a:blip r:embed="rId2">
-            <a:extLst>
-              <a:ext uri="{28A0092B-C50C-407E-A947-70E740481C1C}">
-                <a14:useLocalDpi xmlns:a14="http://schemas.microsoft.com/office/drawing/2010/main" val="0"/>
-              </a:ext>
-            </a:extLst>
-          </a:blip>
-          <a:stretch>
-            <a:fillRect/>
-          </a:stretch>
-        </p:blipFill>
-        <p:spPr>
-          <a:xfrm>
-            <a:off x="0" y="0"/>
-            <a:ext cx="17967158" cy="533400"/>
-          </a:xfrm>
-          <a:prstGeom prst="rect">
-            <a:avLst/>
-          </a:prstGeom>
-        </p:spPr>
-      </p:pic>
-      <p:pic>
-        <p:nvPicPr>
-          <p:cNvPr id="7" name="Grafik 6">
-            <a:extLst>
-              <a:ext uri="{FF2B5EF4-FFF2-40B4-BE49-F238E27FC236}">
-                <a16:creationId xmlns:a16="http://schemas.microsoft.com/office/drawing/2014/main" id="{D69E3AB2-FDF1-4CE2-9130-48554F747CE8}"/>
-              </a:ext>
-            </a:extLst>
-          </p:cNvPr>
-          <p:cNvPicPr>
-            <a:picLocks noChangeAspect="1"/>
-          </p:cNvPicPr>
-          <p:nvPr/>
-        </p:nvPicPr>
-        <p:blipFill>
-          <a:blip r:embed="rId3">
-            <a:extLst>
-              <a:ext uri="{28A0092B-C50C-407E-A947-70E740481C1C}">
-                <a14:useLocalDpi xmlns:a14="http://schemas.microsoft.com/office/drawing/2010/main" val="0"/>
-              </a:ext>
-            </a:extLst>
-          </a:blip>
-          <a:stretch>
-            <a:fillRect/>
-          </a:stretch>
-        </p:blipFill>
-        <p:spPr>
-          <a:xfrm>
-            <a:off x="-5202027" y="5962249"/>
-            <a:ext cx="17394027" cy="895751"/>
-          </a:xfrm>
-          <a:prstGeom prst="rect">
-            <a:avLst/>
-          </a:prstGeom>
-        </p:spPr>
-      </p:pic>
-      <p:pic>
-        <p:nvPicPr>
-          <p:cNvPr id="13" name="Grafik 12">
-            <a:extLst>
-              <a:ext uri="{FF2B5EF4-FFF2-40B4-BE49-F238E27FC236}">
-                <a16:creationId xmlns:a16="http://schemas.microsoft.com/office/drawing/2014/main" id="{3F15EF38-607C-4029-BB9B-6A63B2AFF21A}"/>
-              </a:ext>
-            </a:extLst>
-          </p:cNvPr>
-          <p:cNvPicPr>
-            <a:picLocks noChangeAspect="1"/>
-          </p:cNvPicPr>
-          <p:nvPr/>
-        </p:nvPicPr>
-        <p:blipFill>
-          <a:blip r:embed="rId4">
-            <a:extLst>
-              <a:ext uri="{28A0092B-C50C-407E-A947-70E740481C1C}">
-                <a14:useLocalDpi xmlns:a14="http://schemas.microsoft.com/office/drawing/2010/main" val="0"/>
-              </a:ext>
-            </a:extLst>
-          </a:blip>
-          <a:stretch>
-            <a:fillRect/>
-          </a:stretch>
-        </p:blipFill>
-        <p:spPr>
-          <a:xfrm>
-            <a:off x="1247555" y="6410124"/>
-            <a:ext cx="4738488" cy="358976"/>
-          </a:xfrm>
-          <a:prstGeom prst="rect">
-            <a:avLst/>
-          </a:prstGeom>
-        </p:spPr>
-      </p:pic>
-    </p:spTree>
-    <p:extLst>
-      <p:ext uri="{BB962C8B-B14F-4D97-AF65-F5344CB8AC3E}">
-        <p14:creationId xmlns:p14="http://schemas.microsoft.com/office/powerpoint/2010/main" val="4163308399"/>
-      </p:ext>
-    </p:extLst>
-  </p:cSld>
-  <p:clrMapOvr>
-    <a:masterClrMapping/>
-  </p:clrMapOvr>
-</p:sld>
-</file>
-
-<file path=ppt/slides/slide24.xml><?xml version="1.0" encoding="utf-8"?>
-<p:sld xmlns:a="http://schemas.openxmlformats.org/drawingml/2006/main" xmlns:r="http://schemas.openxmlformats.org/officeDocument/2006/relationships" xmlns:p="http://schemas.openxmlformats.org/presentationml/2006/main">
-  <p:cSld>
-    <p:spTree>
-      <p:nvGrpSpPr>
-        <p:cNvPr id="1" name=""/>
-        <p:cNvGrpSpPr/>
-        <p:nvPr/>
-      </p:nvGrpSpPr>
-      <p:grpSpPr>
-        <a:xfrm>
-          <a:off x="0" y="0"/>
-          <a:ext cx="0" cy="0"/>
-          <a:chOff x="0" y="0"/>
-          <a:chExt cx="0" cy="0"/>
-        </a:xfrm>
-      </p:grpSpPr>
-      <p:sp>
-        <p:nvSpPr>
-          <p:cNvPr id="4" name="Titel 3">
-            <a:extLst>
-              <a:ext uri="{FF2B5EF4-FFF2-40B4-BE49-F238E27FC236}">
-                <a16:creationId xmlns:a16="http://schemas.microsoft.com/office/drawing/2014/main" id="{87AC8795-F72E-4F53-BACC-C551C2D8316A}"/>
-              </a:ext>
-            </a:extLst>
-          </p:cNvPr>
-          <p:cNvSpPr>
-            <a:spLocks noGrp="1"/>
-          </p:cNvSpPr>
-          <p:nvPr>
-            <p:ph type="title"/>
-          </p:nvPr>
-        </p:nvSpPr>
-        <p:spPr/>
-        <p:txBody>
-          <a:bodyPr/>
-          <a:lstStyle/>
-          <a:p>
-            <a:r>
-              <a:rPr lang="de-DE" dirty="0"/>
-              <a:t>Architektur der Plattform</a:t>
-            </a:r>
-          </a:p>
-        </p:txBody>
-      </p:sp>
-      <p:sp>
-        <p:nvSpPr>
-          <p:cNvPr id="6" name="Inhaltsplatzhalter 5">
-            <a:extLst>
-              <a:ext uri="{FF2B5EF4-FFF2-40B4-BE49-F238E27FC236}">
-                <a16:creationId xmlns:a16="http://schemas.microsoft.com/office/drawing/2014/main" id="{37D42437-95F7-4C64-81D1-F82571A32530}"/>
-              </a:ext>
-            </a:extLst>
-          </p:cNvPr>
-          <p:cNvSpPr>
-            <a:spLocks noGrp="1"/>
-          </p:cNvSpPr>
-          <p:nvPr>
-            <p:ph idx="1"/>
-          </p:nvPr>
-        </p:nvSpPr>
-        <p:spPr/>
-        <p:txBody>
-          <a:bodyPr/>
-          <a:lstStyle/>
-          <a:p>
-            <a:r>
               <a:rPr lang="de-DE"/>
               <a:t>Header</a:t>
             </a:r>
@@ -12177,7 +11956,7 @@
 </p:sld>
 </file>
 
-<file path=ppt/slides/slide25.xml><?xml version="1.0" encoding="utf-8"?>
+<file path=ppt/slides/slide24.xml><?xml version="1.0" encoding="utf-8"?>
 <p:sld xmlns:a="http://schemas.openxmlformats.org/drawingml/2006/main" xmlns:r="http://schemas.openxmlformats.org/officeDocument/2006/relationships" xmlns:p="http://schemas.openxmlformats.org/presentationml/2006/main">
   <p:cSld>
     <p:spTree>
@@ -12351,7 +12130,7 @@
 </p:sld>
 </file>
 
-<file path=ppt/slides/slide26.xml><?xml version="1.0" encoding="utf-8"?>
+<file path=ppt/slides/slide25.xml><?xml version="1.0" encoding="utf-8"?>
 <p:sld xmlns:a="http://schemas.openxmlformats.org/drawingml/2006/main" xmlns:r="http://schemas.openxmlformats.org/officeDocument/2006/relationships" xmlns:p="http://schemas.openxmlformats.org/presentationml/2006/main">
   <p:cSld>
     <p:spTree>
@@ -12549,7 +12328,7 @@
 </p:sld>
 </file>
 
-<file path=ppt/slides/slide27.xml><?xml version="1.0" encoding="utf-8"?>
+<file path=ppt/slides/slide26.xml><?xml version="1.0" encoding="utf-8"?>
 <p:sld xmlns:a="http://schemas.openxmlformats.org/drawingml/2006/main" xmlns:r="http://schemas.openxmlformats.org/officeDocument/2006/relationships" xmlns:p="http://schemas.openxmlformats.org/presentationml/2006/main">
   <p:cSld>
     <p:spTree>
@@ -12757,7 +12536,7 @@
 </p:sld>
 </file>
 
-<file path=ppt/slides/slide28.xml><?xml version="1.0" encoding="utf-8"?>
+<file path=ppt/slides/slide27.xml><?xml version="1.0" encoding="utf-8"?>
 <p:sld xmlns:a="http://schemas.openxmlformats.org/drawingml/2006/main" xmlns:r="http://schemas.openxmlformats.org/officeDocument/2006/relationships" xmlns:p="http://schemas.openxmlformats.org/presentationml/2006/main">
   <p:cSld>
     <p:spTree>
@@ -12987,7 +12766,7 @@
 </p:sld>
 </file>
 
-<file path=ppt/slides/slide29.xml><?xml version="1.0" encoding="utf-8"?>
+<file path=ppt/slides/slide28.xml><?xml version="1.0" encoding="utf-8"?>
 <p:sld xmlns:a="http://schemas.openxmlformats.org/drawingml/2006/main" xmlns:r="http://schemas.openxmlformats.org/officeDocument/2006/relationships" xmlns:p="http://schemas.openxmlformats.org/presentationml/2006/main">
   <p:cSld>
     <p:spTree>
@@ -13221,6 +13000,218 @@
     <p:extLst>
       <p:ext uri="{BB962C8B-B14F-4D97-AF65-F5344CB8AC3E}">
         <p14:creationId xmlns:p14="http://schemas.microsoft.com/office/powerpoint/2010/main" val="1122238125"/>
+      </p:ext>
+    </p:extLst>
+  </p:cSld>
+  <p:clrMapOvr>
+    <a:masterClrMapping/>
+  </p:clrMapOvr>
+</p:sld>
+</file>
+
+<file path=ppt/slides/slide29.xml><?xml version="1.0" encoding="utf-8"?>
+<p:sld xmlns:a="http://schemas.openxmlformats.org/drawingml/2006/main" xmlns:r="http://schemas.openxmlformats.org/officeDocument/2006/relationships" xmlns:p="http://schemas.openxmlformats.org/presentationml/2006/main">
+  <p:cSld>
+    <p:spTree>
+      <p:nvGrpSpPr>
+        <p:cNvPr id="1" name=""/>
+        <p:cNvGrpSpPr/>
+        <p:nvPr/>
+      </p:nvGrpSpPr>
+      <p:grpSpPr>
+        <a:xfrm>
+          <a:off x="0" y="0"/>
+          <a:ext cx="0" cy="0"/>
+          <a:chOff x="0" y="0"/>
+          <a:chExt cx="0" cy="0"/>
+        </a:xfrm>
+      </p:grpSpPr>
+      <p:sp>
+        <p:nvSpPr>
+          <p:cNvPr id="4" name="Titel 3">
+            <a:extLst>
+              <a:ext uri="{FF2B5EF4-FFF2-40B4-BE49-F238E27FC236}">
+                <a16:creationId xmlns:a16="http://schemas.microsoft.com/office/drawing/2014/main" id="{87AC8795-F72E-4F53-BACC-C551C2D8316A}"/>
+              </a:ext>
+            </a:extLst>
+          </p:cNvPr>
+          <p:cNvSpPr>
+            <a:spLocks noGrp="1"/>
+          </p:cNvSpPr>
+          <p:nvPr>
+            <p:ph type="title"/>
+          </p:nvPr>
+        </p:nvSpPr>
+        <p:spPr/>
+        <p:txBody>
+          <a:bodyPr/>
+          <a:lstStyle/>
+          <a:p>
+            <a:r>
+              <a:rPr lang="de-DE" dirty="0"/>
+              <a:t>Navigationsprinzip</a:t>
+            </a:r>
+          </a:p>
+        </p:txBody>
+      </p:sp>
+      <p:sp>
+        <p:nvSpPr>
+          <p:cNvPr id="6" name="Inhaltsplatzhalter 5">
+            <a:extLst>
+              <a:ext uri="{FF2B5EF4-FFF2-40B4-BE49-F238E27FC236}">
+                <a16:creationId xmlns:a16="http://schemas.microsoft.com/office/drawing/2014/main" id="{37D42437-95F7-4C64-81D1-F82571A32530}"/>
+              </a:ext>
+            </a:extLst>
+          </p:cNvPr>
+          <p:cNvSpPr>
+            <a:spLocks noGrp="1"/>
+          </p:cNvSpPr>
+          <p:nvPr>
+            <p:ph idx="1"/>
+          </p:nvPr>
+        </p:nvSpPr>
+        <p:spPr/>
+        <p:txBody>
+          <a:bodyPr/>
+          <a:lstStyle/>
+          <a:p>
+            <a:r>
+              <a:rPr lang="de-DE" dirty="0"/>
+              <a:t>Position im Header</a:t>
+            </a:r>
+          </a:p>
+          <a:p>
+            <a:pPr lvl="1"/>
+            <a:r>
+              <a:rPr lang="de-DE" dirty="0"/>
+              <a:t>Markiert aktuelles Thema im Header </a:t>
+            </a:r>
+          </a:p>
+          <a:p>
+            <a:endParaRPr lang="de-DE" dirty="0"/>
+          </a:p>
+          <a:p>
+            <a:pPr lvl="1"/>
+            <a:endParaRPr lang="de-DE" dirty="0"/>
+          </a:p>
+          <a:p>
+            <a:pPr lvl="1"/>
+            <a:endParaRPr lang="de-DE" dirty="0"/>
+          </a:p>
+        </p:txBody>
+      </p:sp>
+      <p:pic>
+        <p:nvPicPr>
+          <p:cNvPr id="5" name="Grafik 4">
+            <a:extLst>
+              <a:ext uri="{FF2B5EF4-FFF2-40B4-BE49-F238E27FC236}">
+                <a16:creationId xmlns:a16="http://schemas.microsoft.com/office/drawing/2014/main" id="{B7E16C27-D378-4829-A890-B1E9782FCB2F}"/>
+              </a:ext>
+            </a:extLst>
+          </p:cNvPr>
+          <p:cNvPicPr>
+            <a:picLocks noChangeAspect="1"/>
+          </p:cNvPicPr>
+          <p:nvPr/>
+        </p:nvPicPr>
+        <p:blipFill>
+          <a:blip r:embed="rId2">
+            <a:extLst>
+              <a:ext uri="{28A0092B-C50C-407E-A947-70E740481C1C}">
+                <a14:useLocalDpi xmlns:a14="http://schemas.microsoft.com/office/drawing/2010/main" val="0"/>
+              </a:ext>
+            </a:extLst>
+          </a:blip>
+          <a:stretch>
+            <a:fillRect/>
+          </a:stretch>
+        </p:blipFill>
+        <p:spPr>
+          <a:xfrm>
+            <a:off x="0" y="0"/>
+            <a:ext cx="17967158" cy="533400"/>
+          </a:xfrm>
+          <a:prstGeom prst="rect">
+            <a:avLst/>
+          </a:prstGeom>
+        </p:spPr>
+      </p:pic>
+      <p:pic>
+        <p:nvPicPr>
+          <p:cNvPr id="7" name="Grafik 6">
+            <a:extLst>
+              <a:ext uri="{FF2B5EF4-FFF2-40B4-BE49-F238E27FC236}">
+                <a16:creationId xmlns:a16="http://schemas.microsoft.com/office/drawing/2014/main" id="{D69E3AB2-FDF1-4CE2-9130-48554F747CE8}"/>
+              </a:ext>
+            </a:extLst>
+          </p:cNvPr>
+          <p:cNvPicPr>
+            <a:picLocks noChangeAspect="1"/>
+          </p:cNvPicPr>
+          <p:nvPr/>
+        </p:nvPicPr>
+        <p:blipFill>
+          <a:blip r:embed="rId3">
+            <a:extLst>
+              <a:ext uri="{28A0092B-C50C-407E-A947-70E740481C1C}">
+                <a14:useLocalDpi xmlns:a14="http://schemas.microsoft.com/office/drawing/2010/main" val="0"/>
+              </a:ext>
+            </a:extLst>
+          </a:blip>
+          <a:stretch>
+            <a:fillRect/>
+          </a:stretch>
+        </p:blipFill>
+        <p:spPr>
+          <a:xfrm>
+            <a:off x="-5202027" y="5962249"/>
+            <a:ext cx="17394027" cy="895751"/>
+          </a:xfrm>
+          <a:prstGeom prst="rect">
+            <a:avLst/>
+          </a:prstGeom>
+        </p:spPr>
+      </p:pic>
+      <p:pic>
+        <p:nvPicPr>
+          <p:cNvPr id="13" name="Grafik 12">
+            <a:extLst>
+              <a:ext uri="{FF2B5EF4-FFF2-40B4-BE49-F238E27FC236}">
+                <a16:creationId xmlns:a16="http://schemas.microsoft.com/office/drawing/2014/main" id="{3F15EF38-607C-4029-BB9B-6A63B2AFF21A}"/>
+              </a:ext>
+            </a:extLst>
+          </p:cNvPr>
+          <p:cNvPicPr>
+            <a:picLocks noChangeAspect="1"/>
+          </p:cNvPicPr>
+          <p:nvPr/>
+        </p:nvPicPr>
+        <p:blipFill>
+          <a:blip r:embed="rId4">
+            <a:extLst>
+              <a:ext uri="{28A0092B-C50C-407E-A947-70E740481C1C}">
+                <a14:useLocalDpi xmlns:a14="http://schemas.microsoft.com/office/drawing/2010/main" val="0"/>
+              </a:ext>
+            </a:extLst>
+          </a:blip>
+          <a:stretch>
+            <a:fillRect/>
+          </a:stretch>
+        </p:blipFill>
+        <p:spPr>
+          <a:xfrm>
+            <a:off x="1247555" y="6410124"/>
+            <a:ext cx="4738488" cy="358976"/>
+          </a:xfrm>
+          <a:prstGeom prst="rect">
+            <a:avLst/>
+          </a:prstGeom>
+        </p:spPr>
+      </p:pic>
+    </p:spTree>
+    <p:extLst>
+      <p:ext uri="{BB962C8B-B14F-4D97-AF65-F5344CB8AC3E}">
+        <p14:creationId xmlns:p14="http://schemas.microsoft.com/office/powerpoint/2010/main" val="882985951"/>
       </p:ext>
     </p:extLst>
   </p:cSld>
@@ -13418,218 +13409,6 @@
             <a:endParaRPr lang="de-DE" dirty="0"/>
           </a:p>
           <a:p>
-            <a:pPr lvl="1"/>
-            <a:endParaRPr lang="de-DE" dirty="0"/>
-          </a:p>
-          <a:p>
-            <a:pPr lvl="1"/>
-            <a:endParaRPr lang="de-DE" dirty="0"/>
-          </a:p>
-        </p:txBody>
-      </p:sp>
-      <p:pic>
-        <p:nvPicPr>
-          <p:cNvPr id="5" name="Grafik 4">
-            <a:extLst>
-              <a:ext uri="{FF2B5EF4-FFF2-40B4-BE49-F238E27FC236}">
-                <a16:creationId xmlns:a16="http://schemas.microsoft.com/office/drawing/2014/main" id="{B7E16C27-D378-4829-A890-B1E9782FCB2F}"/>
-              </a:ext>
-            </a:extLst>
-          </p:cNvPr>
-          <p:cNvPicPr>
-            <a:picLocks noChangeAspect="1"/>
-          </p:cNvPicPr>
-          <p:nvPr/>
-        </p:nvPicPr>
-        <p:blipFill>
-          <a:blip r:embed="rId2">
-            <a:extLst>
-              <a:ext uri="{28A0092B-C50C-407E-A947-70E740481C1C}">
-                <a14:useLocalDpi xmlns:a14="http://schemas.microsoft.com/office/drawing/2010/main" val="0"/>
-              </a:ext>
-            </a:extLst>
-          </a:blip>
-          <a:stretch>
-            <a:fillRect/>
-          </a:stretch>
-        </p:blipFill>
-        <p:spPr>
-          <a:xfrm>
-            <a:off x="0" y="0"/>
-            <a:ext cx="17967158" cy="533400"/>
-          </a:xfrm>
-          <a:prstGeom prst="rect">
-            <a:avLst/>
-          </a:prstGeom>
-        </p:spPr>
-      </p:pic>
-      <p:pic>
-        <p:nvPicPr>
-          <p:cNvPr id="7" name="Grafik 6">
-            <a:extLst>
-              <a:ext uri="{FF2B5EF4-FFF2-40B4-BE49-F238E27FC236}">
-                <a16:creationId xmlns:a16="http://schemas.microsoft.com/office/drawing/2014/main" id="{D69E3AB2-FDF1-4CE2-9130-48554F747CE8}"/>
-              </a:ext>
-            </a:extLst>
-          </p:cNvPr>
-          <p:cNvPicPr>
-            <a:picLocks noChangeAspect="1"/>
-          </p:cNvPicPr>
-          <p:nvPr/>
-        </p:nvPicPr>
-        <p:blipFill>
-          <a:blip r:embed="rId3">
-            <a:extLst>
-              <a:ext uri="{28A0092B-C50C-407E-A947-70E740481C1C}">
-                <a14:useLocalDpi xmlns:a14="http://schemas.microsoft.com/office/drawing/2010/main" val="0"/>
-              </a:ext>
-            </a:extLst>
-          </a:blip>
-          <a:stretch>
-            <a:fillRect/>
-          </a:stretch>
-        </p:blipFill>
-        <p:spPr>
-          <a:xfrm>
-            <a:off x="-5202027" y="5962249"/>
-            <a:ext cx="17394027" cy="895751"/>
-          </a:xfrm>
-          <a:prstGeom prst="rect">
-            <a:avLst/>
-          </a:prstGeom>
-        </p:spPr>
-      </p:pic>
-      <p:pic>
-        <p:nvPicPr>
-          <p:cNvPr id="13" name="Grafik 12">
-            <a:extLst>
-              <a:ext uri="{FF2B5EF4-FFF2-40B4-BE49-F238E27FC236}">
-                <a16:creationId xmlns:a16="http://schemas.microsoft.com/office/drawing/2014/main" id="{3F15EF38-607C-4029-BB9B-6A63B2AFF21A}"/>
-              </a:ext>
-            </a:extLst>
-          </p:cNvPr>
-          <p:cNvPicPr>
-            <a:picLocks noChangeAspect="1"/>
-          </p:cNvPicPr>
-          <p:nvPr/>
-        </p:nvPicPr>
-        <p:blipFill>
-          <a:blip r:embed="rId4">
-            <a:extLst>
-              <a:ext uri="{28A0092B-C50C-407E-A947-70E740481C1C}">
-                <a14:useLocalDpi xmlns:a14="http://schemas.microsoft.com/office/drawing/2010/main" val="0"/>
-              </a:ext>
-            </a:extLst>
-          </a:blip>
-          <a:stretch>
-            <a:fillRect/>
-          </a:stretch>
-        </p:blipFill>
-        <p:spPr>
-          <a:xfrm>
-            <a:off x="1247555" y="6410124"/>
-            <a:ext cx="4738488" cy="358976"/>
-          </a:xfrm>
-          <a:prstGeom prst="rect">
-            <a:avLst/>
-          </a:prstGeom>
-        </p:spPr>
-      </p:pic>
-    </p:spTree>
-    <p:extLst>
-      <p:ext uri="{BB962C8B-B14F-4D97-AF65-F5344CB8AC3E}">
-        <p14:creationId xmlns:p14="http://schemas.microsoft.com/office/powerpoint/2010/main" val="882985951"/>
-      </p:ext>
-    </p:extLst>
-  </p:cSld>
-  <p:clrMapOvr>
-    <a:masterClrMapping/>
-  </p:clrMapOvr>
-</p:sld>
-</file>
-
-<file path=ppt/slides/slide31.xml><?xml version="1.0" encoding="utf-8"?>
-<p:sld xmlns:a="http://schemas.openxmlformats.org/drawingml/2006/main" xmlns:r="http://schemas.openxmlformats.org/officeDocument/2006/relationships" xmlns:p="http://schemas.openxmlformats.org/presentationml/2006/main">
-  <p:cSld>
-    <p:spTree>
-      <p:nvGrpSpPr>
-        <p:cNvPr id="1" name=""/>
-        <p:cNvGrpSpPr/>
-        <p:nvPr/>
-      </p:nvGrpSpPr>
-      <p:grpSpPr>
-        <a:xfrm>
-          <a:off x="0" y="0"/>
-          <a:ext cx="0" cy="0"/>
-          <a:chOff x="0" y="0"/>
-          <a:chExt cx="0" cy="0"/>
-        </a:xfrm>
-      </p:grpSpPr>
-      <p:sp>
-        <p:nvSpPr>
-          <p:cNvPr id="4" name="Titel 3">
-            <a:extLst>
-              <a:ext uri="{FF2B5EF4-FFF2-40B4-BE49-F238E27FC236}">
-                <a16:creationId xmlns:a16="http://schemas.microsoft.com/office/drawing/2014/main" id="{87AC8795-F72E-4F53-BACC-C551C2D8316A}"/>
-              </a:ext>
-            </a:extLst>
-          </p:cNvPr>
-          <p:cNvSpPr>
-            <a:spLocks noGrp="1"/>
-          </p:cNvSpPr>
-          <p:nvPr>
-            <p:ph type="title"/>
-          </p:nvPr>
-        </p:nvSpPr>
-        <p:spPr/>
-        <p:txBody>
-          <a:bodyPr/>
-          <a:lstStyle/>
-          <a:p>
-            <a:r>
-              <a:rPr lang="de-DE" dirty="0"/>
-              <a:t>Navigationsprinzip</a:t>
-            </a:r>
-          </a:p>
-        </p:txBody>
-      </p:sp>
-      <p:sp>
-        <p:nvSpPr>
-          <p:cNvPr id="6" name="Inhaltsplatzhalter 5">
-            <a:extLst>
-              <a:ext uri="{FF2B5EF4-FFF2-40B4-BE49-F238E27FC236}">
-                <a16:creationId xmlns:a16="http://schemas.microsoft.com/office/drawing/2014/main" id="{37D42437-95F7-4C64-81D1-F82571A32530}"/>
-              </a:ext>
-            </a:extLst>
-          </p:cNvPr>
-          <p:cNvSpPr>
-            <a:spLocks noGrp="1"/>
-          </p:cNvSpPr>
-          <p:nvPr>
-            <p:ph idx="1"/>
-          </p:nvPr>
-        </p:nvSpPr>
-        <p:spPr/>
-        <p:txBody>
-          <a:bodyPr/>
-          <a:lstStyle/>
-          <a:p>
-            <a:r>
-              <a:rPr lang="de-DE" dirty="0"/>
-              <a:t>Position im Header</a:t>
-            </a:r>
-          </a:p>
-          <a:p>
-            <a:pPr lvl="1"/>
-            <a:r>
-              <a:rPr lang="de-DE" dirty="0"/>
-              <a:t>Markiert aktuelles Thema im Header </a:t>
-            </a:r>
-          </a:p>
-          <a:p>
-            <a:endParaRPr lang="de-DE" dirty="0"/>
-          </a:p>
-          <a:p>
             <a:r>
               <a:rPr lang="de-DE" dirty="0"/>
               <a:t>Interne Links</a:t>
@@ -13773,7 +13552,7 @@
 </p:sld>
 </file>
 
-<file path=ppt/slides/slide32.xml><?xml version="1.0" encoding="utf-8"?>
+<file path=ppt/slides/slide31.xml><?xml version="1.0" encoding="utf-8"?>
 <p:sld xmlns:a="http://schemas.openxmlformats.org/drawingml/2006/main" xmlns:r="http://schemas.openxmlformats.org/officeDocument/2006/relationships" xmlns:p="http://schemas.openxmlformats.org/presentationml/2006/main">
   <p:cSld>
     <p:spTree>
@@ -13976,7 +13755,7 @@
 </p:sld>
 </file>
 
-<file path=ppt/slides/slide33.xml><?xml version="1.0" encoding="utf-8"?>
+<file path=ppt/slides/slide32.xml><?xml version="1.0" encoding="utf-8"?>
 <p:sld xmlns:a="http://schemas.openxmlformats.org/drawingml/2006/main" xmlns:r="http://schemas.openxmlformats.org/officeDocument/2006/relationships" xmlns:p="http://schemas.openxmlformats.org/presentationml/2006/main">
   <p:cSld>
     <p:spTree>
@@ -14189,7 +13968,7 @@
 </p:sld>
 </file>
 
-<file path=ppt/slides/slide34.xml><?xml version="1.0" encoding="utf-8"?>
+<file path=ppt/slides/slide33.xml><?xml version="1.0" encoding="utf-8"?>
 <p:sld xmlns:a="http://schemas.openxmlformats.org/drawingml/2006/main" xmlns:r="http://schemas.openxmlformats.org/officeDocument/2006/relationships" xmlns:p="http://schemas.openxmlformats.org/presentationml/2006/main">
   <p:cSld>
     <p:spTree>
@@ -14415,7 +14194,7 @@
 </p:sld>
 </file>
 
-<file path=ppt/slides/slide35.xml><?xml version="1.0" encoding="utf-8"?>
+<file path=ppt/slides/slide34.xml><?xml version="1.0" encoding="utf-8"?>
 <p:sld xmlns:a="http://schemas.openxmlformats.org/drawingml/2006/main" xmlns:r="http://schemas.openxmlformats.org/officeDocument/2006/relationships" xmlns:p="http://schemas.openxmlformats.org/presentationml/2006/main">
   <p:cSld>
     <p:spTree>
@@ -14660,7 +14439,7 @@
 </p:sld>
 </file>
 
-<file path=ppt/slides/slide36.xml><?xml version="1.0" encoding="utf-8"?>
+<file path=ppt/slides/slide35.xml><?xml version="1.0" encoding="utf-8"?>
 <p:sld xmlns:a="http://schemas.openxmlformats.org/drawingml/2006/main" xmlns:r="http://schemas.openxmlformats.org/officeDocument/2006/relationships" xmlns:p="http://schemas.openxmlformats.org/presentationml/2006/main">
   <p:cSld>
     <p:spTree>
@@ -14884,7 +14663,7 @@
 </p:sld>
 </file>
 
-<file path=ppt/slides/slide37.xml><?xml version="1.0" encoding="utf-8"?>
+<file path=ppt/slides/slide36.xml><?xml version="1.0" encoding="utf-8"?>
 <p:sld xmlns:a="http://schemas.openxmlformats.org/drawingml/2006/main" xmlns:r="http://schemas.openxmlformats.org/officeDocument/2006/relationships" xmlns:p="http://schemas.openxmlformats.org/presentationml/2006/main">
   <p:cSld>
     <p:spTree>
@@ -15128,7 +14907,7 @@
 </p:sld>
 </file>
 
-<file path=ppt/slides/slide38.xml><?xml version="1.0" encoding="utf-8"?>
+<file path=ppt/slides/slide37.xml><?xml version="1.0" encoding="utf-8"?>
 <p:sld xmlns:a="http://schemas.openxmlformats.org/drawingml/2006/main" xmlns:r="http://schemas.openxmlformats.org/officeDocument/2006/relationships" xmlns:p="http://schemas.openxmlformats.org/presentationml/2006/main">
   <p:cSld>
     <p:spTree>
@@ -15361,7 +15140,7 @@
 </p:sld>
 </file>
 
-<file path=ppt/slides/slide39.xml><?xml version="1.0" encoding="utf-8"?>
+<file path=ppt/slides/slide38.xml><?xml version="1.0" encoding="utf-8"?>
 <p:sld xmlns:a="http://schemas.openxmlformats.org/drawingml/2006/main" xmlns:r="http://schemas.openxmlformats.org/officeDocument/2006/relationships" xmlns:p="http://schemas.openxmlformats.org/presentationml/2006/main">
   <p:cSld>
     <p:spTree>
@@ -15595,6 +15374,265 @@
     <p:extLst>
       <p:ext uri="{BB962C8B-B14F-4D97-AF65-F5344CB8AC3E}">
         <p14:creationId xmlns:p14="http://schemas.microsoft.com/office/powerpoint/2010/main" val="1738045929"/>
+      </p:ext>
+    </p:extLst>
+  </p:cSld>
+  <p:clrMapOvr>
+    <a:masterClrMapping/>
+  </p:clrMapOvr>
+</p:sld>
+</file>
+
+<file path=ppt/slides/slide39.xml><?xml version="1.0" encoding="utf-8"?>
+<p:sld xmlns:a="http://schemas.openxmlformats.org/drawingml/2006/main" xmlns:r="http://schemas.openxmlformats.org/officeDocument/2006/relationships" xmlns:p="http://schemas.openxmlformats.org/presentationml/2006/main">
+  <p:cSld>
+    <p:spTree>
+      <p:nvGrpSpPr>
+        <p:cNvPr id="1" name=""/>
+        <p:cNvGrpSpPr/>
+        <p:nvPr/>
+      </p:nvGrpSpPr>
+      <p:grpSpPr>
+        <a:xfrm>
+          <a:off x="0" y="0"/>
+          <a:ext cx="0" cy="0"/>
+          <a:chOff x="0" y="0"/>
+          <a:chExt cx="0" cy="0"/>
+        </a:xfrm>
+      </p:grpSpPr>
+      <p:pic>
+        <p:nvPicPr>
+          <p:cNvPr id="7" name="Grafik 6">
+            <a:extLst>
+              <a:ext uri="{FF2B5EF4-FFF2-40B4-BE49-F238E27FC236}">
+                <a16:creationId xmlns:a16="http://schemas.microsoft.com/office/drawing/2014/main" id="{D69E3AB2-FDF1-4CE2-9130-48554F747CE8}"/>
+              </a:ext>
+            </a:extLst>
+          </p:cNvPr>
+          <p:cNvPicPr>
+            <a:picLocks noChangeAspect="1"/>
+          </p:cNvPicPr>
+          <p:nvPr/>
+        </p:nvPicPr>
+        <p:blipFill>
+          <a:blip r:embed="rId2">
+            <a:extLst>
+              <a:ext uri="{28A0092B-C50C-407E-A947-70E740481C1C}">
+                <a14:useLocalDpi xmlns:a14="http://schemas.microsoft.com/office/drawing/2010/main" val="0"/>
+              </a:ext>
+            </a:extLst>
+          </a:blip>
+          <a:stretch>
+            <a:fillRect/>
+          </a:stretch>
+        </p:blipFill>
+        <p:spPr>
+          <a:xfrm>
+            <a:off x="-5202027" y="5962249"/>
+            <a:ext cx="17394027" cy="895751"/>
+          </a:xfrm>
+          <a:prstGeom prst="rect">
+            <a:avLst/>
+          </a:prstGeom>
+        </p:spPr>
+      </p:pic>
+      <p:sp>
+        <p:nvSpPr>
+          <p:cNvPr id="4" name="Titel 3">
+            <a:extLst>
+              <a:ext uri="{FF2B5EF4-FFF2-40B4-BE49-F238E27FC236}">
+                <a16:creationId xmlns:a16="http://schemas.microsoft.com/office/drawing/2014/main" id="{87AC8795-F72E-4F53-BACC-C551C2D8316A}"/>
+              </a:ext>
+            </a:extLst>
+          </p:cNvPr>
+          <p:cNvSpPr>
+            <a:spLocks noGrp="1"/>
+          </p:cNvSpPr>
+          <p:nvPr>
+            <p:ph type="title"/>
+          </p:nvPr>
+        </p:nvSpPr>
+        <p:spPr/>
+        <p:txBody>
+          <a:bodyPr/>
+          <a:lstStyle/>
+          <a:p>
+            <a:r>
+              <a:rPr lang="de-DE" dirty="0"/>
+              <a:t>Funktionselemente</a:t>
+            </a:r>
+          </a:p>
+        </p:txBody>
+      </p:sp>
+      <p:sp>
+        <p:nvSpPr>
+          <p:cNvPr id="6" name="Inhaltsplatzhalter 5">
+            <a:extLst>
+              <a:ext uri="{FF2B5EF4-FFF2-40B4-BE49-F238E27FC236}">
+                <a16:creationId xmlns:a16="http://schemas.microsoft.com/office/drawing/2014/main" id="{37D42437-95F7-4C64-81D1-F82571A32530}"/>
+              </a:ext>
+            </a:extLst>
+          </p:cNvPr>
+          <p:cNvSpPr>
+            <a:spLocks noGrp="1"/>
+          </p:cNvSpPr>
+          <p:nvPr>
+            <p:ph idx="1"/>
+          </p:nvPr>
+        </p:nvSpPr>
+        <p:spPr/>
+        <p:txBody>
+          <a:bodyPr>
+            <a:normAutofit/>
+          </a:bodyPr>
+          <a:lstStyle/>
+          <a:p>
+            <a:r>
+              <a:rPr lang="de-DE" dirty="0" err="1"/>
+              <a:t>To</a:t>
+            </a:r>
+            <a:r>
+              <a:rPr lang="de-DE" dirty="0"/>
+              <a:t>-Do-Liste</a:t>
+            </a:r>
+          </a:p>
+          <a:p>
+            <a:pPr lvl="1"/>
+            <a:r>
+              <a:rPr lang="de-DE" dirty="0"/>
+              <a:t>Vom Nutzer spezifisch eingetragene Notizen</a:t>
+            </a:r>
+          </a:p>
+          <a:p>
+            <a:pPr lvl="1"/>
+            <a:r>
+              <a:rPr lang="de-DE" dirty="0"/>
+              <a:t>Können beliebig eingetragen, gelöscht oder abgehakt werden </a:t>
+            </a:r>
+          </a:p>
+          <a:p>
+            <a:pPr lvl="1"/>
+            <a:endParaRPr lang="de-DE" dirty="0"/>
+          </a:p>
+          <a:p>
+            <a:r>
+              <a:rPr lang="de-DE" dirty="0"/>
+              <a:t>Download</a:t>
+            </a:r>
+          </a:p>
+          <a:p>
+            <a:pPr lvl="1"/>
+            <a:r>
+              <a:rPr lang="de-DE" dirty="0"/>
+              <a:t>Nutzer kann über den Download-Button verschiedene Übungen runterladen</a:t>
+            </a:r>
+          </a:p>
+          <a:p>
+            <a:pPr lvl="1"/>
+            <a:endParaRPr lang="de-DE" dirty="0"/>
+          </a:p>
+          <a:p>
+            <a:r>
+              <a:rPr lang="de-DE" dirty="0"/>
+              <a:t>Upload</a:t>
+            </a:r>
+          </a:p>
+          <a:p>
+            <a:pPr lvl="1"/>
+            <a:r>
+              <a:rPr lang="de-DE" dirty="0"/>
+              <a:t>Nutzer kann über den Upload-Button Aufgaben hochladen</a:t>
+            </a:r>
+            <a:endParaRPr lang="de-DE" dirty="0">
+              <a:solidFill>
+                <a:srgbClr val="FF0000"/>
+              </a:solidFill>
+            </a:endParaRPr>
+          </a:p>
+          <a:p>
+            <a:pPr marL="457200" lvl="1" indent="0">
+              <a:buNone/>
+            </a:pPr>
+            <a:endParaRPr lang="de-DE" dirty="0"/>
+          </a:p>
+        </p:txBody>
+      </p:sp>
+      <p:pic>
+        <p:nvPicPr>
+          <p:cNvPr id="5" name="Grafik 4">
+            <a:extLst>
+              <a:ext uri="{FF2B5EF4-FFF2-40B4-BE49-F238E27FC236}">
+                <a16:creationId xmlns:a16="http://schemas.microsoft.com/office/drawing/2014/main" id="{B7E16C27-D378-4829-A890-B1E9782FCB2F}"/>
+              </a:ext>
+            </a:extLst>
+          </p:cNvPr>
+          <p:cNvPicPr>
+            <a:picLocks noChangeAspect="1"/>
+          </p:cNvPicPr>
+          <p:nvPr/>
+        </p:nvPicPr>
+        <p:blipFill>
+          <a:blip r:embed="rId3">
+            <a:extLst>
+              <a:ext uri="{28A0092B-C50C-407E-A947-70E740481C1C}">
+                <a14:useLocalDpi xmlns:a14="http://schemas.microsoft.com/office/drawing/2010/main" val="0"/>
+              </a:ext>
+            </a:extLst>
+          </a:blip>
+          <a:stretch>
+            <a:fillRect/>
+          </a:stretch>
+        </p:blipFill>
+        <p:spPr>
+          <a:xfrm>
+            <a:off x="0" y="0"/>
+            <a:ext cx="17967158" cy="533400"/>
+          </a:xfrm>
+          <a:prstGeom prst="rect">
+            <a:avLst/>
+          </a:prstGeom>
+        </p:spPr>
+      </p:pic>
+      <p:pic>
+        <p:nvPicPr>
+          <p:cNvPr id="13" name="Grafik 12">
+            <a:extLst>
+              <a:ext uri="{FF2B5EF4-FFF2-40B4-BE49-F238E27FC236}">
+                <a16:creationId xmlns:a16="http://schemas.microsoft.com/office/drawing/2014/main" id="{3F15EF38-607C-4029-BB9B-6A63B2AFF21A}"/>
+              </a:ext>
+            </a:extLst>
+          </p:cNvPr>
+          <p:cNvPicPr>
+            <a:picLocks noChangeAspect="1"/>
+          </p:cNvPicPr>
+          <p:nvPr/>
+        </p:nvPicPr>
+        <p:blipFill>
+          <a:blip r:embed="rId4">
+            <a:extLst>
+              <a:ext uri="{28A0092B-C50C-407E-A947-70E740481C1C}">
+                <a14:useLocalDpi xmlns:a14="http://schemas.microsoft.com/office/drawing/2010/main" val="0"/>
+              </a:ext>
+            </a:extLst>
+          </a:blip>
+          <a:stretch>
+            <a:fillRect/>
+          </a:stretch>
+        </p:blipFill>
+        <p:spPr>
+          <a:xfrm>
+            <a:off x="1247555" y="6410124"/>
+            <a:ext cx="4738488" cy="358976"/>
+          </a:xfrm>
+          <a:prstGeom prst="rect">
+            <a:avLst/>
+          </a:prstGeom>
+        </p:spPr>
+      </p:pic>
+    </p:spTree>
+    <p:extLst>
+      <p:ext uri="{BB962C8B-B14F-4D97-AF65-F5344CB8AC3E}">
+        <p14:creationId xmlns:p14="http://schemas.microsoft.com/office/powerpoint/2010/main" val="988841366"/>
       </p:ext>
     </p:extLst>
   </p:cSld>
@@ -15736,7 +15774,7 @@
           <a:p>
             <a:r>
               <a:rPr lang="de-DE" dirty="0"/>
-              <a:t>Funktionselemente</a:t>
+              <a:t>Weiteres Vorgehen</a:t>
             </a:r>
           </a:p>
         </p:txBody>
@@ -15764,73 +15802,37 @@
           </a:bodyPr>
           <a:lstStyle/>
           <a:p>
-            <a:r>
-              <a:rPr lang="de-DE" dirty="0" err="1"/>
-              <a:t>To</a:t>
-            </a:r>
-            <a:r>
-              <a:rPr lang="de-DE" dirty="0"/>
-              <a:t>-Do-Liste</a:t>
-            </a:r>
-          </a:p>
-          <a:p>
             <a:pPr lvl="1"/>
             <a:r>
-              <a:rPr lang="de-DE" dirty="0"/>
-              <a:t>Vom Nutzer spezifisch eingetragene Notizen</a:t>
+              <a:rPr lang="de-DE" sz="2800" dirty="0"/>
+              <a:t>Funktionen einfügen</a:t>
             </a:r>
           </a:p>
           <a:p>
             <a:pPr lvl="1"/>
-            <a:r>
-              <a:rPr lang="de-DE" dirty="0"/>
-              <a:t>Können beliebig eingetragen, gelöscht oder abgehakt werden </a:t>
-            </a:r>
+            <a:endParaRPr lang="de-DE" sz="2800" dirty="0"/>
           </a:p>
           <a:p>
             <a:pPr lvl="1"/>
-            <a:endParaRPr lang="de-DE" dirty="0"/>
-          </a:p>
-          <a:p>
-            <a:r>
-              <a:rPr lang="de-DE" dirty="0"/>
-              <a:t>Download</a:t>
+            <a:r>
+              <a:rPr lang="de-DE" sz="2800" dirty="0"/>
+              <a:t>Server aufsetzen</a:t>
             </a:r>
           </a:p>
           <a:p>
             <a:pPr lvl="1"/>
-            <a:r>
-              <a:rPr lang="de-DE" dirty="0"/>
-              <a:t>Nutzer kann über den Download-Button verschiedene Übungen runterladen</a:t>
-            </a:r>
+            <a:endParaRPr lang="de-DE" sz="2800" dirty="0"/>
           </a:p>
           <a:p>
             <a:pPr lvl="1"/>
-            <a:endParaRPr lang="de-DE" dirty="0"/>
-          </a:p>
-          <a:p>
-            <a:r>
-              <a:rPr lang="de-DE" dirty="0"/>
-              <a:t>Upload</a:t>
+            <a:r>
+              <a:rPr lang="de-DE" sz="2800" dirty="0"/>
+              <a:t>Datenbank aufbauen</a:t>
             </a:r>
           </a:p>
           <a:p>
             <a:pPr lvl="1"/>
-            <a:r>
-              <a:rPr lang="de-DE" dirty="0"/>
-              <a:t>Nutzer kann über den Upload-Button Aufgaben hochladen</a:t>
-            </a:r>
-            <a:endParaRPr lang="de-DE" dirty="0">
-              <a:solidFill>
-                <a:srgbClr val="FF0000"/>
-              </a:solidFill>
-            </a:endParaRPr>
-          </a:p>
-          <a:p>
-            <a:pPr marL="457200" lvl="1" indent="0">
-              <a:buNone/>
-            </a:pPr>
-            <a:endParaRPr lang="de-DE" dirty="0"/>
+            <a:endParaRPr lang="de-DE" sz="2800" dirty="0"/>
           </a:p>
         </p:txBody>
       </p:sp>
@@ -15909,7 +15911,7 @@
     </p:spTree>
     <p:extLst>
       <p:ext uri="{BB962C8B-B14F-4D97-AF65-F5344CB8AC3E}">
-        <p14:creationId xmlns:p14="http://schemas.microsoft.com/office/powerpoint/2010/main" val="988841366"/>
+        <p14:creationId xmlns:p14="http://schemas.microsoft.com/office/powerpoint/2010/main" val="2114571369"/>
       </p:ext>
     </p:extLst>
   </p:cSld>
@@ -15995,229 +15997,6 @@
           <a:p>
             <a:r>
               <a:rPr lang="de-DE" dirty="0"/>
-              <a:t>Weiteres Vorgehen</a:t>
-            </a:r>
-          </a:p>
-        </p:txBody>
-      </p:sp>
-      <p:sp>
-        <p:nvSpPr>
-          <p:cNvPr id="6" name="Inhaltsplatzhalter 5">
-            <a:extLst>
-              <a:ext uri="{FF2B5EF4-FFF2-40B4-BE49-F238E27FC236}">
-                <a16:creationId xmlns:a16="http://schemas.microsoft.com/office/drawing/2014/main" id="{37D42437-95F7-4C64-81D1-F82571A32530}"/>
-              </a:ext>
-            </a:extLst>
-          </p:cNvPr>
-          <p:cNvSpPr>
-            <a:spLocks noGrp="1"/>
-          </p:cNvSpPr>
-          <p:nvPr>
-            <p:ph idx="1"/>
-          </p:nvPr>
-        </p:nvSpPr>
-        <p:spPr/>
-        <p:txBody>
-          <a:bodyPr>
-            <a:normAutofit/>
-          </a:bodyPr>
-          <a:lstStyle/>
-          <a:p>
-            <a:pPr lvl="1"/>
-            <a:r>
-              <a:rPr lang="de-DE" sz="2800" dirty="0"/>
-              <a:t>Funktionen einfügen</a:t>
-            </a:r>
-          </a:p>
-          <a:p>
-            <a:pPr lvl="1"/>
-            <a:endParaRPr lang="de-DE" sz="2800" dirty="0"/>
-          </a:p>
-          <a:p>
-            <a:pPr lvl="1"/>
-            <a:r>
-              <a:rPr lang="de-DE" sz="2800" dirty="0"/>
-              <a:t>Server aufsetzen</a:t>
-            </a:r>
-          </a:p>
-          <a:p>
-            <a:pPr lvl="1"/>
-            <a:endParaRPr lang="de-DE" sz="2800" dirty="0"/>
-          </a:p>
-          <a:p>
-            <a:pPr lvl="1"/>
-            <a:r>
-              <a:rPr lang="de-DE" sz="2800" dirty="0"/>
-              <a:t>Datenbank aufbauen</a:t>
-            </a:r>
-          </a:p>
-          <a:p>
-            <a:pPr lvl="1"/>
-            <a:endParaRPr lang="de-DE" sz="2800" dirty="0"/>
-          </a:p>
-        </p:txBody>
-      </p:sp>
-      <p:pic>
-        <p:nvPicPr>
-          <p:cNvPr id="5" name="Grafik 4">
-            <a:extLst>
-              <a:ext uri="{FF2B5EF4-FFF2-40B4-BE49-F238E27FC236}">
-                <a16:creationId xmlns:a16="http://schemas.microsoft.com/office/drawing/2014/main" id="{B7E16C27-D378-4829-A890-B1E9782FCB2F}"/>
-              </a:ext>
-            </a:extLst>
-          </p:cNvPr>
-          <p:cNvPicPr>
-            <a:picLocks noChangeAspect="1"/>
-          </p:cNvPicPr>
-          <p:nvPr/>
-        </p:nvPicPr>
-        <p:blipFill>
-          <a:blip r:embed="rId3">
-            <a:extLst>
-              <a:ext uri="{28A0092B-C50C-407E-A947-70E740481C1C}">
-                <a14:useLocalDpi xmlns:a14="http://schemas.microsoft.com/office/drawing/2010/main" val="0"/>
-              </a:ext>
-            </a:extLst>
-          </a:blip>
-          <a:stretch>
-            <a:fillRect/>
-          </a:stretch>
-        </p:blipFill>
-        <p:spPr>
-          <a:xfrm>
-            <a:off x="0" y="0"/>
-            <a:ext cx="17967158" cy="533400"/>
-          </a:xfrm>
-          <a:prstGeom prst="rect">
-            <a:avLst/>
-          </a:prstGeom>
-        </p:spPr>
-      </p:pic>
-      <p:pic>
-        <p:nvPicPr>
-          <p:cNvPr id="13" name="Grafik 12">
-            <a:extLst>
-              <a:ext uri="{FF2B5EF4-FFF2-40B4-BE49-F238E27FC236}">
-                <a16:creationId xmlns:a16="http://schemas.microsoft.com/office/drawing/2014/main" id="{3F15EF38-607C-4029-BB9B-6A63B2AFF21A}"/>
-              </a:ext>
-            </a:extLst>
-          </p:cNvPr>
-          <p:cNvPicPr>
-            <a:picLocks noChangeAspect="1"/>
-          </p:cNvPicPr>
-          <p:nvPr/>
-        </p:nvPicPr>
-        <p:blipFill>
-          <a:blip r:embed="rId4">
-            <a:extLst>
-              <a:ext uri="{28A0092B-C50C-407E-A947-70E740481C1C}">
-                <a14:useLocalDpi xmlns:a14="http://schemas.microsoft.com/office/drawing/2010/main" val="0"/>
-              </a:ext>
-            </a:extLst>
-          </a:blip>
-          <a:stretch>
-            <a:fillRect/>
-          </a:stretch>
-        </p:blipFill>
-        <p:spPr>
-          <a:xfrm>
-            <a:off x="1247555" y="6410124"/>
-            <a:ext cx="4738488" cy="358976"/>
-          </a:xfrm>
-          <a:prstGeom prst="rect">
-            <a:avLst/>
-          </a:prstGeom>
-        </p:spPr>
-      </p:pic>
-    </p:spTree>
-    <p:extLst>
-      <p:ext uri="{BB962C8B-B14F-4D97-AF65-F5344CB8AC3E}">
-        <p14:creationId xmlns:p14="http://schemas.microsoft.com/office/powerpoint/2010/main" val="2114571369"/>
-      </p:ext>
-    </p:extLst>
-  </p:cSld>
-  <p:clrMapOvr>
-    <a:masterClrMapping/>
-  </p:clrMapOvr>
-</p:sld>
-</file>
-
-<file path=ppt/slides/slide42.xml><?xml version="1.0" encoding="utf-8"?>
-<p:sld xmlns:a="http://schemas.openxmlformats.org/drawingml/2006/main" xmlns:r="http://schemas.openxmlformats.org/officeDocument/2006/relationships" xmlns:p="http://schemas.openxmlformats.org/presentationml/2006/main">
-  <p:cSld>
-    <p:spTree>
-      <p:nvGrpSpPr>
-        <p:cNvPr id="1" name=""/>
-        <p:cNvGrpSpPr/>
-        <p:nvPr/>
-      </p:nvGrpSpPr>
-      <p:grpSpPr>
-        <a:xfrm>
-          <a:off x="0" y="0"/>
-          <a:ext cx="0" cy="0"/>
-          <a:chOff x="0" y="0"/>
-          <a:chExt cx="0" cy="0"/>
-        </a:xfrm>
-      </p:grpSpPr>
-      <p:pic>
-        <p:nvPicPr>
-          <p:cNvPr id="7" name="Grafik 6">
-            <a:extLst>
-              <a:ext uri="{FF2B5EF4-FFF2-40B4-BE49-F238E27FC236}">
-                <a16:creationId xmlns:a16="http://schemas.microsoft.com/office/drawing/2014/main" id="{D69E3AB2-FDF1-4CE2-9130-48554F747CE8}"/>
-              </a:ext>
-            </a:extLst>
-          </p:cNvPr>
-          <p:cNvPicPr>
-            <a:picLocks noChangeAspect="1"/>
-          </p:cNvPicPr>
-          <p:nvPr/>
-        </p:nvPicPr>
-        <p:blipFill>
-          <a:blip r:embed="rId2">
-            <a:extLst>
-              <a:ext uri="{28A0092B-C50C-407E-A947-70E740481C1C}">
-                <a14:useLocalDpi xmlns:a14="http://schemas.microsoft.com/office/drawing/2010/main" val="0"/>
-              </a:ext>
-            </a:extLst>
-          </a:blip>
-          <a:stretch>
-            <a:fillRect/>
-          </a:stretch>
-        </p:blipFill>
-        <p:spPr>
-          <a:xfrm>
-            <a:off x="-5202027" y="5962249"/>
-            <a:ext cx="17394027" cy="895751"/>
-          </a:xfrm>
-          <a:prstGeom prst="rect">
-            <a:avLst/>
-          </a:prstGeom>
-        </p:spPr>
-      </p:pic>
-      <p:sp>
-        <p:nvSpPr>
-          <p:cNvPr id="4" name="Titel 3">
-            <a:extLst>
-              <a:ext uri="{FF2B5EF4-FFF2-40B4-BE49-F238E27FC236}">
-                <a16:creationId xmlns:a16="http://schemas.microsoft.com/office/drawing/2014/main" id="{87AC8795-F72E-4F53-BACC-C551C2D8316A}"/>
-              </a:ext>
-            </a:extLst>
-          </p:cNvPr>
-          <p:cNvSpPr>
-            <a:spLocks noGrp="1"/>
-          </p:cNvSpPr>
-          <p:nvPr>
-            <p:ph type="title"/>
-          </p:nvPr>
-        </p:nvSpPr>
-        <p:spPr/>
-        <p:txBody>
-          <a:bodyPr/>
-          <a:lstStyle/>
-          <a:p>
-            <a:r>
-              <a:rPr lang="de-DE" dirty="0"/>
               <a:t>Webservice-Schnittstelle</a:t>
             </a:r>
           </a:p>
@@ -16393,7 +16172,7 @@
 </p:sld>
 </file>
 
-<file path=ppt/slides/slide43.xml><?xml version="1.0" encoding="utf-8"?>
+<file path=ppt/slides/slide42.xml><?xml version="1.0" encoding="utf-8"?>
 <p:sld xmlns:a="http://schemas.openxmlformats.org/drawingml/2006/main" xmlns:r="http://schemas.openxmlformats.org/officeDocument/2006/relationships" xmlns:p="http://schemas.openxmlformats.org/presentationml/2006/main">
   <p:cSld>
     <p:spTree>

--- a/websitePPneu.pptx
+++ b/websitePPneu.pptx
@@ -6,7 +6,7 @@
     <p:sldMasterId id="2147483660" r:id="rId2"/>
   </p:sldMasterIdLst>
   <p:notesMasterIdLst>
-    <p:notesMasterId r:id="rId45"/>
+    <p:notesMasterId r:id="rId44"/>
   </p:notesMasterIdLst>
   <p:sldIdLst>
     <p:sldId id="269" r:id="rId3"/>
@@ -49,8 +49,7 @@
     <p:sldId id="308" r:id="rId40"/>
     <p:sldId id="309" r:id="rId41"/>
     <p:sldId id="324" r:id="rId42"/>
-    <p:sldId id="325" r:id="rId43"/>
-    <p:sldId id="326" r:id="rId44"/>
+    <p:sldId id="326" r:id="rId43"/>
   </p:sldIdLst>
   <p:sldSz cx="12192000" cy="6858000"/>
   <p:notesSz cx="6858000" cy="9144000"/>
@@ -1026,7 +1025,7 @@
           <a:p>
             <a:fld id="{14B763C8-2B43-4EF8-96C7-866FEE2CE356}" type="datetimeFigureOut">
               <a:rPr lang="de-DE" smtClean="0"/>
-              <a:t>05.06.2018</a:t>
+              <a:t>06.06.2018</a:t>
             </a:fld>
             <a:endParaRPr lang="de-DE"/>
           </a:p>
@@ -2160,7 +2159,7 @@
           <a:p>
             <a:fld id="{B93D8C30-FBE7-491E-9FDE-3062E4336643}" type="datetimeFigureOut">
               <a:rPr lang="de-DE" smtClean="0"/>
-              <a:t>05.06.2018</a:t>
+              <a:t>06.06.2018</a:t>
             </a:fld>
             <a:endParaRPr lang="de-DE"/>
           </a:p>
@@ -2358,7 +2357,7 @@
           <a:p>
             <a:fld id="{B93D8C30-FBE7-491E-9FDE-3062E4336643}" type="datetimeFigureOut">
               <a:rPr lang="de-DE" smtClean="0"/>
-              <a:t>05.06.2018</a:t>
+              <a:t>06.06.2018</a:t>
             </a:fld>
             <a:endParaRPr lang="de-DE"/>
           </a:p>
@@ -2566,7 +2565,7 @@
           <a:p>
             <a:fld id="{B93D8C30-FBE7-491E-9FDE-3062E4336643}" type="datetimeFigureOut">
               <a:rPr lang="de-DE" smtClean="0"/>
-              <a:t>05.06.2018</a:t>
+              <a:t>06.06.2018</a:t>
             </a:fld>
             <a:endParaRPr lang="de-DE"/>
           </a:p>
@@ -2800,7 +2799,7 @@
             <a:pPr rtl="0"/>
             <a:fld id="{248B4201-8B90-4FE4-B476-4FFDD434EB03}" type="datetime1">
               <a:rPr lang="de-DE" noProof="0" smtClean="0"/>
-              <a:t>05.06.2018</a:t>
+              <a:t>06.06.2018</a:t>
             </a:fld>
             <a:endParaRPr lang="de-DE" noProof="0" dirty="0"/>
           </a:p>
@@ -3001,7 +3000,7 @@
             <a:pPr rtl="0"/>
             <a:fld id="{517810AC-902E-4DEC-99E7-60A182C16A2C}" type="datetime1">
               <a:rPr lang="de-DE" noProof="0" smtClean="0"/>
-              <a:t>05.06.2018</a:t>
+              <a:t>06.06.2018</a:t>
             </a:fld>
             <a:endParaRPr lang="de-DE" noProof="0" dirty="0"/>
           </a:p>
@@ -3496,7 +3495,7 @@
             <a:pPr rtl="0"/>
             <a:fld id="{AAF596EA-2D4F-4E91-B75F-445352B00BF6}" type="datetime1">
               <a:rPr lang="de-DE" noProof="0" smtClean="0"/>
-              <a:t>05.06.2018</a:t>
+              <a:t>06.06.2018</a:t>
             </a:fld>
             <a:endParaRPr lang="de-DE" noProof="0" dirty="0"/>
           </a:p>
@@ -3939,7 +3938,7 @@
             <a:pPr rtl="0"/>
             <a:fld id="{043C7498-DE73-40BA-8259-7A61304B4A11}" type="datetime1">
               <a:rPr lang="de-DE" noProof="0" smtClean="0"/>
-              <a:t>05.06.2018</a:t>
+              <a:t>06.06.2018</a:t>
             </a:fld>
             <a:endParaRPr lang="de-DE" noProof="0" dirty="0"/>
           </a:p>
@@ -4076,7 +4075,7 @@
             <a:pPr rtl="0"/>
             <a:fld id="{D50BC0BE-60D6-475F-BA14-B2ADC57A2245}" type="datetime1">
               <a:rPr lang="de-DE" noProof="0" smtClean="0"/>
-              <a:t>05.06.2018</a:t>
+              <a:t>06.06.2018</a:t>
             </a:fld>
             <a:endParaRPr lang="de-DE" noProof="0" dirty="0"/>
           </a:p>
@@ -4189,7 +4188,7 @@
             <a:pPr rtl="0"/>
             <a:fld id="{A55A9D48-82C4-43D5-9652-C28047CA9FAA}" type="datetime1">
               <a:rPr lang="de-DE" noProof="0" smtClean="0"/>
-              <a:t>05.06.2018</a:t>
+              <a:t>06.06.2018</a:t>
             </a:fld>
             <a:endParaRPr lang="de-DE" noProof="0" dirty="0"/>
           </a:p>
@@ -4508,7 +4507,7 @@
             <a:pPr rtl="0"/>
             <a:fld id="{E63A1BB5-EA83-4F89-9699-AAA010E19188}" type="datetime1">
               <a:rPr lang="de-DE" noProof="0" smtClean="0"/>
-              <a:t>05.06.2018</a:t>
+              <a:t>06.06.2018</a:t>
             </a:fld>
             <a:endParaRPr lang="de-DE" noProof="0" dirty="0"/>
           </a:p>
@@ -4711,7 +4710,7 @@
           <a:p>
             <a:fld id="{B93D8C30-FBE7-491E-9FDE-3062E4336643}" type="datetimeFigureOut">
               <a:rPr lang="de-DE" smtClean="0"/>
-              <a:t>05.06.2018</a:t>
+              <a:t>06.06.2018</a:t>
             </a:fld>
             <a:endParaRPr lang="de-DE"/>
           </a:p>
@@ -5177,7 +5176,7 @@
             <a:pPr rtl="0"/>
             <a:fld id="{D1CFBF31-2E67-4300-8101-A0ED991CFD6C}" type="datetime1">
               <a:rPr lang="de-DE" noProof="0" smtClean="0"/>
-              <a:t>05.06.2018</a:t>
+              <a:t>06.06.2018</a:t>
             </a:fld>
             <a:endParaRPr lang="de-DE" noProof="0" dirty="0"/>
           </a:p>
@@ -5380,7 +5379,7 @@
             <a:pPr rtl="0"/>
             <a:fld id="{045F7D65-2C86-423A-B61F-8093B607745C}" type="datetime1">
               <a:rPr lang="de-DE" noProof="0" smtClean="0"/>
-              <a:t>05.06.2018</a:t>
+              <a:t>06.06.2018</a:t>
             </a:fld>
             <a:endParaRPr lang="de-DE" noProof="0" dirty="0"/>
           </a:p>
@@ -5660,7 +5659,7 @@
           <a:p>
             <a:fld id="{B93D8C30-FBE7-491E-9FDE-3062E4336643}" type="datetimeFigureOut">
               <a:rPr lang="de-DE" smtClean="0"/>
-              <a:t>05.06.2018</a:t>
+              <a:t>06.06.2018</a:t>
             </a:fld>
             <a:endParaRPr lang="de-DE"/>
           </a:p>
@@ -5925,7 +5924,7 @@
           <a:p>
             <a:fld id="{B93D8C30-FBE7-491E-9FDE-3062E4336643}" type="datetimeFigureOut">
               <a:rPr lang="de-DE" smtClean="0"/>
-              <a:t>05.06.2018</a:t>
+              <a:t>06.06.2018</a:t>
             </a:fld>
             <a:endParaRPr lang="de-DE"/>
           </a:p>
@@ -6337,7 +6336,7 @@
           <a:p>
             <a:fld id="{B93D8C30-FBE7-491E-9FDE-3062E4336643}" type="datetimeFigureOut">
               <a:rPr lang="de-DE" smtClean="0"/>
-              <a:t>05.06.2018</a:t>
+              <a:t>06.06.2018</a:t>
             </a:fld>
             <a:endParaRPr lang="de-DE"/>
           </a:p>
@@ -6478,7 +6477,7 @@
           <a:p>
             <a:fld id="{B93D8C30-FBE7-491E-9FDE-3062E4336643}" type="datetimeFigureOut">
               <a:rPr lang="de-DE" smtClean="0"/>
-              <a:t>05.06.2018</a:t>
+              <a:t>06.06.2018</a:t>
             </a:fld>
             <a:endParaRPr lang="de-DE"/>
           </a:p>
@@ -6591,7 +6590,7 @@
           <a:p>
             <a:fld id="{B93D8C30-FBE7-491E-9FDE-3062E4336643}" type="datetimeFigureOut">
               <a:rPr lang="de-DE" smtClean="0"/>
-              <a:t>05.06.2018</a:t>
+              <a:t>06.06.2018</a:t>
             </a:fld>
             <a:endParaRPr lang="de-DE"/>
           </a:p>
@@ -6902,7 +6901,7 @@
           <a:p>
             <a:fld id="{B93D8C30-FBE7-491E-9FDE-3062E4336643}" type="datetimeFigureOut">
               <a:rPr lang="de-DE" smtClean="0"/>
-              <a:t>05.06.2018</a:t>
+              <a:t>06.06.2018</a:t>
             </a:fld>
             <a:endParaRPr lang="de-DE"/>
           </a:p>
@@ -7190,7 +7189,7 @@
           <a:p>
             <a:fld id="{B93D8C30-FBE7-491E-9FDE-3062E4336643}" type="datetimeFigureOut">
               <a:rPr lang="de-DE" smtClean="0"/>
-              <a:t>05.06.2018</a:t>
+              <a:t>06.06.2018</a:t>
             </a:fld>
             <a:endParaRPr lang="de-DE"/>
           </a:p>
@@ -7431,7 +7430,7 @@
           <a:p>
             <a:fld id="{B93D8C30-FBE7-491E-9FDE-3062E4336643}" type="datetimeFigureOut">
               <a:rPr lang="de-DE" smtClean="0"/>
-              <a:t>05.06.2018</a:t>
+              <a:t>06.06.2018</a:t>
             </a:fld>
             <a:endParaRPr lang="de-DE"/>
           </a:p>
@@ -7993,7 +7992,7 @@
             <a:pPr rtl="0"/>
             <a:fld id="{4FD62CBB-C65F-4197-AAF7-F362E3DD9BD2}" type="datetime1">
               <a:rPr lang="de-DE" noProof="0" smtClean="0"/>
-              <a:t>05.06.2018</a:t>
+              <a:t>06.06.2018</a:t>
             </a:fld>
             <a:endParaRPr lang="de-DE" noProof="0" dirty="0"/>
           </a:p>
@@ -15938,257 +15937,6 @@
           <a:chExt cx="0" cy="0"/>
         </a:xfrm>
       </p:grpSpPr>
-      <p:pic>
-        <p:nvPicPr>
-          <p:cNvPr id="7" name="Grafik 6">
-            <a:extLst>
-              <a:ext uri="{FF2B5EF4-FFF2-40B4-BE49-F238E27FC236}">
-                <a16:creationId xmlns:a16="http://schemas.microsoft.com/office/drawing/2014/main" id="{D69E3AB2-FDF1-4CE2-9130-48554F747CE8}"/>
-              </a:ext>
-            </a:extLst>
-          </p:cNvPr>
-          <p:cNvPicPr>
-            <a:picLocks noChangeAspect="1"/>
-          </p:cNvPicPr>
-          <p:nvPr/>
-        </p:nvPicPr>
-        <p:blipFill>
-          <a:blip r:embed="rId2">
-            <a:extLst>
-              <a:ext uri="{28A0092B-C50C-407E-A947-70E740481C1C}">
-                <a14:useLocalDpi xmlns:a14="http://schemas.microsoft.com/office/drawing/2010/main" val="0"/>
-              </a:ext>
-            </a:extLst>
-          </a:blip>
-          <a:stretch>
-            <a:fillRect/>
-          </a:stretch>
-        </p:blipFill>
-        <p:spPr>
-          <a:xfrm>
-            <a:off x="-5202027" y="5962249"/>
-            <a:ext cx="17394027" cy="895751"/>
-          </a:xfrm>
-          <a:prstGeom prst="rect">
-            <a:avLst/>
-          </a:prstGeom>
-        </p:spPr>
-      </p:pic>
-      <p:sp>
-        <p:nvSpPr>
-          <p:cNvPr id="4" name="Titel 3">
-            <a:extLst>
-              <a:ext uri="{FF2B5EF4-FFF2-40B4-BE49-F238E27FC236}">
-                <a16:creationId xmlns:a16="http://schemas.microsoft.com/office/drawing/2014/main" id="{87AC8795-F72E-4F53-BACC-C551C2D8316A}"/>
-              </a:ext>
-            </a:extLst>
-          </p:cNvPr>
-          <p:cNvSpPr>
-            <a:spLocks noGrp="1"/>
-          </p:cNvSpPr>
-          <p:nvPr>
-            <p:ph type="title"/>
-          </p:nvPr>
-        </p:nvSpPr>
-        <p:spPr/>
-        <p:txBody>
-          <a:bodyPr/>
-          <a:lstStyle/>
-          <a:p>
-            <a:r>
-              <a:rPr lang="de-DE" dirty="0"/>
-              <a:t>Webservice-Schnittstelle</a:t>
-            </a:r>
-          </a:p>
-        </p:txBody>
-      </p:sp>
-      <p:sp>
-        <p:nvSpPr>
-          <p:cNvPr id="6" name="Inhaltsplatzhalter 5">
-            <a:extLst>
-              <a:ext uri="{FF2B5EF4-FFF2-40B4-BE49-F238E27FC236}">
-                <a16:creationId xmlns:a16="http://schemas.microsoft.com/office/drawing/2014/main" id="{37D42437-95F7-4C64-81D1-F82571A32530}"/>
-              </a:ext>
-            </a:extLst>
-          </p:cNvPr>
-          <p:cNvSpPr>
-            <a:spLocks noGrp="1"/>
-          </p:cNvSpPr>
-          <p:nvPr>
-            <p:ph idx="1"/>
-          </p:nvPr>
-        </p:nvSpPr>
-        <p:spPr/>
-        <p:txBody>
-          <a:bodyPr>
-            <a:normAutofit/>
-          </a:bodyPr>
-          <a:lstStyle/>
-          <a:p>
-            <a:pPr lvl="1"/>
-            <a:endParaRPr lang="de-DE" dirty="0"/>
-          </a:p>
-          <a:p>
-            <a:pPr lvl="1"/>
-            <a:r>
-              <a:rPr lang="de-DE" sz="2800" dirty="0" err="1"/>
-              <a:t>RESTful</a:t>
-            </a:r>
-            <a:r>
-              <a:rPr lang="de-DE" sz="2800" dirty="0"/>
-              <a:t> API mit MEAN</a:t>
-            </a:r>
-          </a:p>
-          <a:p>
-            <a:pPr lvl="2"/>
-            <a:r>
-              <a:rPr lang="de-DE" sz="2400" dirty="0"/>
-              <a:t>MongoDB</a:t>
-            </a:r>
-          </a:p>
-          <a:p>
-            <a:pPr lvl="2"/>
-            <a:r>
-              <a:rPr lang="de-DE" sz="2400" dirty="0"/>
-              <a:t>Express</a:t>
-            </a:r>
-          </a:p>
-          <a:p>
-            <a:pPr lvl="2"/>
-            <a:r>
-              <a:rPr lang="de-DE" sz="2400" dirty="0"/>
-              <a:t>AngularJS</a:t>
-            </a:r>
-          </a:p>
-          <a:p>
-            <a:pPr lvl="2"/>
-            <a:r>
-              <a:rPr lang="de-DE" sz="2400" dirty="0"/>
-              <a:t>Node.js</a:t>
-            </a:r>
-          </a:p>
-          <a:p>
-            <a:pPr lvl="2"/>
-            <a:endParaRPr lang="de-DE" sz="2400" dirty="0"/>
-          </a:p>
-          <a:p>
-            <a:pPr lvl="1"/>
-            <a:endParaRPr lang="de-DE" dirty="0"/>
-          </a:p>
-          <a:p>
-            <a:pPr marL="457200" lvl="1" indent="0">
-              <a:buNone/>
-            </a:pPr>
-            <a:endParaRPr lang="de-DE" dirty="0"/>
-          </a:p>
-          <a:p>
-            <a:pPr lvl="1"/>
-            <a:endParaRPr lang="de-DE" dirty="0"/>
-          </a:p>
-        </p:txBody>
-      </p:sp>
-      <p:pic>
-        <p:nvPicPr>
-          <p:cNvPr id="5" name="Grafik 4">
-            <a:extLst>
-              <a:ext uri="{FF2B5EF4-FFF2-40B4-BE49-F238E27FC236}">
-                <a16:creationId xmlns:a16="http://schemas.microsoft.com/office/drawing/2014/main" id="{B7E16C27-D378-4829-A890-B1E9782FCB2F}"/>
-              </a:ext>
-            </a:extLst>
-          </p:cNvPr>
-          <p:cNvPicPr>
-            <a:picLocks noChangeAspect="1"/>
-          </p:cNvPicPr>
-          <p:nvPr/>
-        </p:nvPicPr>
-        <p:blipFill>
-          <a:blip r:embed="rId3">
-            <a:extLst>
-              <a:ext uri="{28A0092B-C50C-407E-A947-70E740481C1C}">
-                <a14:useLocalDpi xmlns:a14="http://schemas.microsoft.com/office/drawing/2010/main" val="0"/>
-              </a:ext>
-            </a:extLst>
-          </a:blip>
-          <a:stretch>
-            <a:fillRect/>
-          </a:stretch>
-        </p:blipFill>
-        <p:spPr>
-          <a:xfrm>
-            <a:off x="0" y="0"/>
-            <a:ext cx="17967158" cy="533400"/>
-          </a:xfrm>
-          <a:prstGeom prst="rect">
-            <a:avLst/>
-          </a:prstGeom>
-        </p:spPr>
-      </p:pic>
-      <p:pic>
-        <p:nvPicPr>
-          <p:cNvPr id="13" name="Grafik 12">
-            <a:extLst>
-              <a:ext uri="{FF2B5EF4-FFF2-40B4-BE49-F238E27FC236}">
-                <a16:creationId xmlns:a16="http://schemas.microsoft.com/office/drawing/2014/main" id="{3F15EF38-607C-4029-BB9B-6A63B2AFF21A}"/>
-              </a:ext>
-            </a:extLst>
-          </p:cNvPr>
-          <p:cNvPicPr>
-            <a:picLocks noChangeAspect="1"/>
-          </p:cNvPicPr>
-          <p:nvPr/>
-        </p:nvPicPr>
-        <p:blipFill>
-          <a:blip r:embed="rId4">
-            <a:extLst>
-              <a:ext uri="{28A0092B-C50C-407E-A947-70E740481C1C}">
-                <a14:useLocalDpi xmlns:a14="http://schemas.microsoft.com/office/drawing/2010/main" val="0"/>
-              </a:ext>
-            </a:extLst>
-          </a:blip>
-          <a:stretch>
-            <a:fillRect/>
-          </a:stretch>
-        </p:blipFill>
-        <p:spPr>
-          <a:xfrm>
-            <a:off x="1247555" y="6410124"/>
-            <a:ext cx="4738488" cy="358976"/>
-          </a:xfrm>
-          <a:prstGeom prst="rect">
-            <a:avLst/>
-          </a:prstGeom>
-        </p:spPr>
-      </p:pic>
-    </p:spTree>
-    <p:extLst>
-      <p:ext uri="{BB962C8B-B14F-4D97-AF65-F5344CB8AC3E}">
-        <p14:creationId xmlns:p14="http://schemas.microsoft.com/office/powerpoint/2010/main" val="94707965"/>
-      </p:ext>
-    </p:extLst>
-  </p:cSld>
-  <p:clrMapOvr>
-    <a:masterClrMapping/>
-  </p:clrMapOvr>
-</p:sld>
-</file>
-
-<file path=ppt/slides/slide42.xml><?xml version="1.0" encoding="utf-8"?>
-<p:sld xmlns:a="http://schemas.openxmlformats.org/drawingml/2006/main" xmlns:r="http://schemas.openxmlformats.org/officeDocument/2006/relationships" xmlns:p="http://schemas.openxmlformats.org/presentationml/2006/main">
-  <p:cSld>
-    <p:spTree>
-      <p:nvGrpSpPr>
-        <p:cNvPr id="1" name=""/>
-        <p:cNvGrpSpPr/>
-        <p:nvPr/>
-      </p:nvGrpSpPr>
-      <p:grpSpPr>
-        <a:xfrm>
-          <a:off x="0" y="0"/>
-          <a:ext cx="0" cy="0"/>
-          <a:chOff x="0" y="0"/>
-          <a:chExt cx="0" cy="0"/>
-        </a:xfrm>
-      </p:grpSpPr>
       <p:sp>
         <p:nvSpPr>
           <p:cNvPr id="2" name="Titel 1">
@@ -16554,7 +16302,7 @@
             <a:pPr lvl="1"/>
             <a:r>
               <a:rPr lang="de-DE" dirty="0"/>
-              <a:t>Altes Logo wurde als „irgendwie hässlich“ empfunden</a:t>
+              <a:t>Altes Logo wurde als unpassend empfunden</a:t>
             </a:r>
           </a:p>
           <a:p>

--- a/websitePPneu.pptx
+++ b/websitePPneu.pptx
@@ -6,50 +6,48 @@
     <p:sldMasterId id="2147483660" r:id="rId2"/>
   </p:sldMasterIdLst>
   <p:notesMasterIdLst>
-    <p:notesMasterId r:id="rId44"/>
+    <p:notesMasterId r:id="rId42"/>
   </p:notesMasterIdLst>
   <p:sldIdLst>
     <p:sldId id="269" r:id="rId3"/>
     <p:sldId id="283" r:id="rId4"/>
     <p:sldId id="295" r:id="rId5"/>
-    <p:sldId id="294" r:id="rId6"/>
-    <p:sldId id="311" r:id="rId7"/>
-    <p:sldId id="282" r:id="rId8"/>
-    <p:sldId id="271" r:id="rId9"/>
-    <p:sldId id="256" r:id="rId10"/>
-    <p:sldId id="285" r:id="rId11"/>
-    <p:sldId id="284" r:id="rId12"/>
-    <p:sldId id="315" r:id="rId13"/>
-    <p:sldId id="316" r:id="rId14"/>
-    <p:sldId id="319" r:id="rId15"/>
-    <p:sldId id="278" r:id="rId16"/>
-    <p:sldId id="321" r:id="rId17"/>
-    <p:sldId id="286" r:id="rId18"/>
-    <p:sldId id="297" r:id="rId19"/>
-    <p:sldId id="289" r:id="rId20"/>
-    <p:sldId id="298" r:id="rId21"/>
-    <p:sldId id="287" r:id="rId22"/>
-    <p:sldId id="299" r:id="rId23"/>
-    <p:sldId id="300" r:id="rId24"/>
-    <p:sldId id="301" r:id="rId25"/>
-    <p:sldId id="290" r:id="rId26"/>
-    <p:sldId id="279" r:id="rId27"/>
-    <p:sldId id="322" r:id="rId28"/>
-    <p:sldId id="302" r:id="rId29"/>
-    <p:sldId id="303" r:id="rId30"/>
-    <p:sldId id="291" r:id="rId31"/>
-    <p:sldId id="304" r:id="rId32"/>
-    <p:sldId id="280" r:id="rId33"/>
-    <p:sldId id="323" r:id="rId34"/>
-    <p:sldId id="306" r:id="rId35"/>
-    <p:sldId id="305" r:id="rId36"/>
-    <p:sldId id="292" r:id="rId37"/>
-    <p:sldId id="307" r:id="rId38"/>
-    <p:sldId id="296" r:id="rId39"/>
-    <p:sldId id="308" r:id="rId40"/>
-    <p:sldId id="309" r:id="rId41"/>
-    <p:sldId id="324" r:id="rId42"/>
-    <p:sldId id="326" r:id="rId43"/>
+    <p:sldId id="282" r:id="rId6"/>
+    <p:sldId id="271" r:id="rId7"/>
+    <p:sldId id="256" r:id="rId8"/>
+    <p:sldId id="285" r:id="rId9"/>
+    <p:sldId id="284" r:id="rId10"/>
+    <p:sldId id="315" r:id="rId11"/>
+    <p:sldId id="316" r:id="rId12"/>
+    <p:sldId id="319" r:id="rId13"/>
+    <p:sldId id="278" r:id="rId14"/>
+    <p:sldId id="321" r:id="rId15"/>
+    <p:sldId id="286" r:id="rId16"/>
+    <p:sldId id="297" r:id="rId17"/>
+    <p:sldId id="289" r:id="rId18"/>
+    <p:sldId id="298" r:id="rId19"/>
+    <p:sldId id="287" r:id="rId20"/>
+    <p:sldId id="299" r:id="rId21"/>
+    <p:sldId id="300" r:id="rId22"/>
+    <p:sldId id="301" r:id="rId23"/>
+    <p:sldId id="290" r:id="rId24"/>
+    <p:sldId id="279" r:id="rId25"/>
+    <p:sldId id="322" r:id="rId26"/>
+    <p:sldId id="302" r:id="rId27"/>
+    <p:sldId id="303" r:id="rId28"/>
+    <p:sldId id="291" r:id="rId29"/>
+    <p:sldId id="304" r:id="rId30"/>
+    <p:sldId id="280" r:id="rId31"/>
+    <p:sldId id="323" r:id="rId32"/>
+    <p:sldId id="306" r:id="rId33"/>
+    <p:sldId id="305" r:id="rId34"/>
+    <p:sldId id="292" r:id="rId35"/>
+    <p:sldId id="307" r:id="rId36"/>
+    <p:sldId id="296" r:id="rId37"/>
+    <p:sldId id="308" r:id="rId38"/>
+    <p:sldId id="309" r:id="rId39"/>
+    <p:sldId id="324" r:id="rId40"/>
+    <p:sldId id="326" r:id="rId41"/>
   </p:sldIdLst>
   <p:sldSz cx="12192000" cy="6858000"/>
   <p:notesSz cx="6858000" cy="9144000"/>
@@ -1025,7 +1023,7 @@
           <a:p>
             <a:fld id="{14B763C8-2B43-4EF8-96C7-866FEE2CE356}" type="datetimeFigureOut">
               <a:rPr lang="de-DE" smtClean="0"/>
-              <a:t>06.06.2018</a:t>
+              <a:t>01.07.2018</a:t>
             </a:fld>
             <a:endParaRPr lang="de-DE"/>
           </a:p>
@@ -1570,7 +1568,7 @@
     </p:spTree>
     <p:extLst>
       <p:ext uri="{BB962C8B-B14F-4D97-AF65-F5344CB8AC3E}">
-        <p14:creationId xmlns:p14="http://schemas.microsoft.com/office/powerpoint/2010/main" val="2458025133"/>
+        <p14:creationId xmlns:p14="http://schemas.microsoft.com/office/powerpoint/2010/main" val="2729835604"/>
       </p:ext>
     </p:extLst>
   </p:cSld>
@@ -1714,294 +1712,6 @@
     </p:spTree>
     <p:extLst>
       <p:ext uri="{BB962C8B-B14F-4D97-AF65-F5344CB8AC3E}">
-        <p14:creationId xmlns:p14="http://schemas.microsoft.com/office/powerpoint/2010/main" val="1864409251"/>
-      </p:ext>
-    </p:extLst>
-  </p:cSld>
-  <p:clrMapOvr>
-    <a:masterClrMapping/>
-  </p:clrMapOvr>
-</p:notes>
-</file>
-
-<file path=ppt/notesSlides/notesSlide4.xml><?xml version="1.0" encoding="utf-8"?>
-<p:notes xmlns:a="http://schemas.openxmlformats.org/drawingml/2006/main" xmlns:r="http://schemas.openxmlformats.org/officeDocument/2006/relationships" xmlns:p="http://schemas.openxmlformats.org/presentationml/2006/main">
-  <p:cSld>
-    <p:spTree>
-      <p:nvGrpSpPr>
-        <p:cNvPr id="1" name=""/>
-        <p:cNvGrpSpPr/>
-        <p:nvPr/>
-      </p:nvGrpSpPr>
-      <p:grpSpPr>
-        <a:xfrm>
-          <a:off x="0" y="0"/>
-          <a:ext cx="0" cy="0"/>
-          <a:chOff x="0" y="0"/>
-          <a:chExt cx="0" cy="0"/>
-        </a:xfrm>
-      </p:grpSpPr>
-      <p:sp>
-        <p:nvSpPr>
-          <p:cNvPr id="2" name="Folienbildplatzhalter 1"/>
-          <p:cNvSpPr>
-            <a:spLocks noGrp="1" noRot="1" noChangeAspect="1"/>
-          </p:cNvSpPr>
-          <p:nvPr>
-            <p:ph type="sldImg"/>
-          </p:nvPr>
-        </p:nvSpPr>
-        <p:spPr/>
-      </p:sp>
-      <p:sp>
-        <p:nvSpPr>
-          <p:cNvPr id="3" name="Notizenplatzhalter 2"/>
-          <p:cNvSpPr>
-            <a:spLocks noGrp="1"/>
-          </p:cNvSpPr>
-          <p:nvPr>
-            <p:ph type="body" idx="1"/>
-          </p:nvPr>
-        </p:nvSpPr>
-        <p:spPr/>
-        <p:txBody>
-          <a:bodyPr/>
-          <a:lstStyle/>
-          <a:p>
-            <a:endParaRPr lang="de-DE"/>
-          </a:p>
-        </p:txBody>
-      </p:sp>
-      <p:sp>
-        <p:nvSpPr>
-          <p:cNvPr id="4" name="Foliennummernplatzhalter 3"/>
-          <p:cNvSpPr>
-            <a:spLocks noGrp="1"/>
-          </p:cNvSpPr>
-          <p:nvPr>
-            <p:ph type="sldNum" sz="quarter" idx="10"/>
-          </p:nvPr>
-        </p:nvSpPr>
-        <p:spPr/>
-        <p:txBody>
-          <a:bodyPr/>
-          <a:lstStyle/>
-          <a:p>
-            <a:pPr marL="0" marR="0" lvl="0" indent="0" algn="r" defTabSz="914400" rtl="0" eaLnBrk="1" fontAlgn="auto" latinLnBrk="0" hangingPunct="1">
-              <a:lnSpc>
-                <a:spcPct val="100000"/>
-              </a:lnSpc>
-              <a:spcBef>
-                <a:spcPts val="0"/>
-              </a:spcBef>
-              <a:spcAft>
-                <a:spcPts val="0"/>
-              </a:spcAft>
-              <a:buClrTx/>
-              <a:buSzTx/>
-              <a:buFontTx/>
-              <a:buNone/>
-              <a:tabLst/>
-              <a:defRPr/>
-            </a:pPr>
-            <a:fld id="{560CF8BB-EBC7-4B8F-9632-A5A136FBB880}" type="slidenum">
-              <a:rPr kumimoji="0" lang="de-DE" sz="1200" b="0" i="0" u="none" strike="noStrike" kern="1200" cap="none" spc="0" normalizeH="0" baseline="0" noProof="0" smtClean="0">
-                <a:ln>
-                  <a:noFill/>
-                </a:ln>
-                <a:solidFill>
-                  <a:srgbClr val="404040"/>
-                </a:solidFill>
-                <a:effectLst/>
-                <a:uLnTx/>
-                <a:uFillTx/>
-                <a:latin typeface="Calibri"/>
-                <a:ea typeface="+mn-ea"/>
-                <a:cs typeface="+mn-cs"/>
-              </a:rPr>
-              <a:pPr marL="0" marR="0" lvl="0" indent="0" algn="r" defTabSz="914400" rtl="0" eaLnBrk="1" fontAlgn="auto" latinLnBrk="0" hangingPunct="1">
-                <a:lnSpc>
-                  <a:spcPct val="100000"/>
-                </a:lnSpc>
-                <a:spcBef>
-                  <a:spcPts val="0"/>
-                </a:spcBef>
-                <a:spcAft>
-                  <a:spcPts val="0"/>
-                </a:spcAft>
-                <a:buClrTx/>
-                <a:buSzTx/>
-                <a:buFontTx/>
-                <a:buNone/>
-                <a:tabLst/>
-                <a:defRPr/>
-              </a:pPr>
-              <a:t>6</a:t>
-            </a:fld>
-            <a:endParaRPr kumimoji="0" lang="de-DE" sz="1200" b="0" i="0" u="none" strike="noStrike" kern="1200" cap="none" spc="0" normalizeH="0" baseline="0" noProof="0" dirty="0">
-              <a:ln>
-                <a:noFill/>
-              </a:ln>
-              <a:solidFill>
-                <a:srgbClr val="404040"/>
-              </a:solidFill>
-              <a:effectLst/>
-              <a:uLnTx/>
-              <a:uFillTx/>
-              <a:latin typeface="Calibri"/>
-              <a:ea typeface="+mn-ea"/>
-              <a:cs typeface="+mn-cs"/>
-            </a:endParaRPr>
-          </a:p>
-        </p:txBody>
-      </p:sp>
-    </p:spTree>
-    <p:extLst>
-      <p:ext uri="{BB962C8B-B14F-4D97-AF65-F5344CB8AC3E}">
-        <p14:creationId xmlns:p14="http://schemas.microsoft.com/office/powerpoint/2010/main" val="2729835604"/>
-      </p:ext>
-    </p:extLst>
-  </p:cSld>
-  <p:clrMapOvr>
-    <a:masterClrMapping/>
-  </p:clrMapOvr>
-</p:notes>
-</file>
-
-<file path=ppt/notesSlides/notesSlide5.xml><?xml version="1.0" encoding="utf-8"?>
-<p:notes xmlns:a="http://schemas.openxmlformats.org/drawingml/2006/main" xmlns:r="http://schemas.openxmlformats.org/officeDocument/2006/relationships" xmlns:p="http://schemas.openxmlformats.org/presentationml/2006/main">
-  <p:cSld>
-    <p:spTree>
-      <p:nvGrpSpPr>
-        <p:cNvPr id="1" name=""/>
-        <p:cNvGrpSpPr/>
-        <p:nvPr/>
-      </p:nvGrpSpPr>
-      <p:grpSpPr>
-        <a:xfrm>
-          <a:off x="0" y="0"/>
-          <a:ext cx="0" cy="0"/>
-          <a:chOff x="0" y="0"/>
-          <a:chExt cx="0" cy="0"/>
-        </a:xfrm>
-      </p:grpSpPr>
-      <p:sp>
-        <p:nvSpPr>
-          <p:cNvPr id="2" name="Folienbildplatzhalter 1"/>
-          <p:cNvSpPr>
-            <a:spLocks noGrp="1" noRot="1" noChangeAspect="1"/>
-          </p:cNvSpPr>
-          <p:nvPr>
-            <p:ph type="sldImg"/>
-          </p:nvPr>
-        </p:nvSpPr>
-        <p:spPr/>
-      </p:sp>
-      <p:sp>
-        <p:nvSpPr>
-          <p:cNvPr id="3" name="Notizenplatzhalter 2"/>
-          <p:cNvSpPr>
-            <a:spLocks noGrp="1"/>
-          </p:cNvSpPr>
-          <p:nvPr>
-            <p:ph type="body" idx="1"/>
-          </p:nvPr>
-        </p:nvSpPr>
-        <p:spPr/>
-        <p:txBody>
-          <a:bodyPr/>
-          <a:lstStyle/>
-          <a:p>
-            <a:endParaRPr lang="de-DE"/>
-          </a:p>
-        </p:txBody>
-      </p:sp>
-      <p:sp>
-        <p:nvSpPr>
-          <p:cNvPr id="4" name="Foliennummernplatzhalter 3"/>
-          <p:cNvSpPr>
-            <a:spLocks noGrp="1"/>
-          </p:cNvSpPr>
-          <p:nvPr>
-            <p:ph type="sldNum" sz="quarter" idx="10"/>
-          </p:nvPr>
-        </p:nvSpPr>
-        <p:spPr/>
-        <p:txBody>
-          <a:bodyPr/>
-          <a:lstStyle/>
-          <a:p>
-            <a:pPr marL="0" marR="0" lvl="0" indent="0" algn="r" defTabSz="914400" rtl="0" eaLnBrk="1" fontAlgn="auto" latinLnBrk="0" hangingPunct="1">
-              <a:lnSpc>
-                <a:spcPct val="100000"/>
-              </a:lnSpc>
-              <a:spcBef>
-                <a:spcPts val="0"/>
-              </a:spcBef>
-              <a:spcAft>
-                <a:spcPts val="0"/>
-              </a:spcAft>
-              <a:buClrTx/>
-              <a:buSzTx/>
-              <a:buFontTx/>
-              <a:buNone/>
-              <a:tabLst/>
-              <a:defRPr/>
-            </a:pPr>
-            <a:fld id="{560CF8BB-EBC7-4B8F-9632-A5A136FBB880}" type="slidenum">
-              <a:rPr kumimoji="0" lang="de-DE" sz="1200" b="0" i="0" u="none" strike="noStrike" kern="1200" cap="none" spc="0" normalizeH="0" baseline="0" noProof="0" smtClean="0">
-                <a:ln>
-                  <a:noFill/>
-                </a:ln>
-                <a:solidFill>
-                  <a:srgbClr val="404040"/>
-                </a:solidFill>
-                <a:effectLst/>
-                <a:uLnTx/>
-                <a:uFillTx/>
-                <a:latin typeface="Calibri"/>
-                <a:ea typeface="+mn-ea"/>
-                <a:cs typeface="+mn-cs"/>
-              </a:rPr>
-              <a:pPr marL="0" marR="0" lvl="0" indent="0" algn="r" defTabSz="914400" rtl="0" eaLnBrk="1" fontAlgn="auto" latinLnBrk="0" hangingPunct="1">
-                <a:lnSpc>
-                  <a:spcPct val="100000"/>
-                </a:lnSpc>
-                <a:spcBef>
-                  <a:spcPts val="0"/>
-                </a:spcBef>
-                <a:spcAft>
-                  <a:spcPts val="0"/>
-                </a:spcAft>
-                <a:buClrTx/>
-                <a:buSzTx/>
-                <a:buFontTx/>
-                <a:buNone/>
-                <a:tabLst/>
-                <a:defRPr/>
-              </a:pPr>
-              <a:t>7</a:t>
-            </a:fld>
-            <a:endParaRPr kumimoji="0" lang="de-DE" sz="1200" b="0" i="0" u="none" strike="noStrike" kern="1200" cap="none" spc="0" normalizeH="0" baseline="0" noProof="0" dirty="0">
-              <a:ln>
-                <a:noFill/>
-              </a:ln>
-              <a:solidFill>
-                <a:srgbClr val="404040"/>
-              </a:solidFill>
-              <a:effectLst/>
-              <a:uLnTx/>
-              <a:uFillTx/>
-              <a:latin typeface="Calibri"/>
-              <a:ea typeface="+mn-ea"/>
-              <a:cs typeface="+mn-cs"/>
-            </a:endParaRPr>
-          </a:p>
-        </p:txBody>
-      </p:sp>
-    </p:spTree>
-    <p:extLst>
-      <p:ext uri="{BB962C8B-B14F-4D97-AF65-F5344CB8AC3E}">
         <p14:creationId xmlns:p14="http://schemas.microsoft.com/office/powerpoint/2010/main" val="4278020721"/>
       </p:ext>
     </p:extLst>
@@ -2159,7 +1869,7 @@
           <a:p>
             <a:fld id="{B93D8C30-FBE7-491E-9FDE-3062E4336643}" type="datetimeFigureOut">
               <a:rPr lang="de-DE" smtClean="0"/>
-              <a:t>06.06.2018</a:t>
+              <a:t>01.07.2018</a:t>
             </a:fld>
             <a:endParaRPr lang="de-DE"/>
           </a:p>
@@ -2357,7 +2067,7 @@
           <a:p>
             <a:fld id="{B93D8C30-FBE7-491E-9FDE-3062E4336643}" type="datetimeFigureOut">
               <a:rPr lang="de-DE" smtClean="0"/>
-              <a:t>06.06.2018</a:t>
+              <a:t>01.07.2018</a:t>
             </a:fld>
             <a:endParaRPr lang="de-DE"/>
           </a:p>
@@ -2565,7 +2275,7 @@
           <a:p>
             <a:fld id="{B93D8C30-FBE7-491E-9FDE-3062E4336643}" type="datetimeFigureOut">
               <a:rPr lang="de-DE" smtClean="0"/>
-              <a:t>06.06.2018</a:t>
+              <a:t>01.07.2018</a:t>
             </a:fld>
             <a:endParaRPr lang="de-DE"/>
           </a:p>
@@ -2799,7 +2509,7 @@
             <a:pPr rtl="0"/>
             <a:fld id="{248B4201-8B90-4FE4-B476-4FFDD434EB03}" type="datetime1">
               <a:rPr lang="de-DE" noProof="0" smtClean="0"/>
-              <a:t>06.06.2018</a:t>
+              <a:t>01.07.2018</a:t>
             </a:fld>
             <a:endParaRPr lang="de-DE" noProof="0" dirty="0"/>
           </a:p>
@@ -3000,7 +2710,7 @@
             <a:pPr rtl="0"/>
             <a:fld id="{517810AC-902E-4DEC-99E7-60A182C16A2C}" type="datetime1">
               <a:rPr lang="de-DE" noProof="0" smtClean="0"/>
-              <a:t>06.06.2018</a:t>
+              <a:t>01.07.2018</a:t>
             </a:fld>
             <a:endParaRPr lang="de-DE" noProof="0" dirty="0"/>
           </a:p>
@@ -3495,7 +3205,7 @@
             <a:pPr rtl="0"/>
             <a:fld id="{AAF596EA-2D4F-4E91-B75F-445352B00BF6}" type="datetime1">
               <a:rPr lang="de-DE" noProof="0" smtClean="0"/>
-              <a:t>06.06.2018</a:t>
+              <a:t>01.07.2018</a:t>
             </a:fld>
             <a:endParaRPr lang="de-DE" noProof="0" dirty="0"/>
           </a:p>
@@ -3938,7 +3648,7 @@
             <a:pPr rtl="0"/>
             <a:fld id="{043C7498-DE73-40BA-8259-7A61304B4A11}" type="datetime1">
               <a:rPr lang="de-DE" noProof="0" smtClean="0"/>
-              <a:t>06.06.2018</a:t>
+              <a:t>01.07.2018</a:t>
             </a:fld>
             <a:endParaRPr lang="de-DE" noProof="0" dirty="0"/>
           </a:p>
@@ -4075,7 +3785,7 @@
             <a:pPr rtl="0"/>
             <a:fld id="{D50BC0BE-60D6-475F-BA14-B2ADC57A2245}" type="datetime1">
               <a:rPr lang="de-DE" noProof="0" smtClean="0"/>
-              <a:t>06.06.2018</a:t>
+              <a:t>01.07.2018</a:t>
             </a:fld>
             <a:endParaRPr lang="de-DE" noProof="0" dirty="0"/>
           </a:p>
@@ -4188,7 +3898,7 @@
             <a:pPr rtl="0"/>
             <a:fld id="{A55A9D48-82C4-43D5-9652-C28047CA9FAA}" type="datetime1">
               <a:rPr lang="de-DE" noProof="0" smtClean="0"/>
-              <a:t>06.06.2018</a:t>
+              <a:t>01.07.2018</a:t>
             </a:fld>
             <a:endParaRPr lang="de-DE" noProof="0" dirty="0"/>
           </a:p>
@@ -4507,7 +4217,7 @@
             <a:pPr rtl="0"/>
             <a:fld id="{E63A1BB5-EA83-4F89-9699-AAA010E19188}" type="datetime1">
               <a:rPr lang="de-DE" noProof="0" smtClean="0"/>
-              <a:t>06.06.2018</a:t>
+              <a:t>01.07.2018</a:t>
             </a:fld>
             <a:endParaRPr lang="de-DE" noProof="0" dirty="0"/>
           </a:p>
@@ -4710,7 +4420,7 @@
           <a:p>
             <a:fld id="{B93D8C30-FBE7-491E-9FDE-3062E4336643}" type="datetimeFigureOut">
               <a:rPr lang="de-DE" smtClean="0"/>
-              <a:t>06.06.2018</a:t>
+              <a:t>01.07.2018</a:t>
             </a:fld>
             <a:endParaRPr lang="de-DE"/>
           </a:p>
@@ -5176,7 +4886,7 @@
             <a:pPr rtl="0"/>
             <a:fld id="{D1CFBF31-2E67-4300-8101-A0ED991CFD6C}" type="datetime1">
               <a:rPr lang="de-DE" noProof="0" smtClean="0"/>
-              <a:t>06.06.2018</a:t>
+              <a:t>01.07.2018</a:t>
             </a:fld>
             <a:endParaRPr lang="de-DE" noProof="0" dirty="0"/>
           </a:p>
@@ -5379,7 +5089,7 @@
             <a:pPr rtl="0"/>
             <a:fld id="{045F7D65-2C86-423A-B61F-8093B607745C}" type="datetime1">
               <a:rPr lang="de-DE" noProof="0" smtClean="0"/>
-              <a:t>06.06.2018</a:t>
+              <a:t>01.07.2018</a:t>
             </a:fld>
             <a:endParaRPr lang="de-DE" noProof="0" dirty="0"/>
           </a:p>
@@ -5659,7 +5369,7 @@
           <a:p>
             <a:fld id="{B93D8C30-FBE7-491E-9FDE-3062E4336643}" type="datetimeFigureOut">
               <a:rPr lang="de-DE" smtClean="0"/>
-              <a:t>06.06.2018</a:t>
+              <a:t>01.07.2018</a:t>
             </a:fld>
             <a:endParaRPr lang="de-DE"/>
           </a:p>
@@ -5924,7 +5634,7 @@
           <a:p>
             <a:fld id="{B93D8C30-FBE7-491E-9FDE-3062E4336643}" type="datetimeFigureOut">
               <a:rPr lang="de-DE" smtClean="0"/>
-              <a:t>06.06.2018</a:t>
+              <a:t>01.07.2018</a:t>
             </a:fld>
             <a:endParaRPr lang="de-DE"/>
           </a:p>
@@ -6336,7 +6046,7 @@
           <a:p>
             <a:fld id="{B93D8C30-FBE7-491E-9FDE-3062E4336643}" type="datetimeFigureOut">
               <a:rPr lang="de-DE" smtClean="0"/>
-              <a:t>06.06.2018</a:t>
+              <a:t>01.07.2018</a:t>
             </a:fld>
             <a:endParaRPr lang="de-DE"/>
           </a:p>
@@ -6477,7 +6187,7 @@
           <a:p>
             <a:fld id="{B93D8C30-FBE7-491E-9FDE-3062E4336643}" type="datetimeFigureOut">
               <a:rPr lang="de-DE" smtClean="0"/>
-              <a:t>06.06.2018</a:t>
+              <a:t>01.07.2018</a:t>
             </a:fld>
             <a:endParaRPr lang="de-DE"/>
           </a:p>
@@ -6590,7 +6300,7 @@
           <a:p>
             <a:fld id="{B93D8C30-FBE7-491E-9FDE-3062E4336643}" type="datetimeFigureOut">
               <a:rPr lang="de-DE" smtClean="0"/>
-              <a:t>06.06.2018</a:t>
+              <a:t>01.07.2018</a:t>
             </a:fld>
             <a:endParaRPr lang="de-DE"/>
           </a:p>
@@ -6901,7 +6611,7 @@
           <a:p>
             <a:fld id="{B93D8C30-FBE7-491E-9FDE-3062E4336643}" type="datetimeFigureOut">
               <a:rPr lang="de-DE" smtClean="0"/>
-              <a:t>06.06.2018</a:t>
+              <a:t>01.07.2018</a:t>
             </a:fld>
             <a:endParaRPr lang="de-DE"/>
           </a:p>
@@ -7189,7 +6899,7 @@
           <a:p>
             <a:fld id="{B93D8C30-FBE7-491E-9FDE-3062E4336643}" type="datetimeFigureOut">
               <a:rPr lang="de-DE" smtClean="0"/>
-              <a:t>06.06.2018</a:t>
+              <a:t>01.07.2018</a:t>
             </a:fld>
             <a:endParaRPr lang="de-DE"/>
           </a:p>
@@ -7430,7 +7140,7 @@
           <a:p>
             <a:fld id="{B93D8C30-FBE7-491E-9FDE-3062E4336643}" type="datetimeFigureOut">
               <a:rPr lang="de-DE" smtClean="0"/>
-              <a:t>06.06.2018</a:t>
+              <a:t>01.07.2018</a:t>
             </a:fld>
             <a:endParaRPr lang="de-DE"/>
           </a:p>
@@ -7992,7 +7702,7 @@
             <a:pPr rtl="0"/>
             <a:fld id="{4FD62CBB-C65F-4197-AAF7-F362E3DD9BD2}" type="datetime1">
               <a:rPr lang="de-DE" noProof="0" smtClean="0"/>
-              <a:t>06.06.2018</a:t>
+              <a:t>01.07.2018</a:t>
             </a:fld>
             <a:endParaRPr lang="de-DE" noProof="0" dirty="0"/>
           </a:p>
@@ -8599,399 +8309,6 @@
           </a:p>
         </p:txBody>
       </p:sp>
-      <p:pic>
-        <p:nvPicPr>
-          <p:cNvPr id="5" name="Grafik 4">
-            <a:extLst>
-              <a:ext uri="{FF2B5EF4-FFF2-40B4-BE49-F238E27FC236}">
-                <a16:creationId xmlns:a16="http://schemas.microsoft.com/office/drawing/2014/main" id="{B7E16C27-D378-4829-A890-B1E9782FCB2F}"/>
-              </a:ext>
-            </a:extLst>
-          </p:cNvPr>
-          <p:cNvPicPr>
-            <a:picLocks noChangeAspect="1"/>
-          </p:cNvPicPr>
-          <p:nvPr/>
-        </p:nvPicPr>
-        <p:blipFill>
-          <a:blip r:embed="rId2">
-            <a:extLst>
-              <a:ext uri="{28A0092B-C50C-407E-A947-70E740481C1C}">
-                <a14:useLocalDpi xmlns:a14="http://schemas.microsoft.com/office/drawing/2010/main" val="0"/>
-              </a:ext>
-            </a:extLst>
-          </a:blip>
-          <a:stretch>
-            <a:fillRect/>
-          </a:stretch>
-        </p:blipFill>
-        <p:spPr>
-          <a:xfrm>
-            <a:off x="0" y="0"/>
-            <a:ext cx="17967158" cy="533400"/>
-          </a:xfrm>
-          <a:prstGeom prst="rect">
-            <a:avLst/>
-          </a:prstGeom>
-        </p:spPr>
-      </p:pic>
-      <p:pic>
-        <p:nvPicPr>
-          <p:cNvPr id="7" name="Grafik 6">
-            <a:extLst>
-              <a:ext uri="{FF2B5EF4-FFF2-40B4-BE49-F238E27FC236}">
-                <a16:creationId xmlns:a16="http://schemas.microsoft.com/office/drawing/2014/main" id="{D69E3AB2-FDF1-4CE2-9130-48554F747CE8}"/>
-              </a:ext>
-            </a:extLst>
-          </p:cNvPr>
-          <p:cNvPicPr>
-            <a:picLocks noChangeAspect="1"/>
-          </p:cNvPicPr>
-          <p:nvPr/>
-        </p:nvPicPr>
-        <p:blipFill>
-          <a:blip r:embed="rId3">
-            <a:extLst>
-              <a:ext uri="{28A0092B-C50C-407E-A947-70E740481C1C}">
-                <a14:useLocalDpi xmlns:a14="http://schemas.microsoft.com/office/drawing/2010/main" val="0"/>
-              </a:ext>
-            </a:extLst>
-          </a:blip>
-          <a:stretch>
-            <a:fillRect/>
-          </a:stretch>
-        </p:blipFill>
-        <p:spPr>
-          <a:xfrm>
-            <a:off x="-5202027" y="5962249"/>
-            <a:ext cx="17394027" cy="895751"/>
-          </a:xfrm>
-          <a:prstGeom prst="rect">
-            <a:avLst/>
-          </a:prstGeom>
-        </p:spPr>
-      </p:pic>
-      <p:pic>
-        <p:nvPicPr>
-          <p:cNvPr id="13" name="Grafik 12">
-            <a:extLst>
-              <a:ext uri="{FF2B5EF4-FFF2-40B4-BE49-F238E27FC236}">
-                <a16:creationId xmlns:a16="http://schemas.microsoft.com/office/drawing/2014/main" id="{3F15EF38-607C-4029-BB9B-6A63B2AFF21A}"/>
-              </a:ext>
-            </a:extLst>
-          </p:cNvPr>
-          <p:cNvPicPr>
-            <a:picLocks noChangeAspect="1"/>
-          </p:cNvPicPr>
-          <p:nvPr/>
-        </p:nvPicPr>
-        <p:blipFill>
-          <a:blip r:embed="rId4">
-            <a:extLst>
-              <a:ext uri="{28A0092B-C50C-407E-A947-70E740481C1C}">
-                <a14:useLocalDpi xmlns:a14="http://schemas.microsoft.com/office/drawing/2010/main" val="0"/>
-              </a:ext>
-            </a:extLst>
-          </a:blip>
-          <a:stretch>
-            <a:fillRect/>
-          </a:stretch>
-        </p:blipFill>
-        <p:spPr>
-          <a:xfrm>
-            <a:off x="1247555" y="6410124"/>
-            <a:ext cx="4738488" cy="358976"/>
-          </a:xfrm>
-          <a:prstGeom prst="rect">
-            <a:avLst/>
-          </a:prstGeom>
-        </p:spPr>
-      </p:pic>
-    </p:spTree>
-    <p:extLst>
-      <p:ext uri="{BB962C8B-B14F-4D97-AF65-F5344CB8AC3E}">
-        <p14:creationId xmlns:p14="http://schemas.microsoft.com/office/powerpoint/2010/main" val="2397511853"/>
-      </p:ext>
-    </p:extLst>
-  </p:cSld>
-  <p:clrMapOvr>
-    <a:masterClrMapping/>
-  </p:clrMapOvr>
-  <p:transition spd="slow">
-    <p:push dir="u"/>
-  </p:transition>
-</p:sld>
-</file>
-
-<file path=ppt/slides/slide11.xml><?xml version="1.0" encoding="utf-8"?>
-<p:sld xmlns:a="http://schemas.openxmlformats.org/drawingml/2006/main" xmlns:r="http://schemas.openxmlformats.org/officeDocument/2006/relationships" xmlns:p="http://schemas.openxmlformats.org/presentationml/2006/main">
-  <p:cSld>
-    <p:spTree>
-      <p:nvGrpSpPr>
-        <p:cNvPr id="1" name=""/>
-        <p:cNvGrpSpPr/>
-        <p:nvPr/>
-      </p:nvGrpSpPr>
-      <p:grpSpPr>
-        <a:xfrm>
-          <a:off x="0" y="0"/>
-          <a:ext cx="0" cy="0"/>
-          <a:chOff x="0" y="0"/>
-          <a:chExt cx="0" cy="0"/>
-        </a:xfrm>
-      </p:grpSpPr>
-      <p:sp>
-        <p:nvSpPr>
-          <p:cNvPr id="4" name="Titel 3">
-            <a:extLst>
-              <a:ext uri="{FF2B5EF4-FFF2-40B4-BE49-F238E27FC236}">
-                <a16:creationId xmlns:a16="http://schemas.microsoft.com/office/drawing/2014/main" id="{87AC8795-F72E-4F53-BACC-C551C2D8316A}"/>
-              </a:ext>
-            </a:extLst>
-          </p:cNvPr>
-          <p:cNvSpPr>
-            <a:spLocks noGrp="1"/>
-          </p:cNvSpPr>
-          <p:nvPr>
-            <p:ph type="title"/>
-          </p:nvPr>
-        </p:nvSpPr>
-        <p:spPr/>
-        <p:txBody>
-          <a:bodyPr/>
-          <a:lstStyle/>
-          <a:p>
-            <a:r>
-              <a:rPr lang="de-DE" dirty="0"/>
-              <a:t>Eingesetzte Technologien</a:t>
-            </a:r>
-          </a:p>
-        </p:txBody>
-      </p:sp>
-      <p:sp>
-        <p:nvSpPr>
-          <p:cNvPr id="6" name="Inhaltsplatzhalter 5">
-            <a:extLst>
-              <a:ext uri="{FF2B5EF4-FFF2-40B4-BE49-F238E27FC236}">
-                <a16:creationId xmlns:a16="http://schemas.microsoft.com/office/drawing/2014/main" id="{37D42437-95F7-4C64-81D1-F82571A32530}"/>
-              </a:ext>
-            </a:extLst>
-          </p:cNvPr>
-          <p:cNvSpPr>
-            <a:spLocks noGrp="1"/>
-          </p:cNvSpPr>
-          <p:nvPr>
-            <p:ph idx="1"/>
-          </p:nvPr>
-        </p:nvSpPr>
-        <p:spPr>
-          <a:xfrm>
-            <a:off x="838200" y="1825625"/>
-            <a:ext cx="10515600" cy="4351338"/>
-          </a:xfrm>
-        </p:spPr>
-        <p:txBody>
-          <a:bodyPr/>
-          <a:lstStyle/>
-          <a:p>
-            <a:r>
-              <a:rPr lang="de-DE" dirty="0"/>
-              <a:t>Programmiersprachen</a:t>
-            </a:r>
-          </a:p>
-          <a:p>
-            <a:pPr lvl="1"/>
-            <a:r>
-              <a:rPr lang="de-DE" dirty="0"/>
-              <a:t>HTML</a:t>
-            </a:r>
-          </a:p>
-          <a:p>
-            <a:pPr lvl="1"/>
-            <a:r>
-              <a:rPr lang="de-DE" dirty="0"/>
-              <a:t>CSS</a:t>
-            </a:r>
-          </a:p>
-          <a:p>
-            <a:pPr lvl="1"/>
-            <a:r>
-              <a:rPr lang="de-DE" dirty="0"/>
-              <a:t>JavaScript</a:t>
-            </a:r>
-          </a:p>
-          <a:p>
-            <a:pPr lvl="1"/>
-            <a:endParaRPr lang="de-DE" dirty="0"/>
-          </a:p>
-        </p:txBody>
-      </p:sp>
-      <p:pic>
-        <p:nvPicPr>
-          <p:cNvPr id="5" name="Grafik 4">
-            <a:extLst>
-              <a:ext uri="{FF2B5EF4-FFF2-40B4-BE49-F238E27FC236}">
-                <a16:creationId xmlns:a16="http://schemas.microsoft.com/office/drawing/2014/main" id="{B7E16C27-D378-4829-A890-B1E9782FCB2F}"/>
-              </a:ext>
-            </a:extLst>
-          </p:cNvPr>
-          <p:cNvPicPr>
-            <a:picLocks noChangeAspect="1"/>
-          </p:cNvPicPr>
-          <p:nvPr/>
-        </p:nvPicPr>
-        <p:blipFill>
-          <a:blip r:embed="rId2">
-            <a:extLst>
-              <a:ext uri="{28A0092B-C50C-407E-A947-70E740481C1C}">
-                <a14:useLocalDpi xmlns:a14="http://schemas.microsoft.com/office/drawing/2010/main" val="0"/>
-              </a:ext>
-            </a:extLst>
-          </a:blip>
-          <a:stretch>
-            <a:fillRect/>
-          </a:stretch>
-        </p:blipFill>
-        <p:spPr>
-          <a:xfrm>
-            <a:off x="0" y="0"/>
-            <a:ext cx="17967158" cy="533400"/>
-          </a:xfrm>
-          <a:prstGeom prst="rect">
-            <a:avLst/>
-          </a:prstGeom>
-        </p:spPr>
-      </p:pic>
-      <p:pic>
-        <p:nvPicPr>
-          <p:cNvPr id="7" name="Grafik 6">
-            <a:extLst>
-              <a:ext uri="{FF2B5EF4-FFF2-40B4-BE49-F238E27FC236}">
-                <a16:creationId xmlns:a16="http://schemas.microsoft.com/office/drawing/2014/main" id="{D69E3AB2-FDF1-4CE2-9130-48554F747CE8}"/>
-              </a:ext>
-            </a:extLst>
-          </p:cNvPr>
-          <p:cNvPicPr>
-            <a:picLocks noChangeAspect="1"/>
-          </p:cNvPicPr>
-          <p:nvPr/>
-        </p:nvPicPr>
-        <p:blipFill>
-          <a:blip r:embed="rId3">
-            <a:extLst>
-              <a:ext uri="{28A0092B-C50C-407E-A947-70E740481C1C}">
-                <a14:useLocalDpi xmlns:a14="http://schemas.microsoft.com/office/drawing/2010/main" val="0"/>
-              </a:ext>
-            </a:extLst>
-          </a:blip>
-          <a:stretch>
-            <a:fillRect/>
-          </a:stretch>
-        </p:blipFill>
-        <p:spPr>
-          <a:xfrm>
-            <a:off x="-5202027" y="5962249"/>
-            <a:ext cx="17394027" cy="895751"/>
-          </a:xfrm>
-          <a:prstGeom prst="rect">
-            <a:avLst/>
-          </a:prstGeom>
-        </p:spPr>
-      </p:pic>
-      <p:pic>
-        <p:nvPicPr>
-          <p:cNvPr id="13" name="Grafik 12">
-            <a:extLst>
-              <a:ext uri="{FF2B5EF4-FFF2-40B4-BE49-F238E27FC236}">
-                <a16:creationId xmlns:a16="http://schemas.microsoft.com/office/drawing/2014/main" id="{3F15EF38-607C-4029-BB9B-6A63B2AFF21A}"/>
-              </a:ext>
-            </a:extLst>
-          </p:cNvPr>
-          <p:cNvPicPr>
-            <a:picLocks noChangeAspect="1"/>
-          </p:cNvPicPr>
-          <p:nvPr/>
-        </p:nvPicPr>
-        <p:blipFill>
-          <a:blip r:embed="rId4">
-            <a:extLst>
-              <a:ext uri="{28A0092B-C50C-407E-A947-70E740481C1C}">
-                <a14:useLocalDpi xmlns:a14="http://schemas.microsoft.com/office/drawing/2010/main" val="0"/>
-              </a:ext>
-            </a:extLst>
-          </a:blip>
-          <a:stretch>
-            <a:fillRect/>
-          </a:stretch>
-        </p:blipFill>
-        <p:spPr>
-          <a:xfrm>
-            <a:off x="1247555" y="6410124"/>
-            <a:ext cx="4738488" cy="358976"/>
-          </a:xfrm>
-          <a:prstGeom prst="rect">
-            <a:avLst/>
-          </a:prstGeom>
-        </p:spPr>
-      </p:pic>
-    </p:spTree>
-    <p:extLst>
-      <p:ext uri="{BB962C8B-B14F-4D97-AF65-F5344CB8AC3E}">
-        <p14:creationId xmlns:p14="http://schemas.microsoft.com/office/powerpoint/2010/main" val="1318730117"/>
-      </p:ext>
-    </p:extLst>
-  </p:cSld>
-  <p:clrMapOvr>
-    <a:masterClrMapping/>
-  </p:clrMapOvr>
-</p:sld>
-</file>
-
-<file path=ppt/slides/slide12.xml><?xml version="1.0" encoding="utf-8"?>
-<p:sld xmlns:a="http://schemas.openxmlformats.org/drawingml/2006/main" xmlns:r="http://schemas.openxmlformats.org/officeDocument/2006/relationships" xmlns:p="http://schemas.openxmlformats.org/presentationml/2006/main">
-  <p:cSld>
-    <p:spTree>
-      <p:nvGrpSpPr>
-        <p:cNvPr id="1" name=""/>
-        <p:cNvGrpSpPr/>
-        <p:nvPr/>
-      </p:nvGrpSpPr>
-      <p:grpSpPr>
-        <a:xfrm>
-          <a:off x="0" y="0"/>
-          <a:ext cx="0" cy="0"/>
-          <a:chOff x="0" y="0"/>
-          <a:chExt cx="0" cy="0"/>
-        </a:xfrm>
-      </p:grpSpPr>
-      <p:sp>
-        <p:nvSpPr>
-          <p:cNvPr id="4" name="Titel 3">
-            <a:extLst>
-              <a:ext uri="{FF2B5EF4-FFF2-40B4-BE49-F238E27FC236}">
-                <a16:creationId xmlns:a16="http://schemas.microsoft.com/office/drawing/2014/main" id="{87AC8795-F72E-4F53-BACC-C551C2D8316A}"/>
-              </a:ext>
-            </a:extLst>
-          </p:cNvPr>
-          <p:cNvSpPr>
-            <a:spLocks noGrp="1"/>
-          </p:cNvSpPr>
-          <p:nvPr>
-            <p:ph type="title"/>
-          </p:nvPr>
-        </p:nvSpPr>
-        <p:spPr/>
-        <p:txBody>
-          <a:bodyPr/>
-          <a:lstStyle/>
-          <a:p>
-            <a:r>
-              <a:rPr lang="de-DE" dirty="0"/>
-              <a:t>Eingesetzte Technologien</a:t>
-            </a:r>
-          </a:p>
-        </p:txBody>
-      </p:sp>
       <p:sp>
         <p:nvSpPr>
           <p:cNvPr id="6" name="Inhaltsplatzhalter 5">
@@ -9188,7 +8505,7 @@
 </p:sld>
 </file>
 
-<file path=ppt/slides/slide13.xml><?xml version="1.0" encoding="utf-8"?>
+<file path=ppt/slides/slide11.xml><?xml version="1.0" encoding="utf-8"?>
 <p:sld xmlns:a="http://schemas.openxmlformats.org/drawingml/2006/main" xmlns:r="http://schemas.openxmlformats.org/officeDocument/2006/relationships" xmlns:p="http://schemas.openxmlformats.org/presentationml/2006/main">
   <p:cSld>
     <p:spTree>
@@ -9443,7 +8760,7 @@
 </p:sld>
 </file>
 
-<file path=ppt/slides/slide14.xml><?xml version="1.0" encoding="utf-8"?>
+<file path=ppt/slides/slide12.xml><?xml version="1.0" encoding="utf-8"?>
 <p:sld xmlns:a="http://schemas.openxmlformats.org/drawingml/2006/main" xmlns:r="http://schemas.openxmlformats.org/officeDocument/2006/relationships" xmlns:p="http://schemas.openxmlformats.org/presentationml/2006/main">
   <p:cSld>
     <p:spTree>
@@ -9643,7 +8960,7 @@
 </p:sld>
 </file>
 
-<file path=ppt/slides/slide15.xml><?xml version="1.0" encoding="utf-8"?>
+<file path=ppt/slides/slide13.xml><?xml version="1.0" encoding="utf-8"?>
 <p:sld xmlns:a="http://schemas.openxmlformats.org/drawingml/2006/main" xmlns:r="http://schemas.openxmlformats.org/officeDocument/2006/relationships" xmlns:p="http://schemas.openxmlformats.org/presentationml/2006/main">
   <p:cSld>
     <p:spTree>
@@ -9881,7 +9198,7 @@
 </p:sld>
 </file>
 
-<file path=ppt/slides/slide16.xml><?xml version="1.0" encoding="utf-8"?>
+<file path=ppt/slides/slide14.xml><?xml version="1.0" encoding="utf-8"?>
 <p:sld xmlns:a="http://schemas.openxmlformats.org/drawingml/2006/main" xmlns:r="http://schemas.openxmlformats.org/officeDocument/2006/relationships" xmlns:p="http://schemas.openxmlformats.org/presentationml/2006/main">
   <p:cSld>
     <p:spTree>
@@ -10103,7 +9420,7 @@
 </p:sld>
 </file>
 
-<file path=ppt/slides/slide17.xml><?xml version="1.0" encoding="utf-8"?>
+<file path=ppt/slides/slide15.xml><?xml version="1.0" encoding="utf-8"?>
 <p:sld xmlns:a="http://schemas.openxmlformats.org/drawingml/2006/main" xmlns:r="http://schemas.openxmlformats.org/officeDocument/2006/relationships" xmlns:p="http://schemas.openxmlformats.org/presentationml/2006/main">
   <p:cSld>
     <p:spTree>
@@ -10345,7 +9662,7 @@
 </p:sld>
 </file>
 
-<file path=ppt/slides/slide18.xml><?xml version="1.0" encoding="utf-8"?>
+<file path=ppt/slides/slide16.xml><?xml version="1.0" encoding="utf-8"?>
 <p:sld xmlns:a="http://schemas.openxmlformats.org/drawingml/2006/main" xmlns:r="http://schemas.openxmlformats.org/officeDocument/2006/relationships" xmlns:p="http://schemas.openxmlformats.org/presentationml/2006/main">
   <p:cSld>
     <p:spTree>
@@ -10574,7 +9891,7 @@
 </p:sld>
 </file>
 
-<file path=ppt/slides/slide19.xml><?xml version="1.0" encoding="utf-8"?>
+<file path=ppt/slides/slide17.xml><?xml version="1.0" encoding="utf-8"?>
 <p:sld xmlns:a="http://schemas.openxmlformats.org/drawingml/2006/main" xmlns:r="http://schemas.openxmlformats.org/officeDocument/2006/relationships" xmlns:p="http://schemas.openxmlformats.org/presentationml/2006/main">
   <p:cSld>
     <p:spTree>
@@ -10835,6 +10152,467 @@
     <p:extLst>
       <p:ext uri="{BB962C8B-B14F-4D97-AF65-F5344CB8AC3E}">
         <p14:creationId xmlns:p14="http://schemas.microsoft.com/office/powerpoint/2010/main" val="4045083021"/>
+      </p:ext>
+    </p:extLst>
+  </p:cSld>
+  <p:clrMapOvr>
+    <a:masterClrMapping/>
+  </p:clrMapOvr>
+</p:sld>
+</file>
+
+<file path=ppt/slides/slide18.xml><?xml version="1.0" encoding="utf-8"?>
+<p:sld xmlns:a="http://schemas.openxmlformats.org/drawingml/2006/main" xmlns:r="http://schemas.openxmlformats.org/officeDocument/2006/relationships" xmlns:p="http://schemas.openxmlformats.org/presentationml/2006/main">
+  <p:cSld>
+    <p:spTree>
+      <p:nvGrpSpPr>
+        <p:cNvPr id="1" name=""/>
+        <p:cNvGrpSpPr/>
+        <p:nvPr/>
+      </p:nvGrpSpPr>
+      <p:grpSpPr>
+        <a:xfrm>
+          <a:off x="0" y="0"/>
+          <a:ext cx="0" cy="0"/>
+          <a:chOff x="0" y="0"/>
+          <a:chExt cx="0" cy="0"/>
+        </a:xfrm>
+      </p:grpSpPr>
+      <p:sp>
+        <p:nvSpPr>
+          <p:cNvPr id="4" name="Titel 3">
+            <a:extLst>
+              <a:ext uri="{FF2B5EF4-FFF2-40B4-BE49-F238E27FC236}">
+                <a16:creationId xmlns:a16="http://schemas.microsoft.com/office/drawing/2014/main" id="{87AC8795-F72E-4F53-BACC-C551C2D8316A}"/>
+              </a:ext>
+            </a:extLst>
+          </p:cNvPr>
+          <p:cNvSpPr>
+            <a:spLocks noGrp="1"/>
+          </p:cNvSpPr>
+          <p:nvPr>
+            <p:ph type="title"/>
+          </p:nvPr>
+        </p:nvSpPr>
+        <p:spPr/>
+        <p:txBody>
+          <a:bodyPr/>
+          <a:lstStyle/>
+          <a:p>
+            <a:r>
+              <a:rPr lang="de-DE" dirty="0"/>
+              <a:t>Architektur der Plattform</a:t>
+            </a:r>
+          </a:p>
+        </p:txBody>
+      </p:sp>
+      <p:sp>
+        <p:nvSpPr>
+          <p:cNvPr id="6" name="Inhaltsplatzhalter 5">
+            <a:extLst>
+              <a:ext uri="{FF2B5EF4-FFF2-40B4-BE49-F238E27FC236}">
+                <a16:creationId xmlns:a16="http://schemas.microsoft.com/office/drawing/2014/main" id="{37D42437-95F7-4C64-81D1-F82571A32530}"/>
+              </a:ext>
+            </a:extLst>
+          </p:cNvPr>
+          <p:cNvSpPr>
+            <a:spLocks noGrp="1"/>
+          </p:cNvSpPr>
+          <p:nvPr>
+            <p:ph idx="1"/>
+          </p:nvPr>
+        </p:nvSpPr>
+        <p:spPr/>
+        <p:txBody>
+          <a:bodyPr/>
+          <a:lstStyle/>
+          <a:p>
+            <a:r>
+              <a:rPr lang="de-DE" dirty="0"/>
+              <a:t>Kurs</a:t>
+            </a:r>
+          </a:p>
+          <a:p>
+            <a:pPr lvl="1"/>
+            <a:r>
+              <a:rPr lang="de-DE" dirty="0"/>
+              <a:t>Aufgabensammlung</a:t>
+            </a:r>
+          </a:p>
+          <a:p>
+            <a:pPr lvl="1"/>
+            <a:endParaRPr lang="de-DE" dirty="0"/>
+          </a:p>
+          <a:p>
+            <a:pPr marL="0" indent="0">
+              <a:buNone/>
+            </a:pPr>
+            <a:endParaRPr lang="de-DE" dirty="0"/>
+          </a:p>
+          <a:p>
+            <a:pPr lvl="2"/>
+            <a:endParaRPr lang="de-DE" dirty="0"/>
+          </a:p>
+          <a:p>
+            <a:pPr lvl="2"/>
+            <a:endParaRPr lang="de-DE" dirty="0"/>
+          </a:p>
+          <a:p>
+            <a:endParaRPr lang="de-DE" dirty="0"/>
+          </a:p>
+        </p:txBody>
+      </p:sp>
+      <p:pic>
+        <p:nvPicPr>
+          <p:cNvPr id="5" name="Grafik 4">
+            <a:extLst>
+              <a:ext uri="{FF2B5EF4-FFF2-40B4-BE49-F238E27FC236}">
+                <a16:creationId xmlns:a16="http://schemas.microsoft.com/office/drawing/2014/main" id="{B7E16C27-D378-4829-A890-B1E9782FCB2F}"/>
+              </a:ext>
+            </a:extLst>
+          </p:cNvPr>
+          <p:cNvPicPr>
+            <a:picLocks noChangeAspect="1"/>
+          </p:cNvPicPr>
+          <p:nvPr/>
+        </p:nvPicPr>
+        <p:blipFill>
+          <a:blip r:embed="rId2">
+            <a:extLst>
+              <a:ext uri="{28A0092B-C50C-407E-A947-70E740481C1C}">
+                <a14:useLocalDpi xmlns:a14="http://schemas.microsoft.com/office/drawing/2010/main" val="0"/>
+              </a:ext>
+            </a:extLst>
+          </a:blip>
+          <a:stretch>
+            <a:fillRect/>
+          </a:stretch>
+        </p:blipFill>
+        <p:spPr>
+          <a:xfrm>
+            <a:off x="0" y="0"/>
+            <a:ext cx="17967158" cy="533400"/>
+          </a:xfrm>
+          <a:prstGeom prst="rect">
+            <a:avLst/>
+          </a:prstGeom>
+        </p:spPr>
+      </p:pic>
+      <p:pic>
+        <p:nvPicPr>
+          <p:cNvPr id="7" name="Grafik 6">
+            <a:extLst>
+              <a:ext uri="{FF2B5EF4-FFF2-40B4-BE49-F238E27FC236}">
+                <a16:creationId xmlns:a16="http://schemas.microsoft.com/office/drawing/2014/main" id="{D69E3AB2-FDF1-4CE2-9130-48554F747CE8}"/>
+              </a:ext>
+            </a:extLst>
+          </p:cNvPr>
+          <p:cNvPicPr>
+            <a:picLocks noChangeAspect="1"/>
+          </p:cNvPicPr>
+          <p:nvPr/>
+        </p:nvPicPr>
+        <p:blipFill>
+          <a:blip r:embed="rId3">
+            <a:extLst>
+              <a:ext uri="{28A0092B-C50C-407E-A947-70E740481C1C}">
+                <a14:useLocalDpi xmlns:a14="http://schemas.microsoft.com/office/drawing/2010/main" val="0"/>
+              </a:ext>
+            </a:extLst>
+          </a:blip>
+          <a:stretch>
+            <a:fillRect/>
+          </a:stretch>
+        </p:blipFill>
+        <p:spPr>
+          <a:xfrm>
+            <a:off x="-5202027" y="5962249"/>
+            <a:ext cx="17394027" cy="895751"/>
+          </a:xfrm>
+          <a:prstGeom prst="rect">
+            <a:avLst/>
+          </a:prstGeom>
+        </p:spPr>
+      </p:pic>
+      <p:pic>
+        <p:nvPicPr>
+          <p:cNvPr id="13" name="Grafik 12">
+            <a:extLst>
+              <a:ext uri="{FF2B5EF4-FFF2-40B4-BE49-F238E27FC236}">
+                <a16:creationId xmlns:a16="http://schemas.microsoft.com/office/drawing/2014/main" id="{3F15EF38-607C-4029-BB9B-6A63B2AFF21A}"/>
+              </a:ext>
+            </a:extLst>
+          </p:cNvPr>
+          <p:cNvPicPr>
+            <a:picLocks noChangeAspect="1"/>
+          </p:cNvPicPr>
+          <p:nvPr/>
+        </p:nvPicPr>
+        <p:blipFill>
+          <a:blip r:embed="rId4">
+            <a:extLst>
+              <a:ext uri="{28A0092B-C50C-407E-A947-70E740481C1C}">
+                <a14:useLocalDpi xmlns:a14="http://schemas.microsoft.com/office/drawing/2010/main" val="0"/>
+              </a:ext>
+            </a:extLst>
+          </a:blip>
+          <a:stretch>
+            <a:fillRect/>
+          </a:stretch>
+        </p:blipFill>
+        <p:spPr>
+          <a:xfrm>
+            <a:off x="1247555" y="6410124"/>
+            <a:ext cx="4738488" cy="358976"/>
+          </a:xfrm>
+          <a:prstGeom prst="rect">
+            <a:avLst/>
+          </a:prstGeom>
+        </p:spPr>
+      </p:pic>
+    </p:spTree>
+    <p:extLst>
+      <p:ext uri="{BB962C8B-B14F-4D97-AF65-F5344CB8AC3E}">
+        <p14:creationId xmlns:p14="http://schemas.microsoft.com/office/powerpoint/2010/main" val="1888036735"/>
+      </p:ext>
+    </p:extLst>
+  </p:cSld>
+  <p:clrMapOvr>
+    <a:masterClrMapping/>
+  </p:clrMapOvr>
+</p:sld>
+</file>
+
+<file path=ppt/slides/slide19.xml><?xml version="1.0" encoding="utf-8"?>
+<p:sld xmlns:a="http://schemas.openxmlformats.org/drawingml/2006/main" xmlns:r="http://schemas.openxmlformats.org/officeDocument/2006/relationships" xmlns:p="http://schemas.openxmlformats.org/presentationml/2006/main">
+  <p:cSld>
+    <p:spTree>
+      <p:nvGrpSpPr>
+        <p:cNvPr id="1" name=""/>
+        <p:cNvGrpSpPr/>
+        <p:nvPr/>
+      </p:nvGrpSpPr>
+      <p:grpSpPr>
+        <a:xfrm>
+          <a:off x="0" y="0"/>
+          <a:ext cx="0" cy="0"/>
+          <a:chOff x="0" y="0"/>
+          <a:chExt cx="0" cy="0"/>
+        </a:xfrm>
+      </p:grpSpPr>
+      <p:sp>
+        <p:nvSpPr>
+          <p:cNvPr id="4" name="Titel 3">
+            <a:extLst>
+              <a:ext uri="{FF2B5EF4-FFF2-40B4-BE49-F238E27FC236}">
+                <a16:creationId xmlns:a16="http://schemas.microsoft.com/office/drawing/2014/main" id="{87AC8795-F72E-4F53-BACC-C551C2D8316A}"/>
+              </a:ext>
+            </a:extLst>
+          </p:cNvPr>
+          <p:cNvSpPr>
+            <a:spLocks noGrp="1"/>
+          </p:cNvSpPr>
+          <p:nvPr>
+            <p:ph type="title"/>
+          </p:nvPr>
+        </p:nvSpPr>
+        <p:spPr/>
+        <p:txBody>
+          <a:bodyPr/>
+          <a:lstStyle/>
+          <a:p>
+            <a:r>
+              <a:rPr lang="de-DE" dirty="0"/>
+              <a:t>Architektur der Plattform</a:t>
+            </a:r>
+          </a:p>
+        </p:txBody>
+      </p:sp>
+      <p:sp>
+        <p:nvSpPr>
+          <p:cNvPr id="6" name="Inhaltsplatzhalter 5">
+            <a:extLst>
+              <a:ext uri="{FF2B5EF4-FFF2-40B4-BE49-F238E27FC236}">
+                <a16:creationId xmlns:a16="http://schemas.microsoft.com/office/drawing/2014/main" id="{37D42437-95F7-4C64-81D1-F82571A32530}"/>
+              </a:ext>
+            </a:extLst>
+          </p:cNvPr>
+          <p:cNvSpPr>
+            <a:spLocks noGrp="1"/>
+          </p:cNvSpPr>
+          <p:nvPr>
+            <p:ph idx="1"/>
+          </p:nvPr>
+        </p:nvSpPr>
+        <p:spPr/>
+        <p:txBody>
+          <a:bodyPr/>
+          <a:lstStyle/>
+          <a:p>
+            <a:r>
+              <a:rPr lang="de-DE" dirty="0"/>
+              <a:t>Kurs</a:t>
+            </a:r>
+          </a:p>
+          <a:p>
+            <a:pPr lvl="1"/>
+            <a:r>
+              <a:rPr lang="de-DE" dirty="0"/>
+              <a:t>Aufgabensammlung</a:t>
+            </a:r>
+          </a:p>
+          <a:p>
+            <a:pPr lvl="1"/>
+            <a:endParaRPr lang="de-DE" dirty="0"/>
+          </a:p>
+          <a:p>
+            <a:r>
+              <a:rPr lang="de-DE" dirty="0"/>
+              <a:t>Freunde-Übersicht</a:t>
+            </a:r>
+          </a:p>
+          <a:p>
+            <a:pPr lvl="1"/>
+            <a:r>
+              <a:rPr lang="de-DE" dirty="0"/>
+              <a:t>Freunde-Profil</a:t>
+            </a:r>
+          </a:p>
+          <a:p>
+            <a:pPr lvl="1"/>
+            <a:endParaRPr lang="de-DE" dirty="0"/>
+          </a:p>
+          <a:p>
+            <a:pPr marL="0" indent="0">
+              <a:buNone/>
+            </a:pPr>
+            <a:endParaRPr lang="de-DE" dirty="0"/>
+          </a:p>
+          <a:p>
+            <a:pPr lvl="2"/>
+            <a:endParaRPr lang="de-DE" dirty="0"/>
+          </a:p>
+          <a:p>
+            <a:pPr lvl="2"/>
+            <a:endParaRPr lang="de-DE" dirty="0"/>
+          </a:p>
+          <a:p>
+            <a:endParaRPr lang="de-DE" dirty="0"/>
+          </a:p>
+        </p:txBody>
+      </p:sp>
+      <p:pic>
+        <p:nvPicPr>
+          <p:cNvPr id="5" name="Grafik 4">
+            <a:extLst>
+              <a:ext uri="{FF2B5EF4-FFF2-40B4-BE49-F238E27FC236}">
+                <a16:creationId xmlns:a16="http://schemas.microsoft.com/office/drawing/2014/main" id="{B7E16C27-D378-4829-A890-B1E9782FCB2F}"/>
+              </a:ext>
+            </a:extLst>
+          </p:cNvPr>
+          <p:cNvPicPr>
+            <a:picLocks noChangeAspect="1"/>
+          </p:cNvPicPr>
+          <p:nvPr/>
+        </p:nvPicPr>
+        <p:blipFill>
+          <a:blip r:embed="rId2">
+            <a:extLst>
+              <a:ext uri="{28A0092B-C50C-407E-A947-70E740481C1C}">
+                <a14:useLocalDpi xmlns:a14="http://schemas.microsoft.com/office/drawing/2010/main" val="0"/>
+              </a:ext>
+            </a:extLst>
+          </a:blip>
+          <a:stretch>
+            <a:fillRect/>
+          </a:stretch>
+        </p:blipFill>
+        <p:spPr>
+          <a:xfrm>
+            <a:off x="0" y="0"/>
+            <a:ext cx="17967158" cy="533400"/>
+          </a:xfrm>
+          <a:prstGeom prst="rect">
+            <a:avLst/>
+          </a:prstGeom>
+        </p:spPr>
+      </p:pic>
+      <p:pic>
+        <p:nvPicPr>
+          <p:cNvPr id="7" name="Grafik 6">
+            <a:extLst>
+              <a:ext uri="{FF2B5EF4-FFF2-40B4-BE49-F238E27FC236}">
+                <a16:creationId xmlns:a16="http://schemas.microsoft.com/office/drawing/2014/main" id="{D69E3AB2-FDF1-4CE2-9130-48554F747CE8}"/>
+              </a:ext>
+            </a:extLst>
+          </p:cNvPr>
+          <p:cNvPicPr>
+            <a:picLocks noChangeAspect="1"/>
+          </p:cNvPicPr>
+          <p:nvPr/>
+        </p:nvPicPr>
+        <p:blipFill>
+          <a:blip r:embed="rId3">
+            <a:extLst>
+              <a:ext uri="{28A0092B-C50C-407E-A947-70E740481C1C}">
+                <a14:useLocalDpi xmlns:a14="http://schemas.microsoft.com/office/drawing/2010/main" val="0"/>
+              </a:ext>
+            </a:extLst>
+          </a:blip>
+          <a:stretch>
+            <a:fillRect/>
+          </a:stretch>
+        </p:blipFill>
+        <p:spPr>
+          <a:xfrm>
+            <a:off x="-5202027" y="5962249"/>
+            <a:ext cx="17394027" cy="895751"/>
+          </a:xfrm>
+          <a:prstGeom prst="rect">
+            <a:avLst/>
+          </a:prstGeom>
+        </p:spPr>
+      </p:pic>
+      <p:pic>
+        <p:nvPicPr>
+          <p:cNvPr id="13" name="Grafik 12">
+            <a:extLst>
+              <a:ext uri="{FF2B5EF4-FFF2-40B4-BE49-F238E27FC236}">
+                <a16:creationId xmlns:a16="http://schemas.microsoft.com/office/drawing/2014/main" id="{3F15EF38-607C-4029-BB9B-6A63B2AFF21A}"/>
+              </a:ext>
+            </a:extLst>
+          </p:cNvPr>
+          <p:cNvPicPr>
+            <a:picLocks noChangeAspect="1"/>
+          </p:cNvPicPr>
+          <p:nvPr/>
+        </p:nvPicPr>
+        <p:blipFill>
+          <a:blip r:embed="rId4">
+            <a:extLst>
+              <a:ext uri="{28A0092B-C50C-407E-A947-70E740481C1C}">
+                <a14:useLocalDpi xmlns:a14="http://schemas.microsoft.com/office/drawing/2010/main" val="0"/>
+              </a:ext>
+            </a:extLst>
+          </a:blip>
+          <a:stretch>
+            <a:fillRect/>
+          </a:stretch>
+        </p:blipFill>
+        <p:spPr>
+          <a:xfrm>
+            <a:off x="1247555" y="6410124"/>
+            <a:ext cx="4738488" cy="358976"/>
+          </a:xfrm>
+          <a:prstGeom prst="rect">
+            <a:avLst/>
+          </a:prstGeom>
+        </p:spPr>
+      </p:pic>
+    </p:spTree>
+    <p:extLst>
+      <p:ext uri="{BB962C8B-B14F-4D97-AF65-F5344CB8AC3E}">
+        <p14:creationId xmlns:p14="http://schemas.microsoft.com/office/powerpoint/2010/main" val="3312588023"/>
       </p:ext>
     </p:extLst>
   </p:cSld>
@@ -11066,467 +10844,6 @@
             <a:endParaRPr lang="de-DE" dirty="0"/>
           </a:p>
           <a:p>
-            <a:pPr marL="0" indent="0">
-              <a:buNone/>
-            </a:pPr>
-            <a:endParaRPr lang="de-DE" dirty="0"/>
-          </a:p>
-          <a:p>
-            <a:pPr lvl="2"/>
-            <a:endParaRPr lang="de-DE" dirty="0"/>
-          </a:p>
-          <a:p>
-            <a:pPr lvl="2"/>
-            <a:endParaRPr lang="de-DE" dirty="0"/>
-          </a:p>
-          <a:p>
-            <a:endParaRPr lang="de-DE" dirty="0"/>
-          </a:p>
-        </p:txBody>
-      </p:sp>
-      <p:pic>
-        <p:nvPicPr>
-          <p:cNvPr id="5" name="Grafik 4">
-            <a:extLst>
-              <a:ext uri="{FF2B5EF4-FFF2-40B4-BE49-F238E27FC236}">
-                <a16:creationId xmlns:a16="http://schemas.microsoft.com/office/drawing/2014/main" id="{B7E16C27-D378-4829-A890-B1E9782FCB2F}"/>
-              </a:ext>
-            </a:extLst>
-          </p:cNvPr>
-          <p:cNvPicPr>
-            <a:picLocks noChangeAspect="1"/>
-          </p:cNvPicPr>
-          <p:nvPr/>
-        </p:nvPicPr>
-        <p:blipFill>
-          <a:blip r:embed="rId2">
-            <a:extLst>
-              <a:ext uri="{28A0092B-C50C-407E-A947-70E740481C1C}">
-                <a14:useLocalDpi xmlns:a14="http://schemas.microsoft.com/office/drawing/2010/main" val="0"/>
-              </a:ext>
-            </a:extLst>
-          </a:blip>
-          <a:stretch>
-            <a:fillRect/>
-          </a:stretch>
-        </p:blipFill>
-        <p:spPr>
-          <a:xfrm>
-            <a:off x="0" y="0"/>
-            <a:ext cx="17967158" cy="533400"/>
-          </a:xfrm>
-          <a:prstGeom prst="rect">
-            <a:avLst/>
-          </a:prstGeom>
-        </p:spPr>
-      </p:pic>
-      <p:pic>
-        <p:nvPicPr>
-          <p:cNvPr id="7" name="Grafik 6">
-            <a:extLst>
-              <a:ext uri="{FF2B5EF4-FFF2-40B4-BE49-F238E27FC236}">
-                <a16:creationId xmlns:a16="http://schemas.microsoft.com/office/drawing/2014/main" id="{D69E3AB2-FDF1-4CE2-9130-48554F747CE8}"/>
-              </a:ext>
-            </a:extLst>
-          </p:cNvPr>
-          <p:cNvPicPr>
-            <a:picLocks noChangeAspect="1"/>
-          </p:cNvPicPr>
-          <p:nvPr/>
-        </p:nvPicPr>
-        <p:blipFill>
-          <a:blip r:embed="rId3">
-            <a:extLst>
-              <a:ext uri="{28A0092B-C50C-407E-A947-70E740481C1C}">
-                <a14:useLocalDpi xmlns:a14="http://schemas.microsoft.com/office/drawing/2010/main" val="0"/>
-              </a:ext>
-            </a:extLst>
-          </a:blip>
-          <a:stretch>
-            <a:fillRect/>
-          </a:stretch>
-        </p:blipFill>
-        <p:spPr>
-          <a:xfrm>
-            <a:off x="-5202027" y="5962249"/>
-            <a:ext cx="17394027" cy="895751"/>
-          </a:xfrm>
-          <a:prstGeom prst="rect">
-            <a:avLst/>
-          </a:prstGeom>
-        </p:spPr>
-      </p:pic>
-      <p:pic>
-        <p:nvPicPr>
-          <p:cNvPr id="13" name="Grafik 12">
-            <a:extLst>
-              <a:ext uri="{FF2B5EF4-FFF2-40B4-BE49-F238E27FC236}">
-                <a16:creationId xmlns:a16="http://schemas.microsoft.com/office/drawing/2014/main" id="{3F15EF38-607C-4029-BB9B-6A63B2AFF21A}"/>
-              </a:ext>
-            </a:extLst>
-          </p:cNvPr>
-          <p:cNvPicPr>
-            <a:picLocks noChangeAspect="1"/>
-          </p:cNvPicPr>
-          <p:nvPr/>
-        </p:nvPicPr>
-        <p:blipFill>
-          <a:blip r:embed="rId4">
-            <a:extLst>
-              <a:ext uri="{28A0092B-C50C-407E-A947-70E740481C1C}">
-                <a14:useLocalDpi xmlns:a14="http://schemas.microsoft.com/office/drawing/2010/main" val="0"/>
-              </a:ext>
-            </a:extLst>
-          </a:blip>
-          <a:stretch>
-            <a:fillRect/>
-          </a:stretch>
-        </p:blipFill>
-        <p:spPr>
-          <a:xfrm>
-            <a:off x="1247555" y="6410124"/>
-            <a:ext cx="4738488" cy="358976"/>
-          </a:xfrm>
-          <a:prstGeom prst="rect">
-            <a:avLst/>
-          </a:prstGeom>
-        </p:spPr>
-      </p:pic>
-    </p:spTree>
-    <p:extLst>
-      <p:ext uri="{BB962C8B-B14F-4D97-AF65-F5344CB8AC3E}">
-        <p14:creationId xmlns:p14="http://schemas.microsoft.com/office/powerpoint/2010/main" val="1888036735"/>
-      </p:ext>
-    </p:extLst>
-  </p:cSld>
-  <p:clrMapOvr>
-    <a:masterClrMapping/>
-  </p:clrMapOvr>
-</p:sld>
-</file>
-
-<file path=ppt/slides/slide21.xml><?xml version="1.0" encoding="utf-8"?>
-<p:sld xmlns:a="http://schemas.openxmlformats.org/drawingml/2006/main" xmlns:r="http://schemas.openxmlformats.org/officeDocument/2006/relationships" xmlns:p="http://schemas.openxmlformats.org/presentationml/2006/main">
-  <p:cSld>
-    <p:spTree>
-      <p:nvGrpSpPr>
-        <p:cNvPr id="1" name=""/>
-        <p:cNvGrpSpPr/>
-        <p:nvPr/>
-      </p:nvGrpSpPr>
-      <p:grpSpPr>
-        <a:xfrm>
-          <a:off x="0" y="0"/>
-          <a:ext cx="0" cy="0"/>
-          <a:chOff x="0" y="0"/>
-          <a:chExt cx="0" cy="0"/>
-        </a:xfrm>
-      </p:grpSpPr>
-      <p:sp>
-        <p:nvSpPr>
-          <p:cNvPr id="4" name="Titel 3">
-            <a:extLst>
-              <a:ext uri="{FF2B5EF4-FFF2-40B4-BE49-F238E27FC236}">
-                <a16:creationId xmlns:a16="http://schemas.microsoft.com/office/drawing/2014/main" id="{87AC8795-F72E-4F53-BACC-C551C2D8316A}"/>
-              </a:ext>
-            </a:extLst>
-          </p:cNvPr>
-          <p:cNvSpPr>
-            <a:spLocks noGrp="1"/>
-          </p:cNvSpPr>
-          <p:nvPr>
-            <p:ph type="title"/>
-          </p:nvPr>
-        </p:nvSpPr>
-        <p:spPr/>
-        <p:txBody>
-          <a:bodyPr/>
-          <a:lstStyle/>
-          <a:p>
-            <a:r>
-              <a:rPr lang="de-DE" dirty="0"/>
-              <a:t>Architektur der Plattform</a:t>
-            </a:r>
-          </a:p>
-        </p:txBody>
-      </p:sp>
-      <p:sp>
-        <p:nvSpPr>
-          <p:cNvPr id="6" name="Inhaltsplatzhalter 5">
-            <a:extLst>
-              <a:ext uri="{FF2B5EF4-FFF2-40B4-BE49-F238E27FC236}">
-                <a16:creationId xmlns:a16="http://schemas.microsoft.com/office/drawing/2014/main" id="{37D42437-95F7-4C64-81D1-F82571A32530}"/>
-              </a:ext>
-            </a:extLst>
-          </p:cNvPr>
-          <p:cNvSpPr>
-            <a:spLocks noGrp="1"/>
-          </p:cNvSpPr>
-          <p:nvPr>
-            <p:ph idx="1"/>
-          </p:nvPr>
-        </p:nvSpPr>
-        <p:spPr/>
-        <p:txBody>
-          <a:bodyPr/>
-          <a:lstStyle/>
-          <a:p>
-            <a:r>
-              <a:rPr lang="de-DE" dirty="0"/>
-              <a:t>Kurs</a:t>
-            </a:r>
-          </a:p>
-          <a:p>
-            <a:pPr lvl="1"/>
-            <a:r>
-              <a:rPr lang="de-DE" dirty="0"/>
-              <a:t>Aufgabensammlung</a:t>
-            </a:r>
-          </a:p>
-          <a:p>
-            <a:pPr lvl="1"/>
-            <a:endParaRPr lang="de-DE" dirty="0"/>
-          </a:p>
-          <a:p>
-            <a:r>
-              <a:rPr lang="de-DE" dirty="0"/>
-              <a:t>Freunde-Übersicht</a:t>
-            </a:r>
-          </a:p>
-          <a:p>
-            <a:pPr lvl="1"/>
-            <a:r>
-              <a:rPr lang="de-DE" dirty="0"/>
-              <a:t>Freunde-Profil</a:t>
-            </a:r>
-          </a:p>
-          <a:p>
-            <a:pPr lvl="1"/>
-            <a:endParaRPr lang="de-DE" dirty="0"/>
-          </a:p>
-          <a:p>
-            <a:pPr marL="0" indent="0">
-              <a:buNone/>
-            </a:pPr>
-            <a:endParaRPr lang="de-DE" dirty="0"/>
-          </a:p>
-          <a:p>
-            <a:pPr lvl="2"/>
-            <a:endParaRPr lang="de-DE" dirty="0"/>
-          </a:p>
-          <a:p>
-            <a:pPr lvl="2"/>
-            <a:endParaRPr lang="de-DE" dirty="0"/>
-          </a:p>
-          <a:p>
-            <a:endParaRPr lang="de-DE" dirty="0"/>
-          </a:p>
-        </p:txBody>
-      </p:sp>
-      <p:pic>
-        <p:nvPicPr>
-          <p:cNvPr id="5" name="Grafik 4">
-            <a:extLst>
-              <a:ext uri="{FF2B5EF4-FFF2-40B4-BE49-F238E27FC236}">
-                <a16:creationId xmlns:a16="http://schemas.microsoft.com/office/drawing/2014/main" id="{B7E16C27-D378-4829-A890-B1E9782FCB2F}"/>
-              </a:ext>
-            </a:extLst>
-          </p:cNvPr>
-          <p:cNvPicPr>
-            <a:picLocks noChangeAspect="1"/>
-          </p:cNvPicPr>
-          <p:nvPr/>
-        </p:nvPicPr>
-        <p:blipFill>
-          <a:blip r:embed="rId2">
-            <a:extLst>
-              <a:ext uri="{28A0092B-C50C-407E-A947-70E740481C1C}">
-                <a14:useLocalDpi xmlns:a14="http://schemas.microsoft.com/office/drawing/2010/main" val="0"/>
-              </a:ext>
-            </a:extLst>
-          </a:blip>
-          <a:stretch>
-            <a:fillRect/>
-          </a:stretch>
-        </p:blipFill>
-        <p:spPr>
-          <a:xfrm>
-            <a:off x="0" y="0"/>
-            <a:ext cx="17967158" cy="533400"/>
-          </a:xfrm>
-          <a:prstGeom prst="rect">
-            <a:avLst/>
-          </a:prstGeom>
-        </p:spPr>
-      </p:pic>
-      <p:pic>
-        <p:nvPicPr>
-          <p:cNvPr id="7" name="Grafik 6">
-            <a:extLst>
-              <a:ext uri="{FF2B5EF4-FFF2-40B4-BE49-F238E27FC236}">
-                <a16:creationId xmlns:a16="http://schemas.microsoft.com/office/drawing/2014/main" id="{D69E3AB2-FDF1-4CE2-9130-48554F747CE8}"/>
-              </a:ext>
-            </a:extLst>
-          </p:cNvPr>
-          <p:cNvPicPr>
-            <a:picLocks noChangeAspect="1"/>
-          </p:cNvPicPr>
-          <p:nvPr/>
-        </p:nvPicPr>
-        <p:blipFill>
-          <a:blip r:embed="rId3">
-            <a:extLst>
-              <a:ext uri="{28A0092B-C50C-407E-A947-70E740481C1C}">
-                <a14:useLocalDpi xmlns:a14="http://schemas.microsoft.com/office/drawing/2010/main" val="0"/>
-              </a:ext>
-            </a:extLst>
-          </a:blip>
-          <a:stretch>
-            <a:fillRect/>
-          </a:stretch>
-        </p:blipFill>
-        <p:spPr>
-          <a:xfrm>
-            <a:off x="-5202027" y="5962249"/>
-            <a:ext cx="17394027" cy="895751"/>
-          </a:xfrm>
-          <a:prstGeom prst="rect">
-            <a:avLst/>
-          </a:prstGeom>
-        </p:spPr>
-      </p:pic>
-      <p:pic>
-        <p:nvPicPr>
-          <p:cNvPr id="13" name="Grafik 12">
-            <a:extLst>
-              <a:ext uri="{FF2B5EF4-FFF2-40B4-BE49-F238E27FC236}">
-                <a16:creationId xmlns:a16="http://schemas.microsoft.com/office/drawing/2014/main" id="{3F15EF38-607C-4029-BB9B-6A63B2AFF21A}"/>
-              </a:ext>
-            </a:extLst>
-          </p:cNvPr>
-          <p:cNvPicPr>
-            <a:picLocks noChangeAspect="1"/>
-          </p:cNvPicPr>
-          <p:nvPr/>
-        </p:nvPicPr>
-        <p:blipFill>
-          <a:blip r:embed="rId4">
-            <a:extLst>
-              <a:ext uri="{28A0092B-C50C-407E-A947-70E740481C1C}">
-                <a14:useLocalDpi xmlns:a14="http://schemas.microsoft.com/office/drawing/2010/main" val="0"/>
-              </a:ext>
-            </a:extLst>
-          </a:blip>
-          <a:stretch>
-            <a:fillRect/>
-          </a:stretch>
-        </p:blipFill>
-        <p:spPr>
-          <a:xfrm>
-            <a:off x="1247555" y="6410124"/>
-            <a:ext cx="4738488" cy="358976"/>
-          </a:xfrm>
-          <a:prstGeom prst="rect">
-            <a:avLst/>
-          </a:prstGeom>
-        </p:spPr>
-      </p:pic>
-    </p:spTree>
-    <p:extLst>
-      <p:ext uri="{BB962C8B-B14F-4D97-AF65-F5344CB8AC3E}">
-        <p14:creationId xmlns:p14="http://schemas.microsoft.com/office/powerpoint/2010/main" val="3312588023"/>
-      </p:ext>
-    </p:extLst>
-  </p:cSld>
-  <p:clrMapOvr>
-    <a:masterClrMapping/>
-  </p:clrMapOvr>
-</p:sld>
-</file>
-
-<file path=ppt/slides/slide22.xml><?xml version="1.0" encoding="utf-8"?>
-<p:sld xmlns:a="http://schemas.openxmlformats.org/drawingml/2006/main" xmlns:r="http://schemas.openxmlformats.org/officeDocument/2006/relationships" xmlns:p="http://schemas.openxmlformats.org/presentationml/2006/main">
-  <p:cSld>
-    <p:spTree>
-      <p:nvGrpSpPr>
-        <p:cNvPr id="1" name=""/>
-        <p:cNvGrpSpPr/>
-        <p:nvPr/>
-      </p:nvGrpSpPr>
-      <p:grpSpPr>
-        <a:xfrm>
-          <a:off x="0" y="0"/>
-          <a:ext cx="0" cy="0"/>
-          <a:chOff x="0" y="0"/>
-          <a:chExt cx="0" cy="0"/>
-        </a:xfrm>
-      </p:grpSpPr>
-      <p:sp>
-        <p:nvSpPr>
-          <p:cNvPr id="4" name="Titel 3">
-            <a:extLst>
-              <a:ext uri="{FF2B5EF4-FFF2-40B4-BE49-F238E27FC236}">
-                <a16:creationId xmlns:a16="http://schemas.microsoft.com/office/drawing/2014/main" id="{87AC8795-F72E-4F53-BACC-C551C2D8316A}"/>
-              </a:ext>
-            </a:extLst>
-          </p:cNvPr>
-          <p:cNvSpPr>
-            <a:spLocks noGrp="1"/>
-          </p:cNvSpPr>
-          <p:nvPr>
-            <p:ph type="title"/>
-          </p:nvPr>
-        </p:nvSpPr>
-        <p:spPr/>
-        <p:txBody>
-          <a:bodyPr/>
-          <a:lstStyle/>
-          <a:p>
-            <a:r>
-              <a:rPr lang="de-DE" dirty="0"/>
-              <a:t>Architektur der Plattform</a:t>
-            </a:r>
-          </a:p>
-        </p:txBody>
-      </p:sp>
-      <p:sp>
-        <p:nvSpPr>
-          <p:cNvPr id="6" name="Inhaltsplatzhalter 5">
-            <a:extLst>
-              <a:ext uri="{FF2B5EF4-FFF2-40B4-BE49-F238E27FC236}">
-                <a16:creationId xmlns:a16="http://schemas.microsoft.com/office/drawing/2014/main" id="{37D42437-95F7-4C64-81D1-F82571A32530}"/>
-              </a:ext>
-            </a:extLst>
-          </p:cNvPr>
-          <p:cNvSpPr>
-            <a:spLocks noGrp="1"/>
-          </p:cNvSpPr>
-          <p:nvPr>
-            <p:ph idx="1"/>
-          </p:nvPr>
-        </p:nvSpPr>
-        <p:spPr/>
-        <p:txBody>
-          <a:bodyPr/>
-          <a:lstStyle/>
-          <a:p>
-            <a:r>
-              <a:rPr lang="de-DE" dirty="0"/>
-              <a:t>Kurs</a:t>
-            </a:r>
-          </a:p>
-          <a:p>
-            <a:pPr lvl="1"/>
-            <a:r>
-              <a:rPr lang="de-DE" dirty="0"/>
-              <a:t>Aufgabensammlung</a:t>
-            </a:r>
-          </a:p>
-          <a:p>
-            <a:pPr lvl="1"/>
-            <a:endParaRPr lang="de-DE" dirty="0"/>
-          </a:p>
-          <a:p>
             <a:r>
               <a:rPr lang="de-DE" dirty="0"/>
               <a:t>Freunde-Übersicht</a:t>
@@ -11703,7 +11020,7 @@
 </p:sld>
 </file>
 
-<file path=ppt/slides/slide23.xml><?xml version="1.0" encoding="utf-8"?>
+<file path=ppt/slides/slide21.xml><?xml version="1.0" encoding="utf-8"?>
 <p:sld xmlns:a="http://schemas.openxmlformats.org/drawingml/2006/main" xmlns:r="http://schemas.openxmlformats.org/officeDocument/2006/relationships" xmlns:p="http://schemas.openxmlformats.org/presentationml/2006/main">
   <p:cSld>
     <p:spTree>
@@ -11955,7 +11272,7 @@
 </p:sld>
 </file>
 
-<file path=ppt/slides/slide24.xml><?xml version="1.0" encoding="utf-8"?>
+<file path=ppt/slides/slide22.xml><?xml version="1.0" encoding="utf-8"?>
 <p:sld xmlns:a="http://schemas.openxmlformats.org/drawingml/2006/main" xmlns:r="http://schemas.openxmlformats.org/officeDocument/2006/relationships" xmlns:p="http://schemas.openxmlformats.org/presentationml/2006/main">
   <p:cSld>
     <p:spTree>
@@ -12129,7 +11446,7 @@
 </p:sld>
 </file>
 
-<file path=ppt/slides/slide25.xml><?xml version="1.0" encoding="utf-8"?>
+<file path=ppt/slides/slide23.xml><?xml version="1.0" encoding="utf-8"?>
 <p:sld xmlns:a="http://schemas.openxmlformats.org/drawingml/2006/main" xmlns:r="http://schemas.openxmlformats.org/officeDocument/2006/relationships" xmlns:p="http://schemas.openxmlformats.org/presentationml/2006/main">
   <p:cSld>
     <p:spTree>
@@ -12327,7 +11644,7 @@
 </p:sld>
 </file>
 
-<file path=ppt/slides/slide26.xml><?xml version="1.0" encoding="utf-8"?>
+<file path=ppt/slides/slide24.xml><?xml version="1.0" encoding="utf-8"?>
 <p:sld xmlns:a="http://schemas.openxmlformats.org/drawingml/2006/main" xmlns:r="http://schemas.openxmlformats.org/officeDocument/2006/relationships" xmlns:p="http://schemas.openxmlformats.org/presentationml/2006/main">
   <p:cSld>
     <p:spTree>
@@ -12535,7 +11852,7 @@
 </p:sld>
 </file>
 
-<file path=ppt/slides/slide27.xml><?xml version="1.0" encoding="utf-8"?>
+<file path=ppt/slides/slide25.xml><?xml version="1.0" encoding="utf-8"?>
 <p:sld xmlns:a="http://schemas.openxmlformats.org/drawingml/2006/main" xmlns:r="http://schemas.openxmlformats.org/officeDocument/2006/relationships" xmlns:p="http://schemas.openxmlformats.org/presentationml/2006/main">
   <p:cSld>
     <p:spTree>
@@ -12765,7 +12082,7 @@
 </p:sld>
 </file>
 
-<file path=ppt/slides/slide28.xml><?xml version="1.0" encoding="utf-8"?>
+<file path=ppt/slides/slide26.xml><?xml version="1.0" encoding="utf-8"?>
 <p:sld xmlns:a="http://schemas.openxmlformats.org/drawingml/2006/main" xmlns:r="http://schemas.openxmlformats.org/officeDocument/2006/relationships" xmlns:p="http://schemas.openxmlformats.org/presentationml/2006/main">
   <p:cSld>
     <p:spTree>
@@ -13008,7 +12325,7 @@
 </p:sld>
 </file>
 
-<file path=ppt/slides/slide29.xml><?xml version="1.0" encoding="utf-8"?>
+<file path=ppt/slides/slide27.xml><?xml version="1.0" encoding="utf-8"?>
 <p:sld xmlns:a="http://schemas.openxmlformats.org/drawingml/2006/main" xmlns:r="http://schemas.openxmlformats.org/officeDocument/2006/relationships" xmlns:p="http://schemas.openxmlformats.org/presentationml/2006/main">
   <p:cSld>
     <p:spTree>
@@ -13217,6 +12534,434 @@
   <p:clrMapOvr>
     <a:masterClrMapping/>
   </p:clrMapOvr>
+</p:sld>
+</file>
+
+<file path=ppt/slides/slide28.xml><?xml version="1.0" encoding="utf-8"?>
+<p:sld xmlns:a="http://schemas.openxmlformats.org/drawingml/2006/main" xmlns:r="http://schemas.openxmlformats.org/officeDocument/2006/relationships" xmlns:p="http://schemas.openxmlformats.org/presentationml/2006/main">
+  <p:cSld>
+    <p:spTree>
+      <p:nvGrpSpPr>
+        <p:cNvPr id="1" name=""/>
+        <p:cNvGrpSpPr/>
+        <p:nvPr/>
+      </p:nvGrpSpPr>
+      <p:grpSpPr>
+        <a:xfrm>
+          <a:off x="0" y="0"/>
+          <a:ext cx="0" cy="0"/>
+          <a:chOff x="0" y="0"/>
+          <a:chExt cx="0" cy="0"/>
+        </a:xfrm>
+      </p:grpSpPr>
+      <p:sp>
+        <p:nvSpPr>
+          <p:cNvPr id="4" name="Titel 3">
+            <a:extLst>
+              <a:ext uri="{FF2B5EF4-FFF2-40B4-BE49-F238E27FC236}">
+                <a16:creationId xmlns:a16="http://schemas.microsoft.com/office/drawing/2014/main" id="{87AC8795-F72E-4F53-BACC-C551C2D8316A}"/>
+              </a:ext>
+            </a:extLst>
+          </p:cNvPr>
+          <p:cNvSpPr>
+            <a:spLocks noGrp="1"/>
+          </p:cNvSpPr>
+          <p:nvPr>
+            <p:ph type="title"/>
+          </p:nvPr>
+        </p:nvSpPr>
+        <p:spPr/>
+        <p:txBody>
+          <a:bodyPr/>
+          <a:lstStyle/>
+          <a:p>
+            <a:r>
+              <a:rPr lang="de-DE" dirty="0"/>
+              <a:t>Navigationsprinzip</a:t>
+            </a:r>
+          </a:p>
+        </p:txBody>
+      </p:sp>
+      <p:sp>
+        <p:nvSpPr>
+          <p:cNvPr id="6" name="Inhaltsplatzhalter 5">
+            <a:extLst>
+              <a:ext uri="{FF2B5EF4-FFF2-40B4-BE49-F238E27FC236}">
+                <a16:creationId xmlns:a16="http://schemas.microsoft.com/office/drawing/2014/main" id="{37D42437-95F7-4C64-81D1-F82571A32530}"/>
+              </a:ext>
+            </a:extLst>
+          </p:cNvPr>
+          <p:cNvSpPr>
+            <a:spLocks noGrp="1"/>
+          </p:cNvSpPr>
+          <p:nvPr>
+            <p:ph idx="1"/>
+          </p:nvPr>
+        </p:nvSpPr>
+        <p:spPr/>
+        <p:txBody>
+          <a:bodyPr/>
+          <a:lstStyle/>
+          <a:p>
+            <a:r>
+              <a:rPr lang="de-DE" dirty="0"/>
+              <a:t>Position im Header</a:t>
+            </a:r>
+          </a:p>
+          <a:p>
+            <a:pPr lvl="1"/>
+            <a:r>
+              <a:rPr lang="de-DE" dirty="0"/>
+              <a:t>Markiert aktuelles Thema im Header </a:t>
+            </a:r>
+          </a:p>
+          <a:p>
+            <a:endParaRPr lang="de-DE" dirty="0"/>
+          </a:p>
+          <a:p>
+            <a:r>
+              <a:rPr lang="de-DE" dirty="0"/>
+              <a:t>Interne Links</a:t>
+            </a:r>
+          </a:p>
+          <a:p>
+            <a:pPr lvl="1"/>
+            <a:r>
+              <a:rPr lang="de-DE" dirty="0"/>
+              <a:t>Verweist auf die verschiedenen Seiten</a:t>
+            </a:r>
+          </a:p>
+          <a:p>
+            <a:pPr lvl="1"/>
+            <a:endParaRPr lang="de-DE" dirty="0"/>
+          </a:p>
+          <a:p>
+            <a:pPr lvl="1"/>
+            <a:endParaRPr lang="de-DE" dirty="0"/>
+          </a:p>
+        </p:txBody>
+      </p:sp>
+      <p:pic>
+        <p:nvPicPr>
+          <p:cNvPr id="5" name="Grafik 4">
+            <a:extLst>
+              <a:ext uri="{FF2B5EF4-FFF2-40B4-BE49-F238E27FC236}">
+                <a16:creationId xmlns:a16="http://schemas.microsoft.com/office/drawing/2014/main" id="{B7E16C27-D378-4829-A890-B1E9782FCB2F}"/>
+              </a:ext>
+            </a:extLst>
+          </p:cNvPr>
+          <p:cNvPicPr>
+            <a:picLocks noChangeAspect="1"/>
+          </p:cNvPicPr>
+          <p:nvPr/>
+        </p:nvPicPr>
+        <p:blipFill>
+          <a:blip r:embed="rId2">
+            <a:extLst>
+              <a:ext uri="{28A0092B-C50C-407E-A947-70E740481C1C}">
+                <a14:useLocalDpi xmlns:a14="http://schemas.microsoft.com/office/drawing/2010/main" val="0"/>
+              </a:ext>
+            </a:extLst>
+          </a:blip>
+          <a:stretch>
+            <a:fillRect/>
+          </a:stretch>
+        </p:blipFill>
+        <p:spPr>
+          <a:xfrm>
+            <a:off x="0" y="0"/>
+            <a:ext cx="17967158" cy="533400"/>
+          </a:xfrm>
+          <a:prstGeom prst="rect">
+            <a:avLst/>
+          </a:prstGeom>
+        </p:spPr>
+      </p:pic>
+      <p:pic>
+        <p:nvPicPr>
+          <p:cNvPr id="7" name="Grafik 6">
+            <a:extLst>
+              <a:ext uri="{FF2B5EF4-FFF2-40B4-BE49-F238E27FC236}">
+                <a16:creationId xmlns:a16="http://schemas.microsoft.com/office/drawing/2014/main" id="{D69E3AB2-FDF1-4CE2-9130-48554F747CE8}"/>
+              </a:ext>
+            </a:extLst>
+          </p:cNvPr>
+          <p:cNvPicPr>
+            <a:picLocks noChangeAspect="1"/>
+          </p:cNvPicPr>
+          <p:nvPr/>
+        </p:nvPicPr>
+        <p:blipFill>
+          <a:blip r:embed="rId3">
+            <a:extLst>
+              <a:ext uri="{28A0092B-C50C-407E-A947-70E740481C1C}">
+                <a14:useLocalDpi xmlns:a14="http://schemas.microsoft.com/office/drawing/2010/main" val="0"/>
+              </a:ext>
+            </a:extLst>
+          </a:blip>
+          <a:stretch>
+            <a:fillRect/>
+          </a:stretch>
+        </p:blipFill>
+        <p:spPr>
+          <a:xfrm>
+            <a:off x="-5202027" y="5962249"/>
+            <a:ext cx="17394027" cy="895751"/>
+          </a:xfrm>
+          <a:prstGeom prst="rect">
+            <a:avLst/>
+          </a:prstGeom>
+        </p:spPr>
+      </p:pic>
+      <p:pic>
+        <p:nvPicPr>
+          <p:cNvPr id="13" name="Grafik 12">
+            <a:extLst>
+              <a:ext uri="{FF2B5EF4-FFF2-40B4-BE49-F238E27FC236}">
+                <a16:creationId xmlns:a16="http://schemas.microsoft.com/office/drawing/2014/main" id="{3F15EF38-607C-4029-BB9B-6A63B2AFF21A}"/>
+              </a:ext>
+            </a:extLst>
+          </p:cNvPr>
+          <p:cNvPicPr>
+            <a:picLocks noChangeAspect="1"/>
+          </p:cNvPicPr>
+          <p:nvPr/>
+        </p:nvPicPr>
+        <p:blipFill>
+          <a:blip r:embed="rId4">
+            <a:extLst>
+              <a:ext uri="{28A0092B-C50C-407E-A947-70E740481C1C}">
+                <a14:useLocalDpi xmlns:a14="http://schemas.microsoft.com/office/drawing/2010/main" val="0"/>
+              </a:ext>
+            </a:extLst>
+          </a:blip>
+          <a:stretch>
+            <a:fillRect/>
+          </a:stretch>
+        </p:blipFill>
+        <p:spPr>
+          <a:xfrm>
+            <a:off x="1247555" y="6410124"/>
+            <a:ext cx="4738488" cy="358976"/>
+          </a:xfrm>
+          <a:prstGeom prst="rect">
+            <a:avLst/>
+          </a:prstGeom>
+        </p:spPr>
+      </p:pic>
+    </p:spTree>
+    <p:extLst>
+      <p:ext uri="{BB962C8B-B14F-4D97-AF65-F5344CB8AC3E}">
+        <p14:creationId xmlns:p14="http://schemas.microsoft.com/office/powerpoint/2010/main" val="737356901"/>
+      </p:ext>
+    </p:extLst>
+  </p:cSld>
+  <p:clrMapOvr>
+    <a:masterClrMapping/>
+  </p:clrMapOvr>
+</p:sld>
+</file>
+
+<file path=ppt/slides/slide29.xml><?xml version="1.0" encoding="utf-8"?>
+<p:sld xmlns:a="http://schemas.openxmlformats.org/drawingml/2006/main" xmlns:r="http://schemas.openxmlformats.org/officeDocument/2006/relationships" xmlns:p="http://schemas.openxmlformats.org/presentationml/2006/main">
+  <p:cSld>
+    <p:spTree>
+      <p:nvGrpSpPr>
+        <p:cNvPr id="1" name=""/>
+        <p:cNvGrpSpPr/>
+        <p:nvPr/>
+      </p:nvGrpSpPr>
+      <p:grpSpPr>
+        <a:xfrm>
+          <a:off x="0" y="0"/>
+          <a:ext cx="0" cy="0"/>
+          <a:chOff x="0" y="0"/>
+          <a:chExt cx="0" cy="0"/>
+        </a:xfrm>
+      </p:grpSpPr>
+      <p:sp>
+        <p:nvSpPr>
+          <p:cNvPr id="4" name="Titel 3">
+            <a:extLst>
+              <a:ext uri="{FF2B5EF4-FFF2-40B4-BE49-F238E27FC236}">
+                <a16:creationId xmlns:a16="http://schemas.microsoft.com/office/drawing/2014/main" id="{87AC8795-F72E-4F53-BACC-C551C2D8316A}"/>
+              </a:ext>
+            </a:extLst>
+          </p:cNvPr>
+          <p:cNvSpPr>
+            <a:spLocks noGrp="1"/>
+          </p:cNvSpPr>
+          <p:nvPr>
+            <p:ph type="title"/>
+          </p:nvPr>
+        </p:nvSpPr>
+        <p:spPr/>
+        <p:txBody>
+          <a:bodyPr/>
+          <a:lstStyle/>
+          <a:p>
+            <a:r>
+              <a:rPr lang="de-DE" dirty="0"/>
+              <a:t>Funktionselemente</a:t>
+            </a:r>
+          </a:p>
+        </p:txBody>
+      </p:sp>
+      <p:sp>
+        <p:nvSpPr>
+          <p:cNvPr id="6" name="Inhaltsplatzhalter 5">
+            <a:extLst>
+              <a:ext uri="{FF2B5EF4-FFF2-40B4-BE49-F238E27FC236}">
+                <a16:creationId xmlns:a16="http://schemas.microsoft.com/office/drawing/2014/main" id="{37D42437-95F7-4C64-81D1-F82571A32530}"/>
+              </a:ext>
+            </a:extLst>
+          </p:cNvPr>
+          <p:cNvSpPr>
+            <a:spLocks noGrp="1"/>
+          </p:cNvSpPr>
+          <p:nvPr>
+            <p:ph idx="1"/>
+          </p:nvPr>
+        </p:nvSpPr>
+        <p:spPr/>
+        <p:txBody>
+          <a:bodyPr/>
+          <a:lstStyle/>
+          <a:p>
+            <a:pPr marL="0" indent="0">
+              <a:buNone/>
+            </a:pPr>
+            <a:endParaRPr lang="de-DE" dirty="0"/>
+          </a:p>
+          <a:p>
+            <a:pPr marL="457200" lvl="1" indent="0">
+              <a:buNone/>
+            </a:pPr>
+            <a:endParaRPr lang="de-DE" dirty="0"/>
+          </a:p>
+        </p:txBody>
+      </p:sp>
+      <p:pic>
+        <p:nvPicPr>
+          <p:cNvPr id="5" name="Grafik 4">
+            <a:extLst>
+              <a:ext uri="{FF2B5EF4-FFF2-40B4-BE49-F238E27FC236}">
+                <a16:creationId xmlns:a16="http://schemas.microsoft.com/office/drawing/2014/main" id="{B7E16C27-D378-4829-A890-B1E9782FCB2F}"/>
+              </a:ext>
+            </a:extLst>
+          </p:cNvPr>
+          <p:cNvPicPr>
+            <a:picLocks noChangeAspect="1"/>
+          </p:cNvPicPr>
+          <p:nvPr/>
+        </p:nvPicPr>
+        <p:blipFill>
+          <a:blip r:embed="rId2">
+            <a:extLst>
+              <a:ext uri="{28A0092B-C50C-407E-A947-70E740481C1C}">
+                <a14:useLocalDpi xmlns:a14="http://schemas.microsoft.com/office/drawing/2010/main" val="0"/>
+              </a:ext>
+            </a:extLst>
+          </a:blip>
+          <a:stretch>
+            <a:fillRect/>
+          </a:stretch>
+        </p:blipFill>
+        <p:spPr>
+          <a:xfrm>
+            <a:off x="0" y="0"/>
+            <a:ext cx="17967158" cy="533400"/>
+          </a:xfrm>
+          <a:prstGeom prst="rect">
+            <a:avLst/>
+          </a:prstGeom>
+        </p:spPr>
+      </p:pic>
+      <p:pic>
+        <p:nvPicPr>
+          <p:cNvPr id="7" name="Grafik 6">
+            <a:extLst>
+              <a:ext uri="{FF2B5EF4-FFF2-40B4-BE49-F238E27FC236}">
+                <a16:creationId xmlns:a16="http://schemas.microsoft.com/office/drawing/2014/main" id="{D69E3AB2-FDF1-4CE2-9130-48554F747CE8}"/>
+              </a:ext>
+            </a:extLst>
+          </p:cNvPr>
+          <p:cNvPicPr>
+            <a:picLocks noChangeAspect="1"/>
+          </p:cNvPicPr>
+          <p:nvPr/>
+        </p:nvPicPr>
+        <p:blipFill>
+          <a:blip r:embed="rId3">
+            <a:extLst>
+              <a:ext uri="{28A0092B-C50C-407E-A947-70E740481C1C}">
+                <a14:useLocalDpi xmlns:a14="http://schemas.microsoft.com/office/drawing/2010/main" val="0"/>
+              </a:ext>
+            </a:extLst>
+          </a:blip>
+          <a:stretch>
+            <a:fillRect/>
+          </a:stretch>
+        </p:blipFill>
+        <p:spPr>
+          <a:xfrm>
+            <a:off x="-5202027" y="5962249"/>
+            <a:ext cx="17394027" cy="895751"/>
+          </a:xfrm>
+          <a:prstGeom prst="rect">
+            <a:avLst/>
+          </a:prstGeom>
+        </p:spPr>
+      </p:pic>
+      <p:pic>
+        <p:nvPicPr>
+          <p:cNvPr id="13" name="Grafik 12">
+            <a:extLst>
+              <a:ext uri="{FF2B5EF4-FFF2-40B4-BE49-F238E27FC236}">
+                <a16:creationId xmlns:a16="http://schemas.microsoft.com/office/drawing/2014/main" id="{3F15EF38-607C-4029-BB9B-6A63B2AFF21A}"/>
+              </a:ext>
+            </a:extLst>
+          </p:cNvPr>
+          <p:cNvPicPr>
+            <a:picLocks noChangeAspect="1"/>
+          </p:cNvPicPr>
+          <p:nvPr/>
+        </p:nvPicPr>
+        <p:blipFill>
+          <a:blip r:embed="rId4">
+            <a:extLst>
+              <a:ext uri="{28A0092B-C50C-407E-A947-70E740481C1C}">
+                <a14:useLocalDpi xmlns:a14="http://schemas.microsoft.com/office/drawing/2010/main" val="0"/>
+              </a:ext>
+            </a:extLst>
+          </a:blip>
+          <a:stretch>
+            <a:fillRect/>
+          </a:stretch>
+        </p:blipFill>
+        <p:spPr>
+          <a:xfrm>
+            <a:off x="1247555" y="6410124"/>
+            <a:ext cx="4738488" cy="358976"/>
+          </a:xfrm>
+          <a:prstGeom prst="rect">
+            <a:avLst/>
+          </a:prstGeom>
+        </p:spPr>
+      </p:pic>
+    </p:spTree>
+    <p:extLst>
+      <p:ext uri="{BB962C8B-B14F-4D97-AF65-F5344CB8AC3E}">
+        <p14:creationId xmlns:p14="http://schemas.microsoft.com/office/powerpoint/2010/main" val="2174234159"/>
+      </p:ext>
+    </p:extLst>
+  </p:cSld>
+  <p:clrMapOvr>
+    <a:masterClrMapping/>
+  </p:clrMapOvr>
+  <p:transition spd="slow">
+    <p:push dir="u"/>
+  </p:transition>
 </p:sld>
 </file>
 
@@ -13366,434 +13111,6 @@
           <a:p>
             <a:r>
               <a:rPr lang="de-DE" dirty="0"/>
-              <a:t>Navigationsprinzip</a:t>
-            </a:r>
-          </a:p>
-        </p:txBody>
-      </p:sp>
-      <p:sp>
-        <p:nvSpPr>
-          <p:cNvPr id="6" name="Inhaltsplatzhalter 5">
-            <a:extLst>
-              <a:ext uri="{FF2B5EF4-FFF2-40B4-BE49-F238E27FC236}">
-                <a16:creationId xmlns:a16="http://schemas.microsoft.com/office/drawing/2014/main" id="{37D42437-95F7-4C64-81D1-F82571A32530}"/>
-              </a:ext>
-            </a:extLst>
-          </p:cNvPr>
-          <p:cNvSpPr>
-            <a:spLocks noGrp="1"/>
-          </p:cNvSpPr>
-          <p:nvPr>
-            <p:ph idx="1"/>
-          </p:nvPr>
-        </p:nvSpPr>
-        <p:spPr/>
-        <p:txBody>
-          <a:bodyPr/>
-          <a:lstStyle/>
-          <a:p>
-            <a:r>
-              <a:rPr lang="de-DE" dirty="0"/>
-              <a:t>Position im Header</a:t>
-            </a:r>
-          </a:p>
-          <a:p>
-            <a:pPr lvl="1"/>
-            <a:r>
-              <a:rPr lang="de-DE" dirty="0"/>
-              <a:t>Markiert aktuelles Thema im Header </a:t>
-            </a:r>
-          </a:p>
-          <a:p>
-            <a:endParaRPr lang="de-DE" dirty="0"/>
-          </a:p>
-          <a:p>
-            <a:r>
-              <a:rPr lang="de-DE" dirty="0"/>
-              <a:t>Interne Links</a:t>
-            </a:r>
-          </a:p>
-          <a:p>
-            <a:pPr lvl="1"/>
-            <a:r>
-              <a:rPr lang="de-DE" dirty="0"/>
-              <a:t>Verweist auf die verschiedenen Seiten</a:t>
-            </a:r>
-          </a:p>
-          <a:p>
-            <a:pPr lvl="1"/>
-            <a:endParaRPr lang="de-DE" dirty="0"/>
-          </a:p>
-          <a:p>
-            <a:pPr lvl="1"/>
-            <a:endParaRPr lang="de-DE" dirty="0"/>
-          </a:p>
-        </p:txBody>
-      </p:sp>
-      <p:pic>
-        <p:nvPicPr>
-          <p:cNvPr id="5" name="Grafik 4">
-            <a:extLst>
-              <a:ext uri="{FF2B5EF4-FFF2-40B4-BE49-F238E27FC236}">
-                <a16:creationId xmlns:a16="http://schemas.microsoft.com/office/drawing/2014/main" id="{B7E16C27-D378-4829-A890-B1E9782FCB2F}"/>
-              </a:ext>
-            </a:extLst>
-          </p:cNvPr>
-          <p:cNvPicPr>
-            <a:picLocks noChangeAspect="1"/>
-          </p:cNvPicPr>
-          <p:nvPr/>
-        </p:nvPicPr>
-        <p:blipFill>
-          <a:blip r:embed="rId2">
-            <a:extLst>
-              <a:ext uri="{28A0092B-C50C-407E-A947-70E740481C1C}">
-                <a14:useLocalDpi xmlns:a14="http://schemas.microsoft.com/office/drawing/2010/main" val="0"/>
-              </a:ext>
-            </a:extLst>
-          </a:blip>
-          <a:stretch>
-            <a:fillRect/>
-          </a:stretch>
-        </p:blipFill>
-        <p:spPr>
-          <a:xfrm>
-            <a:off x="0" y="0"/>
-            <a:ext cx="17967158" cy="533400"/>
-          </a:xfrm>
-          <a:prstGeom prst="rect">
-            <a:avLst/>
-          </a:prstGeom>
-        </p:spPr>
-      </p:pic>
-      <p:pic>
-        <p:nvPicPr>
-          <p:cNvPr id="7" name="Grafik 6">
-            <a:extLst>
-              <a:ext uri="{FF2B5EF4-FFF2-40B4-BE49-F238E27FC236}">
-                <a16:creationId xmlns:a16="http://schemas.microsoft.com/office/drawing/2014/main" id="{D69E3AB2-FDF1-4CE2-9130-48554F747CE8}"/>
-              </a:ext>
-            </a:extLst>
-          </p:cNvPr>
-          <p:cNvPicPr>
-            <a:picLocks noChangeAspect="1"/>
-          </p:cNvPicPr>
-          <p:nvPr/>
-        </p:nvPicPr>
-        <p:blipFill>
-          <a:blip r:embed="rId3">
-            <a:extLst>
-              <a:ext uri="{28A0092B-C50C-407E-A947-70E740481C1C}">
-                <a14:useLocalDpi xmlns:a14="http://schemas.microsoft.com/office/drawing/2010/main" val="0"/>
-              </a:ext>
-            </a:extLst>
-          </a:blip>
-          <a:stretch>
-            <a:fillRect/>
-          </a:stretch>
-        </p:blipFill>
-        <p:spPr>
-          <a:xfrm>
-            <a:off x="-5202027" y="5962249"/>
-            <a:ext cx="17394027" cy="895751"/>
-          </a:xfrm>
-          <a:prstGeom prst="rect">
-            <a:avLst/>
-          </a:prstGeom>
-        </p:spPr>
-      </p:pic>
-      <p:pic>
-        <p:nvPicPr>
-          <p:cNvPr id="13" name="Grafik 12">
-            <a:extLst>
-              <a:ext uri="{FF2B5EF4-FFF2-40B4-BE49-F238E27FC236}">
-                <a16:creationId xmlns:a16="http://schemas.microsoft.com/office/drawing/2014/main" id="{3F15EF38-607C-4029-BB9B-6A63B2AFF21A}"/>
-              </a:ext>
-            </a:extLst>
-          </p:cNvPr>
-          <p:cNvPicPr>
-            <a:picLocks noChangeAspect="1"/>
-          </p:cNvPicPr>
-          <p:nvPr/>
-        </p:nvPicPr>
-        <p:blipFill>
-          <a:blip r:embed="rId4">
-            <a:extLst>
-              <a:ext uri="{28A0092B-C50C-407E-A947-70E740481C1C}">
-                <a14:useLocalDpi xmlns:a14="http://schemas.microsoft.com/office/drawing/2010/main" val="0"/>
-              </a:ext>
-            </a:extLst>
-          </a:blip>
-          <a:stretch>
-            <a:fillRect/>
-          </a:stretch>
-        </p:blipFill>
-        <p:spPr>
-          <a:xfrm>
-            <a:off x="1247555" y="6410124"/>
-            <a:ext cx="4738488" cy="358976"/>
-          </a:xfrm>
-          <a:prstGeom prst="rect">
-            <a:avLst/>
-          </a:prstGeom>
-        </p:spPr>
-      </p:pic>
-    </p:spTree>
-    <p:extLst>
-      <p:ext uri="{BB962C8B-B14F-4D97-AF65-F5344CB8AC3E}">
-        <p14:creationId xmlns:p14="http://schemas.microsoft.com/office/powerpoint/2010/main" val="737356901"/>
-      </p:ext>
-    </p:extLst>
-  </p:cSld>
-  <p:clrMapOvr>
-    <a:masterClrMapping/>
-  </p:clrMapOvr>
-</p:sld>
-</file>
-
-<file path=ppt/slides/slide31.xml><?xml version="1.0" encoding="utf-8"?>
-<p:sld xmlns:a="http://schemas.openxmlformats.org/drawingml/2006/main" xmlns:r="http://schemas.openxmlformats.org/officeDocument/2006/relationships" xmlns:p="http://schemas.openxmlformats.org/presentationml/2006/main">
-  <p:cSld>
-    <p:spTree>
-      <p:nvGrpSpPr>
-        <p:cNvPr id="1" name=""/>
-        <p:cNvGrpSpPr/>
-        <p:nvPr/>
-      </p:nvGrpSpPr>
-      <p:grpSpPr>
-        <a:xfrm>
-          <a:off x="0" y="0"/>
-          <a:ext cx="0" cy="0"/>
-          <a:chOff x="0" y="0"/>
-          <a:chExt cx="0" cy="0"/>
-        </a:xfrm>
-      </p:grpSpPr>
-      <p:sp>
-        <p:nvSpPr>
-          <p:cNvPr id="4" name="Titel 3">
-            <a:extLst>
-              <a:ext uri="{FF2B5EF4-FFF2-40B4-BE49-F238E27FC236}">
-                <a16:creationId xmlns:a16="http://schemas.microsoft.com/office/drawing/2014/main" id="{87AC8795-F72E-4F53-BACC-C551C2D8316A}"/>
-              </a:ext>
-            </a:extLst>
-          </p:cNvPr>
-          <p:cNvSpPr>
-            <a:spLocks noGrp="1"/>
-          </p:cNvSpPr>
-          <p:nvPr>
-            <p:ph type="title"/>
-          </p:nvPr>
-        </p:nvSpPr>
-        <p:spPr/>
-        <p:txBody>
-          <a:bodyPr/>
-          <a:lstStyle/>
-          <a:p>
-            <a:r>
-              <a:rPr lang="de-DE" dirty="0"/>
-              <a:t>Funktionselemente</a:t>
-            </a:r>
-          </a:p>
-        </p:txBody>
-      </p:sp>
-      <p:sp>
-        <p:nvSpPr>
-          <p:cNvPr id="6" name="Inhaltsplatzhalter 5">
-            <a:extLst>
-              <a:ext uri="{FF2B5EF4-FFF2-40B4-BE49-F238E27FC236}">
-                <a16:creationId xmlns:a16="http://schemas.microsoft.com/office/drawing/2014/main" id="{37D42437-95F7-4C64-81D1-F82571A32530}"/>
-              </a:ext>
-            </a:extLst>
-          </p:cNvPr>
-          <p:cNvSpPr>
-            <a:spLocks noGrp="1"/>
-          </p:cNvSpPr>
-          <p:nvPr>
-            <p:ph idx="1"/>
-          </p:nvPr>
-        </p:nvSpPr>
-        <p:spPr/>
-        <p:txBody>
-          <a:bodyPr/>
-          <a:lstStyle/>
-          <a:p>
-            <a:pPr marL="0" indent="0">
-              <a:buNone/>
-            </a:pPr>
-            <a:endParaRPr lang="de-DE" dirty="0"/>
-          </a:p>
-          <a:p>
-            <a:pPr marL="457200" lvl="1" indent="0">
-              <a:buNone/>
-            </a:pPr>
-            <a:endParaRPr lang="de-DE" dirty="0"/>
-          </a:p>
-        </p:txBody>
-      </p:sp>
-      <p:pic>
-        <p:nvPicPr>
-          <p:cNvPr id="5" name="Grafik 4">
-            <a:extLst>
-              <a:ext uri="{FF2B5EF4-FFF2-40B4-BE49-F238E27FC236}">
-                <a16:creationId xmlns:a16="http://schemas.microsoft.com/office/drawing/2014/main" id="{B7E16C27-D378-4829-A890-B1E9782FCB2F}"/>
-              </a:ext>
-            </a:extLst>
-          </p:cNvPr>
-          <p:cNvPicPr>
-            <a:picLocks noChangeAspect="1"/>
-          </p:cNvPicPr>
-          <p:nvPr/>
-        </p:nvPicPr>
-        <p:blipFill>
-          <a:blip r:embed="rId2">
-            <a:extLst>
-              <a:ext uri="{28A0092B-C50C-407E-A947-70E740481C1C}">
-                <a14:useLocalDpi xmlns:a14="http://schemas.microsoft.com/office/drawing/2010/main" val="0"/>
-              </a:ext>
-            </a:extLst>
-          </a:blip>
-          <a:stretch>
-            <a:fillRect/>
-          </a:stretch>
-        </p:blipFill>
-        <p:spPr>
-          <a:xfrm>
-            <a:off x="0" y="0"/>
-            <a:ext cx="17967158" cy="533400"/>
-          </a:xfrm>
-          <a:prstGeom prst="rect">
-            <a:avLst/>
-          </a:prstGeom>
-        </p:spPr>
-      </p:pic>
-      <p:pic>
-        <p:nvPicPr>
-          <p:cNvPr id="7" name="Grafik 6">
-            <a:extLst>
-              <a:ext uri="{FF2B5EF4-FFF2-40B4-BE49-F238E27FC236}">
-                <a16:creationId xmlns:a16="http://schemas.microsoft.com/office/drawing/2014/main" id="{D69E3AB2-FDF1-4CE2-9130-48554F747CE8}"/>
-              </a:ext>
-            </a:extLst>
-          </p:cNvPr>
-          <p:cNvPicPr>
-            <a:picLocks noChangeAspect="1"/>
-          </p:cNvPicPr>
-          <p:nvPr/>
-        </p:nvPicPr>
-        <p:blipFill>
-          <a:blip r:embed="rId3">
-            <a:extLst>
-              <a:ext uri="{28A0092B-C50C-407E-A947-70E740481C1C}">
-                <a14:useLocalDpi xmlns:a14="http://schemas.microsoft.com/office/drawing/2010/main" val="0"/>
-              </a:ext>
-            </a:extLst>
-          </a:blip>
-          <a:stretch>
-            <a:fillRect/>
-          </a:stretch>
-        </p:blipFill>
-        <p:spPr>
-          <a:xfrm>
-            <a:off x="-5202027" y="5962249"/>
-            <a:ext cx="17394027" cy="895751"/>
-          </a:xfrm>
-          <a:prstGeom prst="rect">
-            <a:avLst/>
-          </a:prstGeom>
-        </p:spPr>
-      </p:pic>
-      <p:pic>
-        <p:nvPicPr>
-          <p:cNvPr id="13" name="Grafik 12">
-            <a:extLst>
-              <a:ext uri="{FF2B5EF4-FFF2-40B4-BE49-F238E27FC236}">
-                <a16:creationId xmlns:a16="http://schemas.microsoft.com/office/drawing/2014/main" id="{3F15EF38-607C-4029-BB9B-6A63B2AFF21A}"/>
-              </a:ext>
-            </a:extLst>
-          </p:cNvPr>
-          <p:cNvPicPr>
-            <a:picLocks noChangeAspect="1"/>
-          </p:cNvPicPr>
-          <p:nvPr/>
-        </p:nvPicPr>
-        <p:blipFill>
-          <a:blip r:embed="rId4">
-            <a:extLst>
-              <a:ext uri="{28A0092B-C50C-407E-A947-70E740481C1C}">
-                <a14:useLocalDpi xmlns:a14="http://schemas.microsoft.com/office/drawing/2010/main" val="0"/>
-              </a:ext>
-            </a:extLst>
-          </a:blip>
-          <a:stretch>
-            <a:fillRect/>
-          </a:stretch>
-        </p:blipFill>
-        <p:spPr>
-          <a:xfrm>
-            <a:off x="1247555" y="6410124"/>
-            <a:ext cx="4738488" cy="358976"/>
-          </a:xfrm>
-          <a:prstGeom prst="rect">
-            <a:avLst/>
-          </a:prstGeom>
-        </p:spPr>
-      </p:pic>
-    </p:spTree>
-    <p:extLst>
-      <p:ext uri="{BB962C8B-B14F-4D97-AF65-F5344CB8AC3E}">
-        <p14:creationId xmlns:p14="http://schemas.microsoft.com/office/powerpoint/2010/main" val="2174234159"/>
-      </p:ext>
-    </p:extLst>
-  </p:cSld>
-  <p:clrMapOvr>
-    <a:masterClrMapping/>
-  </p:clrMapOvr>
-  <p:transition spd="slow">
-    <p:push dir="u"/>
-  </p:transition>
-</p:sld>
-</file>
-
-<file path=ppt/slides/slide32.xml><?xml version="1.0" encoding="utf-8"?>
-<p:sld xmlns:a="http://schemas.openxmlformats.org/drawingml/2006/main" xmlns:r="http://schemas.openxmlformats.org/officeDocument/2006/relationships" xmlns:p="http://schemas.openxmlformats.org/presentationml/2006/main">
-  <p:cSld>
-    <p:spTree>
-      <p:nvGrpSpPr>
-        <p:cNvPr id="1" name=""/>
-        <p:cNvGrpSpPr/>
-        <p:nvPr/>
-      </p:nvGrpSpPr>
-      <p:grpSpPr>
-        <a:xfrm>
-          <a:off x="0" y="0"/>
-          <a:ext cx="0" cy="0"/>
-          <a:chOff x="0" y="0"/>
-          <a:chExt cx="0" cy="0"/>
-        </a:xfrm>
-      </p:grpSpPr>
-      <p:sp>
-        <p:nvSpPr>
-          <p:cNvPr id="4" name="Titel 3">
-            <a:extLst>
-              <a:ext uri="{FF2B5EF4-FFF2-40B4-BE49-F238E27FC236}">
-                <a16:creationId xmlns:a16="http://schemas.microsoft.com/office/drawing/2014/main" id="{87AC8795-F72E-4F53-BACC-C551C2D8316A}"/>
-              </a:ext>
-            </a:extLst>
-          </p:cNvPr>
-          <p:cNvSpPr>
-            <a:spLocks noGrp="1"/>
-          </p:cNvSpPr>
-          <p:nvPr>
-            <p:ph type="title"/>
-          </p:nvPr>
-        </p:nvSpPr>
-        <p:spPr/>
-        <p:txBody>
-          <a:bodyPr/>
-          <a:lstStyle/>
-          <a:p>
-            <a:r>
-              <a:rPr lang="de-DE" dirty="0"/>
               <a:t>Funktionselemente</a:t>
             </a:r>
           </a:p>
@@ -13967,7 +13284,7 @@
 </p:sld>
 </file>
 
-<file path=ppt/slides/slide33.xml><?xml version="1.0" encoding="utf-8"?>
+<file path=ppt/slides/slide31.xml><?xml version="1.0" encoding="utf-8"?>
 <p:sld xmlns:a="http://schemas.openxmlformats.org/drawingml/2006/main" xmlns:r="http://schemas.openxmlformats.org/officeDocument/2006/relationships" xmlns:p="http://schemas.openxmlformats.org/presentationml/2006/main">
   <p:cSld>
     <p:spTree>
@@ -14193,7 +13510,7 @@
 </p:sld>
 </file>
 
-<file path=ppt/slides/slide34.xml><?xml version="1.0" encoding="utf-8"?>
+<file path=ppt/slides/slide32.xml><?xml version="1.0" encoding="utf-8"?>
 <p:sld xmlns:a="http://schemas.openxmlformats.org/drawingml/2006/main" xmlns:r="http://schemas.openxmlformats.org/officeDocument/2006/relationships" xmlns:p="http://schemas.openxmlformats.org/presentationml/2006/main">
   <p:cSld>
     <p:spTree>
@@ -14438,7 +13755,7 @@
 </p:sld>
 </file>
 
-<file path=ppt/slides/slide35.xml><?xml version="1.0" encoding="utf-8"?>
+<file path=ppt/slides/slide33.xml><?xml version="1.0" encoding="utf-8"?>
 <p:sld xmlns:a="http://schemas.openxmlformats.org/drawingml/2006/main" xmlns:r="http://schemas.openxmlformats.org/officeDocument/2006/relationships" xmlns:p="http://schemas.openxmlformats.org/presentationml/2006/main">
   <p:cSld>
     <p:spTree>
@@ -14662,7 +13979,7 @@
 </p:sld>
 </file>
 
-<file path=ppt/slides/slide36.xml><?xml version="1.0" encoding="utf-8"?>
+<file path=ppt/slides/slide34.xml><?xml version="1.0" encoding="utf-8"?>
 <p:sld xmlns:a="http://schemas.openxmlformats.org/drawingml/2006/main" xmlns:r="http://schemas.openxmlformats.org/officeDocument/2006/relationships" xmlns:p="http://schemas.openxmlformats.org/presentationml/2006/main">
   <p:cSld>
     <p:spTree>
@@ -14906,7 +14223,7 @@
 </p:sld>
 </file>
 
-<file path=ppt/slides/slide37.xml><?xml version="1.0" encoding="utf-8"?>
+<file path=ppt/slides/slide35.xml><?xml version="1.0" encoding="utf-8"?>
 <p:sld xmlns:a="http://schemas.openxmlformats.org/drawingml/2006/main" xmlns:r="http://schemas.openxmlformats.org/officeDocument/2006/relationships" xmlns:p="http://schemas.openxmlformats.org/presentationml/2006/main">
   <p:cSld>
     <p:spTree>
@@ -15139,7 +14456,7 @@
 </p:sld>
 </file>
 
-<file path=ppt/slides/slide38.xml><?xml version="1.0" encoding="utf-8"?>
+<file path=ppt/slides/slide36.xml><?xml version="1.0" encoding="utf-8"?>
 <p:sld xmlns:a="http://schemas.openxmlformats.org/drawingml/2006/main" xmlns:r="http://schemas.openxmlformats.org/officeDocument/2006/relationships" xmlns:p="http://schemas.openxmlformats.org/presentationml/2006/main">
   <p:cSld>
     <p:spTree>
@@ -15382,7 +14699,7 @@
 </p:sld>
 </file>
 
-<file path=ppt/slides/slide39.xml><?xml version="1.0" encoding="utf-8"?>
+<file path=ppt/slides/slide37.xml><?xml version="1.0" encoding="utf-8"?>
 <p:sld xmlns:a="http://schemas.openxmlformats.org/drawingml/2006/main" xmlns:r="http://schemas.openxmlformats.org/officeDocument/2006/relationships" xmlns:p="http://schemas.openxmlformats.org/presentationml/2006/main">
   <p:cSld>
     <p:spTree>
@@ -15641,63 +14958,7 @@
 </p:sld>
 </file>
 
-<file path=ppt/slides/slide4.xml><?xml version="1.0" encoding="utf-8"?>
-<p:sld xmlns:a="http://schemas.openxmlformats.org/drawingml/2006/main" xmlns:r="http://schemas.openxmlformats.org/officeDocument/2006/relationships" xmlns:p="http://schemas.openxmlformats.org/presentationml/2006/main">
-  <p:cSld>
-    <p:spTree>
-      <p:nvGrpSpPr>
-        <p:cNvPr id="1" name=""/>
-        <p:cNvGrpSpPr/>
-        <p:nvPr/>
-      </p:nvGrpSpPr>
-      <p:grpSpPr>
-        <a:xfrm>
-          <a:off x="0" y="0"/>
-          <a:ext cx="0" cy="0"/>
-          <a:chOff x="0" y="0"/>
-          <a:chExt cx="0" cy="0"/>
-        </a:xfrm>
-      </p:grpSpPr>
-      <p:sp>
-        <p:nvSpPr>
-          <p:cNvPr id="2" name="Titel 1"/>
-          <p:cNvSpPr>
-            <a:spLocks noGrp="1"/>
-          </p:cNvSpPr>
-          <p:nvPr>
-            <p:ph type="title"/>
-          </p:nvPr>
-        </p:nvSpPr>
-        <p:spPr/>
-        <p:txBody>
-          <a:bodyPr rtlCol="0"/>
-          <a:lstStyle/>
-          <a:p>
-            <a:pPr rtl="0"/>
-            <a:r>
-              <a:rPr lang="de-DE" dirty="0"/>
-              <a:t>Entwicklung der Website</a:t>
-            </a:r>
-          </a:p>
-        </p:txBody>
-      </p:sp>
-    </p:spTree>
-    <p:extLst>
-      <p:ext uri="{BB962C8B-B14F-4D97-AF65-F5344CB8AC3E}">
-        <p14:creationId xmlns:p14="http://schemas.microsoft.com/office/powerpoint/2010/main" val="3135020205"/>
-      </p:ext>
-    </p:extLst>
-  </p:cSld>
-  <p:clrMapOvr>
-    <a:masterClrMapping/>
-  </p:clrMapOvr>
-  <p:transition spd="slow">
-    <p:push dir="u"/>
-  </p:transition>
-</p:sld>
-</file>
-
-<file path=ppt/slides/slide40.xml><?xml version="1.0" encoding="utf-8"?>
+<file path=ppt/slides/slide38.xml><?xml version="1.0" encoding="utf-8"?>
 <p:sld xmlns:a="http://schemas.openxmlformats.org/drawingml/2006/main" xmlns:r="http://schemas.openxmlformats.org/officeDocument/2006/relationships" xmlns:p="http://schemas.openxmlformats.org/presentationml/2006/main">
   <p:cSld>
     <p:spTree>
@@ -15920,7 +15181,7 @@
 </p:sld>
 </file>
 
-<file path=ppt/slides/slide41.xml><?xml version="1.0" encoding="utf-8"?>
+<file path=ppt/slides/slide39.xml><?xml version="1.0" encoding="utf-8"?>
 <p:sld xmlns:a="http://schemas.openxmlformats.org/drawingml/2006/main" xmlns:r="http://schemas.openxmlformats.org/officeDocument/2006/relationships" xmlns:p="http://schemas.openxmlformats.org/presentationml/2006/main">
   <p:cSld>
     <p:spTree>
@@ -16094,117 +15355,7 @@
 </p:sld>
 </file>
 
-<file path=ppt/slides/slide5.xml><?xml version="1.0" encoding="utf-8"?>
-<p:sld xmlns:a="http://schemas.openxmlformats.org/drawingml/2006/main" xmlns:r="http://schemas.openxmlformats.org/officeDocument/2006/relationships" xmlns:p="http://schemas.openxmlformats.org/presentationml/2006/main">
-  <p:cSld>
-    <p:spTree>
-      <p:nvGrpSpPr>
-        <p:cNvPr id="1" name=""/>
-        <p:cNvGrpSpPr/>
-        <p:nvPr/>
-      </p:nvGrpSpPr>
-      <p:grpSpPr>
-        <a:xfrm>
-          <a:off x="0" y="0"/>
-          <a:ext cx="0" cy="0"/>
-          <a:chOff x="0" y="0"/>
-          <a:chExt cx="0" cy="0"/>
-        </a:xfrm>
-      </p:grpSpPr>
-      <p:sp>
-        <p:nvSpPr>
-          <p:cNvPr id="2" name="Titel 1"/>
-          <p:cNvSpPr>
-            <a:spLocks noGrp="1"/>
-          </p:cNvSpPr>
-          <p:nvPr>
-            <p:ph type="title"/>
-          </p:nvPr>
-        </p:nvSpPr>
-        <p:spPr/>
-        <p:txBody>
-          <a:bodyPr rtlCol="0"/>
-          <a:lstStyle/>
-          <a:p>
-            <a:pPr rtl="0"/>
-            <a:r>
-              <a:rPr lang="de-DE" dirty="0"/>
-              <a:t>Entwicklung der Website</a:t>
-            </a:r>
-          </a:p>
-        </p:txBody>
-      </p:sp>
-      <p:sp>
-        <p:nvSpPr>
-          <p:cNvPr id="3" name="Inhaltsplatzhalter 2"/>
-          <p:cNvSpPr>
-            <a:spLocks noGrp="1"/>
-          </p:cNvSpPr>
-          <p:nvPr>
-            <p:ph idx="1"/>
-          </p:nvPr>
-        </p:nvSpPr>
-        <p:spPr/>
-        <p:txBody>
-          <a:bodyPr rtlCol="0"/>
-          <a:lstStyle/>
-          <a:p>
-            <a:r>
-              <a:rPr lang="de-DE" dirty="0"/>
-              <a:t>Neue Farben :</a:t>
-            </a:r>
-          </a:p>
-          <a:p>
-            <a:pPr lvl="1"/>
-            <a:r>
-              <a:rPr lang="de-DE" dirty="0"/>
-              <a:t>Orange</a:t>
-            </a:r>
-          </a:p>
-          <a:p>
-            <a:pPr lvl="1"/>
-            <a:r>
-              <a:rPr lang="de-DE" dirty="0"/>
-              <a:t>Grün</a:t>
-            </a:r>
-          </a:p>
-          <a:p>
-            <a:pPr lvl="1"/>
-            <a:r>
-              <a:rPr lang="de-DE" dirty="0"/>
-              <a:t>Schwarz</a:t>
-            </a:r>
-          </a:p>
-          <a:p>
-            <a:pPr marL="411480" lvl="1" indent="0">
-              <a:buNone/>
-            </a:pPr>
-            <a:endParaRPr lang="de-DE" dirty="0"/>
-          </a:p>
-        </p:txBody>
-      </p:sp>
-    </p:spTree>
-    <p:extLst>
-      <p:ext uri="{BB962C8B-B14F-4D97-AF65-F5344CB8AC3E}">
-        <p14:creationId xmlns:p14="http://schemas.microsoft.com/office/powerpoint/2010/main" val="443035206"/>
-      </p:ext>
-    </p:extLst>
-  </p:cSld>
-  <p:clrMapOvr>
-    <a:masterClrMapping/>
-  </p:clrMapOvr>
-  <mc:AlternateContent xmlns:mc="http://schemas.openxmlformats.org/markup-compatibility/2006" xmlns:p14="http://schemas.microsoft.com/office/powerpoint/2010/main">
-    <mc:Choice Requires="p14">
-      <p:transition p14:dur="0"/>
-    </mc:Choice>
-    <mc:Fallback xmlns="">
-      <p:transition/>
-    </mc:Fallback>
-  </mc:AlternateContent>
-</p:sld>
-</file>
-
-<file path=ppt/slides/slide6.xml><?xml version="1.0" encoding="utf-8"?>
+<file path=ppt/slides/slide4.xml><?xml version="1.0" encoding="utf-8"?>
 <p:sld xmlns:a="http://schemas.openxmlformats.org/drawingml/2006/main" xmlns:r="http://schemas.openxmlformats.org/officeDocument/2006/relationships" xmlns:p="http://schemas.openxmlformats.org/presentationml/2006/main">
   <p:cSld>
     <p:spTree>
@@ -16339,7 +15490,7 @@
 </p:sld>
 </file>
 
-<file path=ppt/slides/slide7.xml><?xml version="1.0" encoding="utf-8"?>
+<file path=ppt/slides/slide5.xml><?xml version="1.0" encoding="utf-8"?>
 <p:sld xmlns:a="http://schemas.openxmlformats.org/drawingml/2006/main" xmlns:r="http://schemas.openxmlformats.org/officeDocument/2006/relationships" xmlns:p="http://schemas.openxmlformats.org/presentationml/2006/main">
   <p:cSld>
     <p:spTree>
@@ -16453,7 +15604,7 @@
 </p:sld>
 </file>
 
-<file path=ppt/slides/slide8.xml><?xml version="1.0" encoding="utf-8"?>
+<file path=ppt/slides/slide6.xml><?xml version="1.0" encoding="utf-8"?>
 <p:sld xmlns:a="http://schemas.openxmlformats.org/drawingml/2006/main" xmlns:r="http://schemas.openxmlformats.org/officeDocument/2006/relationships" xmlns:p="http://schemas.openxmlformats.org/presentationml/2006/main">
   <p:cSld>
     <p:spTree>
@@ -16639,7 +15790,7 @@
 </p:sld>
 </file>
 
-<file path=ppt/slides/slide9.xml><?xml version="1.0" encoding="utf-8"?>
+<file path=ppt/slides/slide7.xml><?xml version="1.0" encoding="utf-8"?>
 <p:sld xmlns:a="http://schemas.openxmlformats.org/drawingml/2006/main" xmlns:r="http://schemas.openxmlformats.org/officeDocument/2006/relationships" xmlns:p="http://schemas.openxmlformats.org/presentationml/2006/main">
   <p:cSld>
     <p:spTree>
@@ -16810,6 +15961,399 @@
   <p:transition spd="slow">
     <p:push dir="u"/>
   </p:transition>
+</p:sld>
+</file>
+
+<file path=ppt/slides/slide8.xml><?xml version="1.0" encoding="utf-8"?>
+<p:sld xmlns:a="http://schemas.openxmlformats.org/drawingml/2006/main" xmlns:r="http://schemas.openxmlformats.org/officeDocument/2006/relationships" xmlns:p="http://schemas.openxmlformats.org/presentationml/2006/main">
+  <p:cSld>
+    <p:spTree>
+      <p:nvGrpSpPr>
+        <p:cNvPr id="1" name=""/>
+        <p:cNvGrpSpPr/>
+        <p:nvPr/>
+      </p:nvGrpSpPr>
+      <p:grpSpPr>
+        <a:xfrm>
+          <a:off x="0" y="0"/>
+          <a:ext cx="0" cy="0"/>
+          <a:chOff x="0" y="0"/>
+          <a:chExt cx="0" cy="0"/>
+        </a:xfrm>
+      </p:grpSpPr>
+      <p:sp>
+        <p:nvSpPr>
+          <p:cNvPr id="4" name="Titel 3">
+            <a:extLst>
+              <a:ext uri="{FF2B5EF4-FFF2-40B4-BE49-F238E27FC236}">
+                <a16:creationId xmlns:a16="http://schemas.microsoft.com/office/drawing/2014/main" id="{87AC8795-F72E-4F53-BACC-C551C2D8316A}"/>
+              </a:ext>
+            </a:extLst>
+          </p:cNvPr>
+          <p:cNvSpPr>
+            <a:spLocks noGrp="1"/>
+          </p:cNvSpPr>
+          <p:nvPr>
+            <p:ph type="title"/>
+          </p:nvPr>
+        </p:nvSpPr>
+        <p:spPr/>
+        <p:txBody>
+          <a:bodyPr/>
+          <a:lstStyle/>
+          <a:p>
+            <a:r>
+              <a:rPr lang="de-DE" dirty="0"/>
+              <a:t>Eingesetzte Technologien</a:t>
+            </a:r>
+          </a:p>
+        </p:txBody>
+      </p:sp>
+      <p:pic>
+        <p:nvPicPr>
+          <p:cNvPr id="5" name="Grafik 4">
+            <a:extLst>
+              <a:ext uri="{FF2B5EF4-FFF2-40B4-BE49-F238E27FC236}">
+                <a16:creationId xmlns:a16="http://schemas.microsoft.com/office/drawing/2014/main" id="{B7E16C27-D378-4829-A890-B1E9782FCB2F}"/>
+              </a:ext>
+            </a:extLst>
+          </p:cNvPr>
+          <p:cNvPicPr>
+            <a:picLocks noChangeAspect="1"/>
+          </p:cNvPicPr>
+          <p:nvPr/>
+        </p:nvPicPr>
+        <p:blipFill>
+          <a:blip r:embed="rId2">
+            <a:extLst>
+              <a:ext uri="{28A0092B-C50C-407E-A947-70E740481C1C}">
+                <a14:useLocalDpi xmlns:a14="http://schemas.microsoft.com/office/drawing/2010/main" val="0"/>
+              </a:ext>
+            </a:extLst>
+          </a:blip>
+          <a:stretch>
+            <a:fillRect/>
+          </a:stretch>
+        </p:blipFill>
+        <p:spPr>
+          <a:xfrm>
+            <a:off x="0" y="0"/>
+            <a:ext cx="17967158" cy="533400"/>
+          </a:xfrm>
+          <a:prstGeom prst="rect">
+            <a:avLst/>
+          </a:prstGeom>
+        </p:spPr>
+      </p:pic>
+      <p:pic>
+        <p:nvPicPr>
+          <p:cNvPr id="7" name="Grafik 6">
+            <a:extLst>
+              <a:ext uri="{FF2B5EF4-FFF2-40B4-BE49-F238E27FC236}">
+                <a16:creationId xmlns:a16="http://schemas.microsoft.com/office/drawing/2014/main" id="{D69E3AB2-FDF1-4CE2-9130-48554F747CE8}"/>
+              </a:ext>
+            </a:extLst>
+          </p:cNvPr>
+          <p:cNvPicPr>
+            <a:picLocks noChangeAspect="1"/>
+          </p:cNvPicPr>
+          <p:nvPr/>
+        </p:nvPicPr>
+        <p:blipFill>
+          <a:blip r:embed="rId3">
+            <a:extLst>
+              <a:ext uri="{28A0092B-C50C-407E-A947-70E740481C1C}">
+                <a14:useLocalDpi xmlns:a14="http://schemas.microsoft.com/office/drawing/2010/main" val="0"/>
+              </a:ext>
+            </a:extLst>
+          </a:blip>
+          <a:stretch>
+            <a:fillRect/>
+          </a:stretch>
+        </p:blipFill>
+        <p:spPr>
+          <a:xfrm>
+            <a:off x="-5202027" y="5962249"/>
+            <a:ext cx="17394027" cy="895751"/>
+          </a:xfrm>
+          <a:prstGeom prst="rect">
+            <a:avLst/>
+          </a:prstGeom>
+        </p:spPr>
+      </p:pic>
+      <p:pic>
+        <p:nvPicPr>
+          <p:cNvPr id="13" name="Grafik 12">
+            <a:extLst>
+              <a:ext uri="{FF2B5EF4-FFF2-40B4-BE49-F238E27FC236}">
+                <a16:creationId xmlns:a16="http://schemas.microsoft.com/office/drawing/2014/main" id="{3F15EF38-607C-4029-BB9B-6A63B2AFF21A}"/>
+              </a:ext>
+            </a:extLst>
+          </p:cNvPr>
+          <p:cNvPicPr>
+            <a:picLocks noChangeAspect="1"/>
+          </p:cNvPicPr>
+          <p:nvPr/>
+        </p:nvPicPr>
+        <p:blipFill>
+          <a:blip r:embed="rId4">
+            <a:extLst>
+              <a:ext uri="{28A0092B-C50C-407E-A947-70E740481C1C}">
+                <a14:useLocalDpi xmlns:a14="http://schemas.microsoft.com/office/drawing/2010/main" val="0"/>
+              </a:ext>
+            </a:extLst>
+          </a:blip>
+          <a:stretch>
+            <a:fillRect/>
+          </a:stretch>
+        </p:blipFill>
+        <p:spPr>
+          <a:xfrm>
+            <a:off x="1247555" y="6410124"/>
+            <a:ext cx="4738488" cy="358976"/>
+          </a:xfrm>
+          <a:prstGeom prst="rect">
+            <a:avLst/>
+          </a:prstGeom>
+        </p:spPr>
+      </p:pic>
+    </p:spTree>
+    <p:extLst>
+      <p:ext uri="{BB962C8B-B14F-4D97-AF65-F5344CB8AC3E}">
+        <p14:creationId xmlns:p14="http://schemas.microsoft.com/office/powerpoint/2010/main" val="2397511853"/>
+      </p:ext>
+    </p:extLst>
+  </p:cSld>
+  <p:clrMapOvr>
+    <a:masterClrMapping/>
+  </p:clrMapOvr>
+  <p:transition spd="slow">
+    <p:push dir="u"/>
+  </p:transition>
+</p:sld>
+</file>
+
+<file path=ppt/slides/slide9.xml><?xml version="1.0" encoding="utf-8"?>
+<p:sld xmlns:a="http://schemas.openxmlformats.org/drawingml/2006/main" xmlns:r="http://schemas.openxmlformats.org/officeDocument/2006/relationships" xmlns:p="http://schemas.openxmlformats.org/presentationml/2006/main">
+  <p:cSld>
+    <p:spTree>
+      <p:nvGrpSpPr>
+        <p:cNvPr id="1" name=""/>
+        <p:cNvGrpSpPr/>
+        <p:nvPr/>
+      </p:nvGrpSpPr>
+      <p:grpSpPr>
+        <a:xfrm>
+          <a:off x="0" y="0"/>
+          <a:ext cx="0" cy="0"/>
+          <a:chOff x="0" y="0"/>
+          <a:chExt cx="0" cy="0"/>
+        </a:xfrm>
+      </p:grpSpPr>
+      <p:sp>
+        <p:nvSpPr>
+          <p:cNvPr id="4" name="Titel 3">
+            <a:extLst>
+              <a:ext uri="{FF2B5EF4-FFF2-40B4-BE49-F238E27FC236}">
+                <a16:creationId xmlns:a16="http://schemas.microsoft.com/office/drawing/2014/main" id="{87AC8795-F72E-4F53-BACC-C551C2D8316A}"/>
+              </a:ext>
+            </a:extLst>
+          </p:cNvPr>
+          <p:cNvSpPr>
+            <a:spLocks noGrp="1"/>
+          </p:cNvSpPr>
+          <p:nvPr>
+            <p:ph type="title"/>
+          </p:nvPr>
+        </p:nvSpPr>
+        <p:spPr/>
+        <p:txBody>
+          <a:bodyPr/>
+          <a:lstStyle/>
+          <a:p>
+            <a:r>
+              <a:rPr lang="de-DE" dirty="0"/>
+              <a:t>Eingesetzte Technologien</a:t>
+            </a:r>
+          </a:p>
+        </p:txBody>
+      </p:sp>
+      <p:sp>
+        <p:nvSpPr>
+          <p:cNvPr id="6" name="Inhaltsplatzhalter 5">
+            <a:extLst>
+              <a:ext uri="{FF2B5EF4-FFF2-40B4-BE49-F238E27FC236}">
+                <a16:creationId xmlns:a16="http://schemas.microsoft.com/office/drawing/2014/main" id="{37D42437-95F7-4C64-81D1-F82571A32530}"/>
+              </a:ext>
+            </a:extLst>
+          </p:cNvPr>
+          <p:cNvSpPr>
+            <a:spLocks noGrp="1"/>
+          </p:cNvSpPr>
+          <p:nvPr>
+            <p:ph idx="1"/>
+          </p:nvPr>
+        </p:nvSpPr>
+        <p:spPr>
+          <a:xfrm>
+            <a:off x="838200" y="1825625"/>
+            <a:ext cx="10515600" cy="4351338"/>
+          </a:xfrm>
+        </p:spPr>
+        <p:txBody>
+          <a:bodyPr/>
+          <a:lstStyle/>
+          <a:p>
+            <a:r>
+              <a:rPr lang="de-DE" dirty="0"/>
+              <a:t>Programmiersprachen</a:t>
+            </a:r>
+          </a:p>
+          <a:p>
+            <a:pPr lvl="1"/>
+            <a:r>
+              <a:rPr lang="de-DE" dirty="0"/>
+              <a:t>HTML</a:t>
+            </a:r>
+          </a:p>
+          <a:p>
+            <a:pPr lvl="1"/>
+            <a:r>
+              <a:rPr lang="de-DE" dirty="0"/>
+              <a:t>CSS</a:t>
+            </a:r>
+          </a:p>
+          <a:p>
+            <a:pPr lvl="1"/>
+            <a:r>
+              <a:rPr lang="de-DE" dirty="0"/>
+              <a:t>JavaScript</a:t>
+            </a:r>
+          </a:p>
+          <a:p>
+            <a:pPr lvl="1"/>
+            <a:endParaRPr lang="de-DE" dirty="0"/>
+          </a:p>
+        </p:txBody>
+      </p:sp>
+      <p:pic>
+        <p:nvPicPr>
+          <p:cNvPr id="5" name="Grafik 4">
+            <a:extLst>
+              <a:ext uri="{FF2B5EF4-FFF2-40B4-BE49-F238E27FC236}">
+                <a16:creationId xmlns:a16="http://schemas.microsoft.com/office/drawing/2014/main" id="{B7E16C27-D378-4829-A890-B1E9782FCB2F}"/>
+              </a:ext>
+            </a:extLst>
+          </p:cNvPr>
+          <p:cNvPicPr>
+            <a:picLocks noChangeAspect="1"/>
+          </p:cNvPicPr>
+          <p:nvPr/>
+        </p:nvPicPr>
+        <p:blipFill>
+          <a:blip r:embed="rId2">
+            <a:extLst>
+              <a:ext uri="{28A0092B-C50C-407E-A947-70E740481C1C}">
+                <a14:useLocalDpi xmlns:a14="http://schemas.microsoft.com/office/drawing/2010/main" val="0"/>
+              </a:ext>
+            </a:extLst>
+          </a:blip>
+          <a:stretch>
+            <a:fillRect/>
+          </a:stretch>
+        </p:blipFill>
+        <p:spPr>
+          <a:xfrm>
+            <a:off x="0" y="0"/>
+            <a:ext cx="17967158" cy="533400"/>
+          </a:xfrm>
+          <a:prstGeom prst="rect">
+            <a:avLst/>
+          </a:prstGeom>
+        </p:spPr>
+      </p:pic>
+      <p:pic>
+        <p:nvPicPr>
+          <p:cNvPr id="7" name="Grafik 6">
+            <a:extLst>
+              <a:ext uri="{FF2B5EF4-FFF2-40B4-BE49-F238E27FC236}">
+                <a16:creationId xmlns:a16="http://schemas.microsoft.com/office/drawing/2014/main" id="{D69E3AB2-FDF1-4CE2-9130-48554F747CE8}"/>
+              </a:ext>
+            </a:extLst>
+          </p:cNvPr>
+          <p:cNvPicPr>
+            <a:picLocks noChangeAspect="1"/>
+          </p:cNvPicPr>
+          <p:nvPr/>
+        </p:nvPicPr>
+        <p:blipFill>
+          <a:blip r:embed="rId3">
+            <a:extLst>
+              <a:ext uri="{28A0092B-C50C-407E-A947-70E740481C1C}">
+                <a14:useLocalDpi xmlns:a14="http://schemas.microsoft.com/office/drawing/2010/main" val="0"/>
+              </a:ext>
+            </a:extLst>
+          </a:blip>
+          <a:stretch>
+            <a:fillRect/>
+          </a:stretch>
+        </p:blipFill>
+        <p:spPr>
+          <a:xfrm>
+            <a:off x="-5202027" y="5962249"/>
+            <a:ext cx="17394027" cy="895751"/>
+          </a:xfrm>
+          <a:prstGeom prst="rect">
+            <a:avLst/>
+          </a:prstGeom>
+        </p:spPr>
+      </p:pic>
+      <p:pic>
+        <p:nvPicPr>
+          <p:cNvPr id="13" name="Grafik 12">
+            <a:extLst>
+              <a:ext uri="{FF2B5EF4-FFF2-40B4-BE49-F238E27FC236}">
+                <a16:creationId xmlns:a16="http://schemas.microsoft.com/office/drawing/2014/main" id="{3F15EF38-607C-4029-BB9B-6A63B2AFF21A}"/>
+              </a:ext>
+            </a:extLst>
+          </p:cNvPr>
+          <p:cNvPicPr>
+            <a:picLocks noChangeAspect="1"/>
+          </p:cNvPicPr>
+          <p:nvPr/>
+        </p:nvPicPr>
+        <p:blipFill>
+          <a:blip r:embed="rId4">
+            <a:extLst>
+              <a:ext uri="{28A0092B-C50C-407E-A947-70E740481C1C}">
+                <a14:useLocalDpi xmlns:a14="http://schemas.microsoft.com/office/drawing/2010/main" val="0"/>
+              </a:ext>
+            </a:extLst>
+          </a:blip>
+          <a:stretch>
+            <a:fillRect/>
+          </a:stretch>
+        </p:blipFill>
+        <p:spPr>
+          <a:xfrm>
+            <a:off x="1247555" y="6410124"/>
+            <a:ext cx="4738488" cy="358976"/>
+          </a:xfrm>
+          <a:prstGeom prst="rect">
+            <a:avLst/>
+          </a:prstGeom>
+        </p:spPr>
+      </p:pic>
+    </p:spTree>
+    <p:extLst>
+      <p:ext uri="{BB962C8B-B14F-4D97-AF65-F5344CB8AC3E}">
+        <p14:creationId xmlns:p14="http://schemas.microsoft.com/office/powerpoint/2010/main" val="1318730117"/>
+      </p:ext>
+    </p:extLst>
+  </p:cSld>
+  <p:clrMapOvr>
+    <a:masterClrMapping/>
+  </p:clrMapOvr>
 </p:sld>
 </file>
 
